--- a/tex/FOSE2023/image/system.pptx
+++ b/tex/FOSE2023/image/system.pptx
@@ -107,6 +107,11 @@
       </a:defRPr>
     </a:lvl9pPr>
   </p:defaultTextStyle>
+  <p:extLst>
+    <p:ext uri="{EFAFB233-063F-42B5-8137-9DF3F51BA10A}">
+      <p15:sldGuideLst xmlns:p15="http://schemas.microsoft.com/office/powerpoint/2012/main"/>
+    </p:ext>
+  </p:extLst>
 </p:presentation>
 </file>
 
@@ -192,7 +197,7 @@
           <a:p>
             <a:fld id="{8AE0427F-8028-6A4C-8958-E7992CF2B20D}" type="datetimeFigureOut">
               <a:rPr kumimoji="1" lang="ja-JP" altLang="en-US" smtClean="0"/>
-              <a:t>2023/7/8</a:t>
+              <a:t>2023/9/11</a:t>
             </a:fld>
             <a:endParaRPr kumimoji="1" lang="ja-JP" altLang="en-US"/>
           </a:p>
@@ -722,7 +727,7 @@
           <a:p>
             <a:fld id="{9DB260BD-05E7-D440-9A5D-90486720DAF8}" type="datetimeFigureOut">
               <a:rPr kumimoji="1" lang="ja-JP" altLang="en-US" smtClean="0"/>
-              <a:t>2023/7/8</a:t>
+              <a:t>2023/9/11</a:t>
             </a:fld>
             <a:endParaRPr kumimoji="1" lang="ja-JP" altLang="en-US"/>
           </a:p>
@@ -952,7 +957,7 @@
           <a:p>
             <a:fld id="{9DB260BD-05E7-D440-9A5D-90486720DAF8}" type="datetimeFigureOut">
               <a:rPr kumimoji="1" lang="ja-JP" altLang="en-US" smtClean="0"/>
-              <a:t>2023/7/8</a:t>
+              <a:t>2023/9/11</a:t>
             </a:fld>
             <a:endParaRPr kumimoji="1" lang="ja-JP" altLang="en-US"/>
           </a:p>
@@ -1192,7 +1197,7 @@
           <a:p>
             <a:fld id="{9DB260BD-05E7-D440-9A5D-90486720DAF8}" type="datetimeFigureOut">
               <a:rPr kumimoji="1" lang="ja-JP" altLang="en-US" smtClean="0"/>
-              <a:t>2023/7/8</a:t>
+              <a:t>2023/9/11</a:t>
             </a:fld>
             <a:endParaRPr kumimoji="1" lang="ja-JP" altLang="en-US"/>
           </a:p>
@@ -1422,7 +1427,7 @@
           <a:p>
             <a:fld id="{9DB260BD-05E7-D440-9A5D-90486720DAF8}" type="datetimeFigureOut">
               <a:rPr kumimoji="1" lang="ja-JP" altLang="en-US" smtClean="0"/>
-              <a:t>2023/7/8</a:t>
+              <a:t>2023/9/11</a:t>
             </a:fld>
             <a:endParaRPr kumimoji="1" lang="ja-JP" altLang="en-US"/>
           </a:p>
@@ -1697,7 +1702,7 @@
           <a:p>
             <a:fld id="{9DB260BD-05E7-D440-9A5D-90486720DAF8}" type="datetimeFigureOut">
               <a:rPr kumimoji="1" lang="ja-JP" altLang="en-US" smtClean="0"/>
-              <a:t>2023/7/8</a:t>
+              <a:t>2023/9/11</a:t>
             </a:fld>
             <a:endParaRPr kumimoji="1" lang="ja-JP" altLang="en-US"/>
           </a:p>
@@ -2026,7 +2031,7 @@
           <a:p>
             <a:fld id="{9DB260BD-05E7-D440-9A5D-90486720DAF8}" type="datetimeFigureOut">
               <a:rPr kumimoji="1" lang="ja-JP" altLang="en-US" smtClean="0"/>
-              <a:t>2023/7/8</a:t>
+              <a:t>2023/9/11</a:t>
             </a:fld>
             <a:endParaRPr kumimoji="1" lang="ja-JP" altLang="en-US"/>
           </a:p>
@@ -2502,7 +2507,7 @@
           <a:p>
             <a:fld id="{9DB260BD-05E7-D440-9A5D-90486720DAF8}" type="datetimeFigureOut">
               <a:rPr kumimoji="1" lang="ja-JP" altLang="en-US" smtClean="0"/>
-              <a:t>2023/7/8</a:t>
+              <a:t>2023/9/11</a:t>
             </a:fld>
             <a:endParaRPr kumimoji="1" lang="ja-JP" altLang="en-US"/>
           </a:p>
@@ -2643,7 +2648,7 @@
           <a:p>
             <a:fld id="{9DB260BD-05E7-D440-9A5D-90486720DAF8}" type="datetimeFigureOut">
               <a:rPr kumimoji="1" lang="ja-JP" altLang="en-US" smtClean="0"/>
-              <a:t>2023/7/8</a:t>
+              <a:t>2023/9/11</a:t>
             </a:fld>
             <a:endParaRPr kumimoji="1" lang="ja-JP" altLang="en-US"/>
           </a:p>
@@ -2756,7 +2761,7 @@
           <a:p>
             <a:fld id="{9DB260BD-05E7-D440-9A5D-90486720DAF8}" type="datetimeFigureOut">
               <a:rPr kumimoji="1" lang="ja-JP" altLang="en-US" smtClean="0"/>
-              <a:t>2023/7/8</a:t>
+              <a:t>2023/9/11</a:t>
             </a:fld>
             <a:endParaRPr kumimoji="1" lang="ja-JP" altLang="en-US"/>
           </a:p>
@@ -3099,7 +3104,7 @@
           <a:p>
             <a:fld id="{9DB260BD-05E7-D440-9A5D-90486720DAF8}" type="datetimeFigureOut">
               <a:rPr kumimoji="1" lang="ja-JP" altLang="en-US" smtClean="0"/>
-              <a:t>2023/7/8</a:t>
+              <a:t>2023/9/11</a:t>
             </a:fld>
             <a:endParaRPr kumimoji="1" lang="ja-JP" altLang="en-US"/>
           </a:p>
@@ -3387,7 +3392,7 @@
           <a:p>
             <a:fld id="{9DB260BD-05E7-D440-9A5D-90486720DAF8}" type="datetimeFigureOut">
               <a:rPr kumimoji="1" lang="ja-JP" altLang="en-US" smtClean="0"/>
-              <a:t>2023/7/8</a:t>
+              <a:t>2023/9/11</a:t>
             </a:fld>
             <a:endParaRPr kumimoji="1" lang="ja-JP" altLang="en-US"/>
           </a:p>
@@ -3660,7 +3665,7 @@
           <a:p>
             <a:fld id="{9DB260BD-05E7-D440-9A5D-90486720DAF8}" type="datetimeFigureOut">
               <a:rPr kumimoji="1" lang="ja-JP" altLang="en-US" smtClean="0"/>
-              <a:t>2023/7/8</a:t>
+              <a:t>2023/9/11</a:t>
             </a:fld>
             <a:endParaRPr kumimoji="1" lang="ja-JP" altLang="en-US"/>
           </a:p>
@@ -9873,12 +9878,16 @@
           <a:p>
             <a:pPr algn="ctr"/>
             <a:r>
-              <a:rPr kumimoji="1" lang="ja-JP" altLang="en-US" sz="1100">
+              <a:rPr kumimoji="1" lang="ja-AU" altLang="en-US" sz="1100" dirty="0">
                 <a:latin typeface="Hiragino Kaku Gothic Pro W3" panose="020B0300000000000000" pitchFamily="34" charset="-128"/>
                 <a:ea typeface="Hiragino Kaku Gothic Pro W3" panose="020B0300000000000000" pitchFamily="34" charset="-128"/>
               </a:rPr>
-              <a:t>スクリプト</a:t>
-            </a:r>
+              <a:t>推薦コード</a:t>
+            </a:r>
+            <a:endParaRPr kumimoji="1" lang="ja-JP" altLang="en-US" sz="1100">
+              <a:latin typeface="Hiragino Kaku Gothic Pro W3" panose="020B0300000000000000" pitchFamily="34" charset="-128"/>
+              <a:ea typeface="Hiragino Kaku Gothic Pro W3" panose="020B0300000000000000" pitchFamily="34" charset="-128"/>
+            </a:endParaRPr>
           </a:p>
         </p:txBody>
       </p:sp>
@@ -9912,12 +9921,16 @@
           <a:p>
             <a:pPr algn="ctr"/>
             <a:r>
-              <a:rPr kumimoji="1" lang="ja-JP" altLang="en-US" sz="1100">
+              <a:rPr lang="ja-AU" altLang="en-US" sz="1100" dirty="0">
                 <a:latin typeface="Hiragino Kaku Gothic Pro W3" panose="020B0300000000000000" pitchFamily="34" charset="-128"/>
                 <a:ea typeface="Hiragino Kaku Gothic Pro W3" panose="020B0300000000000000" pitchFamily="34" charset="-128"/>
               </a:rPr>
-              <a:t>スクリプト</a:t>
-            </a:r>
+              <a:t>推薦コード</a:t>
+            </a:r>
+            <a:endParaRPr kumimoji="1" lang="ja-JP" altLang="en-US" sz="1100">
+              <a:latin typeface="Hiragino Kaku Gothic Pro W3" panose="020B0300000000000000" pitchFamily="34" charset="-128"/>
+              <a:ea typeface="Hiragino Kaku Gothic Pro W3" panose="020B0300000000000000" pitchFamily="34" charset="-128"/>
+            </a:endParaRPr>
           </a:p>
         </p:txBody>
       </p:sp>
@@ -9951,12 +9964,16 @@
           <a:p>
             <a:pPr algn="ctr"/>
             <a:r>
-              <a:rPr kumimoji="1" lang="ja-JP" altLang="en-US" sz="1100">
+              <a:rPr lang="ja-AU" altLang="en-US" sz="1100" dirty="0">
                 <a:latin typeface="Hiragino Kaku Gothic Pro W3" panose="020B0300000000000000" pitchFamily="34" charset="-128"/>
                 <a:ea typeface="Hiragino Kaku Gothic Pro W3" panose="020B0300000000000000" pitchFamily="34" charset="-128"/>
               </a:rPr>
-              <a:t>スクリプト</a:t>
-            </a:r>
+              <a:t>推薦コード</a:t>
+            </a:r>
+            <a:endParaRPr kumimoji="1" lang="ja-JP" altLang="en-US" sz="1100">
+              <a:latin typeface="Hiragino Kaku Gothic Pro W3" panose="020B0300000000000000" pitchFamily="34" charset="-128"/>
+              <a:ea typeface="Hiragino Kaku Gothic Pro W3" panose="020B0300000000000000" pitchFamily="34" charset="-128"/>
+            </a:endParaRPr>
           </a:p>
         </p:txBody>
       </p:sp>
@@ -10377,8 +10394,8 @@
           <a:noFill/>
         </p:spPr>
       </p:pic>
-      <mc:AlternateContent xmlns:mc="http://schemas.openxmlformats.org/markup-compatibility/2006" xmlns:a14="http://schemas.microsoft.com/office/drawing/2010/main">
-        <mc:Choice Requires="a14">
+      <mc:AlternateContent xmlns:mc="http://schemas.openxmlformats.org/markup-compatibility/2006">
+        <mc:Choice xmlns:a14="http://schemas.microsoft.com/office/drawing/2010/main" Requires="a14">
           <p:sp>
             <p:nvSpPr>
               <p:cNvPr id="11" name="テキスト ボックス 10">
@@ -10459,13 +10476,24 @@
                     <a:latin typeface="Hiragino Kaku Gothic Pro W3" panose="020B0300000000000000" pitchFamily="34" charset="-128"/>
                     <a:ea typeface="Hiragino Kaku Gothic Pro W3" panose="020B0300000000000000" pitchFamily="34" charset="-128"/>
                   </a:rPr>
-                  <a:t>推薦した各スクリプト</a:t>
+                  <a:t>推薦した各</a:t>
                 </a:r>
+                <a:r>
+                  <a:rPr kumimoji="1" lang="ja-AU" altLang="en-US" sz="1100" dirty="0">
+                    <a:latin typeface="Hiragino Kaku Gothic Pro W3" panose="020B0300000000000000" pitchFamily="34" charset="-128"/>
+                    <a:ea typeface="Hiragino Kaku Gothic Pro W3" panose="020B0300000000000000" pitchFamily="34" charset="-128"/>
+                  </a:rPr>
+                  <a:t>コード</a:t>
+                </a:r>
+                <a:endParaRPr kumimoji="1" lang="ja-JP" altLang="en-US" sz="1100">
+                  <a:latin typeface="Hiragino Kaku Gothic Pro W3" panose="020B0300000000000000" pitchFamily="34" charset="-128"/>
+                  <a:ea typeface="Hiragino Kaku Gothic Pro W3" panose="020B0300000000000000" pitchFamily="34" charset="-128"/>
+                </a:endParaRPr>
               </a:p>
             </p:txBody>
           </p:sp>
         </mc:Choice>
-        <mc:Fallback xmlns="">
+        <mc:Fallback>
           <p:sp>
             <p:nvSpPr>
               <p:cNvPr id="11" name="テキスト ボックス 10">
@@ -10500,7 +10528,7 @@
               <a:lstStyle/>
               <a:p>
                 <a:r>
-                  <a:rPr lang="ja-JP" altLang="en-US">
+                  <a:rPr lang="ja-AU" altLang="en-US">
                     <a:noFill/>
                   </a:rPr>
                   <a:t> </a:t>
@@ -11158,7 +11186,21 @@
                 <a:latin typeface="Hiragino Kaku Gothic Pro W3" panose="020B0300000000000000" pitchFamily="34" charset="-128"/>
                 <a:ea typeface="Hiragino Kaku Gothic Pro W3" panose="020B0300000000000000" pitchFamily="34" charset="-128"/>
               </a:rPr>
-              <a:t>各スクリプトの出力</a:t>
+              <a:t>各</a:t>
+            </a:r>
+            <a:r>
+              <a:rPr lang="ja-AU" altLang="en-US" sz="1100" dirty="0">
+                <a:latin typeface="Hiragino Kaku Gothic Pro W3" panose="020B0300000000000000" pitchFamily="34" charset="-128"/>
+                <a:ea typeface="Hiragino Kaku Gothic Pro W3" panose="020B0300000000000000" pitchFamily="34" charset="-128"/>
+              </a:rPr>
+              <a:t>コード</a:t>
+            </a:r>
+            <a:r>
+              <a:rPr lang="ja-JP" altLang="en-US" sz="1100">
+                <a:latin typeface="Hiragino Kaku Gothic Pro W3" panose="020B0300000000000000" pitchFamily="34" charset="-128"/>
+                <a:ea typeface="Hiragino Kaku Gothic Pro W3" panose="020B0300000000000000" pitchFamily="34" charset="-128"/>
+              </a:rPr>
+              <a:t>の出力</a:t>
             </a:r>
             <a:endParaRPr kumimoji="1" lang="ja-JP" altLang="en-US" sz="1100">
               <a:latin typeface="Hiragino Kaku Gothic Pro W3" panose="020B0300000000000000" pitchFamily="34" charset="-128"/>
@@ -12043,8 +12085,8 @@
           <a:noFill/>
         </p:spPr>
       </p:pic>
-      <mc:AlternateContent xmlns:mc="http://schemas.openxmlformats.org/markup-compatibility/2006" xmlns:a14="http://schemas.microsoft.com/office/drawing/2010/main">
-        <mc:Choice Requires="a14">
+      <mc:AlternateContent xmlns:mc="http://schemas.openxmlformats.org/markup-compatibility/2006">
+        <mc:Choice xmlns:a14="http://schemas.microsoft.com/office/drawing/2010/main" Requires="a14">
           <p:sp>
             <p:nvSpPr>
               <p:cNvPr id="34" name="テキスト ボックス 33">
@@ -12125,13 +12167,24 @@
                     <a:latin typeface="Hiragino Kaku Gothic Pro W3" panose="020B0300000000000000" pitchFamily="34" charset="-128"/>
                     <a:ea typeface="Hiragino Kaku Gothic Pro W3" panose="020B0300000000000000" pitchFamily="34" charset="-128"/>
                   </a:rPr>
-                  <a:t>推薦した各スクリプト</a:t>
+                  <a:t>推薦した各</a:t>
                 </a:r>
+                <a:r>
+                  <a:rPr kumimoji="1" lang="ja-AU" altLang="en-US" sz="1100" dirty="0">
+                    <a:latin typeface="Hiragino Kaku Gothic Pro W3" panose="020B0300000000000000" pitchFamily="34" charset="-128"/>
+                    <a:ea typeface="Hiragino Kaku Gothic Pro W3" panose="020B0300000000000000" pitchFamily="34" charset="-128"/>
+                  </a:rPr>
+                  <a:t>コード</a:t>
+                </a:r>
+                <a:endParaRPr kumimoji="1" lang="ja-JP" altLang="en-US" sz="1100">
+                  <a:latin typeface="Hiragino Kaku Gothic Pro W3" panose="020B0300000000000000" pitchFamily="34" charset="-128"/>
+                  <a:ea typeface="Hiragino Kaku Gothic Pro W3" panose="020B0300000000000000" pitchFamily="34" charset="-128"/>
+                </a:endParaRPr>
               </a:p>
             </p:txBody>
           </p:sp>
         </mc:Choice>
-        <mc:Fallback xmlns="">
+        <mc:Fallback>
           <p:sp>
             <p:nvSpPr>
               <p:cNvPr id="34" name="テキスト ボックス 33">
@@ -12166,7 +12219,7 @@
               <a:lstStyle/>
               <a:p>
                 <a:r>
-                  <a:rPr lang="ja-JP" altLang="en-US">
+                  <a:rPr lang="ja-AU" altLang="en-US">
                     <a:noFill/>
                   </a:rPr>
                   <a:t> </a:t>
@@ -12824,7 +12877,21 @@
                 <a:latin typeface="Hiragino Kaku Gothic Pro W3" panose="020B0300000000000000" pitchFamily="34" charset="-128"/>
                 <a:ea typeface="Hiragino Kaku Gothic Pro W3" panose="020B0300000000000000" pitchFamily="34" charset="-128"/>
               </a:rPr>
-              <a:t>各スクリプトの出力</a:t>
+              <a:t>各</a:t>
+            </a:r>
+            <a:r>
+              <a:rPr lang="ja-AU" altLang="en-US" sz="1100">
+                <a:latin typeface="Hiragino Kaku Gothic Pro W3" panose="020B0300000000000000" pitchFamily="34" charset="-128"/>
+                <a:ea typeface="Hiragino Kaku Gothic Pro W3" panose="020B0300000000000000" pitchFamily="34" charset="-128"/>
+              </a:rPr>
+              <a:t>コード</a:t>
+            </a:r>
+            <a:r>
+              <a:rPr lang="ja-JP" altLang="en-US" sz="1100">
+                <a:latin typeface="Hiragino Kaku Gothic Pro W3" panose="020B0300000000000000" pitchFamily="34" charset="-128"/>
+                <a:ea typeface="Hiragino Kaku Gothic Pro W3" panose="020B0300000000000000" pitchFamily="34" charset="-128"/>
+              </a:rPr>
+              <a:t>の出力</a:t>
             </a:r>
             <a:endParaRPr kumimoji="1" lang="ja-JP" altLang="en-US" sz="1100">
               <a:latin typeface="Hiragino Kaku Gothic Pro W3" panose="020B0300000000000000" pitchFamily="34" charset="-128"/>

--- a/tex/FOSE2023/image/system.pptx
+++ b/tex/FOSE2023/image/system.pptx
@@ -197,7 +197,7 @@
           <a:p>
             <a:fld id="{8AE0427F-8028-6A4C-8958-E7992CF2B20D}" type="datetimeFigureOut">
               <a:rPr kumimoji="1" lang="ja-JP" altLang="en-US" smtClean="0"/>
-              <a:t>2023/9/11</a:t>
+              <a:t>2023/10/1</a:t>
             </a:fld>
             <a:endParaRPr kumimoji="1" lang="ja-JP" altLang="en-US"/>
           </a:p>
@@ -727,7 +727,7 @@
           <a:p>
             <a:fld id="{9DB260BD-05E7-D440-9A5D-90486720DAF8}" type="datetimeFigureOut">
               <a:rPr kumimoji="1" lang="ja-JP" altLang="en-US" smtClean="0"/>
-              <a:t>2023/9/11</a:t>
+              <a:t>2023/10/1</a:t>
             </a:fld>
             <a:endParaRPr kumimoji="1" lang="ja-JP" altLang="en-US"/>
           </a:p>
@@ -957,7 +957,7 @@
           <a:p>
             <a:fld id="{9DB260BD-05E7-D440-9A5D-90486720DAF8}" type="datetimeFigureOut">
               <a:rPr kumimoji="1" lang="ja-JP" altLang="en-US" smtClean="0"/>
-              <a:t>2023/9/11</a:t>
+              <a:t>2023/10/1</a:t>
             </a:fld>
             <a:endParaRPr kumimoji="1" lang="ja-JP" altLang="en-US"/>
           </a:p>
@@ -1197,7 +1197,7 @@
           <a:p>
             <a:fld id="{9DB260BD-05E7-D440-9A5D-90486720DAF8}" type="datetimeFigureOut">
               <a:rPr kumimoji="1" lang="ja-JP" altLang="en-US" smtClean="0"/>
-              <a:t>2023/9/11</a:t>
+              <a:t>2023/10/1</a:t>
             </a:fld>
             <a:endParaRPr kumimoji="1" lang="ja-JP" altLang="en-US"/>
           </a:p>
@@ -1427,7 +1427,7 @@
           <a:p>
             <a:fld id="{9DB260BD-05E7-D440-9A5D-90486720DAF8}" type="datetimeFigureOut">
               <a:rPr kumimoji="1" lang="ja-JP" altLang="en-US" smtClean="0"/>
-              <a:t>2023/9/11</a:t>
+              <a:t>2023/10/1</a:t>
             </a:fld>
             <a:endParaRPr kumimoji="1" lang="ja-JP" altLang="en-US"/>
           </a:p>
@@ -1702,7 +1702,7 @@
           <a:p>
             <a:fld id="{9DB260BD-05E7-D440-9A5D-90486720DAF8}" type="datetimeFigureOut">
               <a:rPr kumimoji="1" lang="ja-JP" altLang="en-US" smtClean="0"/>
-              <a:t>2023/9/11</a:t>
+              <a:t>2023/10/1</a:t>
             </a:fld>
             <a:endParaRPr kumimoji="1" lang="ja-JP" altLang="en-US"/>
           </a:p>
@@ -2031,7 +2031,7 @@
           <a:p>
             <a:fld id="{9DB260BD-05E7-D440-9A5D-90486720DAF8}" type="datetimeFigureOut">
               <a:rPr kumimoji="1" lang="ja-JP" altLang="en-US" smtClean="0"/>
-              <a:t>2023/9/11</a:t>
+              <a:t>2023/10/1</a:t>
             </a:fld>
             <a:endParaRPr kumimoji="1" lang="ja-JP" altLang="en-US"/>
           </a:p>
@@ -2507,7 +2507,7 @@
           <a:p>
             <a:fld id="{9DB260BD-05E7-D440-9A5D-90486720DAF8}" type="datetimeFigureOut">
               <a:rPr kumimoji="1" lang="ja-JP" altLang="en-US" smtClean="0"/>
-              <a:t>2023/9/11</a:t>
+              <a:t>2023/10/1</a:t>
             </a:fld>
             <a:endParaRPr kumimoji="1" lang="ja-JP" altLang="en-US"/>
           </a:p>
@@ -2648,7 +2648,7 @@
           <a:p>
             <a:fld id="{9DB260BD-05E7-D440-9A5D-90486720DAF8}" type="datetimeFigureOut">
               <a:rPr kumimoji="1" lang="ja-JP" altLang="en-US" smtClean="0"/>
-              <a:t>2023/9/11</a:t>
+              <a:t>2023/10/1</a:t>
             </a:fld>
             <a:endParaRPr kumimoji="1" lang="ja-JP" altLang="en-US"/>
           </a:p>
@@ -2761,7 +2761,7 @@
           <a:p>
             <a:fld id="{9DB260BD-05E7-D440-9A5D-90486720DAF8}" type="datetimeFigureOut">
               <a:rPr kumimoji="1" lang="ja-JP" altLang="en-US" smtClean="0"/>
-              <a:t>2023/9/11</a:t>
+              <a:t>2023/10/1</a:t>
             </a:fld>
             <a:endParaRPr kumimoji="1" lang="ja-JP" altLang="en-US"/>
           </a:p>
@@ -3104,7 +3104,7 @@
           <a:p>
             <a:fld id="{9DB260BD-05E7-D440-9A5D-90486720DAF8}" type="datetimeFigureOut">
               <a:rPr kumimoji="1" lang="ja-JP" altLang="en-US" smtClean="0"/>
-              <a:t>2023/9/11</a:t>
+              <a:t>2023/10/1</a:t>
             </a:fld>
             <a:endParaRPr kumimoji="1" lang="ja-JP" altLang="en-US"/>
           </a:p>
@@ -3392,7 +3392,7 @@
           <a:p>
             <a:fld id="{9DB260BD-05E7-D440-9A5D-90486720DAF8}" type="datetimeFigureOut">
               <a:rPr kumimoji="1" lang="ja-JP" altLang="en-US" smtClean="0"/>
-              <a:t>2023/9/11</a:t>
+              <a:t>2023/10/1</a:t>
             </a:fld>
             <a:endParaRPr kumimoji="1" lang="ja-JP" altLang="en-US"/>
           </a:p>
@@ -3665,7 +3665,7 @@
           <a:p>
             <a:fld id="{9DB260BD-05E7-D440-9A5D-90486720DAF8}" type="datetimeFigureOut">
               <a:rPr kumimoji="1" lang="ja-JP" altLang="en-US" smtClean="0"/>
-              <a:t>2023/9/11</a:t>
+              <a:t>2023/10/1</a:t>
             </a:fld>
             <a:endParaRPr kumimoji="1" lang="ja-JP" altLang="en-US"/>
           </a:p>
@@ -4096,10 +4096,10 @@
         </p:nvGrpSpPr>
         <p:grpSpPr>
           <a:xfrm>
-            <a:off x="43213" y="98958"/>
-            <a:ext cx="5975999" cy="3018013"/>
-            <a:chOff x="442452" y="233016"/>
-            <a:chExt cx="11454580" cy="1349978"/>
+            <a:off x="43213" y="83568"/>
+            <a:ext cx="5975999" cy="3033403"/>
+            <a:chOff x="442452" y="226132"/>
+            <a:chExt cx="11454580" cy="1356862"/>
           </a:xfrm>
         </p:grpSpPr>
         <p:sp>
@@ -4150,7 +4150,10 @@
             <a:lstStyle/>
             <a:p>
               <a:pPr algn="ctr"/>
-              <a:endParaRPr kumimoji="1" lang="ja-JP" altLang="en-US"/>
+              <a:endParaRPr kumimoji="1" lang="ja-JP" altLang="en-US">
+                <a:latin typeface="Hiragino Sans W4" panose="020B0400000000000000" pitchFamily="34" charset="-128"/>
+                <a:ea typeface="Hiragino Sans W4" panose="020B0400000000000000" pitchFamily="34" charset="-128"/>
+              </a:endParaRPr>
             </a:p>
           </p:txBody>
         </p:sp>
@@ -4168,8 +4171,8 @@
           </p:nvSpPr>
           <p:spPr>
             <a:xfrm>
-              <a:off x="1196846" y="233016"/>
-              <a:ext cx="3937819" cy="123904"/>
+              <a:off x="1196844" y="226132"/>
+              <a:ext cx="4551036" cy="137671"/>
             </a:xfrm>
             <a:prstGeom prst="rect">
               <a:avLst/>
@@ -4186,16 +4189,16 @@
             <a:p>
               <a:pPr algn="ctr"/>
               <a:r>
-                <a:rPr kumimoji="1" lang="en-US" altLang="ja-JP" sz="1200" dirty="0">
-                  <a:latin typeface="Hiragino Kaku Gothic Pro W3" panose="020B0300000000000000" pitchFamily="34" charset="-128"/>
-                  <a:ea typeface="Hiragino Kaku Gothic Pro W3" panose="020B0300000000000000" pitchFamily="34" charset="-128"/>
+                <a:rPr kumimoji="1" lang="en-US" altLang="ja-JP" sz="1400" dirty="0">
+                  <a:latin typeface="Hiragino Sans W4" panose="020B0400000000000000" pitchFamily="34" charset="-128"/>
+                  <a:ea typeface="Hiragino Sans W4" panose="020B0400000000000000" pitchFamily="34" charset="-128"/>
                 </a:rPr>
                 <a:t>STEP1 : </a:t>
               </a:r>
               <a:r>
-                <a:rPr kumimoji="1" lang="ja-JP" altLang="en-US" sz="1200">
-                  <a:latin typeface="Hiragino Kaku Gothic Pro W3" panose="020B0300000000000000" pitchFamily="34" charset="-128"/>
-                  <a:ea typeface="Hiragino Kaku Gothic Pro W3" panose="020B0300000000000000" pitchFamily="34" charset="-128"/>
+                <a:rPr kumimoji="1" lang="ja-JP" altLang="en-US" sz="1400">
+                  <a:latin typeface="Hiragino Sans W4" panose="020B0400000000000000" pitchFamily="34" charset="-128"/>
+                  <a:ea typeface="Hiragino Sans W4" panose="020B0400000000000000" pitchFamily="34" charset="-128"/>
                 </a:rPr>
                 <a:t>データセット構築</a:t>
               </a:r>
@@ -4217,10 +4220,10 @@
         </p:nvGrpSpPr>
         <p:grpSpPr>
           <a:xfrm>
-            <a:off x="6172788" y="98960"/>
-            <a:ext cx="5975999" cy="3018011"/>
-            <a:chOff x="442452" y="233017"/>
-            <a:chExt cx="11454580" cy="1349977"/>
+            <a:off x="6172788" y="83570"/>
+            <a:ext cx="5975999" cy="3033401"/>
+            <a:chOff x="442452" y="226133"/>
+            <a:chExt cx="11454580" cy="1356861"/>
           </a:xfrm>
         </p:grpSpPr>
         <p:sp>
@@ -4271,7 +4274,10 @@
             <a:lstStyle/>
             <a:p>
               <a:pPr algn="ctr"/>
-              <a:endParaRPr kumimoji="1" lang="ja-JP" altLang="en-US"/>
+              <a:endParaRPr kumimoji="1" lang="ja-JP" altLang="en-US">
+                <a:latin typeface="Hiragino Sans W4" panose="020B0400000000000000" pitchFamily="34" charset="-128"/>
+                <a:ea typeface="Hiragino Sans W4" panose="020B0400000000000000" pitchFamily="34" charset="-128"/>
+              </a:endParaRPr>
             </a:p>
           </p:txBody>
         </p:sp>
@@ -4289,8 +4295,8 @@
           </p:nvSpPr>
           <p:spPr>
             <a:xfrm>
-              <a:off x="1196846" y="233017"/>
-              <a:ext cx="3450175" cy="123904"/>
+              <a:off x="1196846" y="226133"/>
+              <a:ext cx="3670898" cy="137671"/>
             </a:xfrm>
             <a:prstGeom prst="rect">
               <a:avLst/>
@@ -4307,16 +4313,16 @@
             <a:p>
               <a:pPr algn="ctr"/>
               <a:r>
-                <a:rPr kumimoji="1" lang="en-US" altLang="ja-JP" sz="1200" dirty="0">
-                  <a:latin typeface="Hiragino Kaku Gothic Pro W3" panose="020B0300000000000000" pitchFamily="34" charset="-128"/>
-                  <a:ea typeface="Hiragino Kaku Gothic Pro W3" panose="020B0300000000000000" pitchFamily="34" charset="-128"/>
+                <a:rPr kumimoji="1" lang="en-US" altLang="ja-JP" sz="1400" dirty="0">
+                  <a:latin typeface="Hiragino Sans W4" panose="020B0400000000000000" pitchFamily="34" charset="-128"/>
+                  <a:ea typeface="Hiragino Sans W4" panose="020B0400000000000000" pitchFamily="34" charset="-128"/>
                 </a:rPr>
                 <a:t>STEP2 : </a:t>
               </a:r>
               <a:r>
-                <a:rPr kumimoji="1" lang="ja-JP" altLang="en-US" sz="1200">
-                  <a:latin typeface="Hiragino Kaku Gothic Pro W3" panose="020B0300000000000000" pitchFamily="34" charset="-128"/>
-                  <a:ea typeface="Hiragino Kaku Gothic Pro W3" panose="020B0300000000000000" pitchFamily="34" charset="-128"/>
+                <a:rPr kumimoji="1" lang="ja-JP" altLang="en-US" sz="1400">
+                  <a:latin typeface="Hiragino Sans W4" panose="020B0400000000000000" pitchFamily="34" charset="-128"/>
+                  <a:ea typeface="Hiragino Sans W4" panose="020B0400000000000000" pitchFamily="34" charset="-128"/>
                 </a:rPr>
                 <a:t>コード推薦</a:t>
               </a:r>
@@ -4338,10 +4344,10 @@
         </p:nvGrpSpPr>
         <p:grpSpPr>
           <a:xfrm>
-            <a:off x="43213" y="3225262"/>
-            <a:ext cx="12105574" cy="3605265"/>
-            <a:chOff x="442452" y="243510"/>
-            <a:chExt cx="23203529" cy="1339484"/>
+            <a:off x="43213" y="3209877"/>
+            <a:ext cx="12105574" cy="3620651"/>
+            <a:chOff x="442452" y="237794"/>
+            <a:chExt cx="23203529" cy="1345200"/>
           </a:xfrm>
         </p:grpSpPr>
         <p:sp>
@@ -4392,7 +4398,10 @@
             <a:lstStyle/>
             <a:p>
               <a:pPr algn="ctr"/>
-              <a:endParaRPr kumimoji="1" lang="ja-JP" altLang="en-US"/>
+              <a:endParaRPr kumimoji="1" lang="ja-JP" altLang="en-US">
+                <a:latin typeface="Hiragino Sans W4" panose="020B0400000000000000" pitchFamily="34" charset="-128"/>
+                <a:ea typeface="Hiragino Sans W4" panose="020B0400000000000000" pitchFamily="34" charset="-128"/>
+              </a:endParaRPr>
             </a:p>
           </p:txBody>
         </p:sp>
@@ -4410,8 +4419,8 @@
           </p:nvSpPr>
           <p:spPr>
             <a:xfrm>
-              <a:off x="1196846" y="243510"/>
-              <a:ext cx="5790652" cy="102915"/>
+              <a:off x="1196844" y="237794"/>
+              <a:ext cx="6710204" cy="114350"/>
             </a:xfrm>
             <a:prstGeom prst="rect">
               <a:avLst/>
@@ -4428,30 +4437,30 @@
             <a:p>
               <a:pPr algn="ctr"/>
               <a:r>
-                <a:rPr kumimoji="1" lang="en-US" altLang="ja-JP" sz="1200" dirty="0">
-                  <a:latin typeface="Hiragino Kaku Gothic Pro W3" panose="020B0300000000000000" pitchFamily="34" charset="-128"/>
-                  <a:ea typeface="Hiragino Kaku Gothic Pro W3" panose="020B0300000000000000" pitchFamily="34" charset="-128"/>
+                <a:rPr kumimoji="1" lang="en-US" altLang="ja-JP" sz="1400" dirty="0">
+                  <a:latin typeface="Hiragino Sans W4" panose="020B0400000000000000" pitchFamily="34" charset="-128"/>
+                  <a:ea typeface="Hiragino Sans W4" panose="020B0400000000000000" pitchFamily="34" charset="-128"/>
                 </a:rPr>
                 <a:t>STEP3 : </a:t>
               </a:r>
               <a:r>
-                <a:rPr kumimoji="1" lang="ja-JP" altLang="en-US" sz="1200">
-                  <a:latin typeface="Hiragino Kaku Gothic Pro W3" panose="020B0300000000000000" pitchFamily="34" charset="-128"/>
-                  <a:ea typeface="Hiragino Kaku Gothic Pro W3" panose="020B0300000000000000" pitchFamily="34" charset="-128"/>
+                <a:rPr kumimoji="1" lang="ja-JP" altLang="en-US" sz="1400">
+                  <a:latin typeface="Hiragino Sans W4" panose="020B0400000000000000" pitchFamily="34" charset="-128"/>
+                  <a:ea typeface="Hiragino Sans W4" panose="020B0400000000000000" pitchFamily="34" charset="-128"/>
                 </a:rPr>
                 <a:t>取得</a:t>
               </a:r>
               <a:r>
-                <a:rPr lang="ja-JP" altLang="en-US" sz="1200">
-                  <a:latin typeface="Hiragino Kaku Gothic Pro W3" panose="020B0300000000000000" pitchFamily="34" charset="-128"/>
-                  <a:ea typeface="Hiragino Kaku Gothic Pro W3" panose="020B0300000000000000" pitchFamily="34" charset="-128"/>
+                <a:rPr lang="ja-JP" altLang="en-US" sz="1400">
+                  <a:latin typeface="Hiragino Sans W4" panose="020B0400000000000000" pitchFamily="34" charset="-128"/>
+                  <a:ea typeface="Hiragino Sans W4" panose="020B0400000000000000" pitchFamily="34" charset="-128"/>
                 </a:rPr>
                 <a:t>スクリプト</a:t>
               </a:r>
               <a:r>
-                <a:rPr kumimoji="1" lang="ja-JP" altLang="en-US" sz="1200">
-                  <a:latin typeface="Hiragino Kaku Gothic Pro W3" panose="020B0300000000000000" pitchFamily="34" charset="-128"/>
-                  <a:ea typeface="Hiragino Kaku Gothic Pro W3" panose="020B0300000000000000" pitchFamily="34" charset="-128"/>
+                <a:rPr kumimoji="1" lang="ja-JP" altLang="en-US" sz="1400">
+                  <a:latin typeface="Hiragino Sans W4" panose="020B0400000000000000" pitchFamily="34" charset="-128"/>
+                  <a:ea typeface="Hiragino Sans W4" panose="020B0400000000000000" pitchFamily="34" charset="-128"/>
                 </a:rPr>
                 <a:t>のテストと評価</a:t>
               </a:r>
@@ -4490,14 +4499,14 @@
             <a:pPr algn="ctr"/>
             <a:r>
               <a:rPr lang="en-US" altLang="ja-JP" sz="1200" dirty="0">
-                <a:latin typeface="Hiragino Kaku Gothic Pro W3" panose="020B0300000000000000" pitchFamily="34" charset="-128"/>
-                <a:ea typeface="Hiragino Kaku Gothic Pro W3" panose="020B0300000000000000" pitchFamily="34" charset="-128"/>
+                <a:latin typeface="Hiragino Sans W4" panose="020B0400000000000000" pitchFamily="34" charset="-128"/>
+                <a:ea typeface="Hiragino Sans W4" panose="020B0400000000000000" pitchFamily="34" charset="-128"/>
               </a:rPr>
               <a:t>(1)</a:t>
             </a:r>
             <a:endParaRPr kumimoji="1" lang="ja-JP" altLang="en-US" sz="1200">
-              <a:latin typeface="Hiragino Kaku Gothic Pro W3" panose="020B0300000000000000" pitchFamily="34" charset="-128"/>
-              <a:ea typeface="Hiragino Kaku Gothic Pro W3" panose="020B0300000000000000" pitchFamily="34" charset="-128"/>
+              <a:latin typeface="Hiragino Sans W4" panose="020B0400000000000000" pitchFamily="34" charset="-128"/>
+              <a:ea typeface="Hiragino Sans W4" panose="020B0400000000000000" pitchFamily="34" charset="-128"/>
             </a:endParaRPr>
           </a:p>
         </p:txBody>
@@ -4533,14 +4542,14 @@
             <a:pPr algn="ctr"/>
             <a:r>
               <a:rPr lang="en-US" altLang="ja-JP" sz="1200" dirty="0">
-                <a:latin typeface="Hiragino Kaku Gothic Pro W3" panose="020B0300000000000000" pitchFamily="34" charset="-128"/>
-                <a:ea typeface="Hiragino Kaku Gothic Pro W3" panose="020B0300000000000000" pitchFamily="34" charset="-128"/>
+                <a:latin typeface="Hiragino Sans W4" panose="020B0400000000000000" pitchFamily="34" charset="-128"/>
+                <a:ea typeface="Hiragino Sans W4" panose="020B0400000000000000" pitchFamily="34" charset="-128"/>
               </a:rPr>
               <a:t>(2)</a:t>
             </a:r>
             <a:endParaRPr kumimoji="1" lang="ja-JP" altLang="en-US" sz="1200">
-              <a:latin typeface="Hiragino Kaku Gothic Pro W3" panose="020B0300000000000000" pitchFamily="34" charset="-128"/>
-              <a:ea typeface="Hiragino Kaku Gothic Pro W3" panose="020B0300000000000000" pitchFamily="34" charset="-128"/>
+              <a:latin typeface="Hiragino Sans W4" panose="020B0400000000000000" pitchFamily="34" charset="-128"/>
+              <a:ea typeface="Hiragino Sans W4" panose="020B0400000000000000" pitchFamily="34" charset="-128"/>
             </a:endParaRPr>
           </a:p>
         </p:txBody>
@@ -4561,7 +4570,7 @@
         </p:nvCxnSpPr>
         <p:spPr>
           <a:xfrm>
-            <a:off x="1244905" y="1612230"/>
+            <a:off x="1181845" y="1612230"/>
             <a:ext cx="476861" cy="0"/>
           </a:xfrm>
           <a:prstGeom prst="straightConnector1">
@@ -4633,10 +4642,10 @@
         </p:nvGrpSpPr>
         <p:grpSpPr>
           <a:xfrm>
-            <a:off x="217257" y="1201121"/>
-            <a:ext cx="860103" cy="939636"/>
-            <a:chOff x="3539607" y="1121743"/>
-            <a:chExt cx="860103" cy="939636"/>
+            <a:off x="92230" y="1111483"/>
+            <a:ext cx="1055974" cy="964946"/>
+            <a:chOff x="3414415" y="1121743"/>
+            <a:chExt cx="1055974" cy="964946"/>
           </a:xfrm>
         </p:grpSpPr>
         <p:sp>
@@ -4653,8 +4662,8 @@
           </p:nvSpPr>
           <p:spPr>
             <a:xfrm>
-              <a:off x="3539607" y="1784380"/>
-              <a:ext cx="860103" cy="276999"/>
+              <a:off x="3414415" y="1778912"/>
+              <a:ext cx="1055974" cy="307777"/>
             </a:xfrm>
             <a:prstGeom prst="rect">
               <a:avLst/>
@@ -4671,15 +4680,15 @@
             <a:p>
               <a:pPr algn="ctr"/>
               <a:r>
-                <a:rPr lang="en-US" altLang="ja-JP" sz="1200" dirty="0" err="1">
-                  <a:latin typeface="Hiragino Kaku Gothic Pro W3" panose="020B0300000000000000" pitchFamily="34" charset="-128"/>
-                  <a:ea typeface="Hiragino Kaku Gothic Pro W3" panose="020B0300000000000000" pitchFamily="34" charset="-128"/>
+                <a:rPr lang="en-US" altLang="ja-JP" sz="1400" dirty="0" err="1">
+                  <a:latin typeface="Hiragino Sans W4" panose="020B0400000000000000" pitchFamily="34" charset="-128"/>
+                  <a:ea typeface="Hiragino Sans W4" panose="020B0400000000000000" pitchFamily="34" charset="-128"/>
                 </a:rPr>
                 <a:t>AtCoder</a:t>
               </a:r>
-              <a:endParaRPr kumimoji="1" lang="ja-JP" altLang="en-US" sz="1200">
-                <a:latin typeface="Hiragino Kaku Gothic Pro W3" panose="020B0300000000000000" pitchFamily="34" charset="-128"/>
-                <a:ea typeface="Hiragino Kaku Gothic Pro W3" panose="020B0300000000000000" pitchFamily="34" charset="-128"/>
+              <a:endParaRPr kumimoji="1" lang="ja-JP" altLang="en-US" sz="1400">
+                <a:latin typeface="Hiragino Sans W4" panose="020B0400000000000000" pitchFamily="34" charset="-128"/>
+                <a:ea typeface="Hiragino Sans W4" panose="020B0400000000000000" pitchFamily="34" charset="-128"/>
               </a:endParaRPr>
             </a:p>
           </p:txBody>
@@ -4735,10 +4744,10 @@
         </p:nvGrpSpPr>
         <p:grpSpPr>
           <a:xfrm>
-            <a:off x="1448273" y="374519"/>
-            <a:ext cx="1462819" cy="887722"/>
-            <a:chOff x="-12380" y="1881999"/>
-            <a:chExt cx="1553658" cy="942848"/>
+            <a:off x="1385007" y="374514"/>
+            <a:ext cx="1588360" cy="927987"/>
+            <a:chOff x="-79574" y="1881999"/>
+            <a:chExt cx="1686995" cy="985615"/>
           </a:xfrm>
         </p:grpSpPr>
         <p:grpSp>
@@ -4811,7 +4820,10 @@
               <a:lstStyle/>
               <a:p>
                 <a:pPr algn="ctr"/>
-                <a:endParaRPr kumimoji="1" lang="ja-JP" altLang="en-US"/>
+                <a:endParaRPr kumimoji="1" lang="ja-JP" altLang="en-US">
+                  <a:latin typeface="Hiragino Sans W4" panose="020B0400000000000000" pitchFamily="34" charset="-128"/>
+                  <a:ea typeface="Hiragino Sans W4" panose="020B0400000000000000" pitchFamily="34" charset="-128"/>
+                </a:endParaRPr>
               </a:p>
             </p:txBody>
           </p:sp>
@@ -4865,7 +4877,10 @@
               <a:lstStyle/>
               <a:p>
                 <a:pPr algn="ctr"/>
-                <a:endParaRPr kumimoji="1" lang="ja-JP" altLang="en-US"/>
+                <a:endParaRPr kumimoji="1" lang="ja-JP" altLang="en-US">
+                  <a:latin typeface="Hiragino Sans W4" panose="020B0400000000000000" pitchFamily="34" charset="-128"/>
+                  <a:ea typeface="Hiragino Sans W4" panose="020B0400000000000000" pitchFamily="34" charset="-128"/>
+                </a:endParaRPr>
               </a:p>
             </p:txBody>
           </p:sp>
@@ -4919,7 +4934,10 @@
               <a:lstStyle/>
               <a:p>
                 <a:pPr algn="ctr"/>
-                <a:endParaRPr kumimoji="1" lang="ja-JP" altLang="en-US"/>
+                <a:endParaRPr kumimoji="1" lang="ja-JP" altLang="en-US">
+                  <a:latin typeface="Hiragino Sans W4" panose="020B0400000000000000" pitchFamily="34" charset="-128"/>
+                  <a:ea typeface="Hiragino Sans W4" panose="020B0400000000000000" pitchFamily="34" charset="-128"/>
+                </a:endParaRPr>
               </a:p>
             </p:txBody>
           </p:sp>
@@ -4938,8 +4956,8 @@
           </p:nvSpPr>
           <p:spPr>
             <a:xfrm>
-              <a:off x="-12380" y="2546991"/>
-              <a:ext cx="1553658" cy="277856"/>
+              <a:off x="-79574" y="2573414"/>
+              <a:ext cx="1686995" cy="294200"/>
             </a:xfrm>
             <a:prstGeom prst="rect">
               <a:avLst/>
@@ -4956,9 +4974,9 @@
             <a:p>
               <a:pPr algn="ctr"/>
               <a:r>
-                <a:rPr kumimoji="1" lang="ja-JP" altLang="en-US" sz="1100">
-                  <a:latin typeface="Hiragino Kaku Gothic Pro W3" panose="020B0300000000000000" pitchFamily="34" charset="-128"/>
-                  <a:ea typeface="Hiragino Kaku Gothic Pro W3" panose="020B0300000000000000" pitchFamily="34" charset="-128"/>
+                <a:rPr kumimoji="1" lang="ja-JP" altLang="en-US" sz="1200">
+                  <a:latin typeface="Hiragino Sans W4" panose="020B0400000000000000" pitchFamily="34" charset="-128"/>
+                  <a:ea typeface="Hiragino Sans W4" panose="020B0400000000000000" pitchFamily="34" charset="-128"/>
                 </a:rPr>
                 <a:t>日本語データセット</a:t>
               </a:r>
@@ -4980,7 +4998,7 @@
         </p:nvGrpSpPr>
         <p:grpSpPr>
           <a:xfrm>
-            <a:off x="2795289" y="364543"/>
+            <a:off x="2816309" y="364543"/>
             <a:ext cx="2949631" cy="724795"/>
             <a:chOff x="2795289" y="315383"/>
             <a:chExt cx="2949631" cy="724795"/>
@@ -5037,7 +5055,10 @@
             <a:lstStyle/>
             <a:p>
               <a:pPr algn="ctr"/>
-              <a:endParaRPr kumimoji="1" lang="ja-JP" altLang="en-US" dirty="0"/>
+              <a:endParaRPr kumimoji="1" lang="ja-JP" altLang="en-US" dirty="0">
+                <a:latin typeface="Hiragino Sans W4" panose="020B0400000000000000" pitchFamily="34" charset="-128"/>
+                <a:ea typeface="Hiragino Sans W4" panose="020B0400000000000000" pitchFamily="34" charset="-128"/>
+              </a:endParaRPr>
             </a:p>
           </p:txBody>
         </p:sp>
@@ -5167,7 +5188,10 @@
                 <a:lstStyle/>
                 <a:p>
                   <a:pPr algn="ctr"/>
-                  <a:endParaRPr kumimoji="1" lang="ja-JP" altLang="en-US"/>
+                  <a:endParaRPr kumimoji="1" lang="ja-JP" altLang="en-US">
+                    <a:latin typeface="Hiragino Sans W4" panose="020B0400000000000000" pitchFamily="34" charset="-128"/>
+                    <a:ea typeface="Hiragino Sans W4" panose="020B0400000000000000" pitchFamily="34" charset="-128"/>
+                  </a:endParaRPr>
                 </a:p>
               </p:txBody>
             </p:sp>
@@ -5186,8 +5210,8 @@
             </p:nvSpPr>
             <p:spPr>
               <a:xfrm>
-                <a:off x="3885731" y="909264"/>
-                <a:ext cx="402721" cy="276999"/>
+                <a:off x="3885731" y="924702"/>
+                <a:ext cx="402721" cy="246123"/>
               </a:xfrm>
               <a:prstGeom prst="rect">
                 <a:avLst/>
@@ -5203,14 +5227,14 @@
                 <a:pPr algn="ctr"/>
                 <a:r>
                   <a:rPr lang="en-US" altLang="ja-JP" sz="1200" dirty="0">
-                    <a:latin typeface="Hiragino Kaku Gothic Pro W3" panose="020B0300000000000000" pitchFamily="34" charset="-128"/>
-                    <a:ea typeface="Hiragino Kaku Gothic Pro W3" panose="020B0300000000000000" pitchFamily="34" charset="-128"/>
+                    <a:latin typeface="Hiragino Sans W4" panose="020B0400000000000000" pitchFamily="34" charset="-128"/>
+                    <a:ea typeface="Hiragino Sans W4" panose="020B0400000000000000" pitchFamily="34" charset="-128"/>
                   </a:rPr>
                   <a:t>A</a:t>
                 </a:r>
                 <a:endParaRPr kumimoji="1" lang="ja-JP" altLang="en-US" sz="1200">
-                  <a:latin typeface="Hiragino Kaku Gothic Pro W3" panose="020B0300000000000000" pitchFamily="34" charset="-128"/>
-                  <a:ea typeface="Hiragino Kaku Gothic Pro W3" panose="020B0300000000000000" pitchFamily="34" charset="-128"/>
+                  <a:latin typeface="Hiragino Sans W4" panose="020B0400000000000000" pitchFamily="34" charset="-128"/>
+                  <a:ea typeface="Hiragino Sans W4" panose="020B0400000000000000" pitchFamily="34" charset="-128"/>
                 </a:endParaRPr>
               </a:p>
             </p:txBody>
@@ -5342,7 +5366,10 @@
                 <a:lstStyle/>
                 <a:p>
                   <a:pPr algn="ctr"/>
-                  <a:endParaRPr kumimoji="1" lang="ja-JP" altLang="en-US"/>
+                  <a:endParaRPr kumimoji="1" lang="ja-JP" altLang="en-US">
+                    <a:latin typeface="Hiragino Sans W4" panose="020B0400000000000000" pitchFamily="34" charset="-128"/>
+                    <a:ea typeface="Hiragino Sans W4" panose="020B0400000000000000" pitchFamily="34" charset="-128"/>
+                  </a:endParaRPr>
                 </a:p>
               </p:txBody>
             </p:sp>
@@ -5378,14 +5405,14 @@
                 <a:pPr algn="ctr"/>
                 <a:r>
                   <a:rPr kumimoji="1" lang="en-US" altLang="ja-JP" sz="1200" dirty="0">
-                    <a:latin typeface="Hiragino Kaku Gothic Pro W3" panose="020B0300000000000000" pitchFamily="34" charset="-128"/>
-                    <a:ea typeface="Hiragino Kaku Gothic Pro W3" panose="020B0300000000000000" pitchFamily="34" charset="-128"/>
+                    <a:latin typeface="Hiragino Sans W4" panose="020B0400000000000000" pitchFamily="34" charset="-128"/>
+                    <a:ea typeface="Hiragino Sans W4" panose="020B0400000000000000" pitchFamily="34" charset="-128"/>
                   </a:rPr>
                   <a:t>C</a:t>
                 </a:r>
                 <a:endParaRPr kumimoji="1" lang="ja-JP" altLang="en-US" sz="1200">
-                  <a:latin typeface="Hiragino Kaku Gothic Pro W3" panose="020B0300000000000000" pitchFamily="34" charset="-128"/>
-                  <a:ea typeface="Hiragino Kaku Gothic Pro W3" panose="020B0300000000000000" pitchFamily="34" charset="-128"/>
+                  <a:latin typeface="Hiragino Sans W4" panose="020B0400000000000000" pitchFamily="34" charset="-128"/>
+                  <a:ea typeface="Hiragino Sans W4" panose="020B0400000000000000" pitchFamily="34" charset="-128"/>
                 </a:endParaRPr>
               </a:p>
             </p:txBody>
@@ -5517,7 +5544,10 @@
                 <a:lstStyle/>
                 <a:p>
                   <a:pPr algn="ctr"/>
-                  <a:endParaRPr kumimoji="1" lang="ja-JP" altLang="en-US"/>
+                  <a:endParaRPr kumimoji="1" lang="ja-JP" altLang="en-US">
+                    <a:latin typeface="Hiragino Sans W4" panose="020B0400000000000000" pitchFamily="34" charset="-128"/>
+                    <a:ea typeface="Hiragino Sans W4" panose="020B0400000000000000" pitchFamily="34" charset="-128"/>
+                  </a:endParaRPr>
                 </a:p>
               </p:txBody>
             </p:sp>
@@ -5553,14 +5583,14 @@
                 <a:pPr algn="ctr"/>
                 <a:r>
                   <a:rPr kumimoji="1" lang="en-US" altLang="ja-JP" sz="1200" dirty="0">
-                    <a:latin typeface="Hiragino Kaku Gothic Pro W3" panose="020B0300000000000000" pitchFamily="34" charset="-128"/>
-                    <a:ea typeface="Hiragino Kaku Gothic Pro W3" panose="020B0300000000000000" pitchFamily="34" charset="-128"/>
+                    <a:latin typeface="Hiragino Sans W4" panose="020B0400000000000000" pitchFamily="34" charset="-128"/>
+                    <a:ea typeface="Hiragino Sans W4" panose="020B0400000000000000" pitchFamily="34" charset="-128"/>
                   </a:rPr>
                   <a:t>B</a:t>
                 </a:r>
                 <a:endParaRPr kumimoji="1" lang="ja-JP" altLang="en-US" sz="1200">
-                  <a:latin typeface="Hiragino Kaku Gothic Pro W3" panose="020B0300000000000000" pitchFamily="34" charset="-128"/>
-                  <a:ea typeface="Hiragino Kaku Gothic Pro W3" panose="020B0300000000000000" pitchFamily="34" charset="-128"/>
+                  <a:latin typeface="Hiragino Sans W4" panose="020B0400000000000000" pitchFamily="34" charset="-128"/>
+                  <a:ea typeface="Hiragino Sans W4" panose="020B0400000000000000" pitchFamily="34" charset="-128"/>
                 </a:endParaRPr>
               </a:p>
             </p:txBody>
@@ -5692,7 +5722,10 @@
                 <a:lstStyle/>
                 <a:p>
                   <a:pPr algn="ctr"/>
-                  <a:endParaRPr kumimoji="1" lang="ja-JP" altLang="en-US"/>
+                  <a:endParaRPr kumimoji="1" lang="ja-JP" altLang="en-US">
+                    <a:latin typeface="Hiragino Sans W4" panose="020B0400000000000000" pitchFamily="34" charset="-128"/>
+                    <a:ea typeface="Hiragino Sans W4" panose="020B0400000000000000" pitchFamily="34" charset="-128"/>
+                  </a:endParaRPr>
                 </a:p>
               </p:txBody>
             </p:sp>
@@ -5728,14 +5761,14 @@
                 <a:pPr algn="ctr"/>
                 <a:r>
                   <a:rPr kumimoji="1" lang="en-US" altLang="ja-JP" sz="1200" dirty="0">
-                    <a:latin typeface="Hiragino Kaku Gothic Pro W3" panose="020B0300000000000000" pitchFamily="34" charset="-128"/>
-                    <a:ea typeface="Hiragino Kaku Gothic Pro W3" panose="020B0300000000000000" pitchFamily="34" charset="-128"/>
+                    <a:latin typeface="Hiragino Sans W4" panose="020B0400000000000000" pitchFamily="34" charset="-128"/>
+                    <a:ea typeface="Hiragino Sans W4" panose="020B0400000000000000" pitchFamily="34" charset="-128"/>
                   </a:rPr>
                   <a:t>D</a:t>
                 </a:r>
                 <a:endParaRPr kumimoji="1" lang="ja-JP" altLang="en-US" sz="1200">
-                  <a:latin typeface="Hiragino Kaku Gothic Pro W3" panose="020B0300000000000000" pitchFamily="34" charset="-128"/>
-                  <a:ea typeface="Hiragino Kaku Gothic Pro W3" panose="020B0300000000000000" pitchFamily="34" charset="-128"/>
+                  <a:latin typeface="Hiragino Sans W4" panose="020B0400000000000000" pitchFamily="34" charset="-128"/>
+                  <a:ea typeface="Hiragino Sans W4" panose="020B0400000000000000" pitchFamily="34" charset="-128"/>
                 </a:endParaRPr>
               </a:p>
             </p:txBody>
@@ -5756,7 +5789,7 @@
         </p:nvGrpSpPr>
         <p:grpSpPr>
           <a:xfrm>
-            <a:off x="2798332" y="1300801"/>
+            <a:off x="2819352" y="1300801"/>
             <a:ext cx="2949631" cy="724795"/>
             <a:chOff x="2795289" y="315383"/>
             <a:chExt cx="2949631" cy="724795"/>
@@ -5813,7 +5846,10 @@
             <a:lstStyle/>
             <a:p>
               <a:pPr algn="ctr"/>
-              <a:endParaRPr kumimoji="1" lang="ja-JP" altLang="en-US" dirty="0"/>
+              <a:endParaRPr kumimoji="1" lang="ja-JP" altLang="en-US" dirty="0">
+                <a:latin typeface="Hiragino Sans W4" panose="020B0400000000000000" pitchFamily="34" charset="-128"/>
+                <a:ea typeface="Hiragino Sans W4" panose="020B0400000000000000" pitchFamily="34" charset="-128"/>
+              </a:endParaRPr>
             </a:p>
           </p:txBody>
         </p:sp>
@@ -5943,7 +5979,10 @@
                 <a:lstStyle/>
                 <a:p>
                   <a:pPr algn="ctr"/>
-                  <a:endParaRPr kumimoji="1" lang="ja-JP" altLang="en-US"/>
+                  <a:endParaRPr kumimoji="1" lang="ja-JP" altLang="en-US">
+                    <a:latin typeface="Hiragino Sans W4" panose="020B0400000000000000" pitchFamily="34" charset="-128"/>
+                    <a:ea typeface="Hiragino Sans W4" panose="020B0400000000000000" pitchFamily="34" charset="-128"/>
+                  </a:endParaRPr>
                 </a:p>
               </p:txBody>
             </p:sp>
@@ -5962,8 +6001,8 @@
             </p:nvSpPr>
             <p:spPr>
               <a:xfrm>
-                <a:off x="3885731" y="909264"/>
-                <a:ext cx="402721" cy="276999"/>
+                <a:off x="3885731" y="924702"/>
+                <a:ext cx="402721" cy="246123"/>
               </a:xfrm>
               <a:prstGeom prst="rect">
                 <a:avLst/>
@@ -5979,14 +6018,14 @@
                 <a:pPr algn="ctr"/>
                 <a:r>
                   <a:rPr lang="en-US" altLang="ja-JP" sz="1200" dirty="0">
-                    <a:latin typeface="Hiragino Kaku Gothic Pro W3" panose="020B0300000000000000" pitchFamily="34" charset="-128"/>
-                    <a:ea typeface="Hiragino Kaku Gothic Pro W3" panose="020B0300000000000000" pitchFamily="34" charset="-128"/>
+                    <a:latin typeface="Hiragino Sans W4" panose="020B0400000000000000" pitchFamily="34" charset="-128"/>
+                    <a:ea typeface="Hiragino Sans W4" panose="020B0400000000000000" pitchFamily="34" charset="-128"/>
                   </a:rPr>
                   <a:t>A</a:t>
                 </a:r>
                 <a:endParaRPr kumimoji="1" lang="ja-JP" altLang="en-US" sz="1200">
-                  <a:latin typeface="Hiragino Kaku Gothic Pro W3" panose="020B0300000000000000" pitchFamily="34" charset="-128"/>
-                  <a:ea typeface="Hiragino Kaku Gothic Pro W3" panose="020B0300000000000000" pitchFamily="34" charset="-128"/>
+                  <a:latin typeface="Hiragino Sans W4" panose="020B0400000000000000" pitchFamily="34" charset="-128"/>
+                  <a:ea typeface="Hiragino Sans W4" panose="020B0400000000000000" pitchFamily="34" charset="-128"/>
                 </a:endParaRPr>
               </a:p>
             </p:txBody>
@@ -6118,7 +6157,10 @@
                 <a:lstStyle/>
                 <a:p>
                   <a:pPr algn="ctr"/>
-                  <a:endParaRPr kumimoji="1" lang="ja-JP" altLang="en-US"/>
+                  <a:endParaRPr kumimoji="1" lang="ja-JP" altLang="en-US">
+                    <a:latin typeface="Hiragino Sans W4" panose="020B0400000000000000" pitchFamily="34" charset="-128"/>
+                    <a:ea typeface="Hiragino Sans W4" panose="020B0400000000000000" pitchFamily="34" charset="-128"/>
+                  </a:endParaRPr>
                 </a:p>
               </p:txBody>
             </p:sp>
@@ -6154,14 +6196,14 @@
                 <a:pPr algn="ctr"/>
                 <a:r>
                   <a:rPr kumimoji="1" lang="en-US" altLang="ja-JP" sz="1200" dirty="0">
-                    <a:latin typeface="Hiragino Kaku Gothic Pro W3" panose="020B0300000000000000" pitchFamily="34" charset="-128"/>
-                    <a:ea typeface="Hiragino Kaku Gothic Pro W3" panose="020B0300000000000000" pitchFamily="34" charset="-128"/>
+                    <a:latin typeface="Hiragino Sans W4" panose="020B0400000000000000" pitchFamily="34" charset="-128"/>
+                    <a:ea typeface="Hiragino Sans W4" panose="020B0400000000000000" pitchFamily="34" charset="-128"/>
                   </a:rPr>
                   <a:t>C</a:t>
                 </a:r>
                 <a:endParaRPr kumimoji="1" lang="ja-JP" altLang="en-US" sz="1200">
-                  <a:latin typeface="Hiragino Kaku Gothic Pro W3" panose="020B0300000000000000" pitchFamily="34" charset="-128"/>
-                  <a:ea typeface="Hiragino Kaku Gothic Pro W3" panose="020B0300000000000000" pitchFamily="34" charset="-128"/>
+                  <a:latin typeface="Hiragino Sans W4" panose="020B0400000000000000" pitchFamily="34" charset="-128"/>
+                  <a:ea typeface="Hiragino Sans W4" panose="020B0400000000000000" pitchFamily="34" charset="-128"/>
                 </a:endParaRPr>
               </a:p>
             </p:txBody>
@@ -6293,7 +6335,10 @@
                 <a:lstStyle/>
                 <a:p>
                   <a:pPr algn="ctr"/>
-                  <a:endParaRPr kumimoji="1" lang="ja-JP" altLang="en-US"/>
+                  <a:endParaRPr kumimoji="1" lang="ja-JP" altLang="en-US">
+                    <a:latin typeface="Hiragino Sans W4" panose="020B0400000000000000" pitchFamily="34" charset="-128"/>
+                    <a:ea typeface="Hiragino Sans W4" panose="020B0400000000000000" pitchFamily="34" charset="-128"/>
+                  </a:endParaRPr>
                 </a:p>
               </p:txBody>
             </p:sp>
@@ -6329,14 +6374,14 @@
                 <a:pPr algn="ctr"/>
                 <a:r>
                   <a:rPr kumimoji="1" lang="en-US" altLang="ja-JP" sz="1200" dirty="0">
-                    <a:latin typeface="Hiragino Kaku Gothic Pro W3" panose="020B0300000000000000" pitchFamily="34" charset="-128"/>
-                    <a:ea typeface="Hiragino Kaku Gothic Pro W3" panose="020B0300000000000000" pitchFamily="34" charset="-128"/>
+                    <a:latin typeface="Hiragino Sans W4" panose="020B0400000000000000" pitchFamily="34" charset="-128"/>
+                    <a:ea typeface="Hiragino Sans W4" panose="020B0400000000000000" pitchFamily="34" charset="-128"/>
                   </a:rPr>
                   <a:t>B</a:t>
                 </a:r>
                 <a:endParaRPr kumimoji="1" lang="ja-JP" altLang="en-US" sz="1200">
-                  <a:latin typeface="Hiragino Kaku Gothic Pro W3" panose="020B0300000000000000" pitchFamily="34" charset="-128"/>
-                  <a:ea typeface="Hiragino Kaku Gothic Pro W3" panose="020B0300000000000000" pitchFamily="34" charset="-128"/>
+                  <a:latin typeface="Hiragino Sans W4" panose="020B0400000000000000" pitchFamily="34" charset="-128"/>
+                  <a:ea typeface="Hiragino Sans W4" panose="020B0400000000000000" pitchFamily="34" charset="-128"/>
                 </a:endParaRPr>
               </a:p>
             </p:txBody>
@@ -6468,7 +6513,10 @@
                 <a:lstStyle/>
                 <a:p>
                   <a:pPr algn="ctr"/>
-                  <a:endParaRPr kumimoji="1" lang="ja-JP" altLang="en-US"/>
+                  <a:endParaRPr kumimoji="1" lang="ja-JP" altLang="en-US">
+                    <a:latin typeface="Hiragino Sans W4" panose="020B0400000000000000" pitchFamily="34" charset="-128"/>
+                    <a:ea typeface="Hiragino Sans W4" panose="020B0400000000000000" pitchFamily="34" charset="-128"/>
+                  </a:endParaRPr>
                 </a:p>
               </p:txBody>
             </p:sp>
@@ -6504,14 +6552,14 @@
                 <a:pPr algn="ctr"/>
                 <a:r>
                   <a:rPr kumimoji="1" lang="en-US" altLang="ja-JP" sz="1200" dirty="0">
-                    <a:latin typeface="Hiragino Kaku Gothic Pro W3" panose="020B0300000000000000" pitchFamily="34" charset="-128"/>
-                    <a:ea typeface="Hiragino Kaku Gothic Pro W3" panose="020B0300000000000000" pitchFamily="34" charset="-128"/>
+                    <a:latin typeface="Hiragino Sans W4" panose="020B0400000000000000" pitchFamily="34" charset="-128"/>
+                    <a:ea typeface="Hiragino Sans W4" panose="020B0400000000000000" pitchFamily="34" charset="-128"/>
                   </a:rPr>
                   <a:t>D</a:t>
                 </a:r>
                 <a:endParaRPr kumimoji="1" lang="ja-JP" altLang="en-US" sz="1200">
-                  <a:latin typeface="Hiragino Kaku Gothic Pro W3" panose="020B0300000000000000" pitchFamily="34" charset="-128"/>
-                  <a:ea typeface="Hiragino Kaku Gothic Pro W3" panose="020B0300000000000000" pitchFamily="34" charset="-128"/>
+                  <a:latin typeface="Hiragino Sans W4" panose="020B0400000000000000" pitchFamily="34" charset="-128"/>
+                  <a:ea typeface="Hiragino Sans W4" panose="020B0400000000000000" pitchFamily="34" charset="-128"/>
                 </a:endParaRPr>
               </a:p>
             </p:txBody>
@@ -6532,7 +6580,7 @@
         </p:nvGrpSpPr>
         <p:grpSpPr>
           <a:xfrm>
-            <a:off x="2798332" y="2177135"/>
+            <a:off x="2819352" y="2177135"/>
             <a:ext cx="2949631" cy="724795"/>
             <a:chOff x="2795289" y="315383"/>
             <a:chExt cx="2949631" cy="724795"/>
@@ -6589,7 +6637,10 @@
             <a:lstStyle/>
             <a:p>
               <a:pPr algn="ctr"/>
-              <a:endParaRPr kumimoji="1" lang="ja-JP" altLang="en-US" dirty="0"/>
+              <a:endParaRPr kumimoji="1" lang="ja-JP" altLang="en-US" dirty="0">
+                <a:latin typeface="Hiragino Sans W4" panose="020B0400000000000000" pitchFamily="34" charset="-128"/>
+                <a:ea typeface="Hiragino Sans W4" panose="020B0400000000000000" pitchFamily="34" charset="-128"/>
+              </a:endParaRPr>
             </a:p>
           </p:txBody>
         </p:sp>
@@ -6719,7 +6770,10 @@
                 <a:lstStyle/>
                 <a:p>
                   <a:pPr algn="ctr"/>
-                  <a:endParaRPr kumimoji="1" lang="ja-JP" altLang="en-US"/>
+                  <a:endParaRPr kumimoji="1" lang="ja-JP" altLang="en-US">
+                    <a:latin typeface="Hiragino Sans W4" panose="020B0400000000000000" pitchFamily="34" charset="-128"/>
+                    <a:ea typeface="Hiragino Sans W4" panose="020B0400000000000000" pitchFamily="34" charset="-128"/>
+                  </a:endParaRPr>
                 </a:p>
               </p:txBody>
             </p:sp>
@@ -6738,8 +6792,8 @@
             </p:nvSpPr>
             <p:spPr>
               <a:xfrm>
-                <a:off x="3885731" y="909264"/>
-                <a:ext cx="402721" cy="276999"/>
+                <a:off x="3885731" y="924702"/>
+                <a:ext cx="402721" cy="246123"/>
               </a:xfrm>
               <a:prstGeom prst="rect">
                 <a:avLst/>
@@ -6755,14 +6809,14 @@
                 <a:pPr algn="ctr"/>
                 <a:r>
                   <a:rPr lang="en-US" altLang="ja-JP" sz="1200" dirty="0">
-                    <a:latin typeface="Hiragino Kaku Gothic Pro W3" panose="020B0300000000000000" pitchFamily="34" charset="-128"/>
-                    <a:ea typeface="Hiragino Kaku Gothic Pro W3" panose="020B0300000000000000" pitchFamily="34" charset="-128"/>
+                    <a:latin typeface="Hiragino Sans W4" panose="020B0400000000000000" pitchFamily="34" charset="-128"/>
+                    <a:ea typeface="Hiragino Sans W4" panose="020B0400000000000000" pitchFamily="34" charset="-128"/>
                   </a:rPr>
                   <a:t>A</a:t>
                 </a:r>
                 <a:endParaRPr kumimoji="1" lang="ja-JP" altLang="en-US" sz="1200">
-                  <a:latin typeface="Hiragino Kaku Gothic Pro W3" panose="020B0300000000000000" pitchFamily="34" charset="-128"/>
-                  <a:ea typeface="Hiragino Kaku Gothic Pro W3" panose="020B0300000000000000" pitchFamily="34" charset="-128"/>
+                  <a:latin typeface="Hiragino Sans W4" panose="020B0400000000000000" pitchFamily="34" charset="-128"/>
+                  <a:ea typeface="Hiragino Sans W4" panose="020B0400000000000000" pitchFamily="34" charset="-128"/>
                 </a:endParaRPr>
               </a:p>
             </p:txBody>
@@ -6894,7 +6948,10 @@
                 <a:lstStyle/>
                 <a:p>
                   <a:pPr algn="ctr"/>
-                  <a:endParaRPr kumimoji="1" lang="ja-JP" altLang="en-US"/>
+                  <a:endParaRPr kumimoji="1" lang="ja-JP" altLang="en-US">
+                    <a:latin typeface="Hiragino Sans W4" panose="020B0400000000000000" pitchFamily="34" charset="-128"/>
+                    <a:ea typeface="Hiragino Sans W4" panose="020B0400000000000000" pitchFamily="34" charset="-128"/>
+                  </a:endParaRPr>
                 </a:p>
               </p:txBody>
             </p:sp>
@@ -6930,14 +6987,14 @@
                 <a:pPr algn="ctr"/>
                 <a:r>
                   <a:rPr kumimoji="1" lang="en-US" altLang="ja-JP" sz="1200" dirty="0">
-                    <a:latin typeface="Hiragino Kaku Gothic Pro W3" panose="020B0300000000000000" pitchFamily="34" charset="-128"/>
-                    <a:ea typeface="Hiragino Kaku Gothic Pro W3" panose="020B0300000000000000" pitchFamily="34" charset="-128"/>
+                    <a:latin typeface="Hiragino Sans W4" panose="020B0400000000000000" pitchFamily="34" charset="-128"/>
+                    <a:ea typeface="Hiragino Sans W4" panose="020B0400000000000000" pitchFamily="34" charset="-128"/>
                   </a:rPr>
                   <a:t>C</a:t>
                 </a:r>
                 <a:endParaRPr kumimoji="1" lang="ja-JP" altLang="en-US" sz="1200">
-                  <a:latin typeface="Hiragino Kaku Gothic Pro W3" panose="020B0300000000000000" pitchFamily="34" charset="-128"/>
-                  <a:ea typeface="Hiragino Kaku Gothic Pro W3" panose="020B0300000000000000" pitchFamily="34" charset="-128"/>
+                  <a:latin typeface="Hiragino Sans W4" panose="020B0400000000000000" pitchFamily="34" charset="-128"/>
+                  <a:ea typeface="Hiragino Sans W4" panose="020B0400000000000000" pitchFamily="34" charset="-128"/>
                 </a:endParaRPr>
               </a:p>
             </p:txBody>
@@ -7069,7 +7126,10 @@
                 <a:lstStyle/>
                 <a:p>
                   <a:pPr algn="ctr"/>
-                  <a:endParaRPr kumimoji="1" lang="ja-JP" altLang="en-US"/>
+                  <a:endParaRPr kumimoji="1" lang="ja-JP" altLang="en-US">
+                    <a:latin typeface="Hiragino Sans W4" panose="020B0400000000000000" pitchFamily="34" charset="-128"/>
+                    <a:ea typeface="Hiragino Sans W4" panose="020B0400000000000000" pitchFamily="34" charset="-128"/>
+                  </a:endParaRPr>
                 </a:p>
               </p:txBody>
             </p:sp>
@@ -7105,14 +7165,14 @@
                 <a:pPr algn="ctr"/>
                 <a:r>
                   <a:rPr kumimoji="1" lang="en-US" altLang="ja-JP" sz="1200" dirty="0">
-                    <a:latin typeface="Hiragino Kaku Gothic Pro W3" panose="020B0300000000000000" pitchFamily="34" charset="-128"/>
-                    <a:ea typeface="Hiragino Kaku Gothic Pro W3" panose="020B0300000000000000" pitchFamily="34" charset="-128"/>
+                    <a:latin typeface="Hiragino Sans W4" panose="020B0400000000000000" pitchFamily="34" charset="-128"/>
+                    <a:ea typeface="Hiragino Sans W4" panose="020B0400000000000000" pitchFamily="34" charset="-128"/>
                   </a:rPr>
                   <a:t>B</a:t>
                 </a:r>
                 <a:endParaRPr kumimoji="1" lang="ja-JP" altLang="en-US" sz="1200">
-                  <a:latin typeface="Hiragino Kaku Gothic Pro W3" panose="020B0300000000000000" pitchFamily="34" charset="-128"/>
-                  <a:ea typeface="Hiragino Kaku Gothic Pro W3" panose="020B0300000000000000" pitchFamily="34" charset="-128"/>
+                  <a:latin typeface="Hiragino Sans W4" panose="020B0400000000000000" pitchFamily="34" charset="-128"/>
+                  <a:ea typeface="Hiragino Sans W4" panose="020B0400000000000000" pitchFamily="34" charset="-128"/>
                 </a:endParaRPr>
               </a:p>
             </p:txBody>
@@ -7244,7 +7304,10 @@
                 <a:lstStyle/>
                 <a:p>
                   <a:pPr algn="ctr"/>
-                  <a:endParaRPr kumimoji="1" lang="ja-JP" altLang="en-US"/>
+                  <a:endParaRPr kumimoji="1" lang="ja-JP" altLang="en-US">
+                    <a:latin typeface="Hiragino Sans W4" panose="020B0400000000000000" pitchFamily="34" charset="-128"/>
+                    <a:ea typeface="Hiragino Sans W4" panose="020B0400000000000000" pitchFamily="34" charset="-128"/>
+                  </a:endParaRPr>
                 </a:p>
               </p:txBody>
             </p:sp>
@@ -7280,14 +7343,14 @@
                 <a:pPr algn="ctr"/>
                 <a:r>
                   <a:rPr kumimoji="1" lang="en-US" altLang="ja-JP" sz="1200" dirty="0">
-                    <a:latin typeface="Hiragino Kaku Gothic Pro W3" panose="020B0300000000000000" pitchFamily="34" charset="-128"/>
-                    <a:ea typeface="Hiragino Kaku Gothic Pro W3" panose="020B0300000000000000" pitchFamily="34" charset="-128"/>
+                    <a:latin typeface="Hiragino Sans W4" panose="020B0400000000000000" pitchFamily="34" charset="-128"/>
+                    <a:ea typeface="Hiragino Sans W4" panose="020B0400000000000000" pitchFamily="34" charset="-128"/>
                   </a:rPr>
                   <a:t>D</a:t>
                 </a:r>
                 <a:endParaRPr kumimoji="1" lang="ja-JP" altLang="en-US" sz="1200">
-                  <a:latin typeface="Hiragino Kaku Gothic Pro W3" panose="020B0300000000000000" pitchFamily="34" charset="-128"/>
-                  <a:ea typeface="Hiragino Kaku Gothic Pro W3" panose="020B0300000000000000" pitchFamily="34" charset="-128"/>
+                  <a:latin typeface="Hiragino Sans W4" panose="020B0400000000000000" pitchFamily="34" charset="-128"/>
+                  <a:ea typeface="Hiragino Sans W4" panose="020B0400000000000000" pitchFamily="34" charset="-128"/>
                 </a:endParaRPr>
               </a:p>
             </p:txBody>
@@ -7309,9 +7372,9 @@
         <p:grpSpPr>
           <a:xfrm>
             <a:off x="1451170" y="1322316"/>
-            <a:ext cx="1462819" cy="887722"/>
+            <a:ext cx="1462819" cy="895417"/>
             <a:chOff x="-12380" y="1881999"/>
-            <a:chExt cx="1553658" cy="942848"/>
+            <a:chExt cx="1553658" cy="951021"/>
           </a:xfrm>
         </p:grpSpPr>
         <p:grpSp>
@@ -7384,7 +7447,10 @@
               <a:lstStyle/>
               <a:p>
                 <a:pPr algn="ctr"/>
-                <a:endParaRPr kumimoji="1" lang="ja-JP" altLang="en-US"/>
+                <a:endParaRPr kumimoji="1" lang="ja-JP" altLang="en-US">
+                  <a:latin typeface="Hiragino Sans W4" panose="020B0400000000000000" pitchFamily="34" charset="-128"/>
+                  <a:ea typeface="Hiragino Sans W4" panose="020B0400000000000000" pitchFamily="34" charset="-128"/>
+                </a:endParaRPr>
               </a:p>
             </p:txBody>
           </p:sp>
@@ -7438,7 +7504,10 @@
               <a:lstStyle/>
               <a:p>
                 <a:pPr algn="ctr"/>
-                <a:endParaRPr kumimoji="1" lang="ja-JP" altLang="en-US"/>
+                <a:endParaRPr kumimoji="1" lang="ja-JP" altLang="en-US">
+                  <a:latin typeface="Hiragino Sans W4" panose="020B0400000000000000" pitchFamily="34" charset="-128"/>
+                  <a:ea typeface="Hiragino Sans W4" panose="020B0400000000000000" pitchFamily="34" charset="-128"/>
+                </a:endParaRPr>
               </a:p>
             </p:txBody>
           </p:sp>
@@ -7492,7 +7561,10 @@
               <a:lstStyle/>
               <a:p>
                 <a:pPr algn="ctr"/>
-                <a:endParaRPr kumimoji="1" lang="ja-JP" altLang="en-US"/>
+                <a:endParaRPr kumimoji="1" lang="ja-JP" altLang="en-US">
+                  <a:latin typeface="Hiragino Sans W4" panose="020B0400000000000000" pitchFamily="34" charset="-128"/>
+                  <a:ea typeface="Hiragino Sans W4" panose="020B0400000000000000" pitchFamily="34" charset="-128"/>
+                </a:endParaRPr>
               </a:p>
             </p:txBody>
           </p:sp>
@@ -7511,8 +7583,8 @@
           </p:nvSpPr>
           <p:spPr>
             <a:xfrm>
-              <a:off x="-12380" y="2546991"/>
-              <a:ext cx="1553658" cy="277856"/>
+              <a:off x="-12380" y="2538820"/>
+              <a:ext cx="1553658" cy="294200"/>
             </a:xfrm>
             <a:prstGeom prst="rect">
               <a:avLst/>
@@ -7527,9 +7599,9 @@
             <a:p>
               <a:pPr algn="ctr"/>
               <a:r>
-                <a:rPr kumimoji="1" lang="ja-JP" altLang="en-US" sz="1100">
-                  <a:latin typeface="Hiragino Kaku Gothic Pro W3" panose="020B0300000000000000" pitchFamily="34" charset="-128"/>
-                  <a:ea typeface="Hiragino Kaku Gothic Pro W3" panose="020B0300000000000000" pitchFamily="34" charset="-128"/>
+                <a:rPr kumimoji="1" lang="ja-JP" altLang="en-US" sz="1200">
+                  <a:latin typeface="Hiragino Sans W4" panose="020B0400000000000000" pitchFamily="34" charset="-128"/>
+                  <a:ea typeface="Hiragino Sans W4" panose="020B0400000000000000" pitchFamily="34" charset="-128"/>
                 </a:rPr>
                 <a:t>英語データセット</a:t>
               </a:r>
@@ -7551,10 +7623,10 @@
         </p:nvGrpSpPr>
         <p:grpSpPr>
           <a:xfrm>
-            <a:off x="1441638" y="2208068"/>
-            <a:ext cx="1462819" cy="887723"/>
-            <a:chOff x="-12380" y="1881999"/>
-            <a:chExt cx="1553658" cy="942849"/>
+            <a:off x="1298652" y="2208066"/>
+            <a:ext cx="1659552" cy="895095"/>
+            <a:chOff x="-164245" y="1881999"/>
+            <a:chExt cx="1762608" cy="950679"/>
           </a:xfrm>
         </p:grpSpPr>
         <p:grpSp>
@@ -7627,7 +7699,10 @@
               <a:lstStyle/>
               <a:p>
                 <a:pPr algn="ctr"/>
-                <a:endParaRPr kumimoji="1" lang="ja-JP" altLang="en-US"/>
+                <a:endParaRPr kumimoji="1" lang="ja-JP" altLang="en-US">
+                  <a:latin typeface="Hiragino Sans W4" panose="020B0400000000000000" pitchFamily="34" charset="-128"/>
+                  <a:ea typeface="Hiragino Sans W4" panose="020B0400000000000000" pitchFamily="34" charset="-128"/>
+                </a:endParaRPr>
               </a:p>
             </p:txBody>
           </p:sp>
@@ -7681,7 +7756,10 @@
               <a:lstStyle/>
               <a:p>
                 <a:pPr algn="ctr"/>
-                <a:endParaRPr kumimoji="1" lang="ja-JP" altLang="en-US"/>
+                <a:endParaRPr kumimoji="1" lang="ja-JP" altLang="en-US">
+                  <a:latin typeface="Hiragino Sans W4" panose="020B0400000000000000" pitchFamily="34" charset="-128"/>
+                  <a:ea typeface="Hiragino Sans W4" panose="020B0400000000000000" pitchFamily="34" charset="-128"/>
+                </a:endParaRPr>
               </a:p>
             </p:txBody>
           </p:sp>
@@ -7735,7 +7813,10 @@
               <a:lstStyle/>
               <a:p>
                 <a:pPr algn="ctr"/>
-                <a:endParaRPr kumimoji="1" lang="ja-JP" altLang="en-US"/>
+                <a:endParaRPr kumimoji="1" lang="ja-JP" altLang="en-US">
+                  <a:latin typeface="Hiragino Sans W4" panose="020B0400000000000000" pitchFamily="34" charset="-128"/>
+                  <a:ea typeface="Hiragino Sans W4" panose="020B0400000000000000" pitchFamily="34" charset="-128"/>
+                </a:endParaRPr>
               </a:p>
             </p:txBody>
           </p:sp>
@@ -7754,8 +7835,8 @@
           </p:nvSpPr>
           <p:spPr>
             <a:xfrm>
-              <a:off x="-12380" y="2546992"/>
-              <a:ext cx="1553658" cy="277856"/>
+              <a:off x="-164245" y="2538478"/>
+              <a:ext cx="1762608" cy="294200"/>
             </a:xfrm>
             <a:prstGeom prst="rect">
               <a:avLst/>
@@ -7770,16 +7851,16 @@
             <a:p>
               <a:pPr algn="ctr"/>
               <a:r>
-                <a:rPr lang="ja-JP" altLang="en-US" sz="1100">
-                  <a:latin typeface="Hiragino Kaku Gothic Pro W3" panose="020B0300000000000000" pitchFamily="34" charset="-128"/>
-                  <a:ea typeface="Hiragino Kaku Gothic Pro W3" panose="020B0300000000000000" pitchFamily="34" charset="-128"/>
+                <a:rPr lang="ja-JP" altLang="en-US" sz="1200">
+                  <a:latin typeface="Hiragino Sans W4" panose="020B0400000000000000" pitchFamily="34" charset="-128"/>
+                  <a:ea typeface="Hiragino Sans W4" panose="020B0400000000000000" pitchFamily="34" charset="-128"/>
                 </a:rPr>
                 <a:t>中国</a:t>
               </a:r>
               <a:r>
-                <a:rPr kumimoji="1" lang="ja-JP" altLang="en-US" sz="1100">
-                  <a:latin typeface="Hiragino Kaku Gothic Pro W3" panose="020B0300000000000000" pitchFamily="34" charset="-128"/>
-                  <a:ea typeface="Hiragino Kaku Gothic Pro W3" panose="020B0300000000000000" pitchFamily="34" charset="-128"/>
+                <a:rPr kumimoji="1" lang="ja-JP" altLang="en-US" sz="1200">
+                  <a:latin typeface="Hiragino Sans W4" panose="020B0400000000000000" pitchFamily="34" charset="-128"/>
+                  <a:ea typeface="Hiragino Sans W4" panose="020B0400000000000000" pitchFamily="34" charset="-128"/>
                 </a:rPr>
                 <a:t>語データセット</a:t>
               </a:r>
@@ -7803,7 +7884,7 @@
         </p:nvCxnSpPr>
         <p:spPr>
           <a:xfrm rot="-3000000">
-            <a:off x="1105482" y="1065262"/>
+            <a:off x="1042422" y="1065262"/>
             <a:ext cx="720000" cy="0"/>
           </a:xfrm>
           <a:prstGeom prst="straightConnector1">
@@ -7847,7 +7928,7 @@
         </p:nvCxnSpPr>
         <p:spPr>
           <a:xfrm rot="3000000">
-            <a:off x="1102049" y="2147486"/>
+            <a:off x="1038989" y="2147486"/>
             <a:ext cx="720000" cy="0"/>
           </a:xfrm>
           <a:prstGeom prst="straightConnector1">
@@ -7889,10 +7970,10 @@
         </p:nvGrpSpPr>
         <p:grpSpPr>
           <a:xfrm>
-            <a:off x="6432925" y="369161"/>
-            <a:ext cx="1462819" cy="887722"/>
-            <a:chOff x="-12380" y="1881999"/>
-            <a:chExt cx="1553658" cy="942848"/>
+            <a:off x="6244147" y="369156"/>
+            <a:ext cx="1866051" cy="909997"/>
+            <a:chOff x="-212885" y="1881999"/>
+            <a:chExt cx="1981930" cy="966508"/>
           </a:xfrm>
         </p:grpSpPr>
         <p:grpSp>
@@ -7965,7 +8046,10 @@
               <a:lstStyle/>
               <a:p>
                 <a:pPr algn="ctr"/>
-                <a:endParaRPr kumimoji="1" lang="ja-JP" altLang="en-US"/>
+                <a:endParaRPr kumimoji="1" lang="ja-JP" altLang="en-US">
+                  <a:latin typeface="Hiragino Sans W4" panose="020B0400000000000000" pitchFamily="34" charset="-128"/>
+                  <a:ea typeface="Hiragino Sans W4" panose="020B0400000000000000" pitchFamily="34" charset="-128"/>
+                </a:endParaRPr>
               </a:p>
             </p:txBody>
           </p:sp>
@@ -8019,7 +8103,10 @@
               <a:lstStyle/>
               <a:p>
                 <a:pPr algn="ctr"/>
-                <a:endParaRPr kumimoji="1" lang="ja-JP" altLang="en-US"/>
+                <a:endParaRPr kumimoji="1" lang="ja-JP" altLang="en-US">
+                  <a:latin typeface="Hiragino Sans W4" panose="020B0400000000000000" pitchFamily="34" charset="-128"/>
+                  <a:ea typeface="Hiragino Sans W4" panose="020B0400000000000000" pitchFamily="34" charset="-128"/>
+                </a:endParaRPr>
               </a:p>
             </p:txBody>
           </p:sp>
@@ -8073,7 +8160,10 @@
               <a:lstStyle/>
               <a:p>
                 <a:pPr algn="ctr"/>
-                <a:endParaRPr kumimoji="1" lang="ja-JP" altLang="en-US"/>
+                <a:endParaRPr kumimoji="1" lang="ja-JP" altLang="en-US">
+                  <a:latin typeface="Hiragino Sans W4" panose="020B0400000000000000" pitchFamily="34" charset="-128"/>
+                  <a:ea typeface="Hiragino Sans W4" panose="020B0400000000000000" pitchFamily="34" charset="-128"/>
+                </a:endParaRPr>
               </a:p>
             </p:txBody>
           </p:sp>
@@ -8092,8 +8182,8 @@
           </p:nvSpPr>
           <p:spPr>
             <a:xfrm>
-              <a:off x="-12380" y="2546991"/>
-              <a:ext cx="1553658" cy="277856"/>
+              <a:off x="-212885" y="2521617"/>
+              <a:ext cx="1981930" cy="326890"/>
             </a:xfrm>
             <a:prstGeom prst="rect">
               <a:avLst/>
@@ -8110,9 +8200,9 @@
             <a:p>
               <a:pPr algn="ctr"/>
               <a:r>
-                <a:rPr kumimoji="1" lang="ja-JP" altLang="en-US" sz="1100">
-                  <a:latin typeface="Hiragino Kaku Gothic Pro W3" panose="020B0300000000000000" pitchFamily="34" charset="-128"/>
-                  <a:ea typeface="Hiragino Kaku Gothic Pro W3" panose="020B0300000000000000" pitchFamily="34" charset="-128"/>
+                <a:rPr kumimoji="1" lang="ja-JP" altLang="en-US" sz="1400">
+                  <a:latin typeface="Hiragino Sans W4" panose="020B0400000000000000" pitchFamily="34" charset="-128"/>
+                  <a:ea typeface="Hiragino Sans W4" panose="020B0400000000000000" pitchFamily="34" charset="-128"/>
                 </a:rPr>
                 <a:t>日本語データセット</a:t>
               </a:r>
@@ -8134,10 +8224,10 @@
         </p:nvGrpSpPr>
         <p:grpSpPr>
           <a:xfrm>
-            <a:off x="6435822" y="1316958"/>
-            <a:ext cx="1462819" cy="887722"/>
-            <a:chOff x="-12380" y="1881999"/>
-            <a:chExt cx="1553658" cy="942848"/>
+            <a:off x="6319763" y="1316959"/>
+            <a:ext cx="1643099" cy="901702"/>
+            <a:chOff x="-135646" y="1881999"/>
+            <a:chExt cx="1745133" cy="957696"/>
           </a:xfrm>
         </p:grpSpPr>
         <p:grpSp>
@@ -8210,7 +8300,10 @@
               <a:lstStyle/>
               <a:p>
                 <a:pPr algn="ctr"/>
-                <a:endParaRPr kumimoji="1" lang="ja-JP" altLang="en-US"/>
+                <a:endParaRPr kumimoji="1" lang="ja-JP" altLang="en-US">
+                  <a:latin typeface="Hiragino Sans W4" panose="020B0400000000000000" pitchFamily="34" charset="-128"/>
+                  <a:ea typeface="Hiragino Sans W4" panose="020B0400000000000000" pitchFamily="34" charset="-128"/>
+                </a:endParaRPr>
               </a:p>
             </p:txBody>
           </p:sp>
@@ -8264,7 +8357,10 @@
               <a:lstStyle/>
               <a:p>
                 <a:pPr algn="ctr"/>
-                <a:endParaRPr kumimoji="1" lang="ja-JP" altLang="en-US"/>
+                <a:endParaRPr kumimoji="1" lang="ja-JP" altLang="en-US">
+                  <a:latin typeface="Hiragino Sans W4" panose="020B0400000000000000" pitchFamily="34" charset="-128"/>
+                  <a:ea typeface="Hiragino Sans W4" panose="020B0400000000000000" pitchFamily="34" charset="-128"/>
+                </a:endParaRPr>
               </a:p>
             </p:txBody>
           </p:sp>
@@ -8318,7 +8414,10 @@
               <a:lstStyle/>
               <a:p>
                 <a:pPr algn="ctr"/>
-                <a:endParaRPr kumimoji="1" lang="ja-JP" altLang="en-US"/>
+                <a:endParaRPr kumimoji="1" lang="ja-JP" altLang="en-US">
+                  <a:latin typeface="Hiragino Sans W4" panose="020B0400000000000000" pitchFamily="34" charset="-128"/>
+                  <a:ea typeface="Hiragino Sans W4" panose="020B0400000000000000" pitchFamily="34" charset="-128"/>
+                </a:endParaRPr>
               </a:p>
             </p:txBody>
           </p:sp>
@@ -8337,8 +8436,8 @@
           </p:nvSpPr>
           <p:spPr>
             <a:xfrm>
-              <a:off x="-12380" y="2546991"/>
-              <a:ext cx="1553658" cy="277856"/>
+              <a:off x="-135646" y="2512805"/>
+              <a:ext cx="1745133" cy="326890"/>
             </a:xfrm>
             <a:prstGeom prst="rect">
               <a:avLst/>
@@ -8353,9 +8452,9 @@
             <a:p>
               <a:pPr algn="ctr"/>
               <a:r>
-                <a:rPr kumimoji="1" lang="ja-JP" altLang="en-US" sz="1100">
-                  <a:latin typeface="Hiragino Kaku Gothic Pro W3" panose="020B0300000000000000" pitchFamily="34" charset="-128"/>
-                  <a:ea typeface="Hiragino Kaku Gothic Pro W3" panose="020B0300000000000000" pitchFamily="34" charset="-128"/>
+                <a:rPr kumimoji="1" lang="ja-JP" altLang="en-US" sz="1400">
+                  <a:latin typeface="Hiragino Sans W4" panose="020B0400000000000000" pitchFamily="34" charset="-128"/>
+                  <a:ea typeface="Hiragino Sans W4" panose="020B0400000000000000" pitchFamily="34" charset="-128"/>
                 </a:rPr>
                 <a:t>英語データセット</a:t>
               </a:r>
@@ -8377,10 +8476,10 @@
         </p:nvGrpSpPr>
         <p:grpSpPr>
           <a:xfrm>
-            <a:off x="6426290" y="2202710"/>
-            <a:ext cx="1462819" cy="887723"/>
-            <a:chOff x="-12380" y="1881999"/>
-            <a:chExt cx="1553658" cy="942849"/>
+            <a:off x="6225461" y="2181687"/>
+            <a:ext cx="1903422" cy="912991"/>
+            <a:chOff x="-225680" y="1881999"/>
+            <a:chExt cx="2021622" cy="969687"/>
           </a:xfrm>
         </p:grpSpPr>
         <p:grpSp>
@@ -8453,7 +8552,10 @@
               <a:lstStyle/>
               <a:p>
                 <a:pPr algn="ctr"/>
-                <a:endParaRPr kumimoji="1" lang="ja-JP" altLang="en-US"/>
+                <a:endParaRPr kumimoji="1" lang="ja-JP" altLang="en-US">
+                  <a:latin typeface="Hiragino Sans W4" panose="020B0400000000000000" pitchFamily="34" charset="-128"/>
+                  <a:ea typeface="Hiragino Sans W4" panose="020B0400000000000000" pitchFamily="34" charset="-128"/>
+                </a:endParaRPr>
               </a:p>
             </p:txBody>
           </p:sp>
@@ -8507,7 +8609,10 @@
               <a:lstStyle/>
               <a:p>
                 <a:pPr algn="ctr"/>
-                <a:endParaRPr kumimoji="1" lang="ja-JP" altLang="en-US"/>
+                <a:endParaRPr kumimoji="1" lang="ja-JP" altLang="en-US">
+                  <a:latin typeface="Hiragino Sans W4" panose="020B0400000000000000" pitchFamily="34" charset="-128"/>
+                  <a:ea typeface="Hiragino Sans W4" panose="020B0400000000000000" pitchFamily="34" charset="-128"/>
+                </a:endParaRPr>
               </a:p>
             </p:txBody>
           </p:sp>
@@ -8561,7 +8666,10 @@
               <a:lstStyle/>
               <a:p>
                 <a:pPr algn="ctr"/>
-                <a:endParaRPr kumimoji="1" lang="ja-JP" altLang="en-US"/>
+                <a:endParaRPr kumimoji="1" lang="ja-JP" altLang="en-US">
+                  <a:latin typeface="Hiragino Sans W4" panose="020B0400000000000000" pitchFamily="34" charset="-128"/>
+                  <a:ea typeface="Hiragino Sans W4" panose="020B0400000000000000" pitchFamily="34" charset="-128"/>
+                </a:endParaRPr>
               </a:p>
             </p:txBody>
           </p:sp>
@@ -8580,8 +8688,8 @@
           </p:nvSpPr>
           <p:spPr>
             <a:xfrm>
-              <a:off x="-12380" y="2546992"/>
-              <a:ext cx="1553658" cy="277856"/>
+              <a:off x="-225680" y="2524796"/>
+              <a:ext cx="2021622" cy="326890"/>
             </a:xfrm>
             <a:prstGeom prst="rect">
               <a:avLst/>
@@ -8596,16 +8704,16 @@
             <a:p>
               <a:pPr algn="ctr"/>
               <a:r>
-                <a:rPr lang="ja-JP" altLang="en-US" sz="1100">
-                  <a:latin typeface="Hiragino Kaku Gothic Pro W3" panose="020B0300000000000000" pitchFamily="34" charset="-128"/>
-                  <a:ea typeface="Hiragino Kaku Gothic Pro W3" panose="020B0300000000000000" pitchFamily="34" charset="-128"/>
+                <a:rPr lang="ja-JP" altLang="en-US" sz="1400">
+                  <a:latin typeface="Hiragino Sans W4" panose="020B0400000000000000" pitchFamily="34" charset="-128"/>
+                  <a:ea typeface="Hiragino Sans W4" panose="020B0400000000000000" pitchFamily="34" charset="-128"/>
                 </a:rPr>
                 <a:t>中国</a:t>
               </a:r>
               <a:r>
-                <a:rPr kumimoji="1" lang="ja-JP" altLang="en-US" sz="1100">
-                  <a:latin typeface="Hiragino Kaku Gothic Pro W3" panose="020B0300000000000000" pitchFamily="34" charset="-128"/>
-                  <a:ea typeface="Hiragino Kaku Gothic Pro W3" panose="020B0300000000000000" pitchFamily="34" charset="-128"/>
+                <a:rPr kumimoji="1" lang="ja-JP" altLang="en-US" sz="1400">
+                  <a:latin typeface="Hiragino Sans W4" panose="020B0400000000000000" pitchFamily="34" charset="-128"/>
+                  <a:ea typeface="Hiragino Sans W4" panose="020B0400000000000000" pitchFamily="34" charset="-128"/>
                 </a:rPr>
                 <a:t>語データセット</a:t>
               </a:r>
@@ -8716,7 +8824,10 @@
               <a:lstStyle/>
               <a:p>
                 <a:pPr algn="ctr"/>
-                <a:endParaRPr kumimoji="1" lang="ja-JP" altLang="en-US" dirty="0"/>
+                <a:endParaRPr kumimoji="1" lang="ja-JP" altLang="en-US" dirty="0">
+                  <a:latin typeface="Hiragino Sans W4" panose="020B0400000000000000" pitchFamily="34" charset="-128"/>
+                  <a:ea typeface="Hiragino Sans W4" panose="020B0400000000000000" pitchFamily="34" charset="-128"/>
+                </a:endParaRPr>
               </a:p>
             </p:txBody>
           </p:sp>
@@ -8842,7 +8953,10 @@
               <a:lstStyle/>
               <a:p>
                 <a:pPr algn="ctr"/>
-                <a:endParaRPr kumimoji="1" lang="ja-JP" altLang="en-US" dirty="0"/>
+                <a:endParaRPr kumimoji="1" lang="ja-JP" altLang="en-US" dirty="0">
+                  <a:latin typeface="Hiragino Sans W4" panose="020B0400000000000000" pitchFamily="34" charset="-128"/>
+                  <a:ea typeface="Hiragino Sans W4" panose="020B0400000000000000" pitchFamily="34" charset="-128"/>
+                </a:endParaRPr>
               </a:p>
             </p:txBody>
           </p:sp>
@@ -8968,7 +9082,10 @@
               <a:lstStyle/>
               <a:p>
                 <a:pPr algn="ctr"/>
-                <a:endParaRPr kumimoji="1" lang="ja-JP" altLang="en-US" dirty="0"/>
+                <a:endParaRPr kumimoji="1" lang="ja-JP" altLang="en-US" dirty="0">
+                  <a:latin typeface="Hiragino Sans W4" panose="020B0400000000000000" pitchFamily="34" charset="-128"/>
+                  <a:ea typeface="Hiragino Sans W4" panose="020B0400000000000000" pitchFamily="34" charset="-128"/>
+                </a:endParaRPr>
               </a:p>
             </p:txBody>
           </p:sp>
@@ -9026,7 +9143,7 @@
         </p:nvGrpSpPr>
         <p:grpSpPr>
           <a:xfrm>
-            <a:off x="10841923" y="1223629"/>
+            <a:off x="10841923" y="1255159"/>
             <a:ext cx="601944" cy="712459"/>
             <a:chOff x="10578525" y="2033062"/>
             <a:chExt cx="601944" cy="712459"/>
@@ -9115,7 +9232,10 @@
               <a:lstStyle/>
               <a:p>
                 <a:pPr algn="ctr"/>
-                <a:endParaRPr kumimoji="1" lang="ja-JP" altLang="en-US" dirty="0"/>
+                <a:endParaRPr kumimoji="1" lang="ja-JP" altLang="en-US" dirty="0">
+                  <a:latin typeface="Hiragino Sans W4" panose="020B0400000000000000" pitchFamily="34" charset="-128"/>
+                  <a:ea typeface="Hiragino Sans W4" panose="020B0400000000000000" pitchFamily="34" charset="-128"/>
+                </a:endParaRPr>
               </a:p>
             </p:txBody>
           </p:sp>
@@ -9241,7 +9361,10 @@
               <a:lstStyle/>
               <a:p>
                 <a:pPr algn="ctr"/>
-                <a:endParaRPr kumimoji="1" lang="ja-JP" altLang="en-US" dirty="0"/>
+                <a:endParaRPr kumimoji="1" lang="ja-JP" altLang="en-US" dirty="0">
+                  <a:latin typeface="Hiragino Sans W4" panose="020B0400000000000000" pitchFamily="34" charset="-128"/>
+                  <a:ea typeface="Hiragino Sans W4" panose="020B0400000000000000" pitchFamily="34" charset="-128"/>
+                </a:endParaRPr>
               </a:p>
             </p:txBody>
           </p:sp>
@@ -9367,7 +9490,10 @@
               <a:lstStyle/>
               <a:p>
                 <a:pPr algn="ctr"/>
-                <a:endParaRPr kumimoji="1" lang="ja-JP" altLang="en-US" dirty="0"/>
+                <a:endParaRPr kumimoji="1" lang="ja-JP" altLang="en-US" dirty="0">
+                  <a:latin typeface="Hiragino Sans W4" panose="020B0400000000000000" pitchFamily="34" charset="-128"/>
+                  <a:ea typeface="Hiragino Sans W4" panose="020B0400000000000000" pitchFamily="34" charset="-128"/>
+                </a:endParaRPr>
               </a:p>
             </p:txBody>
           </p:sp>
@@ -9425,7 +9551,7 @@
         </p:nvGrpSpPr>
         <p:grpSpPr>
           <a:xfrm>
-            <a:off x="10834390" y="2109381"/>
+            <a:off x="10834390" y="2161931"/>
             <a:ext cx="601944" cy="712459"/>
             <a:chOff x="10578525" y="2033062"/>
             <a:chExt cx="601944" cy="712459"/>
@@ -9514,7 +9640,10 @@
               <a:lstStyle/>
               <a:p>
                 <a:pPr algn="ctr"/>
-                <a:endParaRPr kumimoji="1" lang="ja-JP" altLang="en-US" dirty="0"/>
+                <a:endParaRPr kumimoji="1" lang="ja-JP" altLang="en-US" dirty="0">
+                  <a:latin typeface="Hiragino Sans W4" panose="020B0400000000000000" pitchFamily="34" charset="-128"/>
+                  <a:ea typeface="Hiragino Sans W4" panose="020B0400000000000000" pitchFamily="34" charset="-128"/>
+                </a:endParaRPr>
               </a:p>
             </p:txBody>
           </p:sp>
@@ -9640,7 +9769,10 @@
               <a:lstStyle/>
               <a:p>
                 <a:pPr algn="ctr"/>
-                <a:endParaRPr kumimoji="1" lang="ja-JP" altLang="en-US" dirty="0"/>
+                <a:endParaRPr kumimoji="1" lang="ja-JP" altLang="en-US" dirty="0">
+                  <a:latin typeface="Hiragino Sans W4" panose="020B0400000000000000" pitchFamily="34" charset="-128"/>
+                  <a:ea typeface="Hiragino Sans W4" panose="020B0400000000000000" pitchFamily="34" charset="-128"/>
+                </a:endParaRPr>
               </a:p>
             </p:txBody>
           </p:sp>
@@ -9766,7 +9898,10 @@
               <a:lstStyle/>
               <a:p>
                 <a:pPr algn="ctr"/>
-                <a:endParaRPr kumimoji="1" lang="ja-JP" altLang="en-US" dirty="0"/>
+                <a:endParaRPr kumimoji="1" lang="ja-JP" altLang="en-US" dirty="0">
+                  <a:latin typeface="Hiragino Sans W4" panose="020B0400000000000000" pitchFamily="34" charset="-128"/>
+                  <a:ea typeface="Hiragino Sans W4" panose="020B0400000000000000" pitchFamily="34" charset="-128"/>
+                </a:endParaRPr>
               </a:p>
             </p:txBody>
           </p:sp>
@@ -9862,8 +9997,8 @@
         </p:nvSpPr>
         <p:spPr>
           <a:xfrm>
-            <a:off x="10494866" y="980678"/>
-            <a:ext cx="1462819" cy="261610"/>
+            <a:off x="10494866" y="989125"/>
+            <a:ext cx="1462819" cy="307777"/>
           </a:xfrm>
           <a:prstGeom prst="rect">
             <a:avLst/>
@@ -9878,15 +10013,15 @@
           <a:p>
             <a:pPr algn="ctr"/>
             <a:r>
-              <a:rPr kumimoji="1" lang="ja-AU" altLang="en-US" sz="1100" dirty="0">
-                <a:latin typeface="Hiragino Kaku Gothic Pro W3" panose="020B0300000000000000" pitchFamily="34" charset="-128"/>
-                <a:ea typeface="Hiragino Kaku Gothic Pro W3" panose="020B0300000000000000" pitchFamily="34" charset="-128"/>
+              <a:rPr kumimoji="1" lang="ja-AU" altLang="en-US" sz="1400" dirty="0">
+                <a:latin typeface="Hiragino Sans W4" panose="020B0400000000000000" pitchFamily="34" charset="-128"/>
+                <a:ea typeface="Hiragino Sans W4" panose="020B0400000000000000" pitchFamily="34" charset="-128"/>
               </a:rPr>
               <a:t>推薦コード</a:t>
             </a:r>
-            <a:endParaRPr kumimoji="1" lang="ja-JP" altLang="en-US" sz="1100">
-              <a:latin typeface="Hiragino Kaku Gothic Pro W3" panose="020B0300000000000000" pitchFamily="34" charset="-128"/>
-              <a:ea typeface="Hiragino Kaku Gothic Pro W3" panose="020B0300000000000000" pitchFamily="34" charset="-128"/>
+            <a:endParaRPr kumimoji="1" lang="ja-JP" altLang="en-US" sz="1400">
+              <a:latin typeface="Hiragino Sans W4" panose="020B0400000000000000" pitchFamily="34" charset="-128"/>
+              <a:ea typeface="Hiragino Sans W4" panose="020B0400000000000000" pitchFamily="34" charset="-128"/>
             </a:endParaRPr>
           </a:p>
         </p:txBody>
@@ -9905,8 +10040,8 @@
         </p:nvSpPr>
         <p:spPr>
           <a:xfrm>
-            <a:off x="10502399" y="1900599"/>
-            <a:ext cx="1462819" cy="261610"/>
+            <a:off x="10502399" y="1898536"/>
+            <a:ext cx="1462819" cy="307777"/>
           </a:xfrm>
           <a:prstGeom prst="rect">
             <a:avLst/>
@@ -9921,15 +10056,15 @@
           <a:p>
             <a:pPr algn="ctr"/>
             <a:r>
-              <a:rPr lang="ja-AU" altLang="en-US" sz="1100" dirty="0">
-                <a:latin typeface="Hiragino Kaku Gothic Pro W3" panose="020B0300000000000000" pitchFamily="34" charset="-128"/>
-                <a:ea typeface="Hiragino Kaku Gothic Pro W3" panose="020B0300000000000000" pitchFamily="34" charset="-128"/>
+              <a:rPr lang="ja-AU" altLang="en-US" sz="1400" dirty="0">
+                <a:latin typeface="Hiragino Sans W4" panose="020B0400000000000000" pitchFamily="34" charset="-128"/>
+                <a:ea typeface="Hiragino Sans W4" panose="020B0400000000000000" pitchFamily="34" charset="-128"/>
               </a:rPr>
               <a:t>推薦コード</a:t>
             </a:r>
-            <a:endParaRPr kumimoji="1" lang="ja-JP" altLang="en-US" sz="1100">
-              <a:latin typeface="Hiragino Kaku Gothic Pro W3" panose="020B0300000000000000" pitchFamily="34" charset="-128"/>
-              <a:ea typeface="Hiragino Kaku Gothic Pro W3" panose="020B0300000000000000" pitchFamily="34" charset="-128"/>
+            <a:endParaRPr kumimoji="1" lang="ja-JP" altLang="en-US" sz="1400">
+              <a:latin typeface="Hiragino Sans W4" panose="020B0400000000000000" pitchFamily="34" charset="-128"/>
+              <a:ea typeface="Hiragino Sans W4" panose="020B0400000000000000" pitchFamily="34" charset="-128"/>
             </a:endParaRPr>
           </a:p>
         </p:txBody>
@@ -9948,8 +10083,8 @@
         </p:nvSpPr>
         <p:spPr>
           <a:xfrm>
-            <a:off x="10466637" y="2754538"/>
-            <a:ext cx="1462819" cy="261610"/>
+            <a:off x="10466637" y="2805025"/>
+            <a:ext cx="1462819" cy="307777"/>
           </a:xfrm>
           <a:prstGeom prst="rect">
             <a:avLst/>
@@ -9964,15 +10099,15 @@
           <a:p>
             <a:pPr algn="ctr"/>
             <a:r>
-              <a:rPr lang="ja-AU" altLang="en-US" sz="1100" dirty="0">
-                <a:latin typeface="Hiragino Kaku Gothic Pro W3" panose="020B0300000000000000" pitchFamily="34" charset="-128"/>
-                <a:ea typeface="Hiragino Kaku Gothic Pro W3" panose="020B0300000000000000" pitchFamily="34" charset="-128"/>
+              <a:rPr lang="ja-AU" altLang="en-US" sz="1400" dirty="0">
+                <a:latin typeface="Hiragino Sans W4" panose="020B0400000000000000" pitchFamily="34" charset="-128"/>
+                <a:ea typeface="Hiragino Sans W4" panose="020B0400000000000000" pitchFamily="34" charset="-128"/>
               </a:rPr>
               <a:t>推薦コード</a:t>
             </a:r>
-            <a:endParaRPr kumimoji="1" lang="ja-JP" altLang="en-US" sz="1100">
-              <a:latin typeface="Hiragino Kaku Gothic Pro W3" panose="020B0300000000000000" pitchFamily="34" charset="-128"/>
-              <a:ea typeface="Hiragino Kaku Gothic Pro W3" panose="020B0300000000000000" pitchFamily="34" charset="-128"/>
+            <a:endParaRPr kumimoji="1" lang="ja-JP" altLang="en-US" sz="1400">
+              <a:latin typeface="Hiragino Sans W4" panose="020B0400000000000000" pitchFamily="34" charset="-128"/>
+              <a:ea typeface="Hiragino Sans W4" panose="020B0400000000000000" pitchFamily="34" charset="-128"/>
             </a:endParaRPr>
           </a:p>
         </p:txBody>
@@ -10251,8 +10386,8 @@
         </p:nvSpPr>
         <p:spPr>
           <a:xfrm>
-            <a:off x="8423724" y="2054604"/>
-            <a:ext cx="1462819" cy="261610"/>
+            <a:off x="8423320" y="2029910"/>
+            <a:ext cx="1462819" cy="523220"/>
           </a:xfrm>
           <a:prstGeom prst="rect">
             <a:avLst/>
@@ -10267,1489 +10402,16 @@
           <a:p>
             <a:pPr algn="ctr"/>
             <a:r>
-              <a:rPr lang="en-US" altLang="ja-JP" sz="1100" dirty="0">
-                <a:latin typeface="Hiragino Kaku Gothic Pro W3" panose="020B0300000000000000" pitchFamily="34" charset="-128"/>
-                <a:ea typeface="Hiragino Kaku Gothic Pro W3" panose="020B0300000000000000" pitchFamily="34" charset="-128"/>
+              <a:rPr lang="en-US" altLang="ja-JP" sz="1400" dirty="0">
+                <a:latin typeface="Hiragino Sans W4" panose="020B0400000000000000" pitchFamily="34" charset="-128"/>
+                <a:ea typeface="Hiragino Sans W4" panose="020B0400000000000000" pitchFamily="34" charset="-128"/>
               </a:rPr>
               <a:t>GitHub Copilot</a:t>
             </a:r>
-            <a:endParaRPr kumimoji="1" lang="ja-JP" altLang="en-US" sz="1100">
-              <a:latin typeface="Hiragino Kaku Gothic Pro W3" panose="020B0300000000000000" pitchFamily="34" charset="-128"/>
-              <a:ea typeface="Hiragino Kaku Gothic Pro W3" panose="020B0300000000000000" pitchFamily="34" charset="-128"/>
+            <a:endParaRPr kumimoji="1" lang="ja-JP" altLang="en-US" sz="1400">
+              <a:latin typeface="Hiragino Sans W4" panose="020B0400000000000000" pitchFamily="34" charset="-128"/>
+              <a:ea typeface="Hiragino Sans W4" panose="020B0400000000000000" pitchFamily="34" charset="-128"/>
             </a:endParaRPr>
-          </a:p>
-        </p:txBody>
-      </p:sp>
-      <p:pic>
-        <p:nvPicPr>
-          <p:cNvPr id="5" name="図 4" descr="黒い背景に白い文字がある&#10;&#10;中程度の精度で自動的に生成された説明">
-            <a:extLst>
-              <a:ext uri="{FF2B5EF4-FFF2-40B4-BE49-F238E27FC236}">
-                <a16:creationId xmlns:a16="http://schemas.microsoft.com/office/drawing/2014/main" id="{5A3AAAB7-2050-7A8C-51D9-5699429B8B04}"/>
-              </a:ext>
-            </a:extLst>
-          </p:cNvPr>
-          <p:cNvPicPr>
-            <a:picLocks noChangeAspect="1"/>
-          </p:cNvPicPr>
-          <p:nvPr/>
-        </p:nvPicPr>
-        <p:blipFill rotWithShape="1">
-          <a:blip r:embed="rId7">
-            <a:duotone>
-              <a:schemeClr val="accent6">
-                <a:shade val="45000"/>
-                <a:satMod val="135000"/>
-              </a:schemeClr>
-              <a:prstClr val="white"/>
-            </a:duotone>
-          </a:blip>
-          <a:srcRect l="9600" r="9760"/>
-          <a:stretch/>
-        </p:blipFill>
-        <p:spPr>
-          <a:xfrm>
-            <a:off x="3469948" y="3814621"/>
-            <a:ext cx="391886" cy="485968"/>
-          </a:xfrm>
-          <a:prstGeom prst="rect">
-            <a:avLst/>
-          </a:prstGeom>
-          <a:noFill/>
-        </p:spPr>
-      </p:pic>
-      <p:pic>
-        <p:nvPicPr>
-          <p:cNvPr id="6" name="図 5" descr="黒い背景に白い文字がある&#10;&#10;中程度の精度で自動的に生成された説明">
-            <a:extLst>
-              <a:ext uri="{FF2B5EF4-FFF2-40B4-BE49-F238E27FC236}">
-                <a16:creationId xmlns:a16="http://schemas.microsoft.com/office/drawing/2014/main" id="{4121458D-7A94-9205-B239-28F535E7A0EB}"/>
-              </a:ext>
-            </a:extLst>
-          </p:cNvPr>
-          <p:cNvPicPr>
-            <a:picLocks noChangeAspect="1"/>
-          </p:cNvPicPr>
-          <p:nvPr/>
-        </p:nvPicPr>
-        <p:blipFill rotWithShape="1">
-          <a:blip r:embed="rId7">
-            <a:duotone>
-              <a:schemeClr val="accent5">
-                <a:shade val="45000"/>
-                <a:satMod val="135000"/>
-              </a:schemeClr>
-              <a:prstClr val="white"/>
-            </a:duotone>
-          </a:blip>
-          <a:srcRect l="9600" r="9760"/>
-          <a:stretch/>
-        </p:blipFill>
-        <p:spPr>
-          <a:xfrm>
-            <a:off x="4009402" y="3808245"/>
-            <a:ext cx="391886" cy="485968"/>
-          </a:xfrm>
-          <a:prstGeom prst="rect">
-            <a:avLst/>
-          </a:prstGeom>
-          <a:noFill/>
-        </p:spPr>
-      </p:pic>
-      <p:pic>
-        <p:nvPicPr>
-          <p:cNvPr id="10" name="図 9" descr="黒い背景に白い文字がある&#10;&#10;中程度の精度で自動的に生成された説明">
-            <a:extLst>
-              <a:ext uri="{FF2B5EF4-FFF2-40B4-BE49-F238E27FC236}">
-                <a16:creationId xmlns:a16="http://schemas.microsoft.com/office/drawing/2014/main" id="{FBE62D5C-3BAF-59DA-6489-7186A986E399}"/>
-              </a:ext>
-            </a:extLst>
-          </p:cNvPr>
-          <p:cNvPicPr>
-            <a:picLocks noChangeAspect="1"/>
-          </p:cNvPicPr>
-          <p:nvPr/>
-        </p:nvPicPr>
-        <p:blipFill rotWithShape="1">
-          <a:blip r:embed="rId7">
-            <a:duotone>
-              <a:schemeClr val="accent2">
-                <a:shade val="45000"/>
-                <a:satMod val="135000"/>
-              </a:schemeClr>
-              <a:prstClr val="white"/>
-            </a:duotone>
-          </a:blip>
-          <a:srcRect l="9600" r="9760"/>
-          <a:stretch/>
-        </p:blipFill>
-        <p:spPr>
-          <a:xfrm>
-            <a:off x="4554864" y="3819013"/>
-            <a:ext cx="391886" cy="485968"/>
-          </a:xfrm>
-          <a:prstGeom prst="rect">
-            <a:avLst/>
-          </a:prstGeom>
-          <a:noFill/>
-        </p:spPr>
-      </p:pic>
-      <mc:AlternateContent xmlns:mc="http://schemas.openxmlformats.org/markup-compatibility/2006">
-        <mc:Choice xmlns:a14="http://schemas.microsoft.com/office/drawing/2010/main" Requires="a14">
-          <p:sp>
-            <p:nvSpPr>
-              <p:cNvPr id="11" name="テキスト ボックス 10">
-                <a:extLst>
-                  <a:ext uri="{FF2B5EF4-FFF2-40B4-BE49-F238E27FC236}">
-                    <a16:creationId xmlns:a16="http://schemas.microsoft.com/office/drawing/2014/main" id="{F275FC9A-F427-2121-86C3-2FF068CCB877}"/>
-                  </a:ext>
-                </a:extLst>
-              </p:cNvPr>
-              <p:cNvSpPr txBox="1"/>
-              <p:nvPr/>
-            </p:nvSpPr>
-            <p:spPr>
-              <a:xfrm>
-                <a:off x="2999219" y="4390165"/>
-                <a:ext cx="2393369" cy="430887"/>
-              </a:xfrm>
-              <a:prstGeom prst="rect">
-                <a:avLst/>
-              </a:prstGeom>
-              <a:noFill/>
-            </p:spPr>
-            <p:txBody>
-              <a:bodyPr wrap="square" rtlCol="0" anchor="ctr">
-                <a:spAutoFit/>
-              </a:bodyPr>
-              <a:lstStyle/>
-              <a:p>
-                <a:pPr algn="ctr"/>
-                <a:r>
-                  <a:rPr kumimoji="1" lang="ja-JP" altLang="en-US" sz="1100">
-                    <a:latin typeface="Hiragino Kaku Gothic Pro W3" panose="020B0300000000000000" pitchFamily="34" charset="-128"/>
-                    <a:ea typeface="Hiragino Kaku Gothic Pro W3" panose="020B0300000000000000" pitchFamily="34" charset="-128"/>
-                  </a:rPr>
-                  <a:t>問題</a:t>
-                </a:r>
-                <a14:m>
-                  <m:oMath xmlns:m="http://schemas.openxmlformats.org/officeDocument/2006/math">
-                    <m:r>
-                      <a:rPr kumimoji="1" lang="en-US" altLang="ja-JP" sz="1100" b="0" i="1" smtClean="0">
-                        <a:latin typeface="Cambria Math" panose="02040503050406030204" pitchFamily="18" charset="0"/>
-                        <a:ea typeface="Hiragino Kaku Gothic Pro W3" panose="020B0300000000000000" pitchFamily="34" charset="-128"/>
-                      </a:rPr>
-                      <m:t>𝛼</m:t>
-                    </m:r>
-                  </m:oMath>
-                </a14:m>
-                <a:r>
-                  <a:rPr kumimoji="1" lang="ja-JP" altLang="en-US" sz="1100">
-                    <a:latin typeface="Hiragino Kaku Gothic Pro W3" panose="020B0300000000000000" pitchFamily="34" charset="-128"/>
-                    <a:ea typeface="Hiragino Kaku Gothic Pro W3" panose="020B0300000000000000" pitchFamily="34" charset="-128"/>
-                  </a:rPr>
-                  <a:t>に対して</a:t>
-                </a:r>
-                <a:r>
-                  <a:rPr kumimoji="1" lang="en-US" altLang="ja-JP" sz="1100" dirty="0">
-                    <a:latin typeface="Hiragino Kaku Gothic Pro W3" panose="020B0300000000000000" pitchFamily="34" charset="-128"/>
-                    <a:ea typeface="Hiragino Kaku Gothic Pro W3" panose="020B0300000000000000" pitchFamily="34" charset="-128"/>
-                  </a:rPr>
-                  <a:t>GitHub Copilot</a:t>
-                </a:r>
-                <a:r>
-                  <a:rPr kumimoji="1" lang="ja-JP" altLang="en-US" sz="1100">
-                    <a:latin typeface="Hiragino Kaku Gothic Pro W3" panose="020B0300000000000000" pitchFamily="34" charset="-128"/>
-                    <a:ea typeface="Hiragino Kaku Gothic Pro W3" panose="020B0300000000000000" pitchFamily="34" charset="-128"/>
-                  </a:rPr>
-                  <a:t>が</a:t>
-                </a:r>
-                <a:endParaRPr kumimoji="1" lang="en-US" altLang="ja-JP" sz="1100" dirty="0">
-                  <a:latin typeface="Hiragino Kaku Gothic Pro W3" panose="020B0300000000000000" pitchFamily="34" charset="-128"/>
-                  <a:ea typeface="Hiragino Kaku Gothic Pro W3" panose="020B0300000000000000" pitchFamily="34" charset="-128"/>
-                </a:endParaRPr>
-              </a:p>
-              <a:p>
-                <a:pPr algn="ctr"/>
-                <a:r>
-                  <a:rPr kumimoji="1" lang="ja-JP" altLang="en-US" sz="1100">
-                    <a:latin typeface="Hiragino Kaku Gothic Pro W3" panose="020B0300000000000000" pitchFamily="34" charset="-128"/>
-                    <a:ea typeface="Hiragino Kaku Gothic Pro W3" panose="020B0300000000000000" pitchFamily="34" charset="-128"/>
-                  </a:rPr>
-                  <a:t>推薦した各</a:t>
-                </a:r>
-                <a:r>
-                  <a:rPr kumimoji="1" lang="ja-AU" altLang="en-US" sz="1100" dirty="0">
-                    <a:latin typeface="Hiragino Kaku Gothic Pro W3" panose="020B0300000000000000" pitchFamily="34" charset="-128"/>
-                    <a:ea typeface="Hiragino Kaku Gothic Pro W3" panose="020B0300000000000000" pitchFamily="34" charset="-128"/>
-                  </a:rPr>
-                  <a:t>コード</a:t>
-                </a:r>
-                <a:endParaRPr kumimoji="1" lang="ja-JP" altLang="en-US" sz="1100">
-                  <a:latin typeface="Hiragino Kaku Gothic Pro W3" panose="020B0300000000000000" pitchFamily="34" charset="-128"/>
-                  <a:ea typeface="Hiragino Kaku Gothic Pro W3" panose="020B0300000000000000" pitchFamily="34" charset="-128"/>
-                </a:endParaRPr>
-              </a:p>
-            </p:txBody>
-          </p:sp>
-        </mc:Choice>
-        <mc:Fallback>
-          <p:sp>
-            <p:nvSpPr>
-              <p:cNvPr id="11" name="テキスト ボックス 10">
-                <a:extLst>
-                  <a:ext uri="{FF2B5EF4-FFF2-40B4-BE49-F238E27FC236}">
-                    <a16:creationId xmlns:a16="http://schemas.microsoft.com/office/drawing/2014/main" id="{F275FC9A-F427-2121-86C3-2FF068CCB877}"/>
-                  </a:ext>
-                </a:extLst>
-              </p:cNvPr>
-              <p:cNvSpPr txBox="1">
-                <a:spLocks noRot="1" noChangeAspect="1" noMove="1" noResize="1" noEditPoints="1" noAdjustHandles="1" noChangeArrowheads="1" noChangeShapeType="1" noTextEdit="1"/>
-              </p:cNvSpPr>
-              <p:nvPr/>
-            </p:nvSpPr>
-            <p:spPr>
-              <a:xfrm>
-                <a:off x="2999219" y="4390165"/>
-                <a:ext cx="2393369" cy="430887"/>
-              </a:xfrm>
-              <a:prstGeom prst="rect">
-                <a:avLst/>
-              </a:prstGeom>
-              <a:blipFill>
-                <a:blip r:embed="rId9"/>
-                <a:stretch>
-                  <a:fillRect b="-11429"/>
-                </a:stretch>
-              </a:blipFill>
-            </p:spPr>
-            <p:txBody>
-              <a:bodyPr/>
-              <a:lstStyle/>
-              <a:p>
-                <a:r>
-                  <a:rPr lang="ja-AU" altLang="en-US">
-                    <a:noFill/>
-                  </a:rPr>
-                  <a:t> </a:t>
-                </a:r>
-              </a:p>
-            </p:txBody>
-          </p:sp>
-        </mc:Fallback>
-      </mc:AlternateContent>
-      <p:grpSp>
-        <p:nvGrpSpPr>
-          <p:cNvPr id="46" name="グループ化 45">
-            <a:extLst>
-              <a:ext uri="{FF2B5EF4-FFF2-40B4-BE49-F238E27FC236}">
-                <a16:creationId xmlns:a16="http://schemas.microsoft.com/office/drawing/2014/main" id="{F92D27E4-45A0-EDF1-64C0-73DFBB816360}"/>
-              </a:ext>
-            </a:extLst>
-          </p:cNvPr>
-          <p:cNvGrpSpPr/>
-          <p:nvPr/>
-        </p:nvGrpSpPr>
-        <p:grpSpPr>
-          <a:xfrm>
-            <a:off x="728788" y="3682629"/>
-            <a:ext cx="601944" cy="712459"/>
-            <a:chOff x="10578525" y="2033062"/>
-            <a:chExt cx="601944" cy="712459"/>
-          </a:xfrm>
-        </p:grpSpPr>
-        <p:grpSp>
-          <p:nvGrpSpPr>
-            <p:cNvPr id="47" name="グループ化 46">
-              <a:extLst>
-                <a:ext uri="{FF2B5EF4-FFF2-40B4-BE49-F238E27FC236}">
-                  <a16:creationId xmlns:a16="http://schemas.microsoft.com/office/drawing/2014/main" id="{08C249E1-D4D5-1273-FDC7-B2C03DD9351F}"/>
-                </a:ext>
-              </a:extLst>
-            </p:cNvPr>
-            <p:cNvGrpSpPr/>
-            <p:nvPr/>
-          </p:nvGrpSpPr>
-          <p:grpSpPr>
-            <a:xfrm>
-              <a:off x="10578525" y="2033062"/>
-              <a:ext cx="391886" cy="542811"/>
-              <a:chOff x="9443884" y="2091230"/>
-              <a:chExt cx="391886" cy="542811"/>
-            </a:xfrm>
-          </p:grpSpPr>
-          <p:sp>
-            <p:nvSpPr>
-              <p:cNvPr id="55" name="1 つの角を切り取った四角形 54">
-                <a:extLst>
-                  <a:ext uri="{FF2B5EF4-FFF2-40B4-BE49-F238E27FC236}">
-                    <a16:creationId xmlns:a16="http://schemas.microsoft.com/office/drawing/2014/main" id="{0E043516-6C52-867F-33D7-53885668DDB7}"/>
-                  </a:ext>
-                </a:extLst>
-              </p:cNvPr>
-              <p:cNvSpPr/>
-              <p:nvPr/>
-            </p:nvSpPr>
-            <p:spPr>
-              <a:xfrm>
-                <a:off x="9480821" y="2091230"/>
-                <a:ext cx="326720" cy="542811"/>
-              </a:xfrm>
-              <a:prstGeom prst="snip1Rect">
-                <a:avLst>
-                  <a:gd name="adj" fmla="val 29994"/>
-                </a:avLst>
-              </a:prstGeom>
-              <a:solidFill>
-                <a:schemeClr val="bg1"/>
-              </a:solidFill>
-              <a:ln>
-                <a:noFill/>
-              </a:ln>
-              <a:effectLst>
-                <a:glow rad="127000">
-                  <a:schemeClr val="bg1"/>
-                </a:glow>
-              </a:effectLst>
-              <a:scene3d>
-                <a:camera prst="isometricLeftDown">
-                  <a:rot lat="2100000" lon="10800000" rev="0"/>
-                </a:camera>
-                <a:lightRig rig="threePt" dir="t"/>
-              </a:scene3d>
-            </p:spPr>
-            <p:style>
-              <a:lnRef idx="2">
-                <a:schemeClr val="accent1">
-                  <a:shade val="50000"/>
-                </a:schemeClr>
-              </a:lnRef>
-              <a:fillRef idx="1">
-                <a:schemeClr val="accent1"/>
-              </a:fillRef>
-              <a:effectRef idx="0">
-                <a:schemeClr val="accent1"/>
-              </a:effectRef>
-              <a:fontRef idx="minor">
-                <a:schemeClr val="lt1"/>
-              </a:fontRef>
-            </p:style>
-            <p:txBody>
-              <a:bodyPr rtlCol="0" anchor="ctr">
-                <a:flatTx/>
-              </a:bodyPr>
-              <a:lstStyle/>
-              <a:p>
-                <a:pPr algn="ctr"/>
-                <a:endParaRPr kumimoji="1" lang="ja-JP" altLang="en-US" dirty="0"/>
-              </a:p>
-            </p:txBody>
-          </p:sp>
-          <p:pic>
-            <p:nvPicPr>
-              <p:cNvPr id="56" name="図 55" descr="黒い背景に白い文字がある&#10;&#10;中程度の精度で自動的に生成された説明">
-                <a:extLst>
-                  <a:ext uri="{FF2B5EF4-FFF2-40B4-BE49-F238E27FC236}">
-                    <a16:creationId xmlns:a16="http://schemas.microsoft.com/office/drawing/2014/main" id="{86D94B76-B261-441C-C9B0-EB633C15422D}"/>
-                  </a:ext>
-                </a:extLst>
-              </p:cNvPr>
-              <p:cNvPicPr>
-                <a:picLocks noChangeAspect="1"/>
-              </p:cNvPicPr>
-              <p:nvPr/>
-            </p:nvPicPr>
-            <p:blipFill rotWithShape="1">
-              <a:blip r:embed="rId7">
-                <a:grayscl/>
-              </a:blip>
-              <a:srcRect l="9600" r="9760"/>
-              <a:stretch/>
-            </p:blipFill>
-            <p:spPr>
-              <a:xfrm>
-                <a:off x="9443884" y="2114840"/>
-                <a:ext cx="391886" cy="485968"/>
-              </a:xfrm>
-              <a:prstGeom prst="rect">
-                <a:avLst/>
-              </a:prstGeom>
-              <a:noFill/>
-            </p:spPr>
-          </p:pic>
-        </p:grpSp>
-        <p:grpSp>
-          <p:nvGrpSpPr>
-            <p:cNvPr id="48" name="グループ化 47">
-              <a:extLst>
-                <a:ext uri="{FF2B5EF4-FFF2-40B4-BE49-F238E27FC236}">
-                  <a16:creationId xmlns:a16="http://schemas.microsoft.com/office/drawing/2014/main" id="{67E5EA7E-BED2-1A45-4393-3429E5DBC308}"/>
-                </a:ext>
-              </a:extLst>
-            </p:cNvPr>
-            <p:cNvGrpSpPr/>
-            <p:nvPr/>
-          </p:nvGrpSpPr>
-          <p:grpSpPr>
-            <a:xfrm>
-              <a:off x="10686068" y="2107257"/>
-              <a:ext cx="391886" cy="542811"/>
-              <a:chOff x="9443884" y="2091230"/>
-              <a:chExt cx="391886" cy="542811"/>
-            </a:xfrm>
-          </p:grpSpPr>
-          <p:sp>
-            <p:nvSpPr>
-              <p:cNvPr id="53" name="1 つの角を切り取った四角形 52">
-                <a:extLst>
-                  <a:ext uri="{FF2B5EF4-FFF2-40B4-BE49-F238E27FC236}">
-                    <a16:creationId xmlns:a16="http://schemas.microsoft.com/office/drawing/2014/main" id="{55C16F9C-D7DB-8746-725F-14C0E7F343E4}"/>
-                  </a:ext>
-                </a:extLst>
-              </p:cNvPr>
-              <p:cNvSpPr/>
-              <p:nvPr/>
-            </p:nvSpPr>
-            <p:spPr>
-              <a:xfrm>
-                <a:off x="9480821" y="2091230"/>
-                <a:ext cx="326720" cy="542811"/>
-              </a:xfrm>
-              <a:prstGeom prst="snip1Rect">
-                <a:avLst>
-                  <a:gd name="adj" fmla="val 29994"/>
-                </a:avLst>
-              </a:prstGeom>
-              <a:solidFill>
-                <a:schemeClr val="bg1"/>
-              </a:solidFill>
-              <a:ln>
-                <a:noFill/>
-              </a:ln>
-              <a:effectLst>
-                <a:glow rad="127000">
-                  <a:schemeClr val="bg1"/>
-                </a:glow>
-              </a:effectLst>
-              <a:scene3d>
-                <a:camera prst="isometricLeftDown">
-                  <a:rot lat="2100000" lon="10800000" rev="0"/>
-                </a:camera>
-                <a:lightRig rig="threePt" dir="t"/>
-              </a:scene3d>
-            </p:spPr>
-            <p:style>
-              <a:lnRef idx="2">
-                <a:schemeClr val="accent1">
-                  <a:shade val="50000"/>
-                </a:schemeClr>
-              </a:lnRef>
-              <a:fillRef idx="1">
-                <a:schemeClr val="accent1"/>
-              </a:fillRef>
-              <a:effectRef idx="0">
-                <a:schemeClr val="accent1"/>
-              </a:effectRef>
-              <a:fontRef idx="minor">
-                <a:schemeClr val="lt1"/>
-              </a:fontRef>
-            </p:style>
-            <p:txBody>
-              <a:bodyPr rtlCol="0" anchor="ctr">
-                <a:flatTx/>
-              </a:bodyPr>
-              <a:lstStyle/>
-              <a:p>
-                <a:pPr algn="ctr"/>
-                <a:endParaRPr kumimoji="1" lang="ja-JP" altLang="en-US" dirty="0"/>
-              </a:p>
-            </p:txBody>
-          </p:sp>
-          <p:pic>
-            <p:nvPicPr>
-              <p:cNvPr id="54" name="図 53" descr="黒い背景に白い文字がある&#10;&#10;中程度の精度で自動的に生成された説明">
-                <a:extLst>
-                  <a:ext uri="{FF2B5EF4-FFF2-40B4-BE49-F238E27FC236}">
-                    <a16:creationId xmlns:a16="http://schemas.microsoft.com/office/drawing/2014/main" id="{D0B56BF1-16D7-AABB-4418-55B16EA231A1}"/>
-                  </a:ext>
-                </a:extLst>
-              </p:cNvPr>
-              <p:cNvPicPr>
-                <a:picLocks noChangeAspect="1"/>
-              </p:cNvPicPr>
-              <p:nvPr/>
-            </p:nvPicPr>
-            <p:blipFill rotWithShape="1">
-              <a:blip r:embed="rId7">
-                <a:grayscl/>
-              </a:blip>
-              <a:srcRect l="9600" r="9760"/>
-              <a:stretch/>
-            </p:blipFill>
-            <p:spPr>
-              <a:xfrm>
-                <a:off x="9443884" y="2114840"/>
-                <a:ext cx="391886" cy="485968"/>
-              </a:xfrm>
-              <a:prstGeom prst="rect">
-                <a:avLst/>
-              </a:prstGeom>
-              <a:noFill/>
-            </p:spPr>
-          </p:pic>
-        </p:grpSp>
-        <p:grpSp>
-          <p:nvGrpSpPr>
-            <p:cNvPr id="49" name="グループ化 48">
-              <a:extLst>
-                <a:ext uri="{FF2B5EF4-FFF2-40B4-BE49-F238E27FC236}">
-                  <a16:creationId xmlns:a16="http://schemas.microsoft.com/office/drawing/2014/main" id="{8406F946-0C2E-58C3-65F5-AA52EE889DB6}"/>
-                </a:ext>
-              </a:extLst>
-            </p:cNvPr>
-            <p:cNvGrpSpPr/>
-            <p:nvPr/>
-          </p:nvGrpSpPr>
-          <p:grpSpPr>
-            <a:xfrm>
-              <a:off x="10788583" y="2202710"/>
-              <a:ext cx="391886" cy="542811"/>
-              <a:chOff x="9443884" y="2091230"/>
-              <a:chExt cx="391886" cy="542811"/>
-            </a:xfrm>
-          </p:grpSpPr>
-          <p:sp>
-            <p:nvSpPr>
-              <p:cNvPr id="51" name="1 つの角を切り取った四角形 50">
-                <a:extLst>
-                  <a:ext uri="{FF2B5EF4-FFF2-40B4-BE49-F238E27FC236}">
-                    <a16:creationId xmlns:a16="http://schemas.microsoft.com/office/drawing/2014/main" id="{0F5D6198-D66E-6A88-5B7B-7F22820E874D}"/>
-                  </a:ext>
-                </a:extLst>
-              </p:cNvPr>
-              <p:cNvSpPr/>
-              <p:nvPr/>
-            </p:nvSpPr>
-            <p:spPr>
-              <a:xfrm>
-                <a:off x="9480821" y="2091230"/>
-                <a:ext cx="326720" cy="542811"/>
-              </a:xfrm>
-              <a:prstGeom prst="snip1Rect">
-                <a:avLst>
-                  <a:gd name="adj" fmla="val 29994"/>
-                </a:avLst>
-              </a:prstGeom>
-              <a:solidFill>
-                <a:schemeClr val="bg1"/>
-              </a:solidFill>
-              <a:ln>
-                <a:noFill/>
-              </a:ln>
-              <a:effectLst>
-                <a:glow rad="127000">
-                  <a:schemeClr val="bg1"/>
-                </a:glow>
-              </a:effectLst>
-              <a:scene3d>
-                <a:camera prst="isometricLeftDown">
-                  <a:rot lat="2100000" lon="10800000" rev="0"/>
-                </a:camera>
-                <a:lightRig rig="threePt" dir="t"/>
-              </a:scene3d>
-            </p:spPr>
-            <p:style>
-              <a:lnRef idx="2">
-                <a:schemeClr val="accent1">
-                  <a:shade val="50000"/>
-                </a:schemeClr>
-              </a:lnRef>
-              <a:fillRef idx="1">
-                <a:schemeClr val="accent1"/>
-              </a:fillRef>
-              <a:effectRef idx="0">
-                <a:schemeClr val="accent1"/>
-              </a:effectRef>
-              <a:fontRef idx="minor">
-                <a:schemeClr val="lt1"/>
-              </a:fontRef>
-            </p:style>
-            <p:txBody>
-              <a:bodyPr rtlCol="0" anchor="ctr">
-                <a:flatTx/>
-              </a:bodyPr>
-              <a:lstStyle/>
-              <a:p>
-                <a:pPr algn="ctr"/>
-                <a:endParaRPr kumimoji="1" lang="ja-JP" altLang="en-US" dirty="0"/>
-              </a:p>
-            </p:txBody>
-          </p:sp>
-          <p:pic>
-            <p:nvPicPr>
-              <p:cNvPr id="52" name="図 51" descr="黒い背景に白い文字がある&#10;&#10;中程度の精度で自動的に生成された説明">
-                <a:extLst>
-                  <a:ext uri="{FF2B5EF4-FFF2-40B4-BE49-F238E27FC236}">
-                    <a16:creationId xmlns:a16="http://schemas.microsoft.com/office/drawing/2014/main" id="{225282B9-12DE-3619-BECA-506DFDD9850E}"/>
-                  </a:ext>
-                </a:extLst>
-              </p:cNvPr>
-              <p:cNvPicPr>
-                <a:picLocks noChangeAspect="1"/>
-              </p:cNvPicPr>
-              <p:nvPr/>
-            </p:nvPicPr>
-            <p:blipFill rotWithShape="1">
-              <a:blip r:embed="rId7">
-                <a:grayscl/>
-              </a:blip>
-              <a:srcRect l="9600" r="9760"/>
-              <a:stretch/>
-            </p:blipFill>
-            <p:spPr>
-              <a:xfrm>
-                <a:off x="9443884" y="2114840"/>
-                <a:ext cx="391886" cy="485968"/>
-              </a:xfrm>
-              <a:prstGeom prst="rect">
-                <a:avLst/>
-              </a:prstGeom>
-              <a:noFill/>
-            </p:spPr>
-          </p:pic>
-        </p:grpSp>
-      </p:grpSp>
-      <mc:AlternateContent xmlns:mc="http://schemas.openxmlformats.org/markup-compatibility/2006" xmlns:a14="http://schemas.microsoft.com/office/drawing/2010/main">
-        <mc:Choice Requires="a14">
-          <p:sp>
-            <p:nvSpPr>
-              <p:cNvPr id="57" name="テキスト ボックス 56">
-                <a:extLst>
-                  <a:ext uri="{FF2B5EF4-FFF2-40B4-BE49-F238E27FC236}">
-                    <a16:creationId xmlns:a16="http://schemas.microsoft.com/office/drawing/2014/main" id="{949DD3C4-8066-7556-59EB-87E9CFAAB8D6}"/>
-                  </a:ext>
-                </a:extLst>
-              </p:cNvPr>
-              <p:cNvSpPr txBox="1"/>
-              <p:nvPr/>
-            </p:nvSpPr>
-            <p:spPr>
-              <a:xfrm>
-                <a:off x="385757" y="4395640"/>
-                <a:ext cx="1462819" cy="430887"/>
-              </a:xfrm>
-              <a:prstGeom prst="rect">
-                <a:avLst/>
-              </a:prstGeom>
-              <a:noFill/>
-            </p:spPr>
-            <p:txBody>
-              <a:bodyPr wrap="square" rtlCol="0" anchor="ctr">
-                <a:spAutoFit/>
-              </a:bodyPr>
-              <a:lstStyle/>
-              <a:p>
-                <a:pPr algn="ctr"/>
-                <a:r>
-                  <a:rPr lang="ja-JP" altLang="en-US" sz="1100">
-                    <a:latin typeface="Hiragino Kaku Gothic Pro W3" panose="020B0300000000000000" pitchFamily="34" charset="-128"/>
-                    <a:ea typeface="Hiragino Kaku Gothic Pro W3" panose="020B0300000000000000" pitchFamily="34" charset="-128"/>
-                  </a:rPr>
-                  <a:t>問題</a:t>
-                </a:r>
-                <a14:m>
-                  <m:oMath xmlns:m="http://schemas.openxmlformats.org/officeDocument/2006/math">
-                    <m:r>
-                      <a:rPr lang="en-US" altLang="ja-JP" sz="1100" b="0" i="1" smtClean="0">
-                        <a:latin typeface="Cambria Math" panose="02040503050406030204" pitchFamily="18" charset="0"/>
-                        <a:ea typeface="Hiragino Kaku Gothic Pro W3" panose="020B0300000000000000" pitchFamily="34" charset="-128"/>
-                      </a:rPr>
-                      <m:t>𝛼</m:t>
-                    </m:r>
-                  </m:oMath>
-                </a14:m>
-                <a:r>
-                  <a:rPr lang="ja-JP" altLang="en-US" sz="1100">
-                    <a:latin typeface="Hiragino Kaku Gothic Pro W3" panose="020B0300000000000000" pitchFamily="34" charset="-128"/>
-                    <a:ea typeface="Hiragino Kaku Gothic Pro W3" panose="020B0300000000000000" pitchFamily="34" charset="-128"/>
-                  </a:rPr>
-                  <a:t>に対する</a:t>
-                </a:r>
-                <a:endParaRPr lang="en-US" altLang="ja-JP" sz="1100" dirty="0">
-                  <a:latin typeface="Hiragino Kaku Gothic Pro W3" panose="020B0300000000000000" pitchFamily="34" charset="-128"/>
-                  <a:ea typeface="Hiragino Kaku Gothic Pro W3" panose="020B0300000000000000" pitchFamily="34" charset="-128"/>
-                </a:endParaRPr>
-              </a:p>
-              <a:p>
-                <a:pPr algn="ctr"/>
-                <a:r>
-                  <a:rPr kumimoji="1" lang="ja-JP" altLang="en-US" sz="1100">
-                    <a:latin typeface="Hiragino Kaku Gothic Pro W3" panose="020B0300000000000000" pitchFamily="34" charset="-128"/>
-                    <a:ea typeface="Hiragino Kaku Gothic Pro W3" panose="020B0300000000000000" pitchFamily="34" charset="-128"/>
-                  </a:rPr>
-                  <a:t>テストケースの入力</a:t>
-                </a:r>
-              </a:p>
-            </p:txBody>
-          </p:sp>
-        </mc:Choice>
-        <mc:Fallback xmlns="">
-          <p:sp>
-            <p:nvSpPr>
-              <p:cNvPr id="57" name="テキスト ボックス 56">
-                <a:extLst>
-                  <a:ext uri="{FF2B5EF4-FFF2-40B4-BE49-F238E27FC236}">
-                    <a16:creationId xmlns:a16="http://schemas.microsoft.com/office/drawing/2014/main" id="{949DD3C4-8066-7556-59EB-87E9CFAAB8D6}"/>
-                  </a:ext>
-                </a:extLst>
-              </p:cNvPr>
-              <p:cNvSpPr txBox="1">
-                <a:spLocks noRot="1" noChangeAspect="1" noMove="1" noResize="1" noEditPoints="1" noAdjustHandles="1" noChangeArrowheads="1" noChangeShapeType="1" noTextEdit="1"/>
-              </p:cNvSpPr>
-              <p:nvPr/>
-            </p:nvSpPr>
-            <p:spPr>
-              <a:xfrm>
-                <a:off x="385757" y="4395640"/>
-                <a:ext cx="1462819" cy="430887"/>
-              </a:xfrm>
-              <a:prstGeom prst="rect">
-                <a:avLst/>
-              </a:prstGeom>
-              <a:blipFill>
-                <a:blip r:embed="rId10"/>
-                <a:stretch>
-                  <a:fillRect b="-8571"/>
-                </a:stretch>
-              </a:blipFill>
-            </p:spPr>
-            <p:txBody>
-              <a:bodyPr/>
-              <a:lstStyle/>
-              <a:p>
-                <a:r>
-                  <a:rPr lang="ja-JP" altLang="en-US">
-                    <a:noFill/>
-                  </a:rPr>
-                  <a:t> </a:t>
-                </a:r>
-              </a:p>
-            </p:txBody>
-          </p:sp>
-        </mc:Fallback>
-      </mc:AlternateContent>
-      <p:pic>
-        <p:nvPicPr>
-          <p:cNvPr id="58" name="図 57" descr="黒い背景に白い文字がある&#10;&#10;中程度の精度で自動的に生成された説明">
-            <a:extLst>
-              <a:ext uri="{FF2B5EF4-FFF2-40B4-BE49-F238E27FC236}">
-                <a16:creationId xmlns:a16="http://schemas.microsoft.com/office/drawing/2014/main" id="{4E1ECFC4-E992-2D0E-0555-D2F64476DACF}"/>
-              </a:ext>
-            </a:extLst>
-          </p:cNvPr>
-          <p:cNvPicPr>
-            <a:picLocks noChangeAspect="1"/>
-          </p:cNvPicPr>
-          <p:nvPr/>
-        </p:nvPicPr>
-        <p:blipFill rotWithShape="1">
-          <a:blip r:embed="rId7">
-            <a:duotone>
-              <a:schemeClr val="accent6">
-                <a:shade val="45000"/>
-                <a:satMod val="135000"/>
-              </a:schemeClr>
-              <a:prstClr val="white"/>
-            </a:duotone>
-          </a:blip>
-          <a:srcRect l="9600" r="9760"/>
-          <a:stretch/>
-        </p:blipFill>
-        <p:spPr>
-          <a:xfrm>
-            <a:off x="3469948" y="5394572"/>
-            <a:ext cx="391886" cy="485968"/>
-          </a:xfrm>
-          <a:prstGeom prst="rect">
-            <a:avLst/>
-          </a:prstGeom>
-          <a:noFill/>
-        </p:spPr>
-      </p:pic>
-      <p:pic>
-        <p:nvPicPr>
-          <p:cNvPr id="59" name="図 58" descr="黒い背景に白い文字がある&#10;&#10;中程度の精度で自動的に生成された説明">
-            <a:extLst>
-              <a:ext uri="{FF2B5EF4-FFF2-40B4-BE49-F238E27FC236}">
-                <a16:creationId xmlns:a16="http://schemas.microsoft.com/office/drawing/2014/main" id="{54DFB033-F68A-A8E5-D2D1-3AA849404B88}"/>
-              </a:ext>
-            </a:extLst>
-          </p:cNvPr>
-          <p:cNvPicPr>
-            <a:picLocks noChangeAspect="1"/>
-          </p:cNvPicPr>
-          <p:nvPr/>
-        </p:nvPicPr>
-        <p:blipFill rotWithShape="1">
-          <a:blip r:embed="rId7">
-            <a:duotone>
-              <a:schemeClr val="accent5">
-                <a:shade val="45000"/>
-                <a:satMod val="135000"/>
-              </a:schemeClr>
-              <a:prstClr val="white"/>
-            </a:duotone>
-          </a:blip>
-          <a:srcRect l="9600" r="9760"/>
-          <a:stretch/>
-        </p:blipFill>
-        <p:spPr>
-          <a:xfrm>
-            <a:off x="4009402" y="5388196"/>
-            <a:ext cx="391886" cy="485968"/>
-          </a:xfrm>
-          <a:prstGeom prst="rect">
-            <a:avLst/>
-          </a:prstGeom>
-          <a:noFill/>
-        </p:spPr>
-      </p:pic>
-      <p:pic>
-        <p:nvPicPr>
-          <p:cNvPr id="60" name="図 59" descr="黒い背景に白い文字がある&#10;&#10;中程度の精度で自動的に生成された説明">
-            <a:extLst>
-              <a:ext uri="{FF2B5EF4-FFF2-40B4-BE49-F238E27FC236}">
-                <a16:creationId xmlns:a16="http://schemas.microsoft.com/office/drawing/2014/main" id="{6C143C51-D63C-E496-9F33-4F3ABA988CB4}"/>
-              </a:ext>
-            </a:extLst>
-          </p:cNvPr>
-          <p:cNvPicPr>
-            <a:picLocks noChangeAspect="1"/>
-          </p:cNvPicPr>
-          <p:nvPr/>
-        </p:nvPicPr>
-        <p:blipFill rotWithShape="1">
-          <a:blip r:embed="rId7">
-            <a:duotone>
-              <a:schemeClr val="accent2">
-                <a:shade val="45000"/>
-                <a:satMod val="135000"/>
-              </a:schemeClr>
-              <a:prstClr val="white"/>
-            </a:duotone>
-          </a:blip>
-          <a:srcRect l="9600" r="9760"/>
-          <a:stretch/>
-        </p:blipFill>
-        <p:spPr>
-          <a:xfrm>
-            <a:off x="4554864" y="5398964"/>
-            <a:ext cx="391886" cy="485968"/>
-          </a:xfrm>
-          <a:prstGeom prst="rect">
-            <a:avLst/>
-          </a:prstGeom>
-          <a:noFill/>
-        </p:spPr>
-      </p:pic>
-      <p:sp>
-        <p:nvSpPr>
-          <p:cNvPr id="61" name="テキスト ボックス 60">
-            <a:extLst>
-              <a:ext uri="{FF2B5EF4-FFF2-40B4-BE49-F238E27FC236}">
-                <a16:creationId xmlns:a16="http://schemas.microsoft.com/office/drawing/2014/main" id="{25218DEB-308C-54DF-9360-07B64C2AE3E7}"/>
-              </a:ext>
-            </a:extLst>
-          </p:cNvPr>
-          <p:cNvSpPr txBox="1"/>
-          <p:nvPr/>
-        </p:nvSpPr>
-        <p:spPr>
-          <a:xfrm>
-            <a:off x="3351551" y="5994775"/>
-            <a:ext cx="1707587" cy="261610"/>
-          </a:xfrm>
-          <a:prstGeom prst="rect">
-            <a:avLst/>
-          </a:prstGeom>
-          <a:noFill/>
-        </p:spPr>
-        <p:txBody>
-          <a:bodyPr wrap="square" rtlCol="0" anchor="ctr">
-            <a:spAutoFit/>
-          </a:bodyPr>
-          <a:lstStyle/>
-          <a:p>
-            <a:pPr algn="ctr"/>
-            <a:r>
-              <a:rPr lang="ja-JP" altLang="en-US" sz="1100">
-                <a:latin typeface="Hiragino Kaku Gothic Pro W3" panose="020B0300000000000000" pitchFamily="34" charset="-128"/>
-                <a:ea typeface="Hiragino Kaku Gothic Pro W3" panose="020B0300000000000000" pitchFamily="34" charset="-128"/>
-              </a:rPr>
-              <a:t>各</a:t>
-            </a:r>
-            <a:r>
-              <a:rPr lang="ja-AU" altLang="en-US" sz="1100" dirty="0">
-                <a:latin typeface="Hiragino Kaku Gothic Pro W3" panose="020B0300000000000000" pitchFamily="34" charset="-128"/>
-                <a:ea typeface="Hiragino Kaku Gothic Pro W3" panose="020B0300000000000000" pitchFamily="34" charset="-128"/>
-              </a:rPr>
-              <a:t>コード</a:t>
-            </a:r>
-            <a:r>
-              <a:rPr lang="ja-JP" altLang="en-US" sz="1100">
-                <a:latin typeface="Hiragino Kaku Gothic Pro W3" panose="020B0300000000000000" pitchFamily="34" charset="-128"/>
-                <a:ea typeface="Hiragino Kaku Gothic Pro W3" panose="020B0300000000000000" pitchFamily="34" charset="-128"/>
-              </a:rPr>
-              <a:t>の出力</a:t>
-            </a:r>
-            <a:endParaRPr kumimoji="1" lang="ja-JP" altLang="en-US" sz="1100">
-              <a:latin typeface="Hiragino Kaku Gothic Pro W3" panose="020B0300000000000000" pitchFamily="34" charset="-128"/>
-              <a:ea typeface="Hiragino Kaku Gothic Pro W3" panose="020B0300000000000000" pitchFamily="34" charset="-128"/>
-            </a:endParaRPr>
-          </a:p>
-        </p:txBody>
-      </p:sp>
-      <p:grpSp>
-        <p:nvGrpSpPr>
-          <p:cNvPr id="62" name="グループ化 61">
-            <a:extLst>
-              <a:ext uri="{FF2B5EF4-FFF2-40B4-BE49-F238E27FC236}">
-                <a16:creationId xmlns:a16="http://schemas.microsoft.com/office/drawing/2014/main" id="{93362E24-8BA3-85A9-C631-A0CF38501660}"/>
-              </a:ext>
-            </a:extLst>
-          </p:cNvPr>
-          <p:cNvGrpSpPr/>
-          <p:nvPr/>
-        </p:nvGrpSpPr>
-        <p:grpSpPr>
-          <a:xfrm>
-            <a:off x="776388" y="5216018"/>
-            <a:ext cx="601944" cy="712459"/>
-            <a:chOff x="10578525" y="2033062"/>
-            <a:chExt cx="601944" cy="712459"/>
-          </a:xfrm>
-        </p:grpSpPr>
-        <p:grpSp>
-          <p:nvGrpSpPr>
-            <p:cNvPr id="63" name="グループ化 62">
-              <a:extLst>
-                <a:ext uri="{FF2B5EF4-FFF2-40B4-BE49-F238E27FC236}">
-                  <a16:creationId xmlns:a16="http://schemas.microsoft.com/office/drawing/2014/main" id="{0BF14AB4-4DA1-FB04-0322-864A209E6B90}"/>
-                </a:ext>
-              </a:extLst>
-            </p:cNvPr>
-            <p:cNvGrpSpPr/>
-            <p:nvPr/>
-          </p:nvGrpSpPr>
-          <p:grpSpPr>
-            <a:xfrm>
-              <a:off x="10578525" y="2033062"/>
-              <a:ext cx="391886" cy="542811"/>
-              <a:chOff x="9443884" y="2091230"/>
-              <a:chExt cx="391886" cy="542811"/>
-            </a:xfrm>
-          </p:grpSpPr>
-          <p:sp>
-            <p:nvSpPr>
-              <p:cNvPr id="454" name="1 つの角を切り取った四角形 453">
-                <a:extLst>
-                  <a:ext uri="{FF2B5EF4-FFF2-40B4-BE49-F238E27FC236}">
-                    <a16:creationId xmlns:a16="http://schemas.microsoft.com/office/drawing/2014/main" id="{5E157D7D-A31E-BA2A-A899-C494E087919A}"/>
-                  </a:ext>
-                </a:extLst>
-              </p:cNvPr>
-              <p:cNvSpPr/>
-              <p:nvPr/>
-            </p:nvSpPr>
-            <p:spPr>
-              <a:xfrm>
-                <a:off x="9480821" y="2091230"/>
-                <a:ext cx="326720" cy="542811"/>
-              </a:xfrm>
-              <a:prstGeom prst="snip1Rect">
-                <a:avLst>
-                  <a:gd name="adj" fmla="val 29994"/>
-                </a:avLst>
-              </a:prstGeom>
-              <a:solidFill>
-                <a:schemeClr val="bg1"/>
-              </a:solidFill>
-              <a:ln>
-                <a:noFill/>
-              </a:ln>
-              <a:effectLst>
-                <a:glow rad="127000">
-                  <a:schemeClr val="bg1"/>
-                </a:glow>
-              </a:effectLst>
-              <a:scene3d>
-                <a:camera prst="isometricLeftDown">
-                  <a:rot lat="2100000" lon="10800000" rev="0"/>
-                </a:camera>
-                <a:lightRig rig="threePt" dir="t"/>
-              </a:scene3d>
-            </p:spPr>
-            <p:style>
-              <a:lnRef idx="2">
-                <a:schemeClr val="accent1">
-                  <a:shade val="50000"/>
-                </a:schemeClr>
-              </a:lnRef>
-              <a:fillRef idx="1">
-                <a:schemeClr val="accent1"/>
-              </a:fillRef>
-              <a:effectRef idx="0">
-                <a:schemeClr val="accent1"/>
-              </a:effectRef>
-              <a:fontRef idx="minor">
-                <a:schemeClr val="lt1"/>
-              </a:fontRef>
-            </p:style>
-            <p:txBody>
-              <a:bodyPr rtlCol="0" anchor="ctr">
-                <a:flatTx/>
-              </a:bodyPr>
-              <a:lstStyle/>
-              <a:p>
-                <a:pPr algn="ctr"/>
-                <a:endParaRPr kumimoji="1" lang="ja-JP" altLang="en-US" dirty="0"/>
-              </a:p>
-            </p:txBody>
-          </p:sp>
-          <p:pic>
-            <p:nvPicPr>
-              <p:cNvPr id="455" name="図 454" descr="黒い背景に白い文字がある&#10;&#10;中程度の精度で自動的に生成された説明">
-                <a:extLst>
-                  <a:ext uri="{FF2B5EF4-FFF2-40B4-BE49-F238E27FC236}">
-                    <a16:creationId xmlns:a16="http://schemas.microsoft.com/office/drawing/2014/main" id="{801D98FF-1E86-2C75-29EA-3590366003F3}"/>
-                  </a:ext>
-                </a:extLst>
-              </p:cNvPr>
-              <p:cNvPicPr>
-                <a:picLocks noChangeAspect="1"/>
-              </p:cNvPicPr>
-              <p:nvPr/>
-            </p:nvPicPr>
-            <p:blipFill rotWithShape="1">
-              <a:blip r:embed="rId7">
-                <a:grayscl/>
-              </a:blip>
-              <a:srcRect l="9600" r="9760"/>
-              <a:stretch/>
-            </p:blipFill>
-            <p:spPr>
-              <a:xfrm>
-                <a:off x="9443884" y="2114840"/>
-                <a:ext cx="391886" cy="485968"/>
-              </a:xfrm>
-              <a:prstGeom prst="rect">
-                <a:avLst/>
-              </a:prstGeom>
-              <a:noFill/>
-            </p:spPr>
-          </p:pic>
-        </p:grpSp>
-        <p:grpSp>
-          <p:nvGrpSpPr>
-            <p:cNvPr id="448" name="グループ化 447">
-              <a:extLst>
-                <a:ext uri="{FF2B5EF4-FFF2-40B4-BE49-F238E27FC236}">
-                  <a16:creationId xmlns:a16="http://schemas.microsoft.com/office/drawing/2014/main" id="{7F636CCC-18AE-BC31-E37F-B43B25D09523}"/>
-                </a:ext>
-              </a:extLst>
-            </p:cNvPr>
-            <p:cNvGrpSpPr/>
-            <p:nvPr/>
-          </p:nvGrpSpPr>
-          <p:grpSpPr>
-            <a:xfrm>
-              <a:off x="10686068" y="2107257"/>
-              <a:ext cx="391886" cy="542811"/>
-              <a:chOff x="9443884" y="2091230"/>
-              <a:chExt cx="391886" cy="542811"/>
-            </a:xfrm>
-          </p:grpSpPr>
-          <p:sp>
-            <p:nvSpPr>
-              <p:cNvPr id="452" name="1 つの角を切り取った四角形 451">
-                <a:extLst>
-                  <a:ext uri="{FF2B5EF4-FFF2-40B4-BE49-F238E27FC236}">
-                    <a16:creationId xmlns:a16="http://schemas.microsoft.com/office/drawing/2014/main" id="{EF41C5A5-CB26-2A58-2FBF-3FB9284CEDF3}"/>
-                  </a:ext>
-                </a:extLst>
-              </p:cNvPr>
-              <p:cNvSpPr/>
-              <p:nvPr/>
-            </p:nvSpPr>
-            <p:spPr>
-              <a:xfrm>
-                <a:off x="9480821" y="2091230"/>
-                <a:ext cx="326720" cy="542811"/>
-              </a:xfrm>
-              <a:prstGeom prst="snip1Rect">
-                <a:avLst>
-                  <a:gd name="adj" fmla="val 29994"/>
-                </a:avLst>
-              </a:prstGeom>
-              <a:solidFill>
-                <a:schemeClr val="bg1"/>
-              </a:solidFill>
-              <a:ln>
-                <a:noFill/>
-              </a:ln>
-              <a:effectLst>
-                <a:glow rad="127000">
-                  <a:schemeClr val="bg1"/>
-                </a:glow>
-              </a:effectLst>
-              <a:scene3d>
-                <a:camera prst="isometricLeftDown">
-                  <a:rot lat="2100000" lon="10800000" rev="0"/>
-                </a:camera>
-                <a:lightRig rig="threePt" dir="t"/>
-              </a:scene3d>
-            </p:spPr>
-            <p:style>
-              <a:lnRef idx="2">
-                <a:schemeClr val="accent1">
-                  <a:shade val="50000"/>
-                </a:schemeClr>
-              </a:lnRef>
-              <a:fillRef idx="1">
-                <a:schemeClr val="accent1"/>
-              </a:fillRef>
-              <a:effectRef idx="0">
-                <a:schemeClr val="accent1"/>
-              </a:effectRef>
-              <a:fontRef idx="minor">
-                <a:schemeClr val="lt1"/>
-              </a:fontRef>
-            </p:style>
-            <p:txBody>
-              <a:bodyPr rtlCol="0" anchor="ctr">
-                <a:flatTx/>
-              </a:bodyPr>
-              <a:lstStyle/>
-              <a:p>
-                <a:pPr algn="ctr"/>
-                <a:endParaRPr kumimoji="1" lang="ja-JP" altLang="en-US" dirty="0"/>
-              </a:p>
-            </p:txBody>
-          </p:sp>
-          <p:pic>
-            <p:nvPicPr>
-              <p:cNvPr id="453" name="図 452" descr="黒い背景に白い文字がある&#10;&#10;中程度の精度で自動的に生成された説明">
-                <a:extLst>
-                  <a:ext uri="{FF2B5EF4-FFF2-40B4-BE49-F238E27FC236}">
-                    <a16:creationId xmlns:a16="http://schemas.microsoft.com/office/drawing/2014/main" id="{D2311F1D-5F63-DE6B-3D70-721B77E432AA}"/>
-                  </a:ext>
-                </a:extLst>
-              </p:cNvPr>
-              <p:cNvPicPr>
-                <a:picLocks noChangeAspect="1"/>
-              </p:cNvPicPr>
-              <p:nvPr/>
-            </p:nvPicPr>
-            <p:blipFill rotWithShape="1">
-              <a:blip r:embed="rId7">
-                <a:grayscl/>
-              </a:blip>
-              <a:srcRect l="9600" r="9760"/>
-              <a:stretch/>
-            </p:blipFill>
-            <p:spPr>
-              <a:xfrm>
-                <a:off x="9443884" y="2114840"/>
-                <a:ext cx="391886" cy="485968"/>
-              </a:xfrm>
-              <a:prstGeom prst="rect">
-                <a:avLst/>
-              </a:prstGeom>
-              <a:noFill/>
-            </p:spPr>
-          </p:pic>
-        </p:grpSp>
-        <p:grpSp>
-          <p:nvGrpSpPr>
-            <p:cNvPr id="449" name="グループ化 448">
-              <a:extLst>
-                <a:ext uri="{FF2B5EF4-FFF2-40B4-BE49-F238E27FC236}">
-                  <a16:creationId xmlns:a16="http://schemas.microsoft.com/office/drawing/2014/main" id="{4681E951-5DDA-1554-6E11-79CBAF10C0F2}"/>
-                </a:ext>
-              </a:extLst>
-            </p:cNvPr>
-            <p:cNvGrpSpPr/>
-            <p:nvPr/>
-          </p:nvGrpSpPr>
-          <p:grpSpPr>
-            <a:xfrm>
-              <a:off x="10788583" y="2202710"/>
-              <a:ext cx="391886" cy="542811"/>
-              <a:chOff x="9443884" y="2091230"/>
-              <a:chExt cx="391886" cy="542811"/>
-            </a:xfrm>
-          </p:grpSpPr>
-          <p:sp>
-            <p:nvSpPr>
-              <p:cNvPr id="450" name="1 つの角を切り取った四角形 449">
-                <a:extLst>
-                  <a:ext uri="{FF2B5EF4-FFF2-40B4-BE49-F238E27FC236}">
-                    <a16:creationId xmlns:a16="http://schemas.microsoft.com/office/drawing/2014/main" id="{6B84AB73-EBB7-7C8A-1DFB-7EFA4D02B385}"/>
-                  </a:ext>
-                </a:extLst>
-              </p:cNvPr>
-              <p:cNvSpPr/>
-              <p:nvPr/>
-            </p:nvSpPr>
-            <p:spPr>
-              <a:xfrm>
-                <a:off x="9480821" y="2091230"/>
-                <a:ext cx="326720" cy="542811"/>
-              </a:xfrm>
-              <a:prstGeom prst="snip1Rect">
-                <a:avLst>
-                  <a:gd name="adj" fmla="val 29994"/>
-                </a:avLst>
-              </a:prstGeom>
-              <a:solidFill>
-                <a:schemeClr val="bg1"/>
-              </a:solidFill>
-              <a:ln>
-                <a:noFill/>
-              </a:ln>
-              <a:effectLst>
-                <a:glow rad="127000">
-                  <a:schemeClr val="bg1"/>
-                </a:glow>
-              </a:effectLst>
-              <a:scene3d>
-                <a:camera prst="isometricLeftDown">
-                  <a:rot lat="2100000" lon="10800000" rev="0"/>
-                </a:camera>
-                <a:lightRig rig="threePt" dir="t"/>
-              </a:scene3d>
-            </p:spPr>
-            <p:style>
-              <a:lnRef idx="2">
-                <a:schemeClr val="accent1">
-                  <a:shade val="50000"/>
-                </a:schemeClr>
-              </a:lnRef>
-              <a:fillRef idx="1">
-                <a:schemeClr val="accent1"/>
-              </a:fillRef>
-              <a:effectRef idx="0">
-                <a:schemeClr val="accent1"/>
-              </a:effectRef>
-              <a:fontRef idx="minor">
-                <a:schemeClr val="lt1"/>
-              </a:fontRef>
-            </p:style>
-            <p:txBody>
-              <a:bodyPr rtlCol="0" anchor="ctr">
-                <a:flatTx/>
-              </a:bodyPr>
-              <a:lstStyle/>
-              <a:p>
-                <a:pPr algn="ctr"/>
-                <a:endParaRPr kumimoji="1" lang="ja-JP" altLang="en-US" dirty="0"/>
-              </a:p>
-            </p:txBody>
-          </p:sp>
-          <p:pic>
-            <p:nvPicPr>
-              <p:cNvPr id="451" name="図 450" descr="黒い背景に白い文字がある&#10;&#10;中程度の精度で自動的に生成された説明">
-                <a:extLst>
-                  <a:ext uri="{FF2B5EF4-FFF2-40B4-BE49-F238E27FC236}">
-                    <a16:creationId xmlns:a16="http://schemas.microsoft.com/office/drawing/2014/main" id="{C08BCC74-AE9E-30D8-89BF-2CA708DD6ABC}"/>
-                  </a:ext>
-                </a:extLst>
-              </p:cNvPr>
-              <p:cNvPicPr>
-                <a:picLocks noChangeAspect="1"/>
-              </p:cNvPicPr>
-              <p:nvPr/>
-            </p:nvPicPr>
-            <p:blipFill rotWithShape="1">
-              <a:blip r:embed="rId7">
-                <a:grayscl/>
-              </a:blip>
-              <a:srcRect l="9600" r="9760"/>
-              <a:stretch/>
-            </p:blipFill>
-            <p:spPr>
-              <a:xfrm>
-                <a:off x="9443884" y="2114840"/>
-                <a:ext cx="391886" cy="485968"/>
-              </a:xfrm>
-              <a:prstGeom prst="rect">
-                <a:avLst/>
-              </a:prstGeom>
-              <a:noFill/>
-            </p:spPr>
-          </p:pic>
-        </p:grpSp>
-      </p:grpSp>
-      <mc:AlternateContent xmlns:mc="http://schemas.openxmlformats.org/markup-compatibility/2006" xmlns:a14="http://schemas.microsoft.com/office/drawing/2010/main">
-        <mc:Choice Requires="a14">
-          <p:sp>
-            <p:nvSpPr>
-              <p:cNvPr id="456" name="テキスト ボックス 455">
-                <a:extLst>
-                  <a:ext uri="{FF2B5EF4-FFF2-40B4-BE49-F238E27FC236}">
-                    <a16:creationId xmlns:a16="http://schemas.microsoft.com/office/drawing/2014/main" id="{93D70691-0724-F99C-F8EF-80A272F981F5}"/>
-                  </a:ext>
-                </a:extLst>
-              </p:cNvPr>
-              <p:cNvSpPr txBox="1"/>
-              <p:nvPr/>
-            </p:nvSpPr>
-            <p:spPr>
-              <a:xfrm>
-                <a:off x="433357" y="5929029"/>
-                <a:ext cx="1462819" cy="430887"/>
-              </a:xfrm>
-              <a:prstGeom prst="rect">
-                <a:avLst/>
-              </a:prstGeom>
-              <a:noFill/>
-            </p:spPr>
-            <p:txBody>
-              <a:bodyPr wrap="square" rtlCol="0" anchor="ctr">
-                <a:spAutoFit/>
-              </a:bodyPr>
-              <a:lstStyle/>
-              <a:p>
-                <a:pPr algn="ctr"/>
-                <a:r>
-                  <a:rPr lang="ja-JP" altLang="en-US" sz="1100">
-                    <a:latin typeface="Hiragino Kaku Gothic Pro W3" panose="020B0300000000000000" pitchFamily="34" charset="-128"/>
-                    <a:ea typeface="Hiragino Kaku Gothic Pro W3" panose="020B0300000000000000" pitchFamily="34" charset="-128"/>
-                  </a:rPr>
-                  <a:t>問題</a:t>
-                </a:r>
-                <a14:m>
-                  <m:oMath xmlns:m="http://schemas.openxmlformats.org/officeDocument/2006/math">
-                    <m:r>
-                      <a:rPr lang="en-US" altLang="ja-JP" sz="1100" b="0" i="1" smtClean="0">
-                        <a:latin typeface="Cambria Math" panose="02040503050406030204" pitchFamily="18" charset="0"/>
-                        <a:ea typeface="Hiragino Kaku Gothic Pro W3" panose="020B0300000000000000" pitchFamily="34" charset="-128"/>
-                      </a:rPr>
-                      <m:t>𝛼</m:t>
-                    </m:r>
-                  </m:oMath>
-                </a14:m>
-                <a:r>
-                  <a:rPr lang="ja-JP" altLang="en-US" sz="1100">
-                    <a:latin typeface="Hiragino Kaku Gothic Pro W3" panose="020B0300000000000000" pitchFamily="34" charset="-128"/>
-                    <a:ea typeface="Hiragino Kaku Gothic Pro W3" panose="020B0300000000000000" pitchFamily="34" charset="-128"/>
-                  </a:rPr>
-                  <a:t>に対する</a:t>
-                </a:r>
-                <a:endParaRPr lang="en-US" altLang="ja-JP" sz="1100" dirty="0">
-                  <a:latin typeface="Hiragino Kaku Gothic Pro W3" panose="020B0300000000000000" pitchFamily="34" charset="-128"/>
-                  <a:ea typeface="Hiragino Kaku Gothic Pro W3" panose="020B0300000000000000" pitchFamily="34" charset="-128"/>
-                </a:endParaRPr>
-              </a:p>
-              <a:p>
-                <a:pPr algn="ctr"/>
-                <a:r>
-                  <a:rPr kumimoji="1" lang="ja-JP" altLang="en-US" sz="1100">
-                    <a:latin typeface="Hiragino Kaku Gothic Pro W3" panose="020B0300000000000000" pitchFamily="34" charset="-128"/>
-                    <a:ea typeface="Hiragino Kaku Gothic Pro W3" panose="020B0300000000000000" pitchFamily="34" charset="-128"/>
-                  </a:rPr>
-                  <a:t>テストケースの出力</a:t>
-                </a:r>
-              </a:p>
-            </p:txBody>
-          </p:sp>
-        </mc:Choice>
-        <mc:Fallback xmlns="">
-          <p:sp>
-            <p:nvSpPr>
-              <p:cNvPr id="456" name="テキスト ボックス 455">
-                <a:extLst>
-                  <a:ext uri="{FF2B5EF4-FFF2-40B4-BE49-F238E27FC236}">
-                    <a16:creationId xmlns:a16="http://schemas.microsoft.com/office/drawing/2014/main" id="{93D70691-0724-F99C-F8EF-80A272F981F5}"/>
-                  </a:ext>
-                </a:extLst>
-              </p:cNvPr>
-              <p:cNvSpPr txBox="1">
-                <a:spLocks noRot="1" noChangeAspect="1" noMove="1" noResize="1" noEditPoints="1" noAdjustHandles="1" noChangeArrowheads="1" noChangeShapeType="1" noTextEdit="1"/>
-              </p:cNvSpPr>
-              <p:nvPr/>
-            </p:nvSpPr>
-            <p:spPr>
-              <a:xfrm>
-                <a:off x="433357" y="5929029"/>
-                <a:ext cx="1462819" cy="430887"/>
-              </a:xfrm>
-              <a:prstGeom prst="rect">
-                <a:avLst/>
-              </a:prstGeom>
-              <a:blipFill>
-                <a:blip r:embed="rId11"/>
-                <a:stretch>
-                  <a:fillRect b="-11765"/>
-                </a:stretch>
-              </a:blipFill>
-            </p:spPr>
-            <p:txBody>
-              <a:bodyPr/>
-              <a:lstStyle/>
-              <a:p>
-                <a:r>
-                  <a:rPr lang="ja-JP" altLang="en-US">
-                    <a:noFill/>
-                  </a:rPr>
-                  <a:t> </a:t>
-                </a:r>
-              </a:p>
-            </p:txBody>
-          </p:sp>
-        </mc:Fallback>
-      </mc:AlternateContent>
-      <p:sp>
-        <p:nvSpPr>
-          <p:cNvPr id="457" name="テキスト ボックス 456">
-            <a:extLst>
-              <a:ext uri="{FF2B5EF4-FFF2-40B4-BE49-F238E27FC236}">
-                <a16:creationId xmlns:a16="http://schemas.microsoft.com/office/drawing/2014/main" id="{9B987222-B1A0-36E4-7AAA-2C45D2F86F32}"/>
-              </a:ext>
-            </a:extLst>
-          </p:cNvPr>
-          <p:cNvSpPr txBox="1"/>
-          <p:nvPr/>
-        </p:nvSpPr>
-        <p:spPr>
-          <a:xfrm>
-            <a:off x="1967196" y="6151063"/>
-            <a:ext cx="1046781" cy="276999"/>
-          </a:xfrm>
-          <a:prstGeom prst="rect">
-            <a:avLst/>
-          </a:prstGeom>
-          <a:noFill/>
-          <a:ln w="19050">
-            <a:solidFill>
-              <a:schemeClr val="tx1"/>
-            </a:solidFill>
-          </a:ln>
-        </p:spPr>
-        <p:txBody>
-          <a:bodyPr wrap="square" rtlCol="0" anchor="ctr">
-            <a:spAutoFit/>
-          </a:bodyPr>
-          <a:lstStyle/>
-          <a:p>
-            <a:pPr algn="ctr"/>
-            <a:r>
-              <a:rPr kumimoji="1" lang="ja-JP" altLang="en-US" sz="1200">
-                <a:latin typeface="Hiragino Kaku Gothic Pro W3" panose="020B0300000000000000" pitchFamily="34" charset="-128"/>
-                <a:ea typeface="Hiragino Kaku Gothic Pro W3" panose="020B0300000000000000" pitchFamily="34" charset="-128"/>
-              </a:rPr>
-              <a:t>比較＆評価</a:t>
-            </a:r>
           </a:p>
         </p:txBody>
       </p:sp>
@@ -11778,1831 +10440,6 @@
               <a:schemeClr val="tx1"/>
             </a:solidFill>
             <a:tailEnd type="none"/>
-          </a:ln>
-        </p:spPr>
-        <p:style>
-          <a:lnRef idx="1">
-            <a:schemeClr val="accent1"/>
-          </a:lnRef>
-          <a:fillRef idx="0">
-            <a:schemeClr val="accent1"/>
-          </a:fillRef>
-          <a:effectRef idx="0">
-            <a:schemeClr val="accent1"/>
-          </a:effectRef>
-          <a:fontRef idx="minor">
-            <a:schemeClr val="tx1"/>
-          </a:fontRef>
-        </p:style>
-      </p:cxnSp>
-      <p:cxnSp>
-        <p:nvCxnSpPr>
-          <p:cNvPr id="13" name="直線矢印コネクタ 12">
-            <a:extLst>
-              <a:ext uri="{FF2B5EF4-FFF2-40B4-BE49-F238E27FC236}">
-                <a16:creationId xmlns:a16="http://schemas.microsoft.com/office/drawing/2014/main" id="{AFEB9697-607C-0072-A4D6-11DB1D5A702E}"/>
-              </a:ext>
-            </a:extLst>
-          </p:cNvPr>
-          <p:cNvCxnSpPr>
-            <a:cxnSpLocks/>
-          </p:cNvCxnSpPr>
-          <p:nvPr/>
-        </p:nvCxnSpPr>
-        <p:spPr>
-          <a:xfrm>
-            <a:off x="1725236" y="4107143"/>
-            <a:ext cx="1475165" cy="0"/>
-          </a:xfrm>
-          <a:prstGeom prst="straightConnector1">
-            <a:avLst/>
-          </a:prstGeom>
-          <a:ln w="19050">
-            <a:solidFill>
-              <a:schemeClr val="tx1"/>
-            </a:solidFill>
-            <a:tailEnd type="triangle"/>
-          </a:ln>
-        </p:spPr>
-        <p:style>
-          <a:lnRef idx="1">
-            <a:schemeClr val="accent1"/>
-          </a:lnRef>
-          <a:fillRef idx="0">
-            <a:schemeClr val="accent1"/>
-          </a:fillRef>
-          <a:effectRef idx="0">
-            <a:schemeClr val="accent1"/>
-          </a:effectRef>
-          <a:fontRef idx="minor">
-            <a:schemeClr val="tx1"/>
-          </a:fontRef>
-        </p:style>
-      </p:cxnSp>
-      <p:cxnSp>
-        <p:nvCxnSpPr>
-          <p:cNvPr id="14" name="直線矢印コネクタ 13">
-            <a:extLst>
-              <a:ext uri="{FF2B5EF4-FFF2-40B4-BE49-F238E27FC236}">
-                <a16:creationId xmlns:a16="http://schemas.microsoft.com/office/drawing/2014/main" id="{B0E84813-0778-36B2-D0D7-737AB5AA499E}"/>
-              </a:ext>
-            </a:extLst>
-          </p:cNvPr>
-          <p:cNvCxnSpPr>
-            <a:cxnSpLocks/>
-          </p:cNvCxnSpPr>
-          <p:nvPr/>
-        </p:nvCxnSpPr>
-        <p:spPr>
-          <a:xfrm>
-            <a:off x="4195904" y="4850297"/>
-            <a:ext cx="0" cy="370343"/>
-          </a:xfrm>
-          <a:prstGeom prst="straightConnector1">
-            <a:avLst/>
-          </a:prstGeom>
-          <a:ln w="19050">
-            <a:solidFill>
-              <a:schemeClr val="tx1"/>
-            </a:solidFill>
-            <a:tailEnd type="triangle"/>
-          </a:ln>
-        </p:spPr>
-        <p:style>
-          <a:lnRef idx="1">
-            <a:schemeClr val="accent1"/>
-          </a:lnRef>
-          <a:fillRef idx="0">
-            <a:schemeClr val="accent1"/>
-          </a:fillRef>
-          <a:effectRef idx="0">
-            <a:schemeClr val="accent1"/>
-          </a:effectRef>
-          <a:fontRef idx="minor">
-            <a:schemeClr val="tx1"/>
-          </a:fontRef>
-        </p:style>
-      </p:cxnSp>
-      <p:cxnSp>
-        <p:nvCxnSpPr>
-          <p:cNvPr id="29" name="直線矢印コネクタ 28">
-            <a:extLst>
-              <a:ext uri="{FF2B5EF4-FFF2-40B4-BE49-F238E27FC236}">
-                <a16:creationId xmlns:a16="http://schemas.microsoft.com/office/drawing/2014/main" id="{688D13A2-30F0-F37E-264F-6A472F47C226}"/>
-              </a:ext>
-            </a:extLst>
-          </p:cNvPr>
-          <p:cNvCxnSpPr>
-            <a:cxnSpLocks/>
-          </p:cNvCxnSpPr>
-          <p:nvPr/>
-        </p:nvCxnSpPr>
-        <p:spPr>
-          <a:xfrm>
-            <a:off x="1753617" y="5725596"/>
-            <a:ext cx="1475165" cy="0"/>
-          </a:xfrm>
-          <a:prstGeom prst="straightConnector1">
-            <a:avLst/>
-          </a:prstGeom>
-          <a:ln w="19050">
-            <a:solidFill>
-              <a:schemeClr val="tx1"/>
-            </a:solidFill>
-            <a:tailEnd type="none"/>
-          </a:ln>
-        </p:spPr>
-        <p:style>
-          <a:lnRef idx="1">
-            <a:schemeClr val="accent1"/>
-          </a:lnRef>
-          <a:fillRef idx="0">
-            <a:schemeClr val="accent1"/>
-          </a:fillRef>
-          <a:effectRef idx="0">
-            <a:schemeClr val="accent1"/>
-          </a:effectRef>
-          <a:fontRef idx="minor">
-            <a:schemeClr val="tx1"/>
-          </a:fontRef>
-        </p:style>
-      </p:cxnSp>
-      <p:cxnSp>
-        <p:nvCxnSpPr>
-          <p:cNvPr id="30" name="直線矢印コネクタ 29">
-            <a:extLst>
-              <a:ext uri="{FF2B5EF4-FFF2-40B4-BE49-F238E27FC236}">
-                <a16:creationId xmlns:a16="http://schemas.microsoft.com/office/drawing/2014/main" id="{857BC072-C039-B047-5A8A-C6FE4D6946B9}"/>
-              </a:ext>
-            </a:extLst>
-          </p:cNvPr>
-          <p:cNvCxnSpPr>
-            <a:cxnSpLocks/>
-          </p:cNvCxnSpPr>
-          <p:nvPr/>
-        </p:nvCxnSpPr>
-        <p:spPr>
-          <a:xfrm>
-            <a:off x="2491200" y="5714889"/>
-            <a:ext cx="0" cy="370343"/>
-          </a:xfrm>
-          <a:prstGeom prst="straightConnector1">
-            <a:avLst/>
-          </a:prstGeom>
-          <a:ln w="19050">
-            <a:solidFill>
-              <a:schemeClr val="tx1"/>
-            </a:solidFill>
-            <a:tailEnd type="triangle"/>
-          </a:ln>
-        </p:spPr>
-        <p:style>
-          <a:lnRef idx="1">
-            <a:schemeClr val="accent1"/>
-          </a:lnRef>
-          <a:fillRef idx="0">
-            <a:schemeClr val="accent1"/>
-          </a:fillRef>
-          <a:effectRef idx="0">
-            <a:schemeClr val="accent1"/>
-          </a:effectRef>
-          <a:fontRef idx="minor">
-            <a:schemeClr val="tx1"/>
-          </a:fontRef>
-        </p:style>
-      </p:cxnSp>
-      <p:pic>
-        <p:nvPicPr>
-          <p:cNvPr id="31" name="図 30" descr="黒い背景に白い文字がある&#10;&#10;中程度の精度で自動的に生成された説明">
-            <a:extLst>
-              <a:ext uri="{FF2B5EF4-FFF2-40B4-BE49-F238E27FC236}">
-                <a16:creationId xmlns:a16="http://schemas.microsoft.com/office/drawing/2014/main" id="{30881A84-D0F3-1793-B414-AF5A21EEA45C}"/>
-              </a:ext>
-            </a:extLst>
-          </p:cNvPr>
-          <p:cNvPicPr>
-            <a:picLocks noChangeAspect="1"/>
-          </p:cNvPicPr>
-          <p:nvPr/>
-        </p:nvPicPr>
-        <p:blipFill rotWithShape="1">
-          <a:blip r:embed="rId7">
-            <a:duotone>
-              <a:schemeClr val="accent6">
-                <a:shade val="45000"/>
-                <a:satMod val="135000"/>
-              </a:schemeClr>
-              <a:prstClr val="white"/>
-            </a:duotone>
-          </a:blip>
-          <a:srcRect l="9600" r="9760"/>
-          <a:stretch/>
-        </p:blipFill>
-        <p:spPr>
-          <a:xfrm>
-            <a:off x="8883206" y="3797100"/>
-            <a:ext cx="391886" cy="485968"/>
-          </a:xfrm>
-          <a:prstGeom prst="rect">
-            <a:avLst/>
-          </a:prstGeom>
-          <a:noFill/>
-        </p:spPr>
-      </p:pic>
-      <p:pic>
-        <p:nvPicPr>
-          <p:cNvPr id="32" name="図 31" descr="黒い背景に白い文字がある&#10;&#10;中程度の精度で自動的に生成された説明">
-            <a:extLst>
-              <a:ext uri="{FF2B5EF4-FFF2-40B4-BE49-F238E27FC236}">
-                <a16:creationId xmlns:a16="http://schemas.microsoft.com/office/drawing/2014/main" id="{1B3BA83F-B288-58F4-16F3-EC0E6B0A285A}"/>
-              </a:ext>
-            </a:extLst>
-          </p:cNvPr>
-          <p:cNvPicPr>
-            <a:picLocks noChangeAspect="1"/>
-          </p:cNvPicPr>
-          <p:nvPr/>
-        </p:nvPicPr>
-        <p:blipFill rotWithShape="1">
-          <a:blip r:embed="rId7">
-            <a:duotone>
-              <a:schemeClr val="accent5">
-                <a:shade val="45000"/>
-                <a:satMod val="135000"/>
-              </a:schemeClr>
-              <a:prstClr val="white"/>
-            </a:duotone>
-          </a:blip>
-          <a:srcRect l="9600" r="9760"/>
-          <a:stretch/>
-        </p:blipFill>
-        <p:spPr>
-          <a:xfrm>
-            <a:off x="9422660" y="3790724"/>
-            <a:ext cx="391886" cy="485968"/>
-          </a:xfrm>
-          <a:prstGeom prst="rect">
-            <a:avLst/>
-          </a:prstGeom>
-          <a:noFill/>
-        </p:spPr>
-      </p:pic>
-      <p:pic>
-        <p:nvPicPr>
-          <p:cNvPr id="33" name="図 32" descr="黒い背景に白い文字がある&#10;&#10;中程度の精度で自動的に生成された説明">
-            <a:extLst>
-              <a:ext uri="{FF2B5EF4-FFF2-40B4-BE49-F238E27FC236}">
-                <a16:creationId xmlns:a16="http://schemas.microsoft.com/office/drawing/2014/main" id="{5AAA123D-4C6D-6805-EC55-1E3203493C41}"/>
-              </a:ext>
-            </a:extLst>
-          </p:cNvPr>
-          <p:cNvPicPr>
-            <a:picLocks noChangeAspect="1"/>
-          </p:cNvPicPr>
-          <p:nvPr/>
-        </p:nvPicPr>
-        <p:blipFill rotWithShape="1">
-          <a:blip r:embed="rId7">
-            <a:duotone>
-              <a:schemeClr val="accent2">
-                <a:shade val="45000"/>
-                <a:satMod val="135000"/>
-              </a:schemeClr>
-              <a:prstClr val="white"/>
-            </a:duotone>
-          </a:blip>
-          <a:srcRect l="9600" r="9760"/>
-          <a:stretch/>
-        </p:blipFill>
-        <p:spPr>
-          <a:xfrm>
-            <a:off x="9968122" y="3801492"/>
-            <a:ext cx="391886" cy="485968"/>
-          </a:xfrm>
-          <a:prstGeom prst="rect">
-            <a:avLst/>
-          </a:prstGeom>
-          <a:noFill/>
-        </p:spPr>
-      </p:pic>
-      <mc:AlternateContent xmlns:mc="http://schemas.openxmlformats.org/markup-compatibility/2006">
-        <mc:Choice xmlns:a14="http://schemas.microsoft.com/office/drawing/2010/main" Requires="a14">
-          <p:sp>
-            <p:nvSpPr>
-              <p:cNvPr id="34" name="テキスト ボックス 33">
-                <a:extLst>
-                  <a:ext uri="{FF2B5EF4-FFF2-40B4-BE49-F238E27FC236}">
-                    <a16:creationId xmlns:a16="http://schemas.microsoft.com/office/drawing/2014/main" id="{3AE01518-DB98-2322-CE9D-B730AD92E400}"/>
-                  </a:ext>
-                </a:extLst>
-              </p:cNvPr>
-              <p:cNvSpPr txBox="1"/>
-              <p:nvPr/>
-            </p:nvSpPr>
-            <p:spPr>
-              <a:xfrm>
-                <a:off x="8412477" y="4372644"/>
-                <a:ext cx="2393369" cy="430887"/>
-              </a:xfrm>
-              <a:prstGeom prst="rect">
-                <a:avLst/>
-              </a:prstGeom>
-              <a:noFill/>
-            </p:spPr>
-            <p:txBody>
-              <a:bodyPr wrap="square" rtlCol="0" anchor="ctr">
-                <a:spAutoFit/>
-              </a:bodyPr>
-              <a:lstStyle/>
-              <a:p>
-                <a:pPr algn="ctr"/>
-                <a:r>
-                  <a:rPr kumimoji="1" lang="ja-JP" altLang="en-US" sz="1100">
-                    <a:latin typeface="Hiragino Kaku Gothic Pro W3" panose="020B0300000000000000" pitchFamily="34" charset="-128"/>
-                    <a:ea typeface="Hiragino Kaku Gothic Pro W3" panose="020B0300000000000000" pitchFamily="34" charset="-128"/>
-                  </a:rPr>
-                  <a:t>問題</a:t>
-                </a:r>
-                <a14:m>
-                  <m:oMath xmlns:m="http://schemas.openxmlformats.org/officeDocument/2006/math">
-                    <m:r>
-                      <a:rPr kumimoji="1" lang="en-US" altLang="ja-JP" sz="1100" b="0" i="1" smtClean="0">
-                        <a:latin typeface="Cambria Math" panose="02040503050406030204" pitchFamily="18" charset="0"/>
-                        <a:ea typeface="Hiragino Kaku Gothic Pro W3" panose="020B0300000000000000" pitchFamily="34" charset="-128"/>
-                      </a:rPr>
-                      <m:t>𝛽</m:t>
-                    </m:r>
-                  </m:oMath>
-                </a14:m>
-                <a:r>
-                  <a:rPr kumimoji="1" lang="ja-JP" altLang="en-US" sz="1100">
-                    <a:latin typeface="Hiragino Kaku Gothic Pro W3" panose="020B0300000000000000" pitchFamily="34" charset="-128"/>
-                    <a:ea typeface="Hiragino Kaku Gothic Pro W3" panose="020B0300000000000000" pitchFamily="34" charset="-128"/>
-                  </a:rPr>
-                  <a:t>に対して</a:t>
-                </a:r>
-                <a:r>
-                  <a:rPr kumimoji="1" lang="en-US" altLang="ja-JP" sz="1100" dirty="0">
-                    <a:latin typeface="Hiragino Kaku Gothic Pro W3" panose="020B0300000000000000" pitchFamily="34" charset="-128"/>
-                    <a:ea typeface="Hiragino Kaku Gothic Pro W3" panose="020B0300000000000000" pitchFamily="34" charset="-128"/>
-                  </a:rPr>
-                  <a:t>GitHub Copilot</a:t>
-                </a:r>
-                <a:r>
-                  <a:rPr kumimoji="1" lang="ja-JP" altLang="en-US" sz="1100">
-                    <a:latin typeface="Hiragino Kaku Gothic Pro W3" panose="020B0300000000000000" pitchFamily="34" charset="-128"/>
-                    <a:ea typeface="Hiragino Kaku Gothic Pro W3" panose="020B0300000000000000" pitchFamily="34" charset="-128"/>
-                  </a:rPr>
-                  <a:t>が</a:t>
-                </a:r>
-                <a:endParaRPr kumimoji="1" lang="en-US" altLang="ja-JP" sz="1100" dirty="0">
-                  <a:latin typeface="Hiragino Kaku Gothic Pro W3" panose="020B0300000000000000" pitchFamily="34" charset="-128"/>
-                  <a:ea typeface="Hiragino Kaku Gothic Pro W3" panose="020B0300000000000000" pitchFamily="34" charset="-128"/>
-                </a:endParaRPr>
-              </a:p>
-              <a:p>
-                <a:pPr algn="ctr"/>
-                <a:r>
-                  <a:rPr kumimoji="1" lang="ja-JP" altLang="en-US" sz="1100">
-                    <a:latin typeface="Hiragino Kaku Gothic Pro W3" panose="020B0300000000000000" pitchFamily="34" charset="-128"/>
-                    <a:ea typeface="Hiragino Kaku Gothic Pro W3" panose="020B0300000000000000" pitchFamily="34" charset="-128"/>
-                  </a:rPr>
-                  <a:t>推薦した各</a:t>
-                </a:r>
-                <a:r>
-                  <a:rPr kumimoji="1" lang="ja-AU" altLang="en-US" sz="1100" dirty="0">
-                    <a:latin typeface="Hiragino Kaku Gothic Pro W3" panose="020B0300000000000000" pitchFamily="34" charset="-128"/>
-                    <a:ea typeface="Hiragino Kaku Gothic Pro W3" panose="020B0300000000000000" pitchFamily="34" charset="-128"/>
-                  </a:rPr>
-                  <a:t>コード</a:t>
-                </a:r>
-                <a:endParaRPr kumimoji="1" lang="ja-JP" altLang="en-US" sz="1100">
-                  <a:latin typeface="Hiragino Kaku Gothic Pro W3" panose="020B0300000000000000" pitchFamily="34" charset="-128"/>
-                  <a:ea typeface="Hiragino Kaku Gothic Pro W3" panose="020B0300000000000000" pitchFamily="34" charset="-128"/>
-                </a:endParaRPr>
-              </a:p>
-            </p:txBody>
-          </p:sp>
-        </mc:Choice>
-        <mc:Fallback>
-          <p:sp>
-            <p:nvSpPr>
-              <p:cNvPr id="34" name="テキスト ボックス 33">
-                <a:extLst>
-                  <a:ext uri="{FF2B5EF4-FFF2-40B4-BE49-F238E27FC236}">
-                    <a16:creationId xmlns:a16="http://schemas.microsoft.com/office/drawing/2014/main" id="{3AE01518-DB98-2322-CE9D-B730AD92E400}"/>
-                  </a:ext>
-                </a:extLst>
-              </p:cNvPr>
-              <p:cNvSpPr txBox="1">
-                <a:spLocks noRot="1" noChangeAspect="1" noMove="1" noResize="1" noEditPoints="1" noAdjustHandles="1" noChangeArrowheads="1" noChangeShapeType="1" noTextEdit="1"/>
-              </p:cNvSpPr>
-              <p:nvPr/>
-            </p:nvSpPr>
-            <p:spPr>
-              <a:xfrm>
-                <a:off x="8412477" y="4372644"/>
-                <a:ext cx="2393369" cy="430887"/>
-              </a:xfrm>
-              <a:prstGeom prst="rect">
-                <a:avLst/>
-              </a:prstGeom>
-              <a:blipFill>
-                <a:blip r:embed="rId12"/>
-                <a:stretch>
-                  <a:fillRect b="-8571"/>
-                </a:stretch>
-              </a:blipFill>
-            </p:spPr>
-            <p:txBody>
-              <a:bodyPr/>
-              <a:lstStyle/>
-              <a:p>
-                <a:r>
-                  <a:rPr lang="ja-AU" altLang="en-US">
-                    <a:noFill/>
-                  </a:rPr>
-                  <a:t> </a:t>
-                </a:r>
-              </a:p>
-            </p:txBody>
-          </p:sp>
-        </mc:Fallback>
-      </mc:AlternateContent>
-      <p:grpSp>
-        <p:nvGrpSpPr>
-          <p:cNvPr id="35" name="グループ化 34">
-            <a:extLst>
-              <a:ext uri="{FF2B5EF4-FFF2-40B4-BE49-F238E27FC236}">
-                <a16:creationId xmlns:a16="http://schemas.microsoft.com/office/drawing/2014/main" id="{921E44E5-C1DC-34B4-FE4E-BCC4C675C7C3}"/>
-              </a:ext>
-            </a:extLst>
-          </p:cNvPr>
-          <p:cNvGrpSpPr/>
-          <p:nvPr/>
-        </p:nvGrpSpPr>
-        <p:grpSpPr>
-          <a:xfrm>
-            <a:off x="6142046" y="3665108"/>
-            <a:ext cx="601944" cy="712459"/>
-            <a:chOff x="10578525" y="2033062"/>
-            <a:chExt cx="601944" cy="712459"/>
-          </a:xfrm>
-        </p:grpSpPr>
-        <p:grpSp>
-          <p:nvGrpSpPr>
-            <p:cNvPr id="36" name="グループ化 35">
-              <a:extLst>
-                <a:ext uri="{FF2B5EF4-FFF2-40B4-BE49-F238E27FC236}">
-                  <a16:creationId xmlns:a16="http://schemas.microsoft.com/office/drawing/2014/main" id="{F03358BF-8A07-DAC7-EDB9-F1E2F801FC69}"/>
-                </a:ext>
-              </a:extLst>
-            </p:cNvPr>
-            <p:cNvGrpSpPr/>
-            <p:nvPr/>
-          </p:nvGrpSpPr>
-          <p:grpSpPr>
-            <a:xfrm>
-              <a:off x="10578525" y="2033062"/>
-              <a:ext cx="391886" cy="542811"/>
-              <a:chOff x="9443884" y="2091230"/>
-              <a:chExt cx="391886" cy="542811"/>
-            </a:xfrm>
-          </p:grpSpPr>
-          <p:sp>
-            <p:nvSpPr>
-              <p:cNvPr id="43" name="1 つの角を切り取った四角形 42">
-                <a:extLst>
-                  <a:ext uri="{FF2B5EF4-FFF2-40B4-BE49-F238E27FC236}">
-                    <a16:creationId xmlns:a16="http://schemas.microsoft.com/office/drawing/2014/main" id="{028C50E5-2795-5241-79AC-A8C982D8AD32}"/>
-                  </a:ext>
-                </a:extLst>
-              </p:cNvPr>
-              <p:cNvSpPr/>
-              <p:nvPr/>
-            </p:nvSpPr>
-            <p:spPr>
-              <a:xfrm>
-                <a:off x="9480821" y="2091230"/>
-                <a:ext cx="326720" cy="542811"/>
-              </a:xfrm>
-              <a:prstGeom prst="snip1Rect">
-                <a:avLst>
-                  <a:gd name="adj" fmla="val 29994"/>
-                </a:avLst>
-              </a:prstGeom>
-              <a:solidFill>
-                <a:schemeClr val="bg1"/>
-              </a:solidFill>
-              <a:ln>
-                <a:noFill/>
-              </a:ln>
-              <a:effectLst>
-                <a:glow rad="127000">
-                  <a:schemeClr val="bg1"/>
-                </a:glow>
-              </a:effectLst>
-              <a:scene3d>
-                <a:camera prst="isometricLeftDown">
-                  <a:rot lat="2100000" lon="10800000" rev="0"/>
-                </a:camera>
-                <a:lightRig rig="threePt" dir="t"/>
-              </a:scene3d>
-            </p:spPr>
-            <p:style>
-              <a:lnRef idx="2">
-                <a:schemeClr val="accent1">
-                  <a:shade val="50000"/>
-                </a:schemeClr>
-              </a:lnRef>
-              <a:fillRef idx="1">
-                <a:schemeClr val="accent1"/>
-              </a:fillRef>
-              <a:effectRef idx="0">
-                <a:schemeClr val="accent1"/>
-              </a:effectRef>
-              <a:fontRef idx="minor">
-                <a:schemeClr val="lt1"/>
-              </a:fontRef>
-            </p:style>
-            <p:txBody>
-              <a:bodyPr rtlCol="0" anchor="ctr">
-                <a:flatTx/>
-              </a:bodyPr>
-              <a:lstStyle/>
-              <a:p>
-                <a:pPr algn="ctr"/>
-                <a:endParaRPr kumimoji="1" lang="ja-JP" altLang="en-US" dirty="0"/>
-              </a:p>
-            </p:txBody>
-          </p:sp>
-          <p:pic>
-            <p:nvPicPr>
-              <p:cNvPr id="44" name="図 43" descr="黒い背景に白い文字がある&#10;&#10;中程度の精度で自動的に生成された説明">
-                <a:extLst>
-                  <a:ext uri="{FF2B5EF4-FFF2-40B4-BE49-F238E27FC236}">
-                    <a16:creationId xmlns:a16="http://schemas.microsoft.com/office/drawing/2014/main" id="{51EF70C6-DA74-972F-019C-EBC4E02A72A7}"/>
-                  </a:ext>
-                </a:extLst>
-              </p:cNvPr>
-              <p:cNvPicPr>
-                <a:picLocks noChangeAspect="1"/>
-              </p:cNvPicPr>
-              <p:nvPr/>
-            </p:nvPicPr>
-            <p:blipFill rotWithShape="1">
-              <a:blip r:embed="rId7">
-                <a:grayscl/>
-              </a:blip>
-              <a:srcRect l="9600" r="9760"/>
-              <a:stretch/>
-            </p:blipFill>
-            <p:spPr>
-              <a:xfrm>
-                <a:off x="9443884" y="2114840"/>
-                <a:ext cx="391886" cy="485968"/>
-              </a:xfrm>
-              <a:prstGeom prst="rect">
-                <a:avLst/>
-              </a:prstGeom>
-              <a:noFill/>
-            </p:spPr>
-          </p:pic>
-        </p:grpSp>
-        <p:grpSp>
-          <p:nvGrpSpPr>
-            <p:cNvPr id="37" name="グループ化 36">
-              <a:extLst>
-                <a:ext uri="{FF2B5EF4-FFF2-40B4-BE49-F238E27FC236}">
-                  <a16:creationId xmlns:a16="http://schemas.microsoft.com/office/drawing/2014/main" id="{943F5165-B63A-AAB5-4B57-11A36DC9EDEB}"/>
-                </a:ext>
-              </a:extLst>
-            </p:cNvPr>
-            <p:cNvGrpSpPr/>
-            <p:nvPr/>
-          </p:nvGrpSpPr>
-          <p:grpSpPr>
-            <a:xfrm>
-              <a:off x="10686068" y="2107257"/>
-              <a:ext cx="391886" cy="542811"/>
-              <a:chOff x="9443884" y="2091230"/>
-              <a:chExt cx="391886" cy="542811"/>
-            </a:xfrm>
-          </p:grpSpPr>
-          <p:sp>
-            <p:nvSpPr>
-              <p:cNvPr id="41" name="1 つの角を切り取った四角形 40">
-                <a:extLst>
-                  <a:ext uri="{FF2B5EF4-FFF2-40B4-BE49-F238E27FC236}">
-                    <a16:creationId xmlns:a16="http://schemas.microsoft.com/office/drawing/2014/main" id="{5F608F1E-E9B3-8FCE-C6AF-D18F1979E7FB}"/>
-                  </a:ext>
-                </a:extLst>
-              </p:cNvPr>
-              <p:cNvSpPr/>
-              <p:nvPr/>
-            </p:nvSpPr>
-            <p:spPr>
-              <a:xfrm>
-                <a:off x="9480821" y="2091230"/>
-                <a:ext cx="326720" cy="542811"/>
-              </a:xfrm>
-              <a:prstGeom prst="snip1Rect">
-                <a:avLst>
-                  <a:gd name="adj" fmla="val 29994"/>
-                </a:avLst>
-              </a:prstGeom>
-              <a:solidFill>
-                <a:schemeClr val="bg1"/>
-              </a:solidFill>
-              <a:ln>
-                <a:noFill/>
-              </a:ln>
-              <a:effectLst>
-                <a:glow rad="127000">
-                  <a:schemeClr val="bg1"/>
-                </a:glow>
-              </a:effectLst>
-              <a:scene3d>
-                <a:camera prst="isometricLeftDown">
-                  <a:rot lat="2100000" lon="10800000" rev="0"/>
-                </a:camera>
-                <a:lightRig rig="threePt" dir="t"/>
-              </a:scene3d>
-            </p:spPr>
-            <p:style>
-              <a:lnRef idx="2">
-                <a:schemeClr val="accent1">
-                  <a:shade val="50000"/>
-                </a:schemeClr>
-              </a:lnRef>
-              <a:fillRef idx="1">
-                <a:schemeClr val="accent1"/>
-              </a:fillRef>
-              <a:effectRef idx="0">
-                <a:schemeClr val="accent1"/>
-              </a:effectRef>
-              <a:fontRef idx="minor">
-                <a:schemeClr val="lt1"/>
-              </a:fontRef>
-            </p:style>
-            <p:txBody>
-              <a:bodyPr rtlCol="0" anchor="ctr">
-                <a:flatTx/>
-              </a:bodyPr>
-              <a:lstStyle/>
-              <a:p>
-                <a:pPr algn="ctr"/>
-                <a:endParaRPr kumimoji="1" lang="ja-JP" altLang="en-US" dirty="0"/>
-              </a:p>
-            </p:txBody>
-          </p:sp>
-          <p:pic>
-            <p:nvPicPr>
-              <p:cNvPr id="42" name="図 41" descr="黒い背景に白い文字がある&#10;&#10;中程度の精度で自動的に生成された説明">
-                <a:extLst>
-                  <a:ext uri="{FF2B5EF4-FFF2-40B4-BE49-F238E27FC236}">
-                    <a16:creationId xmlns:a16="http://schemas.microsoft.com/office/drawing/2014/main" id="{DD59A694-FB9C-5070-13A0-686E6472190B}"/>
-                  </a:ext>
-                </a:extLst>
-              </p:cNvPr>
-              <p:cNvPicPr>
-                <a:picLocks noChangeAspect="1"/>
-              </p:cNvPicPr>
-              <p:nvPr/>
-            </p:nvPicPr>
-            <p:blipFill rotWithShape="1">
-              <a:blip r:embed="rId7">
-                <a:grayscl/>
-              </a:blip>
-              <a:srcRect l="9600" r="9760"/>
-              <a:stretch/>
-            </p:blipFill>
-            <p:spPr>
-              <a:xfrm>
-                <a:off x="9443884" y="2114840"/>
-                <a:ext cx="391886" cy="485968"/>
-              </a:xfrm>
-              <a:prstGeom prst="rect">
-                <a:avLst/>
-              </a:prstGeom>
-              <a:noFill/>
-            </p:spPr>
-          </p:pic>
-        </p:grpSp>
-        <p:grpSp>
-          <p:nvGrpSpPr>
-            <p:cNvPr id="38" name="グループ化 37">
-              <a:extLst>
-                <a:ext uri="{FF2B5EF4-FFF2-40B4-BE49-F238E27FC236}">
-                  <a16:creationId xmlns:a16="http://schemas.microsoft.com/office/drawing/2014/main" id="{F6311206-DBEF-EB33-BE6A-B420AC060602}"/>
-                </a:ext>
-              </a:extLst>
-            </p:cNvPr>
-            <p:cNvGrpSpPr/>
-            <p:nvPr/>
-          </p:nvGrpSpPr>
-          <p:grpSpPr>
-            <a:xfrm>
-              <a:off x="10788583" y="2202710"/>
-              <a:ext cx="391886" cy="542811"/>
-              <a:chOff x="9443884" y="2091230"/>
-              <a:chExt cx="391886" cy="542811"/>
-            </a:xfrm>
-          </p:grpSpPr>
-          <p:sp>
-            <p:nvSpPr>
-              <p:cNvPr id="39" name="1 つの角を切り取った四角形 38">
-                <a:extLst>
-                  <a:ext uri="{FF2B5EF4-FFF2-40B4-BE49-F238E27FC236}">
-                    <a16:creationId xmlns:a16="http://schemas.microsoft.com/office/drawing/2014/main" id="{0145D2D3-FDA7-1EE0-4E12-892A61F2FDE6}"/>
-                  </a:ext>
-                </a:extLst>
-              </p:cNvPr>
-              <p:cNvSpPr/>
-              <p:nvPr/>
-            </p:nvSpPr>
-            <p:spPr>
-              <a:xfrm>
-                <a:off x="9480821" y="2091230"/>
-                <a:ext cx="326720" cy="542811"/>
-              </a:xfrm>
-              <a:prstGeom prst="snip1Rect">
-                <a:avLst>
-                  <a:gd name="adj" fmla="val 29994"/>
-                </a:avLst>
-              </a:prstGeom>
-              <a:solidFill>
-                <a:schemeClr val="bg1"/>
-              </a:solidFill>
-              <a:ln>
-                <a:noFill/>
-              </a:ln>
-              <a:effectLst>
-                <a:glow rad="127000">
-                  <a:schemeClr val="bg1"/>
-                </a:glow>
-              </a:effectLst>
-              <a:scene3d>
-                <a:camera prst="isometricLeftDown">
-                  <a:rot lat="2100000" lon="10800000" rev="0"/>
-                </a:camera>
-                <a:lightRig rig="threePt" dir="t"/>
-              </a:scene3d>
-            </p:spPr>
-            <p:style>
-              <a:lnRef idx="2">
-                <a:schemeClr val="accent1">
-                  <a:shade val="50000"/>
-                </a:schemeClr>
-              </a:lnRef>
-              <a:fillRef idx="1">
-                <a:schemeClr val="accent1"/>
-              </a:fillRef>
-              <a:effectRef idx="0">
-                <a:schemeClr val="accent1"/>
-              </a:effectRef>
-              <a:fontRef idx="minor">
-                <a:schemeClr val="lt1"/>
-              </a:fontRef>
-            </p:style>
-            <p:txBody>
-              <a:bodyPr rtlCol="0" anchor="ctr">
-                <a:flatTx/>
-              </a:bodyPr>
-              <a:lstStyle/>
-              <a:p>
-                <a:pPr algn="ctr"/>
-                <a:endParaRPr kumimoji="1" lang="ja-JP" altLang="en-US" dirty="0"/>
-              </a:p>
-            </p:txBody>
-          </p:sp>
-          <p:pic>
-            <p:nvPicPr>
-              <p:cNvPr id="40" name="図 39" descr="黒い背景に白い文字がある&#10;&#10;中程度の精度で自動的に生成された説明">
-                <a:extLst>
-                  <a:ext uri="{FF2B5EF4-FFF2-40B4-BE49-F238E27FC236}">
-                    <a16:creationId xmlns:a16="http://schemas.microsoft.com/office/drawing/2014/main" id="{62CAC4C5-A6DF-4643-A171-6D8C96D4EF60}"/>
-                  </a:ext>
-                </a:extLst>
-              </p:cNvPr>
-              <p:cNvPicPr>
-                <a:picLocks noChangeAspect="1"/>
-              </p:cNvPicPr>
-              <p:nvPr/>
-            </p:nvPicPr>
-            <p:blipFill rotWithShape="1">
-              <a:blip r:embed="rId7">
-                <a:grayscl/>
-              </a:blip>
-              <a:srcRect l="9600" r="9760"/>
-              <a:stretch/>
-            </p:blipFill>
-            <p:spPr>
-              <a:xfrm>
-                <a:off x="9443884" y="2114840"/>
-                <a:ext cx="391886" cy="485968"/>
-              </a:xfrm>
-              <a:prstGeom prst="rect">
-                <a:avLst/>
-              </a:prstGeom>
-              <a:noFill/>
-            </p:spPr>
-          </p:pic>
-        </p:grpSp>
-      </p:grpSp>
-      <mc:AlternateContent xmlns:mc="http://schemas.openxmlformats.org/markup-compatibility/2006" xmlns:a14="http://schemas.microsoft.com/office/drawing/2010/main">
-        <mc:Choice Requires="a14">
-          <p:sp>
-            <p:nvSpPr>
-              <p:cNvPr id="45" name="テキスト ボックス 44">
-                <a:extLst>
-                  <a:ext uri="{FF2B5EF4-FFF2-40B4-BE49-F238E27FC236}">
-                    <a16:creationId xmlns:a16="http://schemas.microsoft.com/office/drawing/2014/main" id="{084E6CB3-7B4A-78DF-318C-12B1207D96B4}"/>
-                  </a:ext>
-                </a:extLst>
-              </p:cNvPr>
-              <p:cNvSpPr txBox="1"/>
-              <p:nvPr/>
-            </p:nvSpPr>
-            <p:spPr>
-              <a:xfrm>
-                <a:off x="5799015" y="4378120"/>
-                <a:ext cx="1462819" cy="430887"/>
-              </a:xfrm>
-              <a:prstGeom prst="rect">
-                <a:avLst/>
-              </a:prstGeom>
-              <a:noFill/>
-            </p:spPr>
-            <p:txBody>
-              <a:bodyPr wrap="square" rtlCol="0" anchor="ctr">
-                <a:spAutoFit/>
-              </a:bodyPr>
-              <a:lstStyle/>
-              <a:p>
-                <a:pPr algn="ctr"/>
-                <a:r>
-                  <a:rPr lang="ja-JP" altLang="en-US" sz="1100">
-                    <a:latin typeface="Hiragino Kaku Gothic Pro W3" panose="020B0300000000000000" pitchFamily="34" charset="-128"/>
-                    <a:ea typeface="Hiragino Kaku Gothic Pro W3" panose="020B0300000000000000" pitchFamily="34" charset="-128"/>
-                  </a:rPr>
-                  <a:t>問題</a:t>
-                </a:r>
-                <a14:m>
-                  <m:oMath xmlns:m="http://schemas.openxmlformats.org/officeDocument/2006/math">
-                    <m:r>
-                      <a:rPr lang="en-US" altLang="ja-JP" sz="1100" b="0" i="1" smtClean="0">
-                        <a:latin typeface="Cambria Math" panose="02040503050406030204" pitchFamily="18" charset="0"/>
-                        <a:ea typeface="Hiragino Kaku Gothic Pro W3" panose="020B0300000000000000" pitchFamily="34" charset="-128"/>
-                      </a:rPr>
-                      <m:t>𝛽</m:t>
-                    </m:r>
-                  </m:oMath>
-                </a14:m>
-                <a:r>
-                  <a:rPr lang="ja-JP" altLang="en-US" sz="1100">
-                    <a:latin typeface="Hiragino Kaku Gothic Pro W3" panose="020B0300000000000000" pitchFamily="34" charset="-128"/>
-                    <a:ea typeface="Hiragino Kaku Gothic Pro W3" panose="020B0300000000000000" pitchFamily="34" charset="-128"/>
-                  </a:rPr>
-                  <a:t>に対する</a:t>
-                </a:r>
-                <a:endParaRPr lang="en-US" altLang="ja-JP" sz="1100" dirty="0">
-                  <a:latin typeface="Hiragino Kaku Gothic Pro W3" panose="020B0300000000000000" pitchFamily="34" charset="-128"/>
-                  <a:ea typeface="Hiragino Kaku Gothic Pro W3" panose="020B0300000000000000" pitchFamily="34" charset="-128"/>
-                </a:endParaRPr>
-              </a:p>
-              <a:p>
-                <a:pPr algn="ctr"/>
-                <a:r>
-                  <a:rPr kumimoji="1" lang="ja-JP" altLang="en-US" sz="1100">
-                    <a:latin typeface="Hiragino Kaku Gothic Pro W3" panose="020B0300000000000000" pitchFamily="34" charset="-128"/>
-                    <a:ea typeface="Hiragino Kaku Gothic Pro W3" panose="020B0300000000000000" pitchFamily="34" charset="-128"/>
-                  </a:rPr>
-                  <a:t>テストケースの入力</a:t>
-                </a:r>
-              </a:p>
-            </p:txBody>
-          </p:sp>
-        </mc:Choice>
-        <mc:Fallback xmlns="">
-          <p:sp>
-            <p:nvSpPr>
-              <p:cNvPr id="45" name="テキスト ボックス 44">
-                <a:extLst>
-                  <a:ext uri="{FF2B5EF4-FFF2-40B4-BE49-F238E27FC236}">
-                    <a16:creationId xmlns:a16="http://schemas.microsoft.com/office/drawing/2014/main" id="{084E6CB3-7B4A-78DF-318C-12B1207D96B4}"/>
-                  </a:ext>
-                </a:extLst>
-              </p:cNvPr>
-              <p:cNvSpPr txBox="1">
-                <a:spLocks noRot="1" noChangeAspect="1" noMove="1" noResize="1" noEditPoints="1" noAdjustHandles="1" noChangeArrowheads="1" noChangeShapeType="1" noTextEdit="1"/>
-              </p:cNvSpPr>
-              <p:nvPr/>
-            </p:nvSpPr>
-            <p:spPr>
-              <a:xfrm>
-                <a:off x="5799015" y="4378120"/>
-                <a:ext cx="1462819" cy="430887"/>
-              </a:xfrm>
-              <a:prstGeom prst="rect">
-                <a:avLst/>
-              </a:prstGeom>
-              <a:blipFill>
-                <a:blip r:embed="rId13"/>
-                <a:stretch>
-                  <a:fillRect b="-11429"/>
-                </a:stretch>
-              </a:blipFill>
-            </p:spPr>
-            <p:txBody>
-              <a:bodyPr/>
-              <a:lstStyle/>
-              <a:p>
-                <a:r>
-                  <a:rPr lang="ja-JP" altLang="en-US">
-                    <a:noFill/>
-                  </a:rPr>
-                  <a:t> </a:t>
-                </a:r>
-              </a:p>
-            </p:txBody>
-          </p:sp>
-        </mc:Fallback>
-      </mc:AlternateContent>
-      <p:pic>
-        <p:nvPicPr>
-          <p:cNvPr id="458" name="図 457" descr="黒い背景に白い文字がある&#10;&#10;中程度の精度で自動的に生成された説明">
-            <a:extLst>
-              <a:ext uri="{FF2B5EF4-FFF2-40B4-BE49-F238E27FC236}">
-                <a16:creationId xmlns:a16="http://schemas.microsoft.com/office/drawing/2014/main" id="{E4C90B0D-99A8-B75D-80C5-7869786D608C}"/>
-              </a:ext>
-            </a:extLst>
-          </p:cNvPr>
-          <p:cNvPicPr>
-            <a:picLocks noChangeAspect="1"/>
-          </p:cNvPicPr>
-          <p:nvPr/>
-        </p:nvPicPr>
-        <p:blipFill rotWithShape="1">
-          <a:blip r:embed="rId7">
-            <a:duotone>
-              <a:schemeClr val="accent6">
-                <a:shade val="45000"/>
-                <a:satMod val="135000"/>
-              </a:schemeClr>
-              <a:prstClr val="white"/>
-            </a:duotone>
-          </a:blip>
-          <a:srcRect l="9600" r="9760"/>
-          <a:stretch/>
-        </p:blipFill>
-        <p:spPr>
-          <a:xfrm>
-            <a:off x="8883206" y="5377051"/>
-            <a:ext cx="391886" cy="485968"/>
-          </a:xfrm>
-          <a:prstGeom prst="rect">
-            <a:avLst/>
-          </a:prstGeom>
-          <a:noFill/>
-        </p:spPr>
-      </p:pic>
-      <p:pic>
-        <p:nvPicPr>
-          <p:cNvPr id="459" name="図 458" descr="黒い背景に白い文字がある&#10;&#10;中程度の精度で自動的に生成された説明">
-            <a:extLst>
-              <a:ext uri="{FF2B5EF4-FFF2-40B4-BE49-F238E27FC236}">
-                <a16:creationId xmlns:a16="http://schemas.microsoft.com/office/drawing/2014/main" id="{E7D7EEF5-D8FD-E8F9-1935-527DC0AE93AB}"/>
-              </a:ext>
-            </a:extLst>
-          </p:cNvPr>
-          <p:cNvPicPr>
-            <a:picLocks noChangeAspect="1"/>
-          </p:cNvPicPr>
-          <p:nvPr/>
-        </p:nvPicPr>
-        <p:blipFill rotWithShape="1">
-          <a:blip r:embed="rId7">
-            <a:duotone>
-              <a:schemeClr val="accent5">
-                <a:shade val="45000"/>
-                <a:satMod val="135000"/>
-              </a:schemeClr>
-              <a:prstClr val="white"/>
-            </a:duotone>
-          </a:blip>
-          <a:srcRect l="9600" r="9760"/>
-          <a:stretch/>
-        </p:blipFill>
-        <p:spPr>
-          <a:xfrm>
-            <a:off x="9422660" y="5370675"/>
-            <a:ext cx="391886" cy="485968"/>
-          </a:xfrm>
-          <a:prstGeom prst="rect">
-            <a:avLst/>
-          </a:prstGeom>
-          <a:noFill/>
-        </p:spPr>
-      </p:pic>
-      <p:pic>
-        <p:nvPicPr>
-          <p:cNvPr id="460" name="図 459" descr="黒い背景に白い文字がある&#10;&#10;中程度の精度で自動的に生成された説明">
-            <a:extLst>
-              <a:ext uri="{FF2B5EF4-FFF2-40B4-BE49-F238E27FC236}">
-                <a16:creationId xmlns:a16="http://schemas.microsoft.com/office/drawing/2014/main" id="{B7DFC429-852E-D1BE-A20E-B72F746251F0}"/>
-              </a:ext>
-            </a:extLst>
-          </p:cNvPr>
-          <p:cNvPicPr>
-            <a:picLocks noChangeAspect="1"/>
-          </p:cNvPicPr>
-          <p:nvPr/>
-        </p:nvPicPr>
-        <p:blipFill rotWithShape="1">
-          <a:blip r:embed="rId7">
-            <a:duotone>
-              <a:schemeClr val="accent2">
-                <a:shade val="45000"/>
-                <a:satMod val="135000"/>
-              </a:schemeClr>
-              <a:prstClr val="white"/>
-            </a:duotone>
-          </a:blip>
-          <a:srcRect l="9600" r="9760"/>
-          <a:stretch/>
-        </p:blipFill>
-        <p:spPr>
-          <a:xfrm>
-            <a:off x="9968122" y="5381443"/>
-            <a:ext cx="391886" cy="485968"/>
-          </a:xfrm>
-          <a:prstGeom prst="rect">
-            <a:avLst/>
-          </a:prstGeom>
-          <a:noFill/>
-        </p:spPr>
-      </p:pic>
-      <p:sp>
-        <p:nvSpPr>
-          <p:cNvPr id="462" name="テキスト ボックス 461">
-            <a:extLst>
-              <a:ext uri="{FF2B5EF4-FFF2-40B4-BE49-F238E27FC236}">
-                <a16:creationId xmlns:a16="http://schemas.microsoft.com/office/drawing/2014/main" id="{273F152D-00AB-02A8-1CB2-413E95A1D2A2}"/>
-              </a:ext>
-            </a:extLst>
-          </p:cNvPr>
-          <p:cNvSpPr txBox="1"/>
-          <p:nvPr/>
-        </p:nvSpPr>
-        <p:spPr>
-          <a:xfrm>
-            <a:off x="8764809" y="5977254"/>
-            <a:ext cx="1707587" cy="261610"/>
-          </a:xfrm>
-          <a:prstGeom prst="rect">
-            <a:avLst/>
-          </a:prstGeom>
-          <a:noFill/>
-        </p:spPr>
-        <p:txBody>
-          <a:bodyPr wrap="square" rtlCol="0" anchor="ctr">
-            <a:spAutoFit/>
-          </a:bodyPr>
-          <a:lstStyle/>
-          <a:p>
-            <a:pPr algn="ctr"/>
-            <a:r>
-              <a:rPr lang="ja-JP" altLang="en-US" sz="1100">
-                <a:latin typeface="Hiragino Kaku Gothic Pro W3" panose="020B0300000000000000" pitchFamily="34" charset="-128"/>
-                <a:ea typeface="Hiragino Kaku Gothic Pro W3" panose="020B0300000000000000" pitchFamily="34" charset="-128"/>
-              </a:rPr>
-              <a:t>各</a:t>
-            </a:r>
-            <a:r>
-              <a:rPr lang="ja-AU" altLang="en-US" sz="1100">
-                <a:latin typeface="Hiragino Kaku Gothic Pro W3" panose="020B0300000000000000" pitchFamily="34" charset="-128"/>
-                <a:ea typeface="Hiragino Kaku Gothic Pro W3" panose="020B0300000000000000" pitchFamily="34" charset="-128"/>
-              </a:rPr>
-              <a:t>コード</a:t>
-            </a:r>
-            <a:r>
-              <a:rPr lang="ja-JP" altLang="en-US" sz="1100">
-                <a:latin typeface="Hiragino Kaku Gothic Pro W3" panose="020B0300000000000000" pitchFamily="34" charset="-128"/>
-                <a:ea typeface="Hiragino Kaku Gothic Pro W3" panose="020B0300000000000000" pitchFamily="34" charset="-128"/>
-              </a:rPr>
-              <a:t>の出力</a:t>
-            </a:r>
-            <a:endParaRPr kumimoji="1" lang="ja-JP" altLang="en-US" sz="1100">
-              <a:latin typeface="Hiragino Kaku Gothic Pro W3" panose="020B0300000000000000" pitchFamily="34" charset="-128"/>
-              <a:ea typeface="Hiragino Kaku Gothic Pro W3" panose="020B0300000000000000" pitchFamily="34" charset="-128"/>
-            </a:endParaRPr>
-          </a:p>
-        </p:txBody>
-      </p:sp>
-      <p:grpSp>
-        <p:nvGrpSpPr>
-          <p:cNvPr id="463" name="グループ化 462">
-            <a:extLst>
-              <a:ext uri="{FF2B5EF4-FFF2-40B4-BE49-F238E27FC236}">
-                <a16:creationId xmlns:a16="http://schemas.microsoft.com/office/drawing/2014/main" id="{5697B9BF-2ED7-7B81-137D-7975FEDAF0B1}"/>
-              </a:ext>
-            </a:extLst>
-          </p:cNvPr>
-          <p:cNvGrpSpPr/>
-          <p:nvPr/>
-        </p:nvGrpSpPr>
-        <p:grpSpPr>
-          <a:xfrm>
-            <a:off x="6189646" y="5198497"/>
-            <a:ext cx="601944" cy="712459"/>
-            <a:chOff x="10578525" y="2033062"/>
-            <a:chExt cx="601944" cy="712459"/>
-          </a:xfrm>
-        </p:grpSpPr>
-        <p:grpSp>
-          <p:nvGrpSpPr>
-            <p:cNvPr id="464" name="グループ化 463">
-              <a:extLst>
-                <a:ext uri="{FF2B5EF4-FFF2-40B4-BE49-F238E27FC236}">
-                  <a16:creationId xmlns:a16="http://schemas.microsoft.com/office/drawing/2014/main" id="{1DB17EF8-FF0F-3DCD-942B-E50F3480B58F}"/>
-                </a:ext>
-              </a:extLst>
-            </p:cNvPr>
-            <p:cNvGrpSpPr/>
-            <p:nvPr/>
-          </p:nvGrpSpPr>
-          <p:grpSpPr>
-            <a:xfrm>
-              <a:off x="10578525" y="2033062"/>
-              <a:ext cx="391886" cy="542811"/>
-              <a:chOff x="9443884" y="2091230"/>
-              <a:chExt cx="391886" cy="542811"/>
-            </a:xfrm>
-          </p:grpSpPr>
-          <p:sp>
-            <p:nvSpPr>
-              <p:cNvPr id="477" name="1 つの角を切り取った四角形 476">
-                <a:extLst>
-                  <a:ext uri="{FF2B5EF4-FFF2-40B4-BE49-F238E27FC236}">
-                    <a16:creationId xmlns:a16="http://schemas.microsoft.com/office/drawing/2014/main" id="{7D3665D5-87F3-DFCA-7734-7A7F5E7BAF95}"/>
-                  </a:ext>
-                </a:extLst>
-              </p:cNvPr>
-              <p:cNvSpPr/>
-              <p:nvPr/>
-            </p:nvSpPr>
-            <p:spPr>
-              <a:xfrm>
-                <a:off x="9480821" y="2091230"/>
-                <a:ext cx="326720" cy="542811"/>
-              </a:xfrm>
-              <a:prstGeom prst="snip1Rect">
-                <a:avLst>
-                  <a:gd name="adj" fmla="val 29994"/>
-                </a:avLst>
-              </a:prstGeom>
-              <a:solidFill>
-                <a:schemeClr val="bg1"/>
-              </a:solidFill>
-              <a:ln>
-                <a:noFill/>
-              </a:ln>
-              <a:effectLst>
-                <a:glow rad="127000">
-                  <a:schemeClr val="bg1"/>
-                </a:glow>
-              </a:effectLst>
-              <a:scene3d>
-                <a:camera prst="isometricLeftDown">
-                  <a:rot lat="2100000" lon="10800000" rev="0"/>
-                </a:camera>
-                <a:lightRig rig="threePt" dir="t"/>
-              </a:scene3d>
-            </p:spPr>
-            <p:style>
-              <a:lnRef idx="2">
-                <a:schemeClr val="accent1">
-                  <a:shade val="50000"/>
-                </a:schemeClr>
-              </a:lnRef>
-              <a:fillRef idx="1">
-                <a:schemeClr val="accent1"/>
-              </a:fillRef>
-              <a:effectRef idx="0">
-                <a:schemeClr val="accent1"/>
-              </a:effectRef>
-              <a:fontRef idx="minor">
-                <a:schemeClr val="lt1"/>
-              </a:fontRef>
-            </p:style>
-            <p:txBody>
-              <a:bodyPr rtlCol="0" anchor="ctr">
-                <a:flatTx/>
-              </a:bodyPr>
-              <a:lstStyle/>
-              <a:p>
-                <a:pPr algn="ctr"/>
-                <a:endParaRPr kumimoji="1" lang="ja-JP" altLang="en-US" dirty="0"/>
-              </a:p>
-            </p:txBody>
-          </p:sp>
-          <p:pic>
-            <p:nvPicPr>
-              <p:cNvPr id="478" name="図 477" descr="黒い背景に白い文字がある&#10;&#10;中程度の精度で自動的に生成された説明">
-                <a:extLst>
-                  <a:ext uri="{FF2B5EF4-FFF2-40B4-BE49-F238E27FC236}">
-                    <a16:creationId xmlns:a16="http://schemas.microsoft.com/office/drawing/2014/main" id="{90A8BD7E-8051-96EF-D49D-84E1DE260607}"/>
-                  </a:ext>
-                </a:extLst>
-              </p:cNvPr>
-              <p:cNvPicPr>
-                <a:picLocks noChangeAspect="1"/>
-              </p:cNvPicPr>
-              <p:nvPr/>
-            </p:nvPicPr>
-            <p:blipFill rotWithShape="1">
-              <a:blip r:embed="rId7">
-                <a:grayscl/>
-              </a:blip>
-              <a:srcRect l="9600" r="9760"/>
-              <a:stretch/>
-            </p:blipFill>
-            <p:spPr>
-              <a:xfrm>
-                <a:off x="9443884" y="2114840"/>
-                <a:ext cx="391886" cy="485968"/>
-              </a:xfrm>
-              <a:prstGeom prst="rect">
-                <a:avLst/>
-              </a:prstGeom>
-              <a:noFill/>
-            </p:spPr>
-          </p:pic>
-        </p:grpSp>
-        <p:grpSp>
-          <p:nvGrpSpPr>
-            <p:cNvPr id="465" name="グループ化 464">
-              <a:extLst>
-                <a:ext uri="{FF2B5EF4-FFF2-40B4-BE49-F238E27FC236}">
-                  <a16:creationId xmlns:a16="http://schemas.microsoft.com/office/drawing/2014/main" id="{77F8C07E-0884-661A-3261-5615A64A47FD}"/>
-                </a:ext>
-              </a:extLst>
-            </p:cNvPr>
-            <p:cNvGrpSpPr/>
-            <p:nvPr/>
-          </p:nvGrpSpPr>
-          <p:grpSpPr>
-            <a:xfrm>
-              <a:off x="10686068" y="2107257"/>
-              <a:ext cx="391886" cy="542811"/>
-              <a:chOff x="9443884" y="2091230"/>
-              <a:chExt cx="391886" cy="542811"/>
-            </a:xfrm>
-          </p:grpSpPr>
-          <p:sp>
-            <p:nvSpPr>
-              <p:cNvPr id="469" name="1 つの角を切り取った四角形 468">
-                <a:extLst>
-                  <a:ext uri="{FF2B5EF4-FFF2-40B4-BE49-F238E27FC236}">
-                    <a16:creationId xmlns:a16="http://schemas.microsoft.com/office/drawing/2014/main" id="{C27EEB50-918E-47D5-E023-9BEB19C0CB39}"/>
-                  </a:ext>
-                </a:extLst>
-              </p:cNvPr>
-              <p:cNvSpPr/>
-              <p:nvPr/>
-            </p:nvSpPr>
-            <p:spPr>
-              <a:xfrm>
-                <a:off x="9480821" y="2091230"/>
-                <a:ext cx="326720" cy="542811"/>
-              </a:xfrm>
-              <a:prstGeom prst="snip1Rect">
-                <a:avLst>
-                  <a:gd name="adj" fmla="val 29994"/>
-                </a:avLst>
-              </a:prstGeom>
-              <a:solidFill>
-                <a:schemeClr val="bg1"/>
-              </a:solidFill>
-              <a:ln>
-                <a:noFill/>
-              </a:ln>
-              <a:effectLst>
-                <a:glow rad="127000">
-                  <a:schemeClr val="bg1"/>
-                </a:glow>
-              </a:effectLst>
-              <a:scene3d>
-                <a:camera prst="isometricLeftDown">
-                  <a:rot lat="2100000" lon="10800000" rev="0"/>
-                </a:camera>
-                <a:lightRig rig="threePt" dir="t"/>
-              </a:scene3d>
-            </p:spPr>
-            <p:style>
-              <a:lnRef idx="2">
-                <a:schemeClr val="accent1">
-                  <a:shade val="50000"/>
-                </a:schemeClr>
-              </a:lnRef>
-              <a:fillRef idx="1">
-                <a:schemeClr val="accent1"/>
-              </a:fillRef>
-              <a:effectRef idx="0">
-                <a:schemeClr val="accent1"/>
-              </a:effectRef>
-              <a:fontRef idx="minor">
-                <a:schemeClr val="lt1"/>
-              </a:fontRef>
-            </p:style>
-            <p:txBody>
-              <a:bodyPr rtlCol="0" anchor="ctr">
-                <a:flatTx/>
-              </a:bodyPr>
-              <a:lstStyle/>
-              <a:p>
-                <a:pPr algn="ctr"/>
-                <a:endParaRPr kumimoji="1" lang="ja-JP" altLang="en-US" dirty="0"/>
-              </a:p>
-            </p:txBody>
-          </p:sp>
-          <p:pic>
-            <p:nvPicPr>
-              <p:cNvPr id="470" name="図 469" descr="黒い背景に白い文字がある&#10;&#10;中程度の精度で自動的に生成された説明">
-                <a:extLst>
-                  <a:ext uri="{FF2B5EF4-FFF2-40B4-BE49-F238E27FC236}">
-                    <a16:creationId xmlns:a16="http://schemas.microsoft.com/office/drawing/2014/main" id="{2E2333D5-3291-A4EE-410F-BA2052275646}"/>
-                  </a:ext>
-                </a:extLst>
-              </p:cNvPr>
-              <p:cNvPicPr>
-                <a:picLocks noChangeAspect="1"/>
-              </p:cNvPicPr>
-              <p:nvPr/>
-            </p:nvPicPr>
-            <p:blipFill rotWithShape="1">
-              <a:blip r:embed="rId7">
-                <a:grayscl/>
-              </a:blip>
-              <a:srcRect l="9600" r="9760"/>
-              <a:stretch/>
-            </p:blipFill>
-            <p:spPr>
-              <a:xfrm>
-                <a:off x="9443884" y="2114840"/>
-                <a:ext cx="391886" cy="485968"/>
-              </a:xfrm>
-              <a:prstGeom prst="rect">
-                <a:avLst/>
-              </a:prstGeom>
-              <a:noFill/>
-            </p:spPr>
-          </p:pic>
-        </p:grpSp>
-        <p:grpSp>
-          <p:nvGrpSpPr>
-            <p:cNvPr id="466" name="グループ化 465">
-              <a:extLst>
-                <a:ext uri="{FF2B5EF4-FFF2-40B4-BE49-F238E27FC236}">
-                  <a16:creationId xmlns:a16="http://schemas.microsoft.com/office/drawing/2014/main" id="{A1BB8E97-5D8D-1408-9328-07243F509474}"/>
-                </a:ext>
-              </a:extLst>
-            </p:cNvPr>
-            <p:cNvGrpSpPr/>
-            <p:nvPr/>
-          </p:nvGrpSpPr>
-          <p:grpSpPr>
-            <a:xfrm>
-              <a:off x="10788583" y="2202710"/>
-              <a:ext cx="391886" cy="542811"/>
-              <a:chOff x="9443884" y="2091230"/>
-              <a:chExt cx="391886" cy="542811"/>
-            </a:xfrm>
-          </p:grpSpPr>
-          <p:sp>
-            <p:nvSpPr>
-              <p:cNvPr id="467" name="1 つの角を切り取った四角形 466">
-                <a:extLst>
-                  <a:ext uri="{FF2B5EF4-FFF2-40B4-BE49-F238E27FC236}">
-                    <a16:creationId xmlns:a16="http://schemas.microsoft.com/office/drawing/2014/main" id="{83778C5A-AFAA-E9BA-59D8-F253B433076C}"/>
-                  </a:ext>
-                </a:extLst>
-              </p:cNvPr>
-              <p:cNvSpPr/>
-              <p:nvPr/>
-            </p:nvSpPr>
-            <p:spPr>
-              <a:xfrm>
-                <a:off x="9480821" y="2091230"/>
-                <a:ext cx="326720" cy="542811"/>
-              </a:xfrm>
-              <a:prstGeom prst="snip1Rect">
-                <a:avLst>
-                  <a:gd name="adj" fmla="val 29994"/>
-                </a:avLst>
-              </a:prstGeom>
-              <a:solidFill>
-                <a:schemeClr val="bg1"/>
-              </a:solidFill>
-              <a:ln>
-                <a:noFill/>
-              </a:ln>
-              <a:effectLst>
-                <a:glow rad="127000">
-                  <a:schemeClr val="bg1"/>
-                </a:glow>
-              </a:effectLst>
-              <a:scene3d>
-                <a:camera prst="isometricLeftDown">
-                  <a:rot lat="2100000" lon="10800000" rev="0"/>
-                </a:camera>
-                <a:lightRig rig="threePt" dir="t"/>
-              </a:scene3d>
-            </p:spPr>
-            <p:style>
-              <a:lnRef idx="2">
-                <a:schemeClr val="accent1">
-                  <a:shade val="50000"/>
-                </a:schemeClr>
-              </a:lnRef>
-              <a:fillRef idx="1">
-                <a:schemeClr val="accent1"/>
-              </a:fillRef>
-              <a:effectRef idx="0">
-                <a:schemeClr val="accent1"/>
-              </a:effectRef>
-              <a:fontRef idx="minor">
-                <a:schemeClr val="lt1"/>
-              </a:fontRef>
-            </p:style>
-            <p:txBody>
-              <a:bodyPr rtlCol="0" anchor="ctr">
-                <a:flatTx/>
-              </a:bodyPr>
-              <a:lstStyle/>
-              <a:p>
-                <a:pPr algn="ctr"/>
-                <a:endParaRPr kumimoji="1" lang="ja-JP" altLang="en-US" dirty="0"/>
-              </a:p>
-            </p:txBody>
-          </p:sp>
-          <p:pic>
-            <p:nvPicPr>
-              <p:cNvPr id="468" name="図 467" descr="黒い背景に白い文字がある&#10;&#10;中程度の精度で自動的に生成された説明">
-                <a:extLst>
-                  <a:ext uri="{FF2B5EF4-FFF2-40B4-BE49-F238E27FC236}">
-                    <a16:creationId xmlns:a16="http://schemas.microsoft.com/office/drawing/2014/main" id="{43D8056A-35EB-DCD0-FDD0-5B8CE21912CC}"/>
-                  </a:ext>
-                </a:extLst>
-              </p:cNvPr>
-              <p:cNvPicPr>
-                <a:picLocks noChangeAspect="1"/>
-              </p:cNvPicPr>
-              <p:nvPr/>
-            </p:nvPicPr>
-            <p:blipFill rotWithShape="1">
-              <a:blip r:embed="rId7">
-                <a:grayscl/>
-              </a:blip>
-              <a:srcRect l="9600" r="9760"/>
-              <a:stretch/>
-            </p:blipFill>
-            <p:spPr>
-              <a:xfrm>
-                <a:off x="9443884" y="2114840"/>
-                <a:ext cx="391886" cy="485968"/>
-              </a:xfrm>
-              <a:prstGeom prst="rect">
-                <a:avLst/>
-              </a:prstGeom>
-              <a:noFill/>
-            </p:spPr>
-          </p:pic>
-        </p:grpSp>
-      </p:grpSp>
-      <mc:AlternateContent xmlns:mc="http://schemas.openxmlformats.org/markup-compatibility/2006" xmlns:a14="http://schemas.microsoft.com/office/drawing/2010/main">
-        <mc:Choice Requires="a14">
-          <p:sp>
-            <p:nvSpPr>
-              <p:cNvPr id="479" name="テキスト ボックス 478">
-                <a:extLst>
-                  <a:ext uri="{FF2B5EF4-FFF2-40B4-BE49-F238E27FC236}">
-                    <a16:creationId xmlns:a16="http://schemas.microsoft.com/office/drawing/2014/main" id="{E0CFAF8E-0940-EA34-EC44-F606AEA852BB}"/>
-                  </a:ext>
-                </a:extLst>
-              </p:cNvPr>
-              <p:cNvSpPr txBox="1"/>
-              <p:nvPr/>
-            </p:nvSpPr>
-            <p:spPr>
-              <a:xfrm>
-                <a:off x="5846615" y="5911509"/>
-                <a:ext cx="1462819" cy="430887"/>
-              </a:xfrm>
-              <a:prstGeom prst="rect">
-                <a:avLst/>
-              </a:prstGeom>
-              <a:noFill/>
-            </p:spPr>
-            <p:txBody>
-              <a:bodyPr wrap="square" rtlCol="0" anchor="ctr">
-                <a:spAutoFit/>
-              </a:bodyPr>
-              <a:lstStyle/>
-              <a:p>
-                <a:pPr algn="ctr"/>
-                <a:r>
-                  <a:rPr lang="ja-JP" altLang="en-US" sz="1100">
-                    <a:latin typeface="Hiragino Kaku Gothic Pro W3" panose="020B0300000000000000" pitchFamily="34" charset="-128"/>
-                    <a:ea typeface="Hiragino Kaku Gothic Pro W3" panose="020B0300000000000000" pitchFamily="34" charset="-128"/>
-                  </a:rPr>
-                  <a:t>問題</a:t>
-                </a:r>
-                <a14:m>
-                  <m:oMath xmlns:m="http://schemas.openxmlformats.org/officeDocument/2006/math">
-                    <m:r>
-                      <a:rPr lang="en-US" altLang="ja-JP" sz="1100" b="0" i="1" smtClean="0">
-                        <a:latin typeface="Cambria Math" panose="02040503050406030204" pitchFamily="18" charset="0"/>
-                        <a:ea typeface="Hiragino Kaku Gothic Pro W3" panose="020B0300000000000000" pitchFamily="34" charset="-128"/>
-                      </a:rPr>
-                      <m:t>𝛽</m:t>
-                    </m:r>
-                  </m:oMath>
-                </a14:m>
-                <a:r>
-                  <a:rPr lang="ja-JP" altLang="en-US" sz="1100">
-                    <a:latin typeface="Hiragino Kaku Gothic Pro W3" panose="020B0300000000000000" pitchFamily="34" charset="-128"/>
-                    <a:ea typeface="Hiragino Kaku Gothic Pro W3" panose="020B0300000000000000" pitchFamily="34" charset="-128"/>
-                  </a:rPr>
-                  <a:t>に対する</a:t>
-                </a:r>
-                <a:endParaRPr lang="en-US" altLang="ja-JP" sz="1100" dirty="0">
-                  <a:latin typeface="Hiragino Kaku Gothic Pro W3" panose="020B0300000000000000" pitchFamily="34" charset="-128"/>
-                  <a:ea typeface="Hiragino Kaku Gothic Pro W3" panose="020B0300000000000000" pitchFamily="34" charset="-128"/>
-                </a:endParaRPr>
-              </a:p>
-              <a:p>
-                <a:pPr algn="ctr"/>
-                <a:r>
-                  <a:rPr kumimoji="1" lang="ja-JP" altLang="en-US" sz="1100">
-                    <a:latin typeface="Hiragino Kaku Gothic Pro W3" panose="020B0300000000000000" pitchFamily="34" charset="-128"/>
-                    <a:ea typeface="Hiragino Kaku Gothic Pro W3" panose="020B0300000000000000" pitchFamily="34" charset="-128"/>
-                  </a:rPr>
-                  <a:t>テストケースの出力</a:t>
-                </a:r>
-              </a:p>
-            </p:txBody>
-          </p:sp>
-        </mc:Choice>
-        <mc:Fallback xmlns="">
-          <p:sp>
-            <p:nvSpPr>
-              <p:cNvPr id="479" name="テキスト ボックス 478">
-                <a:extLst>
-                  <a:ext uri="{FF2B5EF4-FFF2-40B4-BE49-F238E27FC236}">
-                    <a16:creationId xmlns:a16="http://schemas.microsoft.com/office/drawing/2014/main" id="{E0CFAF8E-0940-EA34-EC44-F606AEA852BB}"/>
-                  </a:ext>
-                </a:extLst>
-              </p:cNvPr>
-              <p:cNvSpPr txBox="1">
-                <a:spLocks noRot="1" noChangeAspect="1" noMove="1" noResize="1" noEditPoints="1" noAdjustHandles="1" noChangeArrowheads="1" noChangeShapeType="1" noTextEdit="1"/>
-              </p:cNvSpPr>
-              <p:nvPr/>
-            </p:nvSpPr>
-            <p:spPr>
-              <a:xfrm>
-                <a:off x="5846615" y="5911509"/>
-                <a:ext cx="1462819" cy="430887"/>
-              </a:xfrm>
-              <a:prstGeom prst="rect">
-                <a:avLst/>
-              </a:prstGeom>
-              <a:blipFill>
-                <a:blip r:embed="rId14"/>
-                <a:stretch>
-                  <a:fillRect b="-11429"/>
-                </a:stretch>
-              </a:blipFill>
-            </p:spPr>
-            <p:txBody>
-              <a:bodyPr/>
-              <a:lstStyle/>
-              <a:p>
-                <a:r>
-                  <a:rPr lang="ja-JP" altLang="en-US">
-                    <a:noFill/>
-                  </a:rPr>
-                  <a:t> </a:t>
-                </a:r>
-              </a:p>
-            </p:txBody>
-          </p:sp>
-        </mc:Fallback>
-      </mc:AlternateContent>
-      <p:sp>
-        <p:nvSpPr>
-          <p:cNvPr id="480" name="テキスト ボックス 479">
-            <a:extLst>
-              <a:ext uri="{FF2B5EF4-FFF2-40B4-BE49-F238E27FC236}">
-                <a16:creationId xmlns:a16="http://schemas.microsoft.com/office/drawing/2014/main" id="{2B8DC2E0-7BB4-3FC1-61B1-9667688EEB66}"/>
-              </a:ext>
-            </a:extLst>
-          </p:cNvPr>
-          <p:cNvSpPr txBox="1"/>
-          <p:nvPr/>
-        </p:nvSpPr>
-        <p:spPr>
-          <a:xfrm>
-            <a:off x="7380454" y="6133542"/>
-            <a:ext cx="1046781" cy="276999"/>
-          </a:xfrm>
-          <a:prstGeom prst="rect">
-            <a:avLst/>
-          </a:prstGeom>
-          <a:noFill/>
-          <a:ln w="19050">
-            <a:solidFill>
-              <a:schemeClr val="tx1"/>
-            </a:solidFill>
-          </a:ln>
-        </p:spPr>
-        <p:txBody>
-          <a:bodyPr wrap="square" rtlCol="0" anchor="ctr">
-            <a:spAutoFit/>
-          </a:bodyPr>
-          <a:lstStyle/>
-          <a:p>
-            <a:pPr algn="ctr"/>
-            <a:r>
-              <a:rPr kumimoji="1" lang="ja-JP" altLang="en-US" sz="1200">
-                <a:latin typeface="Hiragino Kaku Gothic Pro W3" panose="020B0300000000000000" pitchFamily="34" charset="-128"/>
-                <a:ea typeface="Hiragino Kaku Gothic Pro W3" panose="020B0300000000000000" pitchFamily="34" charset="-128"/>
-              </a:rPr>
-              <a:t>比較＆評価</a:t>
-            </a:r>
-          </a:p>
-        </p:txBody>
-      </p:sp>
-      <p:cxnSp>
-        <p:nvCxnSpPr>
-          <p:cNvPr id="481" name="直線矢印コネクタ 480">
-            <a:extLst>
-              <a:ext uri="{FF2B5EF4-FFF2-40B4-BE49-F238E27FC236}">
-                <a16:creationId xmlns:a16="http://schemas.microsoft.com/office/drawing/2014/main" id="{72F68A97-52B5-AD58-72A1-7A318940ABE1}"/>
-              </a:ext>
-            </a:extLst>
-          </p:cNvPr>
-          <p:cNvCxnSpPr>
-            <a:cxnSpLocks/>
-          </p:cNvCxnSpPr>
-          <p:nvPr/>
-        </p:nvCxnSpPr>
-        <p:spPr>
-          <a:xfrm>
-            <a:off x="7138494" y="4089622"/>
-            <a:ext cx="1475165" cy="0"/>
-          </a:xfrm>
-          <a:prstGeom prst="straightConnector1">
-            <a:avLst/>
-          </a:prstGeom>
-          <a:ln w="19050">
-            <a:solidFill>
-              <a:schemeClr val="tx1"/>
-            </a:solidFill>
-            <a:tailEnd type="triangle"/>
-          </a:ln>
-        </p:spPr>
-        <p:style>
-          <a:lnRef idx="1">
-            <a:schemeClr val="accent1"/>
-          </a:lnRef>
-          <a:fillRef idx="0">
-            <a:schemeClr val="accent1"/>
-          </a:fillRef>
-          <a:effectRef idx="0">
-            <a:schemeClr val="accent1"/>
-          </a:effectRef>
-          <a:fontRef idx="minor">
-            <a:schemeClr val="tx1"/>
-          </a:fontRef>
-        </p:style>
-      </p:cxnSp>
-      <p:cxnSp>
-        <p:nvCxnSpPr>
-          <p:cNvPr id="482" name="直線矢印コネクタ 481">
-            <a:extLst>
-              <a:ext uri="{FF2B5EF4-FFF2-40B4-BE49-F238E27FC236}">
-                <a16:creationId xmlns:a16="http://schemas.microsoft.com/office/drawing/2014/main" id="{136886AD-1C5B-C409-0F64-2E58142FF720}"/>
-              </a:ext>
-            </a:extLst>
-          </p:cNvPr>
-          <p:cNvCxnSpPr>
-            <a:cxnSpLocks/>
-          </p:cNvCxnSpPr>
-          <p:nvPr/>
-        </p:nvCxnSpPr>
-        <p:spPr>
-          <a:xfrm>
-            <a:off x="9609162" y="4832776"/>
-            <a:ext cx="0" cy="370343"/>
-          </a:xfrm>
-          <a:prstGeom prst="straightConnector1">
-            <a:avLst/>
-          </a:prstGeom>
-          <a:ln w="19050">
-            <a:solidFill>
-              <a:schemeClr val="tx1"/>
-            </a:solidFill>
-            <a:tailEnd type="triangle"/>
-          </a:ln>
-        </p:spPr>
-        <p:style>
-          <a:lnRef idx="1">
-            <a:schemeClr val="accent1"/>
-          </a:lnRef>
-          <a:fillRef idx="0">
-            <a:schemeClr val="accent1"/>
-          </a:fillRef>
-          <a:effectRef idx="0">
-            <a:schemeClr val="accent1"/>
-          </a:effectRef>
-          <a:fontRef idx="minor">
-            <a:schemeClr val="tx1"/>
-          </a:fontRef>
-        </p:style>
-      </p:cxnSp>
-      <p:cxnSp>
-        <p:nvCxnSpPr>
-          <p:cNvPr id="485" name="直線矢印コネクタ 484">
-            <a:extLst>
-              <a:ext uri="{FF2B5EF4-FFF2-40B4-BE49-F238E27FC236}">
-                <a16:creationId xmlns:a16="http://schemas.microsoft.com/office/drawing/2014/main" id="{1A3047B8-E461-1B8A-27C1-19C5EE937914}"/>
-              </a:ext>
-            </a:extLst>
-          </p:cNvPr>
-          <p:cNvCxnSpPr>
-            <a:cxnSpLocks/>
-          </p:cNvCxnSpPr>
-          <p:nvPr/>
-        </p:nvCxnSpPr>
-        <p:spPr>
-          <a:xfrm>
-            <a:off x="7166875" y="5708075"/>
-            <a:ext cx="1475165" cy="0"/>
-          </a:xfrm>
-          <a:prstGeom prst="straightConnector1">
-            <a:avLst/>
-          </a:prstGeom>
-          <a:ln w="19050">
-            <a:solidFill>
-              <a:schemeClr val="tx1"/>
-            </a:solidFill>
-            <a:tailEnd type="none"/>
-          </a:ln>
-        </p:spPr>
-        <p:style>
-          <a:lnRef idx="1">
-            <a:schemeClr val="accent1"/>
-          </a:lnRef>
-          <a:fillRef idx="0">
-            <a:schemeClr val="accent1"/>
-          </a:fillRef>
-          <a:effectRef idx="0">
-            <a:schemeClr val="accent1"/>
-          </a:effectRef>
-          <a:fontRef idx="minor">
-            <a:schemeClr val="tx1"/>
-          </a:fontRef>
-        </p:style>
-      </p:cxnSp>
-      <p:cxnSp>
-        <p:nvCxnSpPr>
-          <p:cNvPr id="486" name="直線矢印コネクタ 485">
-            <a:extLst>
-              <a:ext uri="{FF2B5EF4-FFF2-40B4-BE49-F238E27FC236}">
-                <a16:creationId xmlns:a16="http://schemas.microsoft.com/office/drawing/2014/main" id="{3EF416C1-E0B8-F1E7-860F-254165A7B2F8}"/>
-              </a:ext>
-            </a:extLst>
-          </p:cNvPr>
-          <p:cNvCxnSpPr>
-            <a:cxnSpLocks/>
-          </p:cNvCxnSpPr>
-          <p:nvPr/>
-        </p:nvCxnSpPr>
-        <p:spPr>
-          <a:xfrm>
-            <a:off x="7904458" y="5697368"/>
-            <a:ext cx="0" cy="370343"/>
-          </a:xfrm>
-          <a:prstGeom prst="straightConnector1">
-            <a:avLst/>
-          </a:prstGeom>
-          <a:ln w="19050">
-            <a:solidFill>
-              <a:schemeClr val="tx1"/>
-            </a:solidFill>
-            <a:tailEnd type="triangle"/>
           </a:ln>
         </p:spPr>
         <p:style>
@@ -13723,18 +10560,3352 @@
             <a:pPr algn="ctr"/>
             <a:r>
               <a:rPr lang="en-US" altLang="ja-JP" sz="1200" dirty="0">
-                <a:latin typeface="Hiragino Kaku Gothic Pro W3" panose="020B0300000000000000" pitchFamily="34" charset="-128"/>
-                <a:ea typeface="Hiragino Kaku Gothic Pro W3" panose="020B0300000000000000" pitchFamily="34" charset="-128"/>
+                <a:latin typeface="Hiragino Sans W4" panose="020B0400000000000000" pitchFamily="34" charset="-128"/>
+                <a:ea typeface="Hiragino Sans W4" panose="020B0400000000000000" pitchFamily="34" charset="-128"/>
               </a:rPr>
               <a:t>(3)</a:t>
             </a:r>
             <a:endParaRPr kumimoji="1" lang="ja-JP" altLang="en-US" sz="1200">
-              <a:latin typeface="Hiragino Kaku Gothic Pro W3" panose="020B0300000000000000" pitchFamily="34" charset="-128"/>
-              <a:ea typeface="Hiragino Kaku Gothic Pro W3" panose="020B0300000000000000" pitchFamily="34" charset="-128"/>
+              <a:latin typeface="Hiragino Sans W4" panose="020B0400000000000000" pitchFamily="34" charset="-128"/>
+              <a:ea typeface="Hiragino Sans W4" panose="020B0400000000000000" pitchFamily="34" charset="-128"/>
             </a:endParaRPr>
           </a:p>
         </p:txBody>
       </p:sp>
+      <p:pic>
+        <p:nvPicPr>
+          <p:cNvPr id="519" name="図 518" descr="黒い背景に白い文字がある&#10;&#10;中程度の精度で自動的に生成された説明">
+            <a:extLst>
+              <a:ext uri="{FF2B5EF4-FFF2-40B4-BE49-F238E27FC236}">
+                <a16:creationId xmlns:a16="http://schemas.microsoft.com/office/drawing/2014/main" id="{C41CF25A-5BA1-6507-7941-B2B04C63CF7A}"/>
+              </a:ext>
+            </a:extLst>
+          </p:cNvPr>
+          <p:cNvPicPr>
+            <a:picLocks noChangeAspect="1"/>
+          </p:cNvPicPr>
+          <p:nvPr/>
+        </p:nvPicPr>
+        <p:blipFill rotWithShape="1">
+          <a:blip r:embed="rId7">
+            <a:duotone>
+              <a:schemeClr val="accent6">
+                <a:shade val="45000"/>
+                <a:satMod val="135000"/>
+              </a:schemeClr>
+              <a:prstClr val="white"/>
+            </a:duotone>
+          </a:blip>
+          <a:srcRect l="9600" r="9760"/>
+          <a:stretch/>
+        </p:blipFill>
+        <p:spPr>
+          <a:xfrm>
+            <a:off x="8784221" y="3808367"/>
+            <a:ext cx="391886" cy="485968"/>
+          </a:xfrm>
+          <a:prstGeom prst="rect">
+            <a:avLst/>
+          </a:prstGeom>
+          <a:noFill/>
+        </p:spPr>
+      </p:pic>
+      <p:pic>
+        <p:nvPicPr>
+          <p:cNvPr id="520" name="図 519" descr="黒い背景に白い文字がある&#10;&#10;中程度の精度で自動的に生成された説明">
+            <a:extLst>
+              <a:ext uri="{FF2B5EF4-FFF2-40B4-BE49-F238E27FC236}">
+                <a16:creationId xmlns:a16="http://schemas.microsoft.com/office/drawing/2014/main" id="{73D10FCA-62DC-B684-5897-0F1626BE201A}"/>
+              </a:ext>
+            </a:extLst>
+          </p:cNvPr>
+          <p:cNvPicPr>
+            <a:picLocks noChangeAspect="1"/>
+          </p:cNvPicPr>
+          <p:nvPr/>
+        </p:nvPicPr>
+        <p:blipFill rotWithShape="1">
+          <a:blip r:embed="rId7">
+            <a:duotone>
+              <a:schemeClr val="accent5">
+                <a:shade val="45000"/>
+                <a:satMod val="135000"/>
+              </a:schemeClr>
+              <a:prstClr val="white"/>
+            </a:duotone>
+          </a:blip>
+          <a:srcRect l="9600" r="9760"/>
+          <a:stretch/>
+        </p:blipFill>
+        <p:spPr>
+          <a:xfrm>
+            <a:off x="9323675" y="3801991"/>
+            <a:ext cx="391886" cy="485968"/>
+          </a:xfrm>
+          <a:prstGeom prst="rect">
+            <a:avLst/>
+          </a:prstGeom>
+          <a:noFill/>
+        </p:spPr>
+      </p:pic>
+      <p:pic>
+        <p:nvPicPr>
+          <p:cNvPr id="521" name="図 520" descr="黒い背景に白い文字がある&#10;&#10;中程度の精度で自動的に生成された説明">
+            <a:extLst>
+              <a:ext uri="{FF2B5EF4-FFF2-40B4-BE49-F238E27FC236}">
+                <a16:creationId xmlns:a16="http://schemas.microsoft.com/office/drawing/2014/main" id="{4EEF275D-6F2E-9783-05CA-1645261A277A}"/>
+              </a:ext>
+            </a:extLst>
+          </p:cNvPr>
+          <p:cNvPicPr>
+            <a:picLocks noChangeAspect="1"/>
+          </p:cNvPicPr>
+          <p:nvPr/>
+        </p:nvPicPr>
+        <p:blipFill rotWithShape="1">
+          <a:blip r:embed="rId7">
+            <a:duotone>
+              <a:schemeClr val="accent2">
+                <a:shade val="45000"/>
+                <a:satMod val="135000"/>
+              </a:schemeClr>
+              <a:prstClr val="white"/>
+            </a:duotone>
+          </a:blip>
+          <a:srcRect l="9600" r="9760"/>
+          <a:stretch/>
+        </p:blipFill>
+        <p:spPr>
+          <a:xfrm>
+            <a:off x="9869137" y="3812759"/>
+            <a:ext cx="391886" cy="485968"/>
+          </a:xfrm>
+          <a:prstGeom prst="rect">
+            <a:avLst/>
+          </a:prstGeom>
+          <a:noFill/>
+        </p:spPr>
+      </p:pic>
+      <mc:AlternateContent xmlns:mc="http://schemas.openxmlformats.org/markup-compatibility/2006">
+        <mc:Choice xmlns:a14="http://schemas.microsoft.com/office/drawing/2010/main" Requires="a14">
+          <p:sp>
+            <p:nvSpPr>
+              <p:cNvPr id="522" name="テキスト ボックス 521">
+                <a:extLst>
+                  <a:ext uri="{FF2B5EF4-FFF2-40B4-BE49-F238E27FC236}">
+                    <a16:creationId xmlns:a16="http://schemas.microsoft.com/office/drawing/2014/main" id="{CA533890-F6E7-9554-9685-419BD551A410}"/>
+                  </a:ext>
+                </a:extLst>
+              </p:cNvPr>
+              <p:cNvSpPr txBox="1"/>
+              <p:nvPr/>
+            </p:nvSpPr>
+            <p:spPr>
+              <a:xfrm>
+                <a:off x="8088396" y="4348953"/>
+                <a:ext cx="2874035" cy="523220"/>
+              </a:xfrm>
+              <a:prstGeom prst="rect">
+                <a:avLst/>
+              </a:prstGeom>
+              <a:noFill/>
+            </p:spPr>
+            <p:txBody>
+              <a:bodyPr wrap="square" rtlCol="0" anchor="ctr">
+                <a:spAutoFit/>
+              </a:bodyPr>
+              <a:lstStyle/>
+              <a:p>
+                <a:pPr algn="ctr"/>
+                <a:r>
+                  <a:rPr kumimoji="1" lang="ja-JP" altLang="en-US" sz="1400">
+                    <a:latin typeface="Hiragino Sans W4" panose="020B0400000000000000" pitchFamily="34" charset="-128"/>
+                    <a:ea typeface="Hiragino Sans W4" panose="020B0400000000000000" pitchFamily="34" charset="-128"/>
+                  </a:rPr>
+                  <a:t>問題</a:t>
+                </a:r>
+                <a14:m>
+                  <m:oMath xmlns:m="http://schemas.openxmlformats.org/officeDocument/2006/math">
+                    <m:r>
+                      <a:rPr kumimoji="1" lang="en-US" altLang="ja-JP" sz="1400" b="0" i="1" smtClean="0">
+                        <a:latin typeface="Cambria Math" panose="02040503050406030204" pitchFamily="18" charset="0"/>
+                        <a:ea typeface="Hiragino Kaku Gothic Pro W3" panose="020B0300000000000000" pitchFamily="34" charset="-128"/>
+                      </a:rPr>
+                      <m:t>𝛽</m:t>
+                    </m:r>
+                  </m:oMath>
+                </a14:m>
+                <a:r>
+                  <a:rPr kumimoji="1" lang="ja-JP" altLang="en-US" sz="1400">
+                    <a:latin typeface="Hiragino Sans W4" panose="020B0400000000000000" pitchFamily="34" charset="-128"/>
+                    <a:ea typeface="Hiragino Sans W4" panose="020B0400000000000000" pitchFamily="34" charset="-128"/>
+                  </a:rPr>
+                  <a:t>に対して</a:t>
+                </a:r>
+                <a:r>
+                  <a:rPr kumimoji="1" lang="en-US" altLang="ja-JP" sz="1400" dirty="0">
+                    <a:latin typeface="Hiragino Sans W4" panose="020B0400000000000000" pitchFamily="34" charset="-128"/>
+                    <a:ea typeface="Hiragino Sans W4" panose="020B0400000000000000" pitchFamily="34" charset="-128"/>
+                  </a:rPr>
+                  <a:t>GitHub Copilot</a:t>
+                </a:r>
+                <a:r>
+                  <a:rPr kumimoji="1" lang="ja-JP" altLang="en-US" sz="1400">
+                    <a:latin typeface="Hiragino Sans W4" panose="020B0400000000000000" pitchFamily="34" charset="-128"/>
+                    <a:ea typeface="Hiragino Sans W4" panose="020B0400000000000000" pitchFamily="34" charset="-128"/>
+                  </a:rPr>
+                  <a:t>が</a:t>
+                </a:r>
+                <a:endParaRPr kumimoji="1" lang="en-US" altLang="ja-JP" sz="1400" dirty="0">
+                  <a:latin typeface="Hiragino Sans W4" panose="020B0400000000000000" pitchFamily="34" charset="-128"/>
+                  <a:ea typeface="Hiragino Sans W4" panose="020B0400000000000000" pitchFamily="34" charset="-128"/>
+                </a:endParaRPr>
+              </a:p>
+              <a:p>
+                <a:pPr algn="ctr"/>
+                <a:r>
+                  <a:rPr kumimoji="1" lang="ja-JP" altLang="en-US" sz="1400">
+                    <a:latin typeface="Hiragino Sans W4" panose="020B0400000000000000" pitchFamily="34" charset="-128"/>
+                    <a:ea typeface="Hiragino Sans W4" panose="020B0400000000000000" pitchFamily="34" charset="-128"/>
+                  </a:rPr>
+                  <a:t>推薦した各</a:t>
+                </a:r>
+                <a:r>
+                  <a:rPr kumimoji="1" lang="ja-AU" altLang="en-US" sz="1400" dirty="0">
+                    <a:latin typeface="Hiragino Sans W4" panose="020B0400000000000000" pitchFamily="34" charset="-128"/>
+                    <a:ea typeface="Hiragino Sans W4" panose="020B0400000000000000" pitchFamily="34" charset="-128"/>
+                  </a:rPr>
+                  <a:t>コード</a:t>
+                </a:r>
+                <a:endParaRPr kumimoji="1" lang="ja-JP" altLang="en-US" sz="1400">
+                  <a:latin typeface="Hiragino Sans W4" panose="020B0400000000000000" pitchFamily="34" charset="-128"/>
+                  <a:ea typeface="Hiragino Sans W4" panose="020B0400000000000000" pitchFamily="34" charset="-128"/>
+                </a:endParaRPr>
+              </a:p>
+            </p:txBody>
+          </p:sp>
+        </mc:Choice>
+        <mc:Fallback>
+          <p:sp>
+            <p:nvSpPr>
+              <p:cNvPr id="522" name="テキスト ボックス 521">
+                <a:extLst>
+                  <a:ext uri="{FF2B5EF4-FFF2-40B4-BE49-F238E27FC236}">
+                    <a16:creationId xmlns:a16="http://schemas.microsoft.com/office/drawing/2014/main" id="{CA533890-F6E7-9554-9685-419BD551A410}"/>
+                  </a:ext>
+                </a:extLst>
+              </p:cNvPr>
+              <p:cNvSpPr txBox="1">
+                <a:spLocks noRot="1" noChangeAspect="1" noMove="1" noResize="1" noEditPoints="1" noAdjustHandles="1" noChangeArrowheads="1" noChangeShapeType="1" noTextEdit="1"/>
+              </p:cNvSpPr>
+              <p:nvPr/>
+            </p:nvSpPr>
+            <p:spPr>
+              <a:xfrm>
+                <a:off x="8088396" y="4348953"/>
+                <a:ext cx="2874035" cy="523220"/>
+              </a:xfrm>
+              <a:prstGeom prst="rect">
+                <a:avLst/>
+              </a:prstGeom>
+              <a:blipFill>
+                <a:blip r:embed="rId9"/>
+                <a:stretch>
+                  <a:fillRect t="-2381" r="-439" b="-9524"/>
+                </a:stretch>
+              </a:blipFill>
+            </p:spPr>
+            <p:txBody>
+              <a:bodyPr/>
+              <a:lstStyle/>
+              <a:p>
+                <a:r>
+                  <a:rPr lang="ja-AU" altLang="en-US">
+                    <a:noFill/>
+                  </a:rPr>
+                  <a:t> </a:t>
+                </a:r>
+              </a:p>
+            </p:txBody>
+          </p:sp>
+        </mc:Fallback>
+      </mc:AlternateContent>
+      <p:grpSp>
+        <p:nvGrpSpPr>
+          <p:cNvPr id="523" name="グループ化 522">
+            <a:extLst>
+              <a:ext uri="{FF2B5EF4-FFF2-40B4-BE49-F238E27FC236}">
+                <a16:creationId xmlns:a16="http://schemas.microsoft.com/office/drawing/2014/main" id="{CAC6C671-1997-3897-0EB6-49D483E5BC74}"/>
+              </a:ext>
+            </a:extLst>
+          </p:cNvPr>
+          <p:cNvGrpSpPr/>
+          <p:nvPr/>
+        </p:nvGrpSpPr>
+        <p:grpSpPr>
+          <a:xfrm>
+            <a:off x="6095611" y="3676375"/>
+            <a:ext cx="601944" cy="712459"/>
+            <a:chOff x="10578525" y="2033062"/>
+            <a:chExt cx="601944" cy="712459"/>
+          </a:xfrm>
+        </p:grpSpPr>
+        <p:grpSp>
+          <p:nvGrpSpPr>
+            <p:cNvPr id="524" name="グループ化 523">
+              <a:extLst>
+                <a:ext uri="{FF2B5EF4-FFF2-40B4-BE49-F238E27FC236}">
+                  <a16:creationId xmlns:a16="http://schemas.microsoft.com/office/drawing/2014/main" id="{056B94BC-7102-E420-39AC-015D3AA59540}"/>
+                </a:ext>
+              </a:extLst>
+            </p:cNvPr>
+            <p:cNvGrpSpPr/>
+            <p:nvPr/>
+          </p:nvGrpSpPr>
+          <p:grpSpPr>
+            <a:xfrm>
+              <a:off x="10578525" y="2033062"/>
+              <a:ext cx="391886" cy="542811"/>
+              <a:chOff x="9443884" y="2091230"/>
+              <a:chExt cx="391886" cy="542811"/>
+            </a:xfrm>
+          </p:grpSpPr>
+          <p:sp>
+            <p:nvSpPr>
+              <p:cNvPr id="534" name="1 つの角を切り取った四角形 533">
+                <a:extLst>
+                  <a:ext uri="{FF2B5EF4-FFF2-40B4-BE49-F238E27FC236}">
+                    <a16:creationId xmlns:a16="http://schemas.microsoft.com/office/drawing/2014/main" id="{0F310D66-305B-2FA5-E3B4-E57959C09CB3}"/>
+                  </a:ext>
+                </a:extLst>
+              </p:cNvPr>
+              <p:cNvSpPr/>
+              <p:nvPr/>
+            </p:nvSpPr>
+            <p:spPr>
+              <a:xfrm>
+                <a:off x="9480821" y="2091230"/>
+                <a:ext cx="326720" cy="542811"/>
+              </a:xfrm>
+              <a:prstGeom prst="snip1Rect">
+                <a:avLst>
+                  <a:gd name="adj" fmla="val 29994"/>
+                </a:avLst>
+              </a:prstGeom>
+              <a:solidFill>
+                <a:schemeClr val="bg1"/>
+              </a:solidFill>
+              <a:ln>
+                <a:noFill/>
+              </a:ln>
+              <a:effectLst>
+                <a:glow rad="127000">
+                  <a:schemeClr val="bg1"/>
+                </a:glow>
+              </a:effectLst>
+              <a:scene3d>
+                <a:camera prst="isometricLeftDown">
+                  <a:rot lat="2100000" lon="10800000" rev="0"/>
+                </a:camera>
+                <a:lightRig rig="threePt" dir="t"/>
+              </a:scene3d>
+            </p:spPr>
+            <p:style>
+              <a:lnRef idx="2">
+                <a:schemeClr val="accent1">
+                  <a:shade val="50000"/>
+                </a:schemeClr>
+              </a:lnRef>
+              <a:fillRef idx="1">
+                <a:schemeClr val="accent1"/>
+              </a:fillRef>
+              <a:effectRef idx="0">
+                <a:schemeClr val="accent1"/>
+              </a:effectRef>
+              <a:fontRef idx="minor">
+                <a:schemeClr val="lt1"/>
+              </a:fontRef>
+            </p:style>
+            <p:txBody>
+              <a:bodyPr rtlCol="0" anchor="ctr">
+                <a:flatTx/>
+              </a:bodyPr>
+              <a:lstStyle/>
+              <a:p>
+                <a:pPr algn="ctr"/>
+                <a:endParaRPr kumimoji="1" lang="ja-JP" altLang="en-US" dirty="0">
+                  <a:latin typeface="Hiragino Sans W4" panose="020B0400000000000000" pitchFamily="34" charset="-128"/>
+                  <a:ea typeface="Hiragino Sans W4" panose="020B0400000000000000" pitchFamily="34" charset="-128"/>
+                </a:endParaRPr>
+              </a:p>
+            </p:txBody>
+          </p:sp>
+          <p:pic>
+            <p:nvPicPr>
+              <p:cNvPr id="535" name="図 534" descr="黒い背景に白い文字がある&#10;&#10;中程度の精度で自動的に生成された説明">
+                <a:extLst>
+                  <a:ext uri="{FF2B5EF4-FFF2-40B4-BE49-F238E27FC236}">
+                    <a16:creationId xmlns:a16="http://schemas.microsoft.com/office/drawing/2014/main" id="{D439E2F2-8CBD-6B0D-802F-92D16A12C2E4}"/>
+                  </a:ext>
+                </a:extLst>
+              </p:cNvPr>
+              <p:cNvPicPr>
+                <a:picLocks noChangeAspect="1"/>
+              </p:cNvPicPr>
+              <p:nvPr/>
+            </p:nvPicPr>
+            <p:blipFill rotWithShape="1">
+              <a:blip r:embed="rId7">
+                <a:grayscl/>
+              </a:blip>
+              <a:srcRect l="9600" r="9760"/>
+              <a:stretch/>
+            </p:blipFill>
+            <p:spPr>
+              <a:xfrm>
+                <a:off x="9443884" y="2114840"/>
+                <a:ext cx="391886" cy="485968"/>
+              </a:xfrm>
+              <a:prstGeom prst="rect">
+                <a:avLst/>
+              </a:prstGeom>
+              <a:noFill/>
+            </p:spPr>
+          </p:pic>
+        </p:grpSp>
+        <p:grpSp>
+          <p:nvGrpSpPr>
+            <p:cNvPr id="525" name="グループ化 524">
+              <a:extLst>
+                <a:ext uri="{FF2B5EF4-FFF2-40B4-BE49-F238E27FC236}">
+                  <a16:creationId xmlns:a16="http://schemas.microsoft.com/office/drawing/2014/main" id="{FE16FCB0-9DE0-A7FF-0BFF-0BEC2EF8F5D8}"/>
+                </a:ext>
+              </a:extLst>
+            </p:cNvPr>
+            <p:cNvGrpSpPr/>
+            <p:nvPr/>
+          </p:nvGrpSpPr>
+          <p:grpSpPr>
+            <a:xfrm>
+              <a:off x="10686068" y="2107257"/>
+              <a:ext cx="391886" cy="542811"/>
+              <a:chOff x="9443884" y="2091230"/>
+              <a:chExt cx="391886" cy="542811"/>
+            </a:xfrm>
+          </p:grpSpPr>
+          <p:sp>
+            <p:nvSpPr>
+              <p:cNvPr id="532" name="1 つの角を切り取った四角形 531">
+                <a:extLst>
+                  <a:ext uri="{FF2B5EF4-FFF2-40B4-BE49-F238E27FC236}">
+                    <a16:creationId xmlns:a16="http://schemas.microsoft.com/office/drawing/2014/main" id="{A9DE0642-78FD-5A38-C4E5-F898666338BB}"/>
+                  </a:ext>
+                </a:extLst>
+              </p:cNvPr>
+              <p:cNvSpPr/>
+              <p:nvPr/>
+            </p:nvSpPr>
+            <p:spPr>
+              <a:xfrm>
+                <a:off x="9480821" y="2091230"/>
+                <a:ext cx="326720" cy="542811"/>
+              </a:xfrm>
+              <a:prstGeom prst="snip1Rect">
+                <a:avLst>
+                  <a:gd name="adj" fmla="val 29994"/>
+                </a:avLst>
+              </a:prstGeom>
+              <a:solidFill>
+                <a:schemeClr val="bg1"/>
+              </a:solidFill>
+              <a:ln>
+                <a:noFill/>
+              </a:ln>
+              <a:effectLst>
+                <a:glow rad="127000">
+                  <a:schemeClr val="bg1"/>
+                </a:glow>
+              </a:effectLst>
+              <a:scene3d>
+                <a:camera prst="isometricLeftDown">
+                  <a:rot lat="2100000" lon="10800000" rev="0"/>
+                </a:camera>
+                <a:lightRig rig="threePt" dir="t"/>
+              </a:scene3d>
+            </p:spPr>
+            <p:style>
+              <a:lnRef idx="2">
+                <a:schemeClr val="accent1">
+                  <a:shade val="50000"/>
+                </a:schemeClr>
+              </a:lnRef>
+              <a:fillRef idx="1">
+                <a:schemeClr val="accent1"/>
+              </a:fillRef>
+              <a:effectRef idx="0">
+                <a:schemeClr val="accent1"/>
+              </a:effectRef>
+              <a:fontRef idx="minor">
+                <a:schemeClr val="lt1"/>
+              </a:fontRef>
+            </p:style>
+            <p:txBody>
+              <a:bodyPr rtlCol="0" anchor="ctr">
+                <a:flatTx/>
+              </a:bodyPr>
+              <a:lstStyle/>
+              <a:p>
+                <a:pPr algn="ctr"/>
+                <a:endParaRPr kumimoji="1" lang="ja-JP" altLang="en-US" dirty="0">
+                  <a:latin typeface="Hiragino Sans W4" panose="020B0400000000000000" pitchFamily="34" charset="-128"/>
+                  <a:ea typeface="Hiragino Sans W4" panose="020B0400000000000000" pitchFamily="34" charset="-128"/>
+                </a:endParaRPr>
+              </a:p>
+            </p:txBody>
+          </p:sp>
+          <p:pic>
+            <p:nvPicPr>
+              <p:cNvPr id="533" name="図 532" descr="黒い背景に白い文字がある&#10;&#10;中程度の精度で自動的に生成された説明">
+                <a:extLst>
+                  <a:ext uri="{FF2B5EF4-FFF2-40B4-BE49-F238E27FC236}">
+                    <a16:creationId xmlns:a16="http://schemas.microsoft.com/office/drawing/2014/main" id="{71C7FF4C-EF12-729A-C6FD-32472F0288D2}"/>
+                  </a:ext>
+                </a:extLst>
+              </p:cNvPr>
+              <p:cNvPicPr>
+                <a:picLocks noChangeAspect="1"/>
+              </p:cNvPicPr>
+              <p:nvPr/>
+            </p:nvPicPr>
+            <p:blipFill rotWithShape="1">
+              <a:blip r:embed="rId7">
+                <a:grayscl/>
+              </a:blip>
+              <a:srcRect l="9600" r="9760"/>
+              <a:stretch/>
+            </p:blipFill>
+            <p:spPr>
+              <a:xfrm>
+                <a:off x="9443884" y="2114840"/>
+                <a:ext cx="391886" cy="485968"/>
+              </a:xfrm>
+              <a:prstGeom prst="rect">
+                <a:avLst/>
+              </a:prstGeom>
+              <a:noFill/>
+            </p:spPr>
+          </p:pic>
+        </p:grpSp>
+        <p:grpSp>
+          <p:nvGrpSpPr>
+            <p:cNvPr id="526" name="グループ化 525">
+              <a:extLst>
+                <a:ext uri="{FF2B5EF4-FFF2-40B4-BE49-F238E27FC236}">
+                  <a16:creationId xmlns:a16="http://schemas.microsoft.com/office/drawing/2014/main" id="{F609FCFD-90C9-49FC-EA76-F2FBDFDFAFDB}"/>
+                </a:ext>
+              </a:extLst>
+            </p:cNvPr>
+            <p:cNvGrpSpPr/>
+            <p:nvPr/>
+          </p:nvGrpSpPr>
+          <p:grpSpPr>
+            <a:xfrm>
+              <a:off x="10788583" y="2202710"/>
+              <a:ext cx="391886" cy="542811"/>
+              <a:chOff x="9443884" y="2091230"/>
+              <a:chExt cx="391886" cy="542811"/>
+            </a:xfrm>
+          </p:grpSpPr>
+          <p:sp>
+            <p:nvSpPr>
+              <p:cNvPr id="527" name="1 つの角を切り取った四角形 526">
+                <a:extLst>
+                  <a:ext uri="{FF2B5EF4-FFF2-40B4-BE49-F238E27FC236}">
+                    <a16:creationId xmlns:a16="http://schemas.microsoft.com/office/drawing/2014/main" id="{B5F76051-B3A4-D0F9-087C-15361ED97F44}"/>
+                  </a:ext>
+                </a:extLst>
+              </p:cNvPr>
+              <p:cNvSpPr/>
+              <p:nvPr/>
+            </p:nvSpPr>
+            <p:spPr>
+              <a:xfrm>
+                <a:off x="9480821" y="2091230"/>
+                <a:ext cx="326720" cy="542811"/>
+              </a:xfrm>
+              <a:prstGeom prst="snip1Rect">
+                <a:avLst>
+                  <a:gd name="adj" fmla="val 29994"/>
+                </a:avLst>
+              </a:prstGeom>
+              <a:solidFill>
+                <a:schemeClr val="bg1"/>
+              </a:solidFill>
+              <a:ln>
+                <a:noFill/>
+              </a:ln>
+              <a:effectLst>
+                <a:glow rad="127000">
+                  <a:schemeClr val="bg1"/>
+                </a:glow>
+              </a:effectLst>
+              <a:scene3d>
+                <a:camera prst="isometricLeftDown">
+                  <a:rot lat="2100000" lon="10800000" rev="0"/>
+                </a:camera>
+                <a:lightRig rig="threePt" dir="t"/>
+              </a:scene3d>
+            </p:spPr>
+            <p:style>
+              <a:lnRef idx="2">
+                <a:schemeClr val="accent1">
+                  <a:shade val="50000"/>
+                </a:schemeClr>
+              </a:lnRef>
+              <a:fillRef idx="1">
+                <a:schemeClr val="accent1"/>
+              </a:fillRef>
+              <a:effectRef idx="0">
+                <a:schemeClr val="accent1"/>
+              </a:effectRef>
+              <a:fontRef idx="minor">
+                <a:schemeClr val="lt1"/>
+              </a:fontRef>
+            </p:style>
+            <p:txBody>
+              <a:bodyPr rtlCol="0" anchor="ctr">
+                <a:flatTx/>
+              </a:bodyPr>
+              <a:lstStyle/>
+              <a:p>
+                <a:pPr algn="ctr"/>
+                <a:endParaRPr kumimoji="1" lang="ja-JP" altLang="en-US" dirty="0">
+                  <a:latin typeface="Hiragino Sans W4" panose="020B0400000000000000" pitchFamily="34" charset="-128"/>
+                  <a:ea typeface="Hiragino Sans W4" panose="020B0400000000000000" pitchFamily="34" charset="-128"/>
+                </a:endParaRPr>
+              </a:p>
+            </p:txBody>
+          </p:sp>
+          <p:pic>
+            <p:nvPicPr>
+              <p:cNvPr id="530" name="図 529" descr="黒い背景に白い文字がある&#10;&#10;中程度の精度で自動的に生成された説明">
+                <a:extLst>
+                  <a:ext uri="{FF2B5EF4-FFF2-40B4-BE49-F238E27FC236}">
+                    <a16:creationId xmlns:a16="http://schemas.microsoft.com/office/drawing/2014/main" id="{F43B26A1-068D-11DC-C485-CBBFAA20DF67}"/>
+                  </a:ext>
+                </a:extLst>
+              </p:cNvPr>
+              <p:cNvPicPr>
+                <a:picLocks noChangeAspect="1"/>
+              </p:cNvPicPr>
+              <p:nvPr/>
+            </p:nvPicPr>
+            <p:blipFill rotWithShape="1">
+              <a:blip r:embed="rId7">
+                <a:grayscl/>
+              </a:blip>
+              <a:srcRect l="9600" r="9760"/>
+              <a:stretch/>
+            </p:blipFill>
+            <p:spPr>
+              <a:xfrm>
+                <a:off x="9443884" y="2114840"/>
+                <a:ext cx="391886" cy="485968"/>
+              </a:xfrm>
+              <a:prstGeom prst="rect">
+                <a:avLst/>
+              </a:prstGeom>
+              <a:noFill/>
+            </p:spPr>
+          </p:pic>
+        </p:grpSp>
+      </p:grpSp>
+      <mc:AlternateContent xmlns:mc="http://schemas.openxmlformats.org/markup-compatibility/2006">
+        <mc:Choice xmlns:a14="http://schemas.microsoft.com/office/drawing/2010/main" Requires="a14">
+          <p:sp>
+            <p:nvSpPr>
+              <p:cNvPr id="536" name="テキスト ボックス 535">
+                <a:extLst>
+                  <a:ext uri="{FF2B5EF4-FFF2-40B4-BE49-F238E27FC236}">
+                    <a16:creationId xmlns:a16="http://schemas.microsoft.com/office/drawing/2014/main" id="{C1B2E273-D183-C3AB-7788-69645DC1EF28}"/>
+                  </a:ext>
+                </a:extLst>
+              </p:cNvPr>
+              <p:cNvSpPr txBox="1"/>
+              <p:nvPr/>
+            </p:nvSpPr>
+            <p:spPr>
+              <a:xfrm>
+                <a:off x="5586746" y="4417536"/>
+                <a:ext cx="1823113" cy="523220"/>
+              </a:xfrm>
+              <a:prstGeom prst="rect">
+                <a:avLst/>
+              </a:prstGeom>
+              <a:noFill/>
+            </p:spPr>
+            <p:txBody>
+              <a:bodyPr wrap="square" rtlCol="0" anchor="ctr">
+                <a:spAutoFit/>
+              </a:bodyPr>
+              <a:lstStyle/>
+              <a:p>
+                <a:pPr algn="ctr"/>
+                <a:r>
+                  <a:rPr lang="ja-JP" altLang="en-US" sz="1400">
+                    <a:latin typeface="Hiragino Sans W4" panose="020B0400000000000000" pitchFamily="34" charset="-128"/>
+                    <a:ea typeface="Hiragino Sans W4" panose="020B0400000000000000" pitchFamily="34" charset="-128"/>
+                  </a:rPr>
+                  <a:t>問題</a:t>
+                </a:r>
+                <a14:m>
+                  <m:oMath xmlns:m="http://schemas.openxmlformats.org/officeDocument/2006/math">
+                    <m:r>
+                      <a:rPr lang="en-US" altLang="ja-JP" sz="1400" b="0" i="1" smtClean="0">
+                        <a:latin typeface="Cambria Math" panose="02040503050406030204" pitchFamily="18" charset="0"/>
+                        <a:ea typeface="Hiragino Kaku Gothic Pro W3" panose="020B0300000000000000" pitchFamily="34" charset="-128"/>
+                      </a:rPr>
+                      <m:t>𝛽</m:t>
+                    </m:r>
+                  </m:oMath>
+                </a14:m>
+                <a:r>
+                  <a:rPr lang="ja-JP" altLang="en-US" sz="1400">
+                    <a:latin typeface="Hiragino Sans W4" panose="020B0400000000000000" pitchFamily="34" charset="-128"/>
+                    <a:ea typeface="Hiragino Sans W4" panose="020B0400000000000000" pitchFamily="34" charset="-128"/>
+                  </a:rPr>
+                  <a:t>に対する</a:t>
+                </a:r>
+                <a:endParaRPr lang="en-US" altLang="ja-JP" sz="1400" dirty="0">
+                  <a:latin typeface="Hiragino Sans W4" panose="020B0400000000000000" pitchFamily="34" charset="-128"/>
+                  <a:ea typeface="Hiragino Sans W4" panose="020B0400000000000000" pitchFamily="34" charset="-128"/>
+                </a:endParaRPr>
+              </a:p>
+              <a:p>
+                <a:pPr algn="ctr"/>
+                <a:r>
+                  <a:rPr kumimoji="1" lang="ja-JP" altLang="en-US" sz="1400">
+                    <a:latin typeface="Hiragino Sans W4" panose="020B0400000000000000" pitchFamily="34" charset="-128"/>
+                    <a:ea typeface="Hiragino Sans W4" panose="020B0400000000000000" pitchFamily="34" charset="-128"/>
+                  </a:rPr>
+                  <a:t>テストケースの入力</a:t>
+                </a:r>
+              </a:p>
+            </p:txBody>
+          </p:sp>
+        </mc:Choice>
+        <mc:Fallback>
+          <p:sp>
+            <p:nvSpPr>
+              <p:cNvPr id="536" name="テキスト ボックス 535">
+                <a:extLst>
+                  <a:ext uri="{FF2B5EF4-FFF2-40B4-BE49-F238E27FC236}">
+                    <a16:creationId xmlns:a16="http://schemas.microsoft.com/office/drawing/2014/main" id="{C1B2E273-D183-C3AB-7788-69645DC1EF28}"/>
+                  </a:ext>
+                </a:extLst>
+              </p:cNvPr>
+              <p:cNvSpPr txBox="1">
+                <a:spLocks noRot="1" noChangeAspect="1" noMove="1" noResize="1" noEditPoints="1" noAdjustHandles="1" noChangeArrowheads="1" noChangeShapeType="1" noTextEdit="1"/>
+              </p:cNvSpPr>
+              <p:nvPr/>
+            </p:nvSpPr>
+            <p:spPr>
+              <a:xfrm>
+                <a:off x="5586746" y="4417536"/>
+                <a:ext cx="1823113" cy="523220"/>
+              </a:xfrm>
+              <a:prstGeom prst="rect">
+                <a:avLst/>
+              </a:prstGeom>
+              <a:blipFill>
+                <a:blip r:embed="rId10"/>
+                <a:stretch>
+                  <a:fillRect t="-2439" b="-12195"/>
+                </a:stretch>
+              </a:blipFill>
+            </p:spPr>
+            <p:txBody>
+              <a:bodyPr/>
+              <a:lstStyle/>
+              <a:p>
+                <a:r>
+                  <a:rPr lang="ja-AU" altLang="en-US">
+                    <a:noFill/>
+                  </a:rPr>
+                  <a:t> </a:t>
+                </a:r>
+              </a:p>
+            </p:txBody>
+          </p:sp>
+        </mc:Fallback>
+      </mc:AlternateContent>
+      <p:pic>
+        <p:nvPicPr>
+          <p:cNvPr id="537" name="図 536" descr="黒い背景に白い文字がある&#10;&#10;中程度の精度で自動的に生成された説明">
+            <a:extLst>
+              <a:ext uri="{FF2B5EF4-FFF2-40B4-BE49-F238E27FC236}">
+                <a16:creationId xmlns:a16="http://schemas.microsoft.com/office/drawing/2014/main" id="{56D4F458-B96A-5DB6-40F6-7DF33693CC2A}"/>
+              </a:ext>
+            </a:extLst>
+          </p:cNvPr>
+          <p:cNvPicPr>
+            <a:picLocks noChangeAspect="1"/>
+          </p:cNvPicPr>
+          <p:nvPr/>
+        </p:nvPicPr>
+        <p:blipFill rotWithShape="1">
+          <a:blip r:embed="rId7">
+            <a:duotone>
+              <a:schemeClr val="accent6">
+                <a:shade val="45000"/>
+                <a:satMod val="135000"/>
+              </a:schemeClr>
+              <a:prstClr val="white"/>
+            </a:duotone>
+          </a:blip>
+          <a:srcRect l="9600" r="9760"/>
+          <a:stretch/>
+        </p:blipFill>
+        <p:spPr>
+          <a:xfrm>
+            <a:off x="8784221" y="5388196"/>
+            <a:ext cx="391886" cy="485968"/>
+          </a:xfrm>
+          <a:prstGeom prst="rect">
+            <a:avLst/>
+          </a:prstGeom>
+          <a:noFill/>
+        </p:spPr>
+      </p:pic>
+      <p:pic>
+        <p:nvPicPr>
+          <p:cNvPr id="538" name="図 537" descr="黒い背景に白い文字がある&#10;&#10;中程度の精度で自動的に生成された説明">
+            <a:extLst>
+              <a:ext uri="{FF2B5EF4-FFF2-40B4-BE49-F238E27FC236}">
+                <a16:creationId xmlns:a16="http://schemas.microsoft.com/office/drawing/2014/main" id="{83B1B748-C163-C9AF-F5C9-294748463260}"/>
+              </a:ext>
+            </a:extLst>
+          </p:cNvPr>
+          <p:cNvPicPr>
+            <a:picLocks noChangeAspect="1"/>
+          </p:cNvPicPr>
+          <p:nvPr/>
+        </p:nvPicPr>
+        <p:blipFill rotWithShape="1">
+          <a:blip r:embed="rId7">
+            <a:duotone>
+              <a:schemeClr val="accent5">
+                <a:shade val="45000"/>
+                <a:satMod val="135000"/>
+              </a:schemeClr>
+              <a:prstClr val="white"/>
+            </a:duotone>
+          </a:blip>
+          <a:srcRect l="9600" r="9760"/>
+          <a:stretch/>
+        </p:blipFill>
+        <p:spPr>
+          <a:xfrm>
+            <a:off x="9366372" y="5394157"/>
+            <a:ext cx="391886" cy="485968"/>
+          </a:xfrm>
+          <a:prstGeom prst="rect">
+            <a:avLst/>
+          </a:prstGeom>
+          <a:noFill/>
+        </p:spPr>
+      </p:pic>
+      <p:pic>
+        <p:nvPicPr>
+          <p:cNvPr id="539" name="図 538" descr="黒い背景に白い文字がある&#10;&#10;中程度の精度で自動的に生成された説明">
+            <a:extLst>
+              <a:ext uri="{FF2B5EF4-FFF2-40B4-BE49-F238E27FC236}">
+                <a16:creationId xmlns:a16="http://schemas.microsoft.com/office/drawing/2014/main" id="{F8FCE7B1-32F5-63E1-99A9-64A72E0134B3}"/>
+              </a:ext>
+            </a:extLst>
+          </p:cNvPr>
+          <p:cNvPicPr>
+            <a:picLocks noChangeAspect="1"/>
+          </p:cNvPicPr>
+          <p:nvPr/>
+        </p:nvPicPr>
+        <p:blipFill rotWithShape="1">
+          <a:blip r:embed="rId7">
+            <a:duotone>
+              <a:schemeClr val="accent2">
+                <a:shade val="45000"/>
+                <a:satMod val="135000"/>
+              </a:schemeClr>
+              <a:prstClr val="white"/>
+            </a:duotone>
+          </a:blip>
+          <a:srcRect l="9600" r="9760"/>
+          <a:stretch/>
+        </p:blipFill>
+        <p:spPr>
+          <a:xfrm>
+            <a:off x="9869137" y="5390884"/>
+            <a:ext cx="391886" cy="485968"/>
+          </a:xfrm>
+          <a:prstGeom prst="rect">
+            <a:avLst/>
+          </a:prstGeom>
+          <a:noFill/>
+        </p:spPr>
+      </p:pic>
+      <p:sp>
+        <p:nvSpPr>
+          <p:cNvPr id="540" name="テキスト ボックス 539">
+            <a:extLst>
+              <a:ext uri="{FF2B5EF4-FFF2-40B4-BE49-F238E27FC236}">
+                <a16:creationId xmlns:a16="http://schemas.microsoft.com/office/drawing/2014/main" id="{E382A2DE-8FD6-EE05-DB41-B58CB6E6076F}"/>
+              </a:ext>
+            </a:extLst>
+          </p:cNvPr>
+          <p:cNvSpPr txBox="1"/>
+          <p:nvPr/>
+        </p:nvSpPr>
+        <p:spPr>
+          <a:xfrm>
+            <a:off x="8609485" y="5958054"/>
+            <a:ext cx="1917505" cy="307777"/>
+          </a:xfrm>
+          <a:prstGeom prst="rect">
+            <a:avLst/>
+          </a:prstGeom>
+          <a:noFill/>
+        </p:spPr>
+        <p:txBody>
+          <a:bodyPr wrap="square" rtlCol="0" anchor="ctr">
+            <a:spAutoFit/>
+          </a:bodyPr>
+          <a:lstStyle/>
+          <a:p>
+            <a:pPr algn="ctr"/>
+            <a:r>
+              <a:rPr lang="ja-JP" altLang="en-US" sz="1400">
+                <a:latin typeface="Hiragino Sans W4" panose="020B0400000000000000" pitchFamily="34" charset="-128"/>
+                <a:ea typeface="Hiragino Sans W4" panose="020B0400000000000000" pitchFamily="34" charset="-128"/>
+              </a:rPr>
+              <a:t>各</a:t>
+            </a:r>
+            <a:r>
+              <a:rPr lang="ja-AU" altLang="en-US" sz="1400" dirty="0">
+                <a:latin typeface="Hiragino Sans W4" panose="020B0400000000000000" pitchFamily="34" charset="-128"/>
+                <a:ea typeface="Hiragino Sans W4" panose="020B0400000000000000" pitchFamily="34" charset="-128"/>
+              </a:rPr>
+              <a:t>コード</a:t>
+            </a:r>
+            <a:r>
+              <a:rPr lang="ja-JP" altLang="en-US" sz="1400">
+                <a:latin typeface="Hiragino Sans W4" panose="020B0400000000000000" pitchFamily="34" charset="-128"/>
+                <a:ea typeface="Hiragino Sans W4" panose="020B0400000000000000" pitchFamily="34" charset="-128"/>
+              </a:rPr>
+              <a:t>の出力</a:t>
+            </a:r>
+            <a:endParaRPr kumimoji="1" lang="ja-JP" altLang="en-US" sz="1400">
+              <a:latin typeface="Hiragino Sans W4" panose="020B0400000000000000" pitchFamily="34" charset="-128"/>
+              <a:ea typeface="Hiragino Sans W4" panose="020B0400000000000000" pitchFamily="34" charset="-128"/>
+            </a:endParaRPr>
+          </a:p>
+        </p:txBody>
+      </p:sp>
+      <p:grpSp>
+        <p:nvGrpSpPr>
+          <p:cNvPr id="541" name="グループ化 540">
+            <a:extLst>
+              <a:ext uri="{FF2B5EF4-FFF2-40B4-BE49-F238E27FC236}">
+                <a16:creationId xmlns:a16="http://schemas.microsoft.com/office/drawing/2014/main" id="{5AC2ADEE-4CF4-56B2-BB4E-FE1D64EF388B}"/>
+              </a:ext>
+            </a:extLst>
+          </p:cNvPr>
+          <p:cNvGrpSpPr/>
+          <p:nvPr/>
+        </p:nvGrpSpPr>
+        <p:grpSpPr>
+          <a:xfrm>
+            <a:off x="6143211" y="5209764"/>
+            <a:ext cx="601944" cy="712459"/>
+            <a:chOff x="10578525" y="2033062"/>
+            <a:chExt cx="601944" cy="712459"/>
+          </a:xfrm>
+        </p:grpSpPr>
+        <p:grpSp>
+          <p:nvGrpSpPr>
+            <p:cNvPr id="542" name="グループ化 541">
+              <a:extLst>
+                <a:ext uri="{FF2B5EF4-FFF2-40B4-BE49-F238E27FC236}">
+                  <a16:creationId xmlns:a16="http://schemas.microsoft.com/office/drawing/2014/main" id="{13637E77-4932-CDDD-292B-5D70D4211AD6}"/>
+                </a:ext>
+              </a:extLst>
+            </p:cNvPr>
+            <p:cNvGrpSpPr/>
+            <p:nvPr/>
+          </p:nvGrpSpPr>
+          <p:grpSpPr>
+            <a:xfrm>
+              <a:off x="10578525" y="2033062"/>
+              <a:ext cx="391886" cy="542811"/>
+              <a:chOff x="9443884" y="2091230"/>
+              <a:chExt cx="391886" cy="542811"/>
+            </a:xfrm>
+          </p:grpSpPr>
+          <p:sp>
+            <p:nvSpPr>
+              <p:cNvPr id="549" name="1 つの角を切り取った四角形 548">
+                <a:extLst>
+                  <a:ext uri="{FF2B5EF4-FFF2-40B4-BE49-F238E27FC236}">
+                    <a16:creationId xmlns:a16="http://schemas.microsoft.com/office/drawing/2014/main" id="{2FA9037E-7165-4591-9527-44F2B8C81F44}"/>
+                  </a:ext>
+                </a:extLst>
+              </p:cNvPr>
+              <p:cNvSpPr/>
+              <p:nvPr/>
+            </p:nvSpPr>
+            <p:spPr>
+              <a:xfrm>
+                <a:off x="9480821" y="2091230"/>
+                <a:ext cx="326720" cy="542811"/>
+              </a:xfrm>
+              <a:prstGeom prst="snip1Rect">
+                <a:avLst>
+                  <a:gd name="adj" fmla="val 29994"/>
+                </a:avLst>
+              </a:prstGeom>
+              <a:solidFill>
+                <a:schemeClr val="bg1"/>
+              </a:solidFill>
+              <a:ln>
+                <a:noFill/>
+              </a:ln>
+              <a:effectLst>
+                <a:glow rad="127000">
+                  <a:schemeClr val="bg1"/>
+                </a:glow>
+              </a:effectLst>
+              <a:scene3d>
+                <a:camera prst="isometricLeftDown">
+                  <a:rot lat="2100000" lon="10800000" rev="0"/>
+                </a:camera>
+                <a:lightRig rig="threePt" dir="t"/>
+              </a:scene3d>
+            </p:spPr>
+            <p:style>
+              <a:lnRef idx="2">
+                <a:schemeClr val="accent1">
+                  <a:shade val="50000"/>
+                </a:schemeClr>
+              </a:lnRef>
+              <a:fillRef idx="1">
+                <a:schemeClr val="accent1"/>
+              </a:fillRef>
+              <a:effectRef idx="0">
+                <a:schemeClr val="accent1"/>
+              </a:effectRef>
+              <a:fontRef idx="minor">
+                <a:schemeClr val="lt1"/>
+              </a:fontRef>
+            </p:style>
+            <p:txBody>
+              <a:bodyPr rtlCol="0" anchor="ctr">
+                <a:flatTx/>
+              </a:bodyPr>
+              <a:lstStyle/>
+              <a:p>
+                <a:pPr algn="ctr"/>
+                <a:endParaRPr kumimoji="1" lang="ja-JP" altLang="en-US" dirty="0">
+                  <a:latin typeface="Hiragino Sans W4" panose="020B0400000000000000" pitchFamily="34" charset="-128"/>
+                  <a:ea typeface="Hiragino Sans W4" panose="020B0400000000000000" pitchFamily="34" charset="-128"/>
+                </a:endParaRPr>
+              </a:p>
+            </p:txBody>
+          </p:sp>
+          <p:pic>
+            <p:nvPicPr>
+              <p:cNvPr id="550" name="図 549" descr="黒い背景に白い文字がある&#10;&#10;中程度の精度で自動的に生成された説明">
+                <a:extLst>
+                  <a:ext uri="{FF2B5EF4-FFF2-40B4-BE49-F238E27FC236}">
+                    <a16:creationId xmlns:a16="http://schemas.microsoft.com/office/drawing/2014/main" id="{D99F7F0B-9DBB-6B2C-2AE4-963FE0D9117C}"/>
+                  </a:ext>
+                </a:extLst>
+              </p:cNvPr>
+              <p:cNvPicPr>
+                <a:picLocks noChangeAspect="1"/>
+              </p:cNvPicPr>
+              <p:nvPr/>
+            </p:nvPicPr>
+            <p:blipFill rotWithShape="1">
+              <a:blip r:embed="rId7">
+                <a:grayscl/>
+              </a:blip>
+              <a:srcRect l="9600" r="9760"/>
+              <a:stretch/>
+            </p:blipFill>
+            <p:spPr>
+              <a:xfrm>
+                <a:off x="9443884" y="2114840"/>
+                <a:ext cx="391886" cy="485968"/>
+              </a:xfrm>
+              <a:prstGeom prst="rect">
+                <a:avLst/>
+              </a:prstGeom>
+              <a:noFill/>
+            </p:spPr>
+          </p:pic>
+        </p:grpSp>
+        <p:grpSp>
+          <p:nvGrpSpPr>
+            <p:cNvPr id="543" name="グループ化 542">
+              <a:extLst>
+                <a:ext uri="{FF2B5EF4-FFF2-40B4-BE49-F238E27FC236}">
+                  <a16:creationId xmlns:a16="http://schemas.microsoft.com/office/drawing/2014/main" id="{D18B8C1E-A555-B35A-C5BA-B83CE8684075}"/>
+                </a:ext>
+              </a:extLst>
+            </p:cNvPr>
+            <p:cNvGrpSpPr/>
+            <p:nvPr/>
+          </p:nvGrpSpPr>
+          <p:grpSpPr>
+            <a:xfrm>
+              <a:off x="10686068" y="2107257"/>
+              <a:ext cx="391886" cy="542811"/>
+              <a:chOff x="9443884" y="2091230"/>
+              <a:chExt cx="391886" cy="542811"/>
+            </a:xfrm>
+          </p:grpSpPr>
+          <p:sp>
+            <p:nvSpPr>
+              <p:cNvPr id="547" name="1 つの角を切り取った四角形 546">
+                <a:extLst>
+                  <a:ext uri="{FF2B5EF4-FFF2-40B4-BE49-F238E27FC236}">
+                    <a16:creationId xmlns:a16="http://schemas.microsoft.com/office/drawing/2014/main" id="{0245F485-2C29-279D-DF97-C4D029187530}"/>
+                  </a:ext>
+                </a:extLst>
+              </p:cNvPr>
+              <p:cNvSpPr/>
+              <p:nvPr/>
+            </p:nvSpPr>
+            <p:spPr>
+              <a:xfrm>
+                <a:off x="9480821" y="2091230"/>
+                <a:ext cx="326720" cy="542811"/>
+              </a:xfrm>
+              <a:prstGeom prst="snip1Rect">
+                <a:avLst>
+                  <a:gd name="adj" fmla="val 29994"/>
+                </a:avLst>
+              </a:prstGeom>
+              <a:solidFill>
+                <a:schemeClr val="bg1"/>
+              </a:solidFill>
+              <a:ln>
+                <a:noFill/>
+              </a:ln>
+              <a:effectLst>
+                <a:glow rad="127000">
+                  <a:schemeClr val="bg1"/>
+                </a:glow>
+              </a:effectLst>
+              <a:scene3d>
+                <a:camera prst="isometricLeftDown">
+                  <a:rot lat="2100000" lon="10800000" rev="0"/>
+                </a:camera>
+                <a:lightRig rig="threePt" dir="t"/>
+              </a:scene3d>
+            </p:spPr>
+            <p:style>
+              <a:lnRef idx="2">
+                <a:schemeClr val="accent1">
+                  <a:shade val="50000"/>
+                </a:schemeClr>
+              </a:lnRef>
+              <a:fillRef idx="1">
+                <a:schemeClr val="accent1"/>
+              </a:fillRef>
+              <a:effectRef idx="0">
+                <a:schemeClr val="accent1"/>
+              </a:effectRef>
+              <a:fontRef idx="minor">
+                <a:schemeClr val="lt1"/>
+              </a:fontRef>
+            </p:style>
+            <p:txBody>
+              <a:bodyPr rtlCol="0" anchor="ctr">
+                <a:flatTx/>
+              </a:bodyPr>
+              <a:lstStyle/>
+              <a:p>
+                <a:pPr algn="ctr"/>
+                <a:endParaRPr kumimoji="1" lang="ja-JP" altLang="en-US" dirty="0">
+                  <a:latin typeface="Hiragino Sans W4" panose="020B0400000000000000" pitchFamily="34" charset="-128"/>
+                  <a:ea typeface="Hiragino Sans W4" panose="020B0400000000000000" pitchFamily="34" charset="-128"/>
+                </a:endParaRPr>
+              </a:p>
+            </p:txBody>
+          </p:sp>
+          <p:pic>
+            <p:nvPicPr>
+              <p:cNvPr id="548" name="図 547" descr="黒い背景に白い文字がある&#10;&#10;中程度の精度で自動的に生成された説明">
+                <a:extLst>
+                  <a:ext uri="{FF2B5EF4-FFF2-40B4-BE49-F238E27FC236}">
+                    <a16:creationId xmlns:a16="http://schemas.microsoft.com/office/drawing/2014/main" id="{373AC6B1-4C90-7B40-1E01-B2518A63AEF6}"/>
+                  </a:ext>
+                </a:extLst>
+              </p:cNvPr>
+              <p:cNvPicPr>
+                <a:picLocks noChangeAspect="1"/>
+              </p:cNvPicPr>
+              <p:nvPr/>
+            </p:nvPicPr>
+            <p:blipFill rotWithShape="1">
+              <a:blip r:embed="rId7">
+                <a:grayscl/>
+              </a:blip>
+              <a:srcRect l="9600" r="9760"/>
+              <a:stretch/>
+            </p:blipFill>
+            <p:spPr>
+              <a:xfrm>
+                <a:off x="9443884" y="2114840"/>
+                <a:ext cx="391886" cy="485968"/>
+              </a:xfrm>
+              <a:prstGeom prst="rect">
+                <a:avLst/>
+              </a:prstGeom>
+              <a:noFill/>
+            </p:spPr>
+          </p:pic>
+        </p:grpSp>
+        <p:grpSp>
+          <p:nvGrpSpPr>
+            <p:cNvPr id="544" name="グループ化 543">
+              <a:extLst>
+                <a:ext uri="{FF2B5EF4-FFF2-40B4-BE49-F238E27FC236}">
+                  <a16:creationId xmlns:a16="http://schemas.microsoft.com/office/drawing/2014/main" id="{4D70D917-89D7-468C-9CF6-5BAB898499D5}"/>
+                </a:ext>
+              </a:extLst>
+            </p:cNvPr>
+            <p:cNvGrpSpPr/>
+            <p:nvPr/>
+          </p:nvGrpSpPr>
+          <p:grpSpPr>
+            <a:xfrm>
+              <a:off x="10788583" y="2202710"/>
+              <a:ext cx="391886" cy="542811"/>
+              <a:chOff x="9443884" y="2091230"/>
+              <a:chExt cx="391886" cy="542811"/>
+            </a:xfrm>
+          </p:grpSpPr>
+          <p:sp>
+            <p:nvSpPr>
+              <p:cNvPr id="545" name="1 つの角を切り取った四角形 544">
+                <a:extLst>
+                  <a:ext uri="{FF2B5EF4-FFF2-40B4-BE49-F238E27FC236}">
+                    <a16:creationId xmlns:a16="http://schemas.microsoft.com/office/drawing/2014/main" id="{AAB5AC60-3428-BD78-D30A-9B620E95D8A5}"/>
+                  </a:ext>
+                </a:extLst>
+              </p:cNvPr>
+              <p:cNvSpPr/>
+              <p:nvPr/>
+            </p:nvSpPr>
+            <p:spPr>
+              <a:xfrm>
+                <a:off x="9480821" y="2091230"/>
+                <a:ext cx="326720" cy="542811"/>
+              </a:xfrm>
+              <a:prstGeom prst="snip1Rect">
+                <a:avLst>
+                  <a:gd name="adj" fmla="val 29994"/>
+                </a:avLst>
+              </a:prstGeom>
+              <a:solidFill>
+                <a:schemeClr val="bg1"/>
+              </a:solidFill>
+              <a:ln>
+                <a:noFill/>
+              </a:ln>
+              <a:effectLst>
+                <a:glow rad="127000">
+                  <a:schemeClr val="bg1"/>
+                </a:glow>
+              </a:effectLst>
+              <a:scene3d>
+                <a:camera prst="isometricLeftDown">
+                  <a:rot lat="2100000" lon="10800000" rev="0"/>
+                </a:camera>
+                <a:lightRig rig="threePt" dir="t"/>
+              </a:scene3d>
+            </p:spPr>
+            <p:style>
+              <a:lnRef idx="2">
+                <a:schemeClr val="accent1">
+                  <a:shade val="50000"/>
+                </a:schemeClr>
+              </a:lnRef>
+              <a:fillRef idx="1">
+                <a:schemeClr val="accent1"/>
+              </a:fillRef>
+              <a:effectRef idx="0">
+                <a:schemeClr val="accent1"/>
+              </a:effectRef>
+              <a:fontRef idx="minor">
+                <a:schemeClr val="lt1"/>
+              </a:fontRef>
+            </p:style>
+            <p:txBody>
+              <a:bodyPr rtlCol="0" anchor="ctr">
+                <a:flatTx/>
+              </a:bodyPr>
+              <a:lstStyle/>
+              <a:p>
+                <a:pPr algn="ctr"/>
+                <a:endParaRPr kumimoji="1" lang="ja-JP" altLang="en-US" dirty="0">
+                  <a:latin typeface="Hiragino Sans W4" panose="020B0400000000000000" pitchFamily="34" charset="-128"/>
+                  <a:ea typeface="Hiragino Sans W4" panose="020B0400000000000000" pitchFamily="34" charset="-128"/>
+                </a:endParaRPr>
+              </a:p>
+            </p:txBody>
+          </p:sp>
+          <p:pic>
+            <p:nvPicPr>
+              <p:cNvPr id="546" name="図 545" descr="黒い背景に白い文字がある&#10;&#10;中程度の精度で自動的に生成された説明">
+                <a:extLst>
+                  <a:ext uri="{FF2B5EF4-FFF2-40B4-BE49-F238E27FC236}">
+                    <a16:creationId xmlns:a16="http://schemas.microsoft.com/office/drawing/2014/main" id="{9ADF140F-6023-85D0-E8A7-A3AA310B2F8A}"/>
+                  </a:ext>
+                </a:extLst>
+              </p:cNvPr>
+              <p:cNvPicPr>
+                <a:picLocks noChangeAspect="1"/>
+              </p:cNvPicPr>
+              <p:nvPr/>
+            </p:nvPicPr>
+            <p:blipFill rotWithShape="1">
+              <a:blip r:embed="rId7">
+                <a:grayscl/>
+              </a:blip>
+              <a:srcRect l="9600" r="9760"/>
+              <a:stretch/>
+            </p:blipFill>
+            <p:spPr>
+              <a:xfrm>
+                <a:off x="9443884" y="2114840"/>
+                <a:ext cx="391886" cy="485968"/>
+              </a:xfrm>
+              <a:prstGeom prst="rect">
+                <a:avLst/>
+              </a:prstGeom>
+              <a:noFill/>
+            </p:spPr>
+          </p:pic>
+        </p:grpSp>
+      </p:grpSp>
+      <mc:AlternateContent xmlns:mc="http://schemas.openxmlformats.org/markup-compatibility/2006">
+        <mc:Choice xmlns:a14="http://schemas.microsoft.com/office/drawing/2010/main" Requires="a14">
+          <p:sp>
+            <p:nvSpPr>
+              <p:cNvPr id="558" name="テキスト ボックス 557">
+                <a:extLst>
+                  <a:ext uri="{FF2B5EF4-FFF2-40B4-BE49-F238E27FC236}">
+                    <a16:creationId xmlns:a16="http://schemas.microsoft.com/office/drawing/2014/main" id="{D1E12D27-65FB-0ACD-B658-ADD1204F1663}"/>
+                  </a:ext>
+                </a:extLst>
+              </p:cNvPr>
+              <p:cNvSpPr txBox="1"/>
+              <p:nvPr/>
+            </p:nvSpPr>
+            <p:spPr>
+              <a:xfrm>
+                <a:off x="5537274" y="5964212"/>
+                <a:ext cx="1797095" cy="523220"/>
+              </a:xfrm>
+              <a:prstGeom prst="rect">
+                <a:avLst/>
+              </a:prstGeom>
+              <a:noFill/>
+            </p:spPr>
+            <p:txBody>
+              <a:bodyPr wrap="square" rtlCol="0" anchor="ctr">
+                <a:spAutoFit/>
+              </a:bodyPr>
+              <a:lstStyle/>
+              <a:p>
+                <a:pPr algn="ctr"/>
+                <a:r>
+                  <a:rPr lang="ja-JP" altLang="en-US" sz="1400">
+                    <a:latin typeface="Hiragino Sans W4" panose="020B0400000000000000" pitchFamily="34" charset="-128"/>
+                    <a:ea typeface="Hiragino Sans W4" panose="020B0400000000000000" pitchFamily="34" charset="-128"/>
+                  </a:rPr>
+                  <a:t>問題</a:t>
+                </a:r>
+                <a14:m>
+                  <m:oMath xmlns:m="http://schemas.openxmlformats.org/officeDocument/2006/math">
+                    <m:r>
+                      <a:rPr lang="en-US" altLang="ja-JP" sz="1400" b="0" i="1" smtClean="0">
+                        <a:latin typeface="Cambria Math" panose="02040503050406030204" pitchFamily="18" charset="0"/>
+                        <a:ea typeface="Hiragino Kaku Gothic Pro W3" panose="020B0300000000000000" pitchFamily="34" charset="-128"/>
+                      </a:rPr>
+                      <m:t>𝛽</m:t>
+                    </m:r>
+                  </m:oMath>
+                </a14:m>
+                <a:r>
+                  <a:rPr lang="ja-JP" altLang="en-US" sz="1400">
+                    <a:latin typeface="Hiragino Sans W4" panose="020B0400000000000000" pitchFamily="34" charset="-128"/>
+                    <a:ea typeface="Hiragino Sans W4" panose="020B0400000000000000" pitchFamily="34" charset="-128"/>
+                  </a:rPr>
+                  <a:t>に対する</a:t>
+                </a:r>
+                <a:endParaRPr lang="en-US" altLang="ja-JP" sz="1400" dirty="0">
+                  <a:latin typeface="Hiragino Sans W4" panose="020B0400000000000000" pitchFamily="34" charset="-128"/>
+                  <a:ea typeface="Hiragino Sans W4" panose="020B0400000000000000" pitchFamily="34" charset="-128"/>
+                </a:endParaRPr>
+              </a:p>
+              <a:p>
+                <a:pPr algn="ctr"/>
+                <a:r>
+                  <a:rPr kumimoji="1" lang="ja-JP" altLang="en-US" sz="1400">
+                    <a:latin typeface="Hiragino Sans W4" panose="020B0400000000000000" pitchFamily="34" charset="-128"/>
+                    <a:ea typeface="Hiragino Sans W4" panose="020B0400000000000000" pitchFamily="34" charset="-128"/>
+                  </a:rPr>
+                  <a:t>テストケースの出力</a:t>
+                </a:r>
+              </a:p>
+            </p:txBody>
+          </p:sp>
+        </mc:Choice>
+        <mc:Fallback>
+          <p:sp>
+            <p:nvSpPr>
+              <p:cNvPr id="558" name="テキスト ボックス 557">
+                <a:extLst>
+                  <a:ext uri="{FF2B5EF4-FFF2-40B4-BE49-F238E27FC236}">
+                    <a16:creationId xmlns:a16="http://schemas.microsoft.com/office/drawing/2014/main" id="{D1E12D27-65FB-0ACD-B658-ADD1204F1663}"/>
+                  </a:ext>
+                </a:extLst>
+              </p:cNvPr>
+              <p:cNvSpPr txBox="1">
+                <a:spLocks noRot="1" noChangeAspect="1" noMove="1" noResize="1" noEditPoints="1" noAdjustHandles="1" noChangeArrowheads="1" noChangeShapeType="1" noTextEdit="1"/>
+              </p:cNvSpPr>
+              <p:nvPr/>
+            </p:nvSpPr>
+            <p:spPr>
+              <a:xfrm>
+                <a:off x="5537274" y="5964212"/>
+                <a:ext cx="1797095" cy="523220"/>
+              </a:xfrm>
+              <a:prstGeom prst="rect">
+                <a:avLst/>
+              </a:prstGeom>
+              <a:blipFill>
+                <a:blip r:embed="rId11"/>
+                <a:stretch>
+                  <a:fillRect l="-699" t="-2381" r="-699" b="-11905"/>
+                </a:stretch>
+              </a:blipFill>
+            </p:spPr>
+            <p:txBody>
+              <a:bodyPr/>
+              <a:lstStyle/>
+              <a:p>
+                <a:r>
+                  <a:rPr lang="ja-AU" altLang="en-US">
+                    <a:noFill/>
+                  </a:rPr>
+                  <a:t> </a:t>
+                </a:r>
+              </a:p>
+            </p:txBody>
+          </p:sp>
+        </mc:Fallback>
+      </mc:AlternateContent>
+      <p:sp>
+        <p:nvSpPr>
+          <p:cNvPr id="563" name="テキスト ボックス 562">
+            <a:extLst>
+              <a:ext uri="{FF2B5EF4-FFF2-40B4-BE49-F238E27FC236}">
+                <a16:creationId xmlns:a16="http://schemas.microsoft.com/office/drawing/2014/main" id="{C4AC8DB8-B517-094A-B22A-448F222F9665}"/>
+              </a:ext>
+            </a:extLst>
+          </p:cNvPr>
+          <p:cNvSpPr txBox="1"/>
+          <p:nvPr/>
+        </p:nvSpPr>
+        <p:spPr>
+          <a:xfrm>
+            <a:off x="7486096" y="6154530"/>
+            <a:ext cx="1160959" cy="307777"/>
+          </a:xfrm>
+          <a:prstGeom prst="rect">
+            <a:avLst/>
+          </a:prstGeom>
+          <a:noFill/>
+          <a:ln w="19050">
+            <a:solidFill>
+              <a:schemeClr val="tx1"/>
+            </a:solidFill>
+          </a:ln>
+        </p:spPr>
+        <p:txBody>
+          <a:bodyPr wrap="square" rtlCol="0" anchor="ctr">
+            <a:spAutoFit/>
+          </a:bodyPr>
+          <a:lstStyle/>
+          <a:p>
+            <a:pPr algn="ctr"/>
+            <a:r>
+              <a:rPr kumimoji="1" lang="ja-JP" altLang="en-US" sz="1400">
+                <a:latin typeface="Hiragino Sans W4" panose="020B0400000000000000" pitchFamily="34" charset="-128"/>
+                <a:ea typeface="Hiragino Sans W4" panose="020B0400000000000000" pitchFamily="34" charset="-128"/>
+              </a:rPr>
+              <a:t>比較＆評価</a:t>
+            </a:r>
+          </a:p>
+        </p:txBody>
+      </p:sp>
+      <p:cxnSp>
+        <p:nvCxnSpPr>
+          <p:cNvPr id="564" name="直線矢印コネクタ 563">
+            <a:extLst>
+              <a:ext uri="{FF2B5EF4-FFF2-40B4-BE49-F238E27FC236}">
+                <a16:creationId xmlns:a16="http://schemas.microsoft.com/office/drawing/2014/main" id="{347319E8-C17D-504D-1585-3778D5536C39}"/>
+              </a:ext>
+            </a:extLst>
+          </p:cNvPr>
+          <p:cNvCxnSpPr>
+            <a:cxnSpLocks/>
+          </p:cNvCxnSpPr>
+          <p:nvPr/>
+        </p:nvCxnSpPr>
+        <p:spPr>
+          <a:xfrm>
+            <a:off x="7092059" y="4100889"/>
+            <a:ext cx="1389460" cy="0"/>
+          </a:xfrm>
+          <a:prstGeom prst="straightConnector1">
+            <a:avLst/>
+          </a:prstGeom>
+          <a:ln w="19050">
+            <a:solidFill>
+              <a:schemeClr val="tx1"/>
+            </a:solidFill>
+            <a:tailEnd type="triangle"/>
+          </a:ln>
+        </p:spPr>
+        <p:style>
+          <a:lnRef idx="1">
+            <a:schemeClr val="accent1"/>
+          </a:lnRef>
+          <a:fillRef idx="0">
+            <a:schemeClr val="accent1"/>
+          </a:fillRef>
+          <a:effectRef idx="0">
+            <a:schemeClr val="accent1"/>
+          </a:effectRef>
+          <a:fontRef idx="minor">
+            <a:schemeClr val="tx1"/>
+          </a:fontRef>
+        </p:style>
+      </p:cxnSp>
+      <p:cxnSp>
+        <p:nvCxnSpPr>
+          <p:cNvPr id="567" name="直線矢印コネクタ 566">
+            <a:extLst>
+              <a:ext uri="{FF2B5EF4-FFF2-40B4-BE49-F238E27FC236}">
+                <a16:creationId xmlns:a16="http://schemas.microsoft.com/office/drawing/2014/main" id="{42815E6B-3382-C711-C8E2-EE5D938318B0}"/>
+              </a:ext>
+            </a:extLst>
+          </p:cNvPr>
+          <p:cNvCxnSpPr>
+            <a:cxnSpLocks/>
+          </p:cNvCxnSpPr>
+          <p:nvPr/>
+        </p:nvCxnSpPr>
+        <p:spPr>
+          <a:xfrm>
+            <a:off x="9562727" y="4917613"/>
+            <a:ext cx="0" cy="370343"/>
+          </a:xfrm>
+          <a:prstGeom prst="straightConnector1">
+            <a:avLst/>
+          </a:prstGeom>
+          <a:ln w="19050">
+            <a:solidFill>
+              <a:schemeClr val="tx1"/>
+            </a:solidFill>
+            <a:tailEnd type="triangle"/>
+          </a:ln>
+        </p:spPr>
+        <p:style>
+          <a:lnRef idx="1">
+            <a:schemeClr val="accent1"/>
+          </a:lnRef>
+          <a:fillRef idx="0">
+            <a:schemeClr val="accent1"/>
+          </a:fillRef>
+          <a:effectRef idx="0">
+            <a:schemeClr val="accent1"/>
+          </a:effectRef>
+          <a:fontRef idx="minor">
+            <a:schemeClr val="tx1"/>
+          </a:fontRef>
+        </p:style>
+      </p:cxnSp>
+      <p:cxnSp>
+        <p:nvCxnSpPr>
+          <p:cNvPr id="568" name="直線矢印コネクタ 567">
+            <a:extLst>
+              <a:ext uri="{FF2B5EF4-FFF2-40B4-BE49-F238E27FC236}">
+                <a16:creationId xmlns:a16="http://schemas.microsoft.com/office/drawing/2014/main" id="{0312DB08-4130-BF07-7C39-E2AFA6F199FE}"/>
+              </a:ext>
+            </a:extLst>
+          </p:cNvPr>
+          <p:cNvCxnSpPr>
+            <a:cxnSpLocks/>
+          </p:cNvCxnSpPr>
+          <p:nvPr/>
+        </p:nvCxnSpPr>
+        <p:spPr>
+          <a:xfrm>
+            <a:off x="7120440" y="5719342"/>
+            <a:ext cx="1361079" cy="0"/>
+          </a:xfrm>
+          <a:prstGeom prst="straightConnector1">
+            <a:avLst/>
+          </a:prstGeom>
+          <a:ln w="19050">
+            <a:solidFill>
+              <a:schemeClr val="tx1"/>
+            </a:solidFill>
+            <a:tailEnd type="none"/>
+          </a:ln>
+        </p:spPr>
+        <p:style>
+          <a:lnRef idx="1">
+            <a:schemeClr val="accent1"/>
+          </a:lnRef>
+          <a:fillRef idx="0">
+            <a:schemeClr val="accent1"/>
+          </a:fillRef>
+          <a:effectRef idx="0">
+            <a:schemeClr val="accent1"/>
+          </a:effectRef>
+          <a:fontRef idx="minor">
+            <a:schemeClr val="tx1"/>
+          </a:fontRef>
+        </p:style>
+      </p:cxnSp>
+      <p:cxnSp>
+        <p:nvCxnSpPr>
+          <p:cNvPr id="569" name="直線矢印コネクタ 568">
+            <a:extLst>
+              <a:ext uri="{FF2B5EF4-FFF2-40B4-BE49-F238E27FC236}">
+                <a16:creationId xmlns:a16="http://schemas.microsoft.com/office/drawing/2014/main" id="{68A8B630-B04C-AA31-A512-4D97DC2B3F64}"/>
+              </a:ext>
+            </a:extLst>
+          </p:cNvPr>
+          <p:cNvCxnSpPr>
+            <a:cxnSpLocks/>
+          </p:cNvCxnSpPr>
+          <p:nvPr/>
+        </p:nvCxnSpPr>
+        <p:spPr>
+          <a:xfrm>
+            <a:off x="8057718" y="5708635"/>
+            <a:ext cx="0" cy="370343"/>
+          </a:xfrm>
+          <a:prstGeom prst="straightConnector1">
+            <a:avLst/>
+          </a:prstGeom>
+          <a:ln w="19050">
+            <a:solidFill>
+              <a:schemeClr val="tx1"/>
+            </a:solidFill>
+            <a:tailEnd type="triangle"/>
+          </a:ln>
+        </p:spPr>
+        <p:style>
+          <a:lnRef idx="1">
+            <a:schemeClr val="accent1"/>
+          </a:lnRef>
+          <a:fillRef idx="0">
+            <a:schemeClr val="accent1"/>
+          </a:fillRef>
+          <a:effectRef idx="0">
+            <a:schemeClr val="accent1"/>
+          </a:effectRef>
+          <a:fontRef idx="minor">
+            <a:schemeClr val="tx1"/>
+          </a:fontRef>
+        </p:style>
+      </p:cxnSp>
+      <p:pic>
+        <p:nvPicPr>
+          <p:cNvPr id="65" name="図 64" descr="黒い背景に白い文字がある&#10;&#10;中程度の精度で自動的に生成された説明">
+            <a:extLst>
+              <a:ext uri="{FF2B5EF4-FFF2-40B4-BE49-F238E27FC236}">
+                <a16:creationId xmlns:a16="http://schemas.microsoft.com/office/drawing/2014/main" id="{2628E3A0-6CE0-2F2A-5A94-8F4E0C33C868}"/>
+              </a:ext>
+            </a:extLst>
+          </p:cNvPr>
+          <p:cNvPicPr>
+            <a:picLocks noChangeAspect="1"/>
+          </p:cNvPicPr>
+          <p:nvPr/>
+        </p:nvPicPr>
+        <p:blipFill rotWithShape="1">
+          <a:blip r:embed="rId7">
+            <a:duotone>
+              <a:schemeClr val="accent6">
+                <a:shade val="45000"/>
+                <a:satMod val="135000"/>
+              </a:schemeClr>
+              <a:prstClr val="white"/>
+            </a:duotone>
+          </a:blip>
+          <a:srcRect l="9600" r="9760"/>
+          <a:stretch/>
+        </p:blipFill>
+        <p:spPr>
+          <a:xfrm>
+            <a:off x="3355439" y="3801991"/>
+            <a:ext cx="391886" cy="485968"/>
+          </a:xfrm>
+          <a:prstGeom prst="rect">
+            <a:avLst/>
+          </a:prstGeom>
+          <a:noFill/>
+        </p:spPr>
+      </p:pic>
+      <p:pic>
+        <p:nvPicPr>
+          <p:cNvPr id="66" name="図 65" descr="黒い背景に白い文字がある&#10;&#10;中程度の精度で自動的に生成された説明">
+            <a:extLst>
+              <a:ext uri="{FF2B5EF4-FFF2-40B4-BE49-F238E27FC236}">
+                <a16:creationId xmlns:a16="http://schemas.microsoft.com/office/drawing/2014/main" id="{FE1C2CC5-186A-38BE-DAD1-978CA2AF3C88}"/>
+              </a:ext>
+            </a:extLst>
+          </p:cNvPr>
+          <p:cNvPicPr>
+            <a:picLocks noChangeAspect="1"/>
+          </p:cNvPicPr>
+          <p:nvPr/>
+        </p:nvPicPr>
+        <p:blipFill rotWithShape="1">
+          <a:blip r:embed="rId7">
+            <a:duotone>
+              <a:schemeClr val="accent5">
+                <a:shade val="45000"/>
+                <a:satMod val="135000"/>
+              </a:schemeClr>
+              <a:prstClr val="white"/>
+            </a:duotone>
+          </a:blip>
+          <a:srcRect l="9600" r="9760"/>
+          <a:stretch/>
+        </p:blipFill>
+        <p:spPr>
+          <a:xfrm>
+            <a:off x="3894893" y="3795615"/>
+            <a:ext cx="391886" cy="485968"/>
+          </a:xfrm>
+          <a:prstGeom prst="rect">
+            <a:avLst/>
+          </a:prstGeom>
+          <a:noFill/>
+        </p:spPr>
+      </p:pic>
+      <p:pic>
+        <p:nvPicPr>
+          <p:cNvPr id="67" name="図 66" descr="黒い背景に白い文字がある&#10;&#10;中程度の精度で自動的に生成された説明">
+            <a:extLst>
+              <a:ext uri="{FF2B5EF4-FFF2-40B4-BE49-F238E27FC236}">
+                <a16:creationId xmlns:a16="http://schemas.microsoft.com/office/drawing/2014/main" id="{BECCE6CA-4802-0025-16D9-EEC491700A08}"/>
+              </a:ext>
+            </a:extLst>
+          </p:cNvPr>
+          <p:cNvPicPr>
+            <a:picLocks noChangeAspect="1"/>
+          </p:cNvPicPr>
+          <p:nvPr/>
+        </p:nvPicPr>
+        <p:blipFill rotWithShape="1">
+          <a:blip r:embed="rId7">
+            <a:duotone>
+              <a:schemeClr val="accent2">
+                <a:shade val="45000"/>
+                <a:satMod val="135000"/>
+              </a:schemeClr>
+              <a:prstClr val="white"/>
+            </a:duotone>
+          </a:blip>
+          <a:srcRect l="9600" r="9760"/>
+          <a:stretch/>
+        </p:blipFill>
+        <p:spPr>
+          <a:xfrm>
+            <a:off x="4440355" y="3806383"/>
+            <a:ext cx="391886" cy="485968"/>
+          </a:xfrm>
+          <a:prstGeom prst="rect">
+            <a:avLst/>
+          </a:prstGeom>
+          <a:noFill/>
+        </p:spPr>
+      </p:pic>
+      <mc:AlternateContent xmlns:mc="http://schemas.openxmlformats.org/markup-compatibility/2006">
+        <mc:Choice xmlns:a14="http://schemas.microsoft.com/office/drawing/2010/main" Requires="a14">
+          <p:sp>
+            <p:nvSpPr>
+              <p:cNvPr id="95" name="テキスト ボックス 94">
+                <a:extLst>
+                  <a:ext uri="{FF2B5EF4-FFF2-40B4-BE49-F238E27FC236}">
+                    <a16:creationId xmlns:a16="http://schemas.microsoft.com/office/drawing/2014/main" id="{4303081A-1DE8-662E-A9F9-EC2DDF8C753B}"/>
+                  </a:ext>
+                </a:extLst>
+              </p:cNvPr>
+              <p:cNvSpPr txBox="1"/>
+              <p:nvPr/>
+            </p:nvSpPr>
+            <p:spPr>
+              <a:xfrm>
+                <a:off x="2659614" y="4342577"/>
+                <a:ext cx="2874035" cy="523220"/>
+              </a:xfrm>
+              <a:prstGeom prst="rect">
+                <a:avLst/>
+              </a:prstGeom>
+              <a:noFill/>
+            </p:spPr>
+            <p:txBody>
+              <a:bodyPr wrap="square" rtlCol="0" anchor="ctr">
+                <a:spAutoFit/>
+              </a:bodyPr>
+              <a:lstStyle/>
+              <a:p>
+                <a:pPr algn="ctr"/>
+                <a:r>
+                  <a:rPr kumimoji="1" lang="ja-JP" altLang="en-US" sz="1400">
+                    <a:latin typeface="Hiragino Sans W4" panose="020B0400000000000000" pitchFamily="34" charset="-128"/>
+                    <a:ea typeface="Hiragino Sans W4" panose="020B0400000000000000" pitchFamily="34" charset="-128"/>
+                  </a:rPr>
+                  <a:t>問題</a:t>
+                </a:r>
+                <a14:m>
+                  <m:oMath xmlns:m="http://schemas.openxmlformats.org/officeDocument/2006/math">
+                    <m:r>
+                      <a:rPr kumimoji="1" lang="en-US" altLang="ja-JP" sz="1400" b="0" i="1" smtClean="0">
+                        <a:latin typeface="Cambria Math" panose="02040503050406030204" pitchFamily="18" charset="0"/>
+                        <a:ea typeface="Hiragino Kaku Gothic Pro W3" panose="020B0300000000000000" pitchFamily="34" charset="-128"/>
+                      </a:rPr>
+                      <m:t>𝛼</m:t>
+                    </m:r>
+                  </m:oMath>
+                </a14:m>
+                <a:r>
+                  <a:rPr kumimoji="1" lang="ja-JP" altLang="en-US" sz="1400">
+                    <a:latin typeface="Hiragino Sans W4" panose="020B0400000000000000" pitchFamily="34" charset="-128"/>
+                    <a:ea typeface="Hiragino Sans W4" panose="020B0400000000000000" pitchFamily="34" charset="-128"/>
+                  </a:rPr>
+                  <a:t>に対して</a:t>
+                </a:r>
+                <a:r>
+                  <a:rPr kumimoji="1" lang="en-US" altLang="ja-JP" sz="1400" dirty="0">
+                    <a:latin typeface="Hiragino Sans W4" panose="020B0400000000000000" pitchFamily="34" charset="-128"/>
+                    <a:ea typeface="Hiragino Sans W4" panose="020B0400000000000000" pitchFamily="34" charset="-128"/>
+                  </a:rPr>
+                  <a:t>GitHub Copilot</a:t>
+                </a:r>
+                <a:r>
+                  <a:rPr kumimoji="1" lang="ja-JP" altLang="en-US" sz="1400">
+                    <a:latin typeface="Hiragino Sans W4" panose="020B0400000000000000" pitchFamily="34" charset="-128"/>
+                    <a:ea typeface="Hiragino Sans W4" panose="020B0400000000000000" pitchFamily="34" charset="-128"/>
+                  </a:rPr>
+                  <a:t>が</a:t>
+                </a:r>
+                <a:endParaRPr kumimoji="1" lang="en-US" altLang="ja-JP" sz="1400" dirty="0">
+                  <a:latin typeface="Hiragino Sans W4" panose="020B0400000000000000" pitchFamily="34" charset="-128"/>
+                  <a:ea typeface="Hiragino Sans W4" panose="020B0400000000000000" pitchFamily="34" charset="-128"/>
+                </a:endParaRPr>
+              </a:p>
+              <a:p>
+                <a:pPr algn="ctr"/>
+                <a:r>
+                  <a:rPr kumimoji="1" lang="ja-JP" altLang="en-US" sz="1400">
+                    <a:latin typeface="Hiragino Sans W4" panose="020B0400000000000000" pitchFamily="34" charset="-128"/>
+                    <a:ea typeface="Hiragino Sans W4" panose="020B0400000000000000" pitchFamily="34" charset="-128"/>
+                  </a:rPr>
+                  <a:t>推薦した各</a:t>
+                </a:r>
+                <a:r>
+                  <a:rPr kumimoji="1" lang="ja-AU" altLang="en-US" sz="1400" dirty="0">
+                    <a:latin typeface="Hiragino Sans W4" panose="020B0400000000000000" pitchFamily="34" charset="-128"/>
+                    <a:ea typeface="Hiragino Sans W4" panose="020B0400000000000000" pitchFamily="34" charset="-128"/>
+                  </a:rPr>
+                  <a:t>コード</a:t>
+                </a:r>
+                <a:endParaRPr kumimoji="1" lang="ja-JP" altLang="en-US" sz="1400">
+                  <a:latin typeface="Hiragino Sans W4" panose="020B0400000000000000" pitchFamily="34" charset="-128"/>
+                  <a:ea typeface="Hiragino Sans W4" panose="020B0400000000000000" pitchFamily="34" charset="-128"/>
+                </a:endParaRPr>
+              </a:p>
+            </p:txBody>
+          </p:sp>
+        </mc:Choice>
+        <mc:Fallback>
+          <p:sp>
+            <p:nvSpPr>
+              <p:cNvPr id="95" name="テキスト ボックス 94">
+                <a:extLst>
+                  <a:ext uri="{FF2B5EF4-FFF2-40B4-BE49-F238E27FC236}">
+                    <a16:creationId xmlns:a16="http://schemas.microsoft.com/office/drawing/2014/main" id="{4303081A-1DE8-662E-A9F9-EC2DDF8C753B}"/>
+                  </a:ext>
+                </a:extLst>
+              </p:cNvPr>
+              <p:cNvSpPr txBox="1">
+                <a:spLocks noRot="1" noChangeAspect="1" noMove="1" noResize="1" noEditPoints="1" noAdjustHandles="1" noChangeArrowheads="1" noChangeShapeType="1" noTextEdit="1"/>
+              </p:cNvSpPr>
+              <p:nvPr/>
+            </p:nvSpPr>
+            <p:spPr>
+              <a:xfrm>
+                <a:off x="2659614" y="4342577"/>
+                <a:ext cx="2874035" cy="523220"/>
+              </a:xfrm>
+              <a:prstGeom prst="rect">
+                <a:avLst/>
+              </a:prstGeom>
+              <a:blipFill>
+                <a:blip r:embed="rId12"/>
+                <a:stretch>
+                  <a:fillRect l="-441" r="-441" b="-9302"/>
+                </a:stretch>
+              </a:blipFill>
+            </p:spPr>
+            <p:txBody>
+              <a:bodyPr/>
+              <a:lstStyle/>
+              <a:p>
+                <a:r>
+                  <a:rPr lang="ja-AU" altLang="en-US">
+                    <a:noFill/>
+                  </a:rPr>
+                  <a:t> </a:t>
+                </a:r>
+              </a:p>
+            </p:txBody>
+          </p:sp>
+        </mc:Fallback>
+      </mc:AlternateContent>
+      <p:grpSp>
+        <p:nvGrpSpPr>
+          <p:cNvPr id="96" name="グループ化 95">
+            <a:extLst>
+              <a:ext uri="{FF2B5EF4-FFF2-40B4-BE49-F238E27FC236}">
+                <a16:creationId xmlns:a16="http://schemas.microsoft.com/office/drawing/2014/main" id="{389258FC-EA40-0A0E-97C3-35B2EC1CB4F3}"/>
+              </a:ext>
+            </a:extLst>
+          </p:cNvPr>
+          <p:cNvGrpSpPr/>
+          <p:nvPr/>
+        </p:nvGrpSpPr>
+        <p:grpSpPr>
+          <a:xfrm>
+            <a:off x="666829" y="3669999"/>
+            <a:ext cx="601944" cy="712459"/>
+            <a:chOff x="10578525" y="2033062"/>
+            <a:chExt cx="601944" cy="712459"/>
+          </a:xfrm>
+        </p:grpSpPr>
+        <p:grpSp>
+          <p:nvGrpSpPr>
+            <p:cNvPr id="97" name="グループ化 96">
+              <a:extLst>
+                <a:ext uri="{FF2B5EF4-FFF2-40B4-BE49-F238E27FC236}">
+                  <a16:creationId xmlns:a16="http://schemas.microsoft.com/office/drawing/2014/main" id="{9760C00C-BEF7-CFDE-5AF1-35D4156548F4}"/>
+                </a:ext>
+              </a:extLst>
+            </p:cNvPr>
+            <p:cNvGrpSpPr/>
+            <p:nvPr/>
+          </p:nvGrpSpPr>
+          <p:grpSpPr>
+            <a:xfrm>
+              <a:off x="10578525" y="2033062"/>
+              <a:ext cx="391886" cy="542811"/>
+              <a:chOff x="9443884" y="2091230"/>
+              <a:chExt cx="391886" cy="542811"/>
+            </a:xfrm>
+          </p:grpSpPr>
+          <p:sp>
+            <p:nvSpPr>
+              <p:cNvPr id="107" name="1 つの角を切り取った四角形 106">
+                <a:extLst>
+                  <a:ext uri="{FF2B5EF4-FFF2-40B4-BE49-F238E27FC236}">
+                    <a16:creationId xmlns:a16="http://schemas.microsoft.com/office/drawing/2014/main" id="{B3C240B3-1B26-779C-E14C-F1BBC31B0E32}"/>
+                  </a:ext>
+                </a:extLst>
+              </p:cNvPr>
+              <p:cNvSpPr/>
+              <p:nvPr/>
+            </p:nvSpPr>
+            <p:spPr>
+              <a:xfrm>
+                <a:off x="9480821" y="2091230"/>
+                <a:ext cx="326720" cy="542811"/>
+              </a:xfrm>
+              <a:prstGeom prst="snip1Rect">
+                <a:avLst>
+                  <a:gd name="adj" fmla="val 29994"/>
+                </a:avLst>
+              </a:prstGeom>
+              <a:solidFill>
+                <a:schemeClr val="bg1"/>
+              </a:solidFill>
+              <a:ln>
+                <a:noFill/>
+              </a:ln>
+              <a:effectLst>
+                <a:glow rad="127000">
+                  <a:schemeClr val="bg1"/>
+                </a:glow>
+              </a:effectLst>
+              <a:scene3d>
+                <a:camera prst="isometricLeftDown">
+                  <a:rot lat="2100000" lon="10800000" rev="0"/>
+                </a:camera>
+                <a:lightRig rig="threePt" dir="t"/>
+              </a:scene3d>
+            </p:spPr>
+            <p:style>
+              <a:lnRef idx="2">
+                <a:schemeClr val="accent1">
+                  <a:shade val="50000"/>
+                </a:schemeClr>
+              </a:lnRef>
+              <a:fillRef idx="1">
+                <a:schemeClr val="accent1"/>
+              </a:fillRef>
+              <a:effectRef idx="0">
+                <a:schemeClr val="accent1"/>
+              </a:effectRef>
+              <a:fontRef idx="minor">
+                <a:schemeClr val="lt1"/>
+              </a:fontRef>
+            </p:style>
+            <p:txBody>
+              <a:bodyPr rtlCol="0" anchor="ctr">
+                <a:flatTx/>
+              </a:bodyPr>
+              <a:lstStyle/>
+              <a:p>
+                <a:pPr algn="ctr"/>
+                <a:endParaRPr kumimoji="1" lang="ja-JP" altLang="en-US" dirty="0">
+                  <a:latin typeface="Hiragino Sans W4" panose="020B0400000000000000" pitchFamily="34" charset="-128"/>
+                  <a:ea typeface="Hiragino Sans W4" panose="020B0400000000000000" pitchFamily="34" charset="-128"/>
+                </a:endParaRPr>
+              </a:p>
+            </p:txBody>
+          </p:sp>
+          <p:pic>
+            <p:nvPicPr>
+              <p:cNvPr id="108" name="図 107" descr="黒い背景に白い文字がある&#10;&#10;中程度の精度で自動的に生成された説明">
+                <a:extLst>
+                  <a:ext uri="{FF2B5EF4-FFF2-40B4-BE49-F238E27FC236}">
+                    <a16:creationId xmlns:a16="http://schemas.microsoft.com/office/drawing/2014/main" id="{7CF0F1A3-CFA8-138C-2906-91D966734A5E}"/>
+                  </a:ext>
+                </a:extLst>
+              </p:cNvPr>
+              <p:cNvPicPr>
+                <a:picLocks noChangeAspect="1"/>
+              </p:cNvPicPr>
+              <p:nvPr/>
+            </p:nvPicPr>
+            <p:blipFill rotWithShape="1">
+              <a:blip r:embed="rId7">
+                <a:grayscl/>
+              </a:blip>
+              <a:srcRect l="9600" r="9760"/>
+              <a:stretch/>
+            </p:blipFill>
+            <p:spPr>
+              <a:xfrm>
+                <a:off x="9443884" y="2114840"/>
+                <a:ext cx="391886" cy="485968"/>
+              </a:xfrm>
+              <a:prstGeom prst="rect">
+                <a:avLst/>
+              </a:prstGeom>
+              <a:noFill/>
+            </p:spPr>
+          </p:pic>
+        </p:grpSp>
+        <p:grpSp>
+          <p:nvGrpSpPr>
+            <p:cNvPr id="99" name="グループ化 98">
+              <a:extLst>
+                <a:ext uri="{FF2B5EF4-FFF2-40B4-BE49-F238E27FC236}">
+                  <a16:creationId xmlns:a16="http://schemas.microsoft.com/office/drawing/2014/main" id="{02B01AA8-2A4D-1384-7852-029854BFD16D}"/>
+                </a:ext>
+              </a:extLst>
+            </p:cNvPr>
+            <p:cNvGrpSpPr/>
+            <p:nvPr/>
+          </p:nvGrpSpPr>
+          <p:grpSpPr>
+            <a:xfrm>
+              <a:off x="10686068" y="2107257"/>
+              <a:ext cx="391886" cy="542811"/>
+              <a:chOff x="9443884" y="2091230"/>
+              <a:chExt cx="391886" cy="542811"/>
+            </a:xfrm>
+          </p:grpSpPr>
+          <p:sp>
+            <p:nvSpPr>
+              <p:cNvPr id="105" name="1 つの角を切り取った四角形 104">
+                <a:extLst>
+                  <a:ext uri="{FF2B5EF4-FFF2-40B4-BE49-F238E27FC236}">
+                    <a16:creationId xmlns:a16="http://schemas.microsoft.com/office/drawing/2014/main" id="{9358E7CB-C0D4-4461-6A2E-797080630E0A}"/>
+                  </a:ext>
+                </a:extLst>
+              </p:cNvPr>
+              <p:cNvSpPr/>
+              <p:nvPr/>
+            </p:nvSpPr>
+            <p:spPr>
+              <a:xfrm>
+                <a:off x="9480821" y="2091230"/>
+                <a:ext cx="326720" cy="542811"/>
+              </a:xfrm>
+              <a:prstGeom prst="snip1Rect">
+                <a:avLst>
+                  <a:gd name="adj" fmla="val 29994"/>
+                </a:avLst>
+              </a:prstGeom>
+              <a:solidFill>
+                <a:schemeClr val="bg1"/>
+              </a:solidFill>
+              <a:ln>
+                <a:noFill/>
+              </a:ln>
+              <a:effectLst>
+                <a:glow rad="127000">
+                  <a:schemeClr val="bg1"/>
+                </a:glow>
+              </a:effectLst>
+              <a:scene3d>
+                <a:camera prst="isometricLeftDown">
+                  <a:rot lat="2100000" lon="10800000" rev="0"/>
+                </a:camera>
+                <a:lightRig rig="threePt" dir="t"/>
+              </a:scene3d>
+            </p:spPr>
+            <p:style>
+              <a:lnRef idx="2">
+                <a:schemeClr val="accent1">
+                  <a:shade val="50000"/>
+                </a:schemeClr>
+              </a:lnRef>
+              <a:fillRef idx="1">
+                <a:schemeClr val="accent1"/>
+              </a:fillRef>
+              <a:effectRef idx="0">
+                <a:schemeClr val="accent1"/>
+              </a:effectRef>
+              <a:fontRef idx="minor">
+                <a:schemeClr val="lt1"/>
+              </a:fontRef>
+            </p:style>
+            <p:txBody>
+              <a:bodyPr rtlCol="0" anchor="ctr">
+                <a:flatTx/>
+              </a:bodyPr>
+              <a:lstStyle/>
+              <a:p>
+                <a:pPr algn="ctr"/>
+                <a:endParaRPr kumimoji="1" lang="ja-JP" altLang="en-US" dirty="0">
+                  <a:latin typeface="Hiragino Sans W4" panose="020B0400000000000000" pitchFamily="34" charset="-128"/>
+                  <a:ea typeface="Hiragino Sans W4" panose="020B0400000000000000" pitchFamily="34" charset="-128"/>
+                </a:endParaRPr>
+              </a:p>
+            </p:txBody>
+          </p:sp>
+          <p:pic>
+            <p:nvPicPr>
+              <p:cNvPr id="106" name="図 105" descr="黒い背景に白い文字がある&#10;&#10;中程度の精度で自動的に生成された説明">
+                <a:extLst>
+                  <a:ext uri="{FF2B5EF4-FFF2-40B4-BE49-F238E27FC236}">
+                    <a16:creationId xmlns:a16="http://schemas.microsoft.com/office/drawing/2014/main" id="{9D888B50-791B-3CAC-AAAD-735A4F2873E0}"/>
+                  </a:ext>
+                </a:extLst>
+              </p:cNvPr>
+              <p:cNvPicPr>
+                <a:picLocks noChangeAspect="1"/>
+              </p:cNvPicPr>
+              <p:nvPr/>
+            </p:nvPicPr>
+            <p:blipFill rotWithShape="1">
+              <a:blip r:embed="rId7">
+                <a:grayscl/>
+              </a:blip>
+              <a:srcRect l="9600" r="9760"/>
+              <a:stretch/>
+            </p:blipFill>
+            <p:spPr>
+              <a:xfrm>
+                <a:off x="9443884" y="2114840"/>
+                <a:ext cx="391886" cy="485968"/>
+              </a:xfrm>
+              <a:prstGeom prst="rect">
+                <a:avLst/>
+              </a:prstGeom>
+              <a:noFill/>
+            </p:spPr>
+          </p:pic>
+        </p:grpSp>
+        <p:grpSp>
+          <p:nvGrpSpPr>
+            <p:cNvPr id="100" name="グループ化 99">
+              <a:extLst>
+                <a:ext uri="{FF2B5EF4-FFF2-40B4-BE49-F238E27FC236}">
+                  <a16:creationId xmlns:a16="http://schemas.microsoft.com/office/drawing/2014/main" id="{99076652-8C60-1F73-4AF5-FE399BEA916D}"/>
+                </a:ext>
+              </a:extLst>
+            </p:cNvPr>
+            <p:cNvGrpSpPr/>
+            <p:nvPr/>
+          </p:nvGrpSpPr>
+          <p:grpSpPr>
+            <a:xfrm>
+              <a:off x="10788583" y="2202710"/>
+              <a:ext cx="391886" cy="542811"/>
+              <a:chOff x="9443884" y="2091230"/>
+              <a:chExt cx="391886" cy="542811"/>
+            </a:xfrm>
+          </p:grpSpPr>
+          <p:sp>
+            <p:nvSpPr>
+              <p:cNvPr id="102" name="1 つの角を切り取った四角形 101">
+                <a:extLst>
+                  <a:ext uri="{FF2B5EF4-FFF2-40B4-BE49-F238E27FC236}">
+                    <a16:creationId xmlns:a16="http://schemas.microsoft.com/office/drawing/2014/main" id="{988CE70A-36A3-B345-224F-CEB8F35B3DEF}"/>
+                  </a:ext>
+                </a:extLst>
+              </p:cNvPr>
+              <p:cNvSpPr/>
+              <p:nvPr/>
+            </p:nvSpPr>
+            <p:spPr>
+              <a:xfrm>
+                <a:off x="9480821" y="2091230"/>
+                <a:ext cx="326720" cy="542811"/>
+              </a:xfrm>
+              <a:prstGeom prst="snip1Rect">
+                <a:avLst>
+                  <a:gd name="adj" fmla="val 29994"/>
+                </a:avLst>
+              </a:prstGeom>
+              <a:solidFill>
+                <a:schemeClr val="bg1"/>
+              </a:solidFill>
+              <a:ln>
+                <a:noFill/>
+              </a:ln>
+              <a:effectLst>
+                <a:glow rad="127000">
+                  <a:schemeClr val="bg1"/>
+                </a:glow>
+              </a:effectLst>
+              <a:scene3d>
+                <a:camera prst="isometricLeftDown">
+                  <a:rot lat="2100000" lon="10800000" rev="0"/>
+                </a:camera>
+                <a:lightRig rig="threePt" dir="t"/>
+              </a:scene3d>
+            </p:spPr>
+            <p:style>
+              <a:lnRef idx="2">
+                <a:schemeClr val="accent1">
+                  <a:shade val="50000"/>
+                </a:schemeClr>
+              </a:lnRef>
+              <a:fillRef idx="1">
+                <a:schemeClr val="accent1"/>
+              </a:fillRef>
+              <a:effectRef idx="0">
+                <a:schemeClr val="accent1"/>
+              </a:effectRef>
+              <a:fontRef idx="minor">
+                <a:schemeClr val="lt1"/>
+              </a:fontRef>
+            </p:style>
+            <p:txBody>
+              <a:bodyPr rtlCol="0" anchor="ctr">
+                <a:flatTx/>
+              </a:bodyPr>
+              <a:lstStyle/>
+              <a:p>
+                <a:pPr algn="ctr"/>
+                <a:endParaRPr kumimoji="1" lang="ja-JP" altLang="en-US" dirty="0">
+                  <a:latin typeface="Hiragino Sans W4" panose="020B0400000000000000" pitchFamily="34" charset="-128"/>
+                  <a:ea typeface="Hiragino Sans W4" panose="020B0400000000000000" pitchFamily="34" charset="-128"/>
+                </a:endParaRPr>
+              </a:p>
+            </p:txBody>
+          </p:sp>
+          <p:pic>
+            <p:nvPicPr>
+              <p:cNvPr id="104" name="図 103" descr="黒い背景に白い文字がある&#10;&#10;中程度の精度で自動的に生成された説明">
+                <a:extLst>
+                  <a:ext uri="{FF2B5EF4-FFF2-40B4-BE49-F238E27FC236}">
+                    <a16:creationId xmlns:a16="http://schemas.microsoft.com/office/drawing/2014/main" id="{0667AD23-72D1-F049-B73B-F838570B8C27}"/>
+                  </a:ext>
+                </a:extLst>
+              </p:cNvPr>
+              <p:cNvPicPr>
+                <a:picLocks noChangeAspect="1"/>
+              </p:cNvPicPr>
+              <p:nvPr/>
+            </p:nvPicPr>
+            <p:blipFill rotWithShape="1">
+              <a:blip r:embed="rId7">
+                <a:grayscl/>
+              </a:blip>
+              <a:srcRect l="9600" r="9760"/>
+              <a:stretch/>
+            </p:blipFill>
+            <p:spPr>
+              <a:xfrm>
+                <a:off x="9443884" y="2114840"/>
+                <a:ext cx="391886" cy="485968"/>
+              </a:xfrm>
+              <a:prstGeom prst="rect">
+                <a:avLst/>
+              </a:prstGeom>
+              <a:noFill/>
+            </p:spPr>
+          </p:pic>
+        </p:grpSp>
+      </p:grpSp>
+      <mc:AlternateContent xmlns:mc="http://schemas.openxmlformats.org/markup-compatibility/2006">
+        <mc:Choice xmlns:a14="http://schemas.microsoft.com/office/drawing/2010/main" Requires="a14">
+          <p:sp>
+            <p:nvSpPr>
+              <p:cNvPr id="109" name="テキスト ボックス 108">
+                <a:extLst>
+                  <a:ext uri="{FF2B5EF4-FFF2-40B4-BE49-F238E27FC236}">
+                    <a16:creationId xmlns:a16="http://schemas.microsoft.com/office/drawing/2014/main" id="{8F2CC369-1F88-DBC1-0EFD-341A45F2BCEE}"/>
+                  </a:ext>
+                </a:extLst>
+              </p:cNvPr>
+              <p:cNvSpPr txBox="1"/>
+              <p:nvPr/>
+            </p:nvSpPr>
+            <p:spPr>
+              <a:xfrm>
+                <a:off x="157964" y="4411160"/>
+                <a:ext cx="1823113" cy="523220"/>
+              </a:xfrm>
+              <a:prstGeom prst="rect">
+                <a:avLst/>
+              </a:prstGeom>
+              <a:noFill/>
+            </p:spPr>
+            <p:txBody>
+              <a:bodyPr wrap="square" rtlCol="0" anchor="ctr">
+                <a:spAutoFit/>
+              </a:bodyPr>
+              <a:lstStyle/>
+              <a:p>
+                <a:pPr algn="ctr"/>
+                <a:r>
+                  <a:rPr lang="ja-JP" altLang="en-US" sz="1400">
+                    <a:latin typeface="Hiragino Sans W4" panose="020B0400000000000000" pitchFamily="34" charset="-128"/>
+                    <a:ea typeface="Hiragino Sans W4" panose="020B0400000000000000" pitchFamily="34" charset="-128"/>
+                  </a:rPr>
+                  <a:t>問</a:t>
+                </a:r>
+                <a14:m>
+                  <m:oMath xmlns:m="http://schemas.openxmlformats.org/officeDocument/2006/math">
+                    <m:r>
+                      <a:rPr lang="en-US" altLang="ja-JP" sz="1400" b="0" i="1" smtClean="0">
+                        <a:latin typeface="Cambria Math" panose="02040503050406030204" pitchFamily="18" charset="0"/>
+                        <a:ea typeface="Hiragino Kaku Gothic Pro W3" panose="020B0300000000000000" pitchFamily="34" charset="-128"/>
+                      </a:rPr>
+                      <m:t>𝛼</m:t>
+                    </m:r>
+                  </m:oMath>
+                </a14:m>
+                <a:r>
+                  <a:rPr lang="ja-JP" altLang="en-US" sz="1400">
+                    <a:latin typeface="Hiragino Sans W4" panose="020B0400000000000000" pitchFamily="34" charset="-128"/>
+                    <a:ea typeface="Hiragino Sans W4" panose="020B0400000000000000" pitchFamily="34" charset="-128"/>
+                  </a:rPr>
+                  <a:t>に対する</a:t>
+                </a:r>
+                <a:endParaRPr lang="en-US" altLang="ja-JP" sz="1400" dirty="0">
+                  <a:latin typeface="Hiragino Sans W4" panose="020B0400000000000000" pitchFamily="34" charset="-128"/>
+                  <a:ea typeface="Hiragino Sans W4" panose="020B0400000000000000" pitchFamily="34" charset="-128"/>
+                </a:endParaRPr>
+              </a:p>
+              <a:p>
+                <a:pPr algn="ctr"/>
+                <a:r>
+                  <a:rPr kumimoji="1" lang="ja-JP" altLang="en-US" sz="1400">
+                    <a:latin typeface="Hiragino Sans W4" panose="020B0400000000000000" pitchFamily="34" charset="-128"/>
+                    <a:ea typeface="Hiragino Sans W4" panose="020B0400000000000000" pitchFamily="34" charset="-128"/>
+                  </a:rPr>
+                  <a:t>テストケースの入力</a:t>
+                </a:r>
+              </a:p>
+            </p:txBody>
+          </p:sp>
+        </mc:Choice>
+        <mc:Fallback>
+          <p:sp>
+            <p:nvSpPr>
+              <p:cNvPr id="109" name="テキスト ボックス 108">
+                <a:extLst>
+                  <a:ext uri="{FF2B5EF4-FFF2-40B4-BE49-F238E27FC236}">
+                    <a16:creationId xmlns:a16="http://schemas.microsoft.com/office/drawing/2014/main" id="{8F2CC369-1F88-DBC1-0EFD-341A45F2BCEE}"/>
+                  </a:ext>
+                </a:extLst>
+              </p:cNvPr>
+              <p:cNvSpPr txBox="1">
+                <a:spLocks noRot="1" noChangeAspect="1" noMove="1" noResize="1" noEditPoints="1" noAdjustHandles="1" noChangeArrowheads="1" noChangeShapeType="1" noTextEdit="1"/>
+              </p:cNvSpPr>
+              <p:nvPr/>
+            </p:nvSpPr>
+            <p:spPr>
+              <a:xfrm>
+                <a:off x="157964" y="4411160"/>
+                <a:ext cx="1823113" cy="523220"/>
+              </a:xfrm>
+              <a:prstGeom prst="rect">
+                <a:avLst/>
+              </a:prstGeom>
+              <a:blipFill>
+                <a:blip r:embed="rId13"/>
+                <a:stretch>
+                  <a:fillRect t="-2381" b="-9524"/>
+                </a:stretch>
+              </a:blipFill>
+            </p:spPr>
+            <p:txBody>
+              <a:bodyPr/>
+              <a:lstStyle/>
+              <a:p>
+                <a:r>
+                  <a:rPr lang="ja-AU" altLang="en-US">
+                    <a:noFill/>
+                  </a:rPr>
+                  <a:t> </a:t>
+                </a:r>
+              </a:p>
+            </p:txBody>
+          </p:sp>
+        </mc:Fallback>
+      </mc:AlternateContent>
+      <p:pic>
+        <p:nvPicPr>
+          <p:cNvPr id="110" name="図 109" descr="黒い背景に白い文字がある&#10;&#10;中程度の精度で自動的に生成された説明">
+            <a:extLst>
+              <a:ext uri="{FF2B5EF4-FFF2-40B4-BE49-F238E27FC236}">
+                <a16:creationId xmlns:a16="http://schemas.microsoft.com/office/drawing/2014/main" id="{FD7F5B9A-D357-E2DF-C862-1DBBF8898093}"/>
+              </a:ext>
+            </a:extLst>
+          </p:cNvPr>
+          <p:cNvPicPr>
+            <a:picLocks noChangeAspect="1"/>
+          </p:cNvPicPr>
+          <p:nvPr/>
+        </p:nvPicPr>
+        <p:blipFill rotWithShape="1">
+          <a:blip r:embed="rId7">
+            <a:duotone>
+              <a:schemeClr val="accent6">
+                <a:shade val="45000"/>
+                <a:satMod val="135000"/>
+              </a:schemeClr>
+              <a:prstClr val="white"/>
+            </a:duotone>
+          </a:blip>
+          <a:srcRect l="9600" r="9760"/>
+          <a:stretch/>
+        </p:blipFill>
+        <p:spPr>
+          <a:xfrm>
+            <a:off x="3355439" y="5381820"/>
+            <a:ext cx="391886" cy="485968"/>
+          </a:xfrm>
+          <a:prstGeom prst="rect">
+            <a:avLst/>
+          </a:prstGeom>
+          <a:noFill/>
+        </p:spPr>
+      </p:pic>
+      <p:pic>
+        <p:nvPicPr>
+          <p:cNvPr id="111" name="図 110" descr="黒い背景に白い文字がある&#10;&#10;中程度の精度で自動的に生成された説明">
+            <a:extLst>
+              <a:ext uri="{FF2B5EF4-FFF2-40B4-BE49-F238E27FC236}">
+                <a16:creationId xmlns:a16="http://schemas.microsoft.com/office/drawing/2014/main" id="{D9CDC796-F8CA-809E-2023-EFC2DBFD4178}"/>
+              </a:ext>
+            </a:extLst>
+          </p:cNvPr>
+          <p:cNvPicPr>
+            <a:picLocks noChangeAspect="1"/>
+          </p:cNvPicPr>
+          <p:nvPr/>
+        </p:nvPicPr>
+        <p:blipFill rotWithShape="1">
+          <a:blip r:embed="rId7">
+            <a:duotone>
+              <a:schemeClr val="accent5">
+                <a:shade val="45000"/>
+                <a:satMod val="135000"/>
+              </a:schemeClr>
+              <a:prstClr val="white"/>
+            </a:duotone>
+          </a:blip>
+          <a:srcRect l="9600" r="9760"/>
+          <a:stretch/>
+        </p:blipFill>
+        <p:spPr>
+          <a:xfrm>
+            <a:off x="3937590" y="5387781"/>
+            <a:ext cx="391886" cy="485968"/>
+          </a:xfrm>
+          <a:prstGeom prst="rect">
+            <a:avLst/>
+          </a:prstGeom>
+          <a:noFill/>
+        </p:spPr>
+      </p:pic>
+      <p:pic>
+        <p:nvPicPr>
+          <p:cNvPr id="114" name="図 113" descr="黒い背景に白い文字がある&#10;&#10;中程度の精度で自動的に生成された説明">
+            <a:extLst>
+              <a:ext uri="{FF2B5EF4-FFF2-40B4-BE49-F238E27FC236}">
+                <a16:creationId xmlns:a16="http://schemas.microsoft.com/office/drawing/2014/main" id="{A3DBD783-0521-DB9D-016B-77485F76FA95}"/>
+              </a:ext>
+            </a:extLst>
+          </p:cNvPr>
+          <p:cNvPicPr>
+            <a:picLocks noChangeAspect="1"/>
+          </p:cNvPicPr>
+          <p:nvPr/>
+        </p:nvPicPr>
+        <p:blipFill rotWithShape="1">
+          <a:blip r:embed="rId7">
+            <a:duotone>
+              <a:schemeClr val="accent2">
+                <a:shade val="45000"/>
+                <a:satMod val="135000"/>
+              </a:schemeClr>
+              <a:prstClr val="white"/>
+            </a:duotone>
+          </a:blip>
+          <a:srcRect l="9600" r="9760"/>
+          <a:stretch/>
+        </p:blipFill>
+        <p:spPr>
+          <a:xfrm>
+            <a:off x="4440355" y="5384508"/>
+            <a:ext cx="391886" cy="485968"/>
+          </a:xfrm>
+          <a:prstGeom prst="rect">
+            <a:avLst/>
+          </a:prstGeom>
+          <a:noFill/>
+        </p:spPr>
+      </p:pic>
+      <p:sp>
+        <p:nvSpPr>
+          <p:cNvPr id="115" name="テキスト ボックス 114">
+            <a:extLst>
+              <a:ext uri="{FF2B5EF4-FFF2-40B4-BE49-F238E27FC236}">
+                <a16:creationId xmlns:a16="http://schemas.microsoft.com/office/drawing/2014/main" id="{F807B782-C023-480B-37D6-C61AAE4A9AF4}"/>
+              </a:ext>
+            </a:extLst>
+          </p:cNvPr>
+          <p:cNvSpPr txBox="1"/>
+          <p:nvPr/>
+        </p:nvSpPr>
+        <p:spPr>
+          <a:xfrm>
+            <a:off x="3180703" y="5951678"/>
+            <a:ext cx="1917505" cy="307777"/>
+          </a:xfrm>
+          <a:prstGeom prst="rect">
+            <a:avLst/>
+          </a:prstGeom>
+          <a:noFill/>
+        </p:spPr>
+        <p:txBody>
+          <a:bodyPr wrap="square" rtlCol="0" anchor="ctr">
+            <a:spAutoFit/>
+          </a:bodyPr>
+          <a:lstStyle/>
+          <a:p>
+            <a:pPr algn="ctr"/>
+            <a:r>
+              <a:rPr lang="ja-JP" altLang="en-US" sz="1400">
+                <a:latin typeface="Hiragino Sans W4" panose="020B0400000000000000" pitchFamily="34" charset="-128"/>
+                <a:ea typeface="Hiragino Sans W4" panose="020B0400000000000000" pitchFamily="34" charset="-128"/>
+              </a:rPr>
+              <a:t>各</a:t>
+            </a:r>
+            <a:r>
+              <a:rPr lang="ja-AU" altLang="en-US" sz="1400" dirty="0">
+                <a:latin typeface="Hiragino Sans W4" panose="020B0400000000000000" pitchFamily="34" charset="-128"/>
+                <a:ea typeface="Hiragino Sans W4" panose="020B0400000000000000" pitchFamily="34" charset="-128"/>
+              </a:rPr>
+              <a:t>コード</a:t>
+            </a:r>
+            <a:r>
+              <a:rPr lang="ja-JP" altLang="en-US" sz="1400">
+                <a:latin typeface="Hiragino Sans W4" panose="020B0400000000000000" pitchFamily="34" charset="-128"/>
+                <a:ea typeface="Hiragino Sans W4" panose="020B0400000000000000" pitchFamily="34" charset="-128"/>
+              </a:rPr>
+              <a:t>の出力</a:t>
+            </a:r>
+            <a:endParaRPr kumimoji="1" lang="ja-JP" altLang="en-US" sz="1400">
+              <a:latin typeface="Hiragino Sans W4" panose="020B0400000000000000" pitchFamily="34" charset="-128"/>
+              <a:ea typeface="Hiragino Sans W4" panose="020B0400000000000000" pitchFamily="34" charset="-128"/>
+            </a:endParaRPr>
+          </a:p>
+        </p:txBody>
+      </p:sp>
+      <p:grpSp>
+        <p:nvGrpSpPr>
+          <p:cNvPr id="116" name="グループ化 115">
+            <a:extLst>
+              <a:ext uri="{FF2B5EF4-FFF2-40B4-BE49-F238E27FC236}">
+                <a16:creationId xmlns:a16="http://schemas.microsoft.com/office/drawing/2014/main" id="{0A8E5F54-2074-650F-786E-6CED75CB8EE9}"/>
+              </a:ext>
+            </a:extLst>
+          </p:cNvPr>
+          <p:cNvGrpSpPr/>
+          <p:nvPr/>
+        </p:nvGrpSpPr>
+        <p:grpSpPr>
+          <a:xfrm>
+            <a:off x="714429" y="5203388"/>
+            <a:ext cx="601944" cy="712459"/>
+            <a:chOff x="10578525" y="2033062"/>
+            <a:chExt cx="601944" cy="712459"/>
+          </a:xfrm>
+        </p:grpSpPr>
+        <p:grpSp>
+          <p:nvGrpSpPr>
+            <p:cNvPr id="117" name="グループ化 116">
+              <a:extLst>
+                <a:ext uri="{FF2B5EF4-FFF2-40B4-BE49-F238E27FC236}">
+                  <a16:creationId xmlns:a16="http://schemas.microsoft.com/office/drawing/2014/main" id="{78EF1919-8CE5-8645-8427-085C104969AB}"/>
+                </a:ext>
+              </a:extLst>
+            </p:cNvPr>
+            <p:cNvGrpSpPr/>
+            <p:nvPr/>
+          </p:nvGrpSpPr>
+          <p:grpSpPr>
+            <a:xfrm>
+              <a:off x="10578525" y="2033062"/>
+              <a:ext cx="391886" cy="542811"/>
+              <a:chOff x="9443884" y="2091230"/>
+              <a:chExt cx="391886" cy="542811"/>
+            </a:xfrm>
+          </p:grpSpPr>
+          <p:sp>
+            <p:nvSpPr>
+              <p:cNvPr id="582" name="1 つの角を切り取った四角形 581">
+                <a:extLst>
+                  <a:ext uri="{FF2B5EF4-FFF2-40B4-BE49-F238E27FC236}">
+                    <a16:creationId xmlns:a16="http://schemas.microsoft.com/office/drawing/2014/main" id="{2512288A-5AF9-4866-163F-483CFB33246A}"/>
+                  </a:ext>
+                </a:extLst>
+              </p:cNvPr>
+              <p:cNvSpPr/>
+              <p:nvPr/>
+            </p:nvSpPr>
+            <p:spPr>
+              <a:xfrm>
+                <a:off x="9480821" y="2091230"/>
+                <a:ext cx="326720" cy="542811"/>
+              </a:xfrm>
+              <a:prstGeom prst="snip1Rect">
+                <a:avLst>
+                  <a:gd name="adj" fmla="val 29994"/>
+                </a:avLst>
+              </a:prstGeom>
+              <a:solidFill>
+                <a:schemeClr val="bg1"/>
+              </a:solidFill>
+              <a:ln>
+                <a:noFill/>
+              </a:ln>
+              <a:effectLst>
+                <a:glow rad="127000">
+                  <a:schemeClr val="bg1"/>
+                </a:glow>
+              </a:effectLst>
+              <a:scene3d>
+                <a:camera prst="isometricLeftDown">
+                  <a:rot lat="2100000" lon="10800000" rev="0"/>
+                </a:camera>
+                <a:lightRig rig="threePt" dir="t"/>
+              </a:scene3d>
+            </p:spPr>
+            <p:style>
+              <a:lnRef idx="2">
+                <a:schemeClr val="accent1">
+                  <a:shade val="50000"/>
+                </a:schemeClr>
+              </a:lnRef>
+              <a:fillRef idx="1">
+                <a:schemeClr val="accent1"/>
+              </a:fillRef>
+              <a:effectRef idx="0">
+                <a:schemeClr val="accent1"/>
+              </a:effectRef>
+              <a:fontRef idx="minor">
+                <a:schemeClr val="lt1"/>
+              </a:fontRef>
+            </p:style>
+            <p:txBody>
+              <a:bodyPr rtlCol="0" anchor="ctr">
+                <a:flatTx/>
+              </a:bodyPr>
+              <a:lstStyle/>
+              <a:p>
+                <a:pPr algn="ctr"/>
+                <a:endParaRPr kumimoji="1" lang="ja-JP" altLang="en-US" dirty="0">
+                  <a:latin typeface="Hiragino Sans W4" panose="020B0400000000000000" pitchFamily="34" charset="-128"/>
+                  <a:ea typeface="Hiragino Sans W4" panose="020B0400000000000000" pitchFamily="34" charset="-128"/>
+                </a:endParaRPr>
+              </a:p>
+            </p:txBody>
+          </p:sp>
+          <p:pic>
+            <p:nvPicPr>
+              <p:cNvPr id="583" name="図 582" descr="黒い背景に白い文字がある&#10;&#10;中程度の精度で自動的に生成された説明">
+                <a:extLst>
+                  <a:ext uri="{FF2B5EF4-FFF2-40B4-BE49-F238E27FC236}">
+                    <a16:creationId xmlns:a16="http://schemas.microsoft.com/office/drawing/2014/main" id="{C1495558-BAD5-AD3A-63C1-56E81C1A2763}"/>
+                  </a:ext>
+                </a:extLst>
+              </p:cNvPr>
+              <p:cNvPicPr>
+                <a:picLocks noChangeAspect="1"/>
+              </p:cNvPicPr>
+              <p:nvPr/>
+            </p:nvPicPr>
+            <p:blipFill rotWithShape="1">
+              <a:blip r:embed="rId7">
+                <a:grayscl/>
+              </a:blip>
+              <a:srcRect l="9600" r="9760"/>
+              <a:stretch/>
+            </p:blipFill>
+            <p:spPr>
+              <a:xfrm>
+                <a:off x="9443884" y="2114840"/>
+                <a:ext cx="391886" cy="485968"/>
+              </a:xfrm>
+              <a:prstGeom prst="rect">
+                <a:avLst/>
+              </a:prstGeom>
+              <a:noFill/>
+            </p:spPr>
+          </p:pic>
+        </p:grpSp>
+        <p:grpSp>
+          <p:nvGrpSpPr>
+            <p:cNvPr id="119" name="グループ化 118">
+              <a:extLst>
+                <a:ext uri="{FF2B5EF4-FFF2-40B4-BE49-F238E27FC236}">
+                  <a16:creationId xmlns:a16="http://schemas.microsoft.com/office/drawing/2014/main" id="{EC5EBF67-D673-227E-9939-3709AE674CE0}"/>
+                </a:ext>
+              </a:extLst>
+            </p:cNvPr>
+            <p:cNvGrpSpPr/>
+            <p:nvPr/>
+          </p:nvGrpSpPr>
+          <p:grpSpPr>
+            <a:xfrm>
+              <a:off x="10686068" y="2107257"/>
+              <a:ext cx="391886" cy="542811"/>
+              <a:chOff x="9443884" y="2091230"/>
+              <a:chExt cx="391886" cy="542811"/>
+            </a:xfrm>
+          </p:grpSpPr>
+          <p:sp>
+            <p:nvSpPr>
+              <p:cNvPr id="579" name="1 つの角を切り取った四角形 578">
+                <a:extLst>
+                  <a:ext uri="{FF2B5EF4-FFF2-40B4-BE49-F238E27FC236}">
+                    <a16:creationId xmlns:a16="http://schemas.microsoft.com/office/drawing/2014/main" id="{F3A2BD2B-94CA-C6B8-1B8E-396528F2BD9A}"/>
+                  </a:ext>
+                </a:extLst>
+              </p:cNvPr>
+              <p:cNvSpPr/>
+              <p:nvPr/>
+            </p:nvSpPr>
+            <p:spPr>
+              <a:xfrm>
+                <a:off x="9480821" y="2091230"/>
+                <a:ext cx="326720" cy="542811"/>
+              </a:xfrm>
+              <a:prstGeom prst="snip1Rect">
+                <a:avLst>
+                  <a:gd name="adj" fmla="val 29994"/>
+                </a:avLst>
+              </a:prstGeom>
+              <a:solidFill>
+                <a:schemeClr val="bg1"/>
+              </a:solidFill>
+              <a:ln>
+                <a:noFill/>
+              </a:ln>
+              <a:effectLst>
+                <a:glow rad="127000">
+                  <a:schemeClr val="bg1"/>
+                </a:glow>
+              </a:effectLst>
+              <a:scene3d>
+                <a:camera prst="isometricLeftDown">
+                  <a:rot lat="2100000" lon="10800000" rev="0"/>
+                </a:camera>
+                <a:lightRig rig="threePt" dir="t"/>
+              </a:scene3d>
+            </p:spPr>
+            <p:style>
+              <a:lnRef idx="2">
+                <a:schemeClr val="accent1">
+                  <a:shade val="50000"/>
+                </a:schemeClr>
+              </a:lnRef>
+              <a:fillRef idx="1">
+                <a:schemeClr val="accent1"/>
+              </a:fillRef>
+              <a:effectRef idx="0">
+                <a:schemeClr val="accent1"/>
+              </a:effectRef>
+              <a:fontRef idx="minor">
+                <a:schemeClr val="lt1"/>
+              </a:fontRef>
+            </p:style>
+            <p:txBody>
+              <a:bodyPr rtlCol="0" anchor="ctr">
+                <a:flatTx/>
+              </a:bodyPr>
+              <a:lstStyle/>
+              <a:p>
+                <a:pPr algn="ctr"/>
+                <a:endParaRPr kumimoji="1" lang="ja-JP" altLang="en-US" dirty="0">
+                  <a:latin typeface="Hiragino Sans W4" panose="020B0400000000000000" pitchFamily="34" charset="-128"/>
+                  <a:ea typeface="Hiragino Sans W4" panose="020B0400000000000000" pitchFamily="34" charset="-128"/>
+                </a:endParaRPr>
+              </a:p>
+            </p:txBody>
+          </p:sp>
+          <p:pic>
+            <p:nvPicPr>
+              <p:cNvPr id="580" name="図 579" descr="黒い背景に白い文字がある&#10;&#10;中程度の精度で自動的に生成された説明">
+                <a:extLst>
+                  <a:ext uri="{FF2B5EF4-FFF2-40B4-BE49-F238E27FC236}">
+                    <a16:creationId xmlns:a16="http://schemas.microsoft.com/office/drawing/2014/main" id="{8AA5126D-F2BE-5D74-C3AA-F762B7DD27F5}"/>
+                  </a:ext>
+                </a:extLst>
+              </p:cNvPr>
+              <p:cNvPicPr>
+                <a:picLocks noChangeAspect="1"/>
+              </p:cNvPicPr>
+              <p:nvPr/>
+            </p:nvPicPr>
+            <p:blipFill rotWithShape="1">
+              <a:blip r:embed="rId7">
+                <a:grayscl/>
+              </a:blip>
+              <a:srcRect l="9600" r="9760"/>
+              <a:stretch/>
+            </p:blipFill>
+            <p:spPr>
+              <a:xfrm>
+                <a:off x="9443884" y="2114840"/>
+                <a:ext cx="391886" cy="485968"/>
+              </a:xfrm>
+              <a:prstGeom prst="rect">
+                <a:avLst/>
+              </a:prstGeom>
+              <a:noFill/>
+            </p:spPr>
+          </p:pic>
+        </p:grpSp>
+        <p:grpSp>
+          <p:nvGrpSpPr>
+            <p:cNvPr id="576" name="グループ化 575">
+              <a:extLst>
+                <a:ext uri="{FF2B5EF4-FFF2-40B4-BE49-F238E27FC236}">
+                  <a16:creationId xmlns:a16="http://schemas.microsoft.com/office/drawing/2014/main" id="{B8231BAC-5260-EAF4-4927-FA9F3CE409FD}"/>
+                </a:ext>
+              </a:extLst>
+            </p:cNvPr>
+            <p:cNvGrpSpPr/>
+            <p:nvPr/>
+          </p:nvGrpSpPr>
+          <p:grpSpPr>
+            <a:xfrm>
+              <a:off x="10788583" y="2202710"/>
+              <a:ext cx="391886" cy="542811"/>
+              <a:chOff x="9443884" y="2091230"/>
+              <a:chExt cx="391886" cy="542811"/>
+            </a:xfrm>
+          </p:grpSpPr>
+          <p:sp>
+            <p:nvSpPr>
+              <p:cNvPr id="577" name="1 つの角を切り取った四角形 576">
+                <a:extLst>
+                  <a:ext uri="{FF2B5EF4-FFF2-40B4-BE49-F238E27FC236}">
+                    <a16:creationId xmlns:a16="http://schemas.microsoft.com/office/drawing/2014/main" id="{B4A441F2-574C-B145-CE8B-04F39A99AF75}"/>
+                  </a:ext>
+                </a:extLst>
+              </p:cNvPr>
+              <p:cNvSpPr/>
+              <p:nvPr/>
+            </p:nvSpPr>
+            <p:spPr>
+              <a:xfrm>
+                <a:off x="9480821" y="2091230"/>
+                <a:ext cx="326720" cy="542811"/>
+              </a:xfrm>
+              <a:prstGeom prst="snip1Rect">
+                <a:avLst>
+                  <a:gd name="adj" fmla="val 29994"/>
+                </a:avLst>
+              </a:prstGeom>
+              <a:solidFill>
+                <a:schemeClr val="bg1"/>
+              </a:solidFill>
+              <a:ln>
+                <a:noFill/>
+              </a:ln>
+              <a:effectLst>
+                <a:glow rad="127000">
+                  <a:schemeClr val="bg1"/>
+                </a:glow>
+              </a:effectLst>
+              <a:scene3d>
+                <a:camera prst="isometricLeftDown">
+                  <a:rot lat="2100000" lon="10800000" rev="0"/>
+                </a:camera>
+                <a:lightRig rig="threePt" dir="t"/>
+              </a:scene3d>
+            </p:spPr>
+            <p:style>
+              <a:lnRef idx="2">
+                <a:schemeClr val="accent1">
+                  <a:shade val="50000"/>
+                </a:schemeClr>
+              </a:lnRef>
+              <a:fillRef idx="1">
+                <a:schemeClr val="accent1"/>
+              </a:fillRef>
+              <a:effectRef idx="0">
+                <a:schemeClr val="accent1"/>
+              </a:effectRef>
+              <a:fontRef idx="minor">
+                <a:schemeClr val="lt1"/>
+              </a:fontRef>
+            </p:style>
+            <p:txBody>
+              <a:bodyPr rtlCol="0" anchor="ctr">
+                <a:flatTx/>
+              </a:bodyPr>
+              <a:lstStyle/>
+              <a:p>
+                <a:pPr algn="ctr"/>
+                <a:endParaRPr kumimoji="1" lang="ja-JP" altLang="en-US" dirty="0">
+                  <a:latin typeface="Hiragino Sans W4" panose="020B0400000000000000" pitchFamily="34" charset="-128"/>
+                  <a:ea typeface="Hiragino Sans W4" panose="020B0400000000000000" pitchFamily="34" charset="-128"/>
+                </a:endParaRPr>
+              </a:p>
+            </p:txBody>
+          </p:sp>
+          <p:pic>
+            <p:nvPicPr>
+              <p:cNvPr id="578" name="図 577" descr="黒い背景に白い文字がある&#10;&#10;中程度の精度で自動的に生成された説明">
+                <a:extLst>
+                  <a:ext uri="{FF2B5EF4-FFF2-40B4-BE49-F238E27FC236}">
+                    <a16:creationId xmlns:a16="http://schemas.microsoft.com/office/drawing/2014/main" id="{A7FB8F72-CFB9-CDCA-7FB4-9AD82B5645B6}"/>
+                  </a:ext>
+                </a:extLst>
+              </p:cNvPr>
+              <p:cNvPicPr>
+                <a:picLocks noChangeAspect="1"/>
+              </p:cNvPicPr>
+              <p:nvPr/>
+            </p:nvPicPr>
+            <p:blipFill rotWithShape="1">
+              <a:blip r:embed="rId7">
+                <a:grayscl/>
+              </a:blip>
+              <a:srcRect l="9600" r="9760"/>
+              <a:stretch/>
+            </p:blipFill>
+            <p:spPr>
+              <a:xfrm>
+                <a:off x="9443884" y="2114840"/>
+                <a:ext cx="391886" cy="485968"/>
+              </a:xfrm>
+              <a:prstGeom prst="rect">
+                <a:avLst/>
+              </a:prstGeom>
+              <a:noFill/>
+            </p:spPr>
+          </p:pic>
+        </p:grpSp>
+      </p:grpSp>
+      <mc:AlternateContent xmlns:mc="http://schemas.openxmlformats.org/markup-compatibility/2006">
+        <mc:Choice xmlns:a14="http://schemas.microsoft.com/office/drawing/2010/main" Requires="a14">
+          <p:sp>
+            <p:nvSpPr>
+              <p:cNvPr id="584" name="テキスト ボックス 583">
+                <a:extLst>
+                  <a:ext uri="{FF2B5EF4-FFF2-40B4-BE49-F238E27FC236}">
+                    <a16:creationId xmlns:a16="http://schemas.microsoft.com/office/drawing/2014/main" id="{5C5B9764-BA25-24FB-892E-F1D927B3C2C9}"/>
+                  </a:ext>
+                </a:extLst>
+              </p:cNvPr>
+              <p:cNvSpPr txBox="1"/>
+              <p:nvPr/>
+            </p:nvSpPr>
+            <p:spPr>
+              <a:xfrm>
+                <a:off x="108492" y="5957836"/>
+                <a:ext cx="1797095" cy="523220"/>
+              </a:xfrm>
+              <a:prstGeom prst="rect">
+                <a:avLst/>
+              </a:prstGeom>
+              <a:noFill/>
+            </p:spPr>
+            <p:txBody>
+              <a:bodyPr wrap="square" rtlCol="0" anchor="ctr">
+                <a:spAutoFit/>
+              </a:bodyPr>
+              <a:lstStyle/>
+              <a:p>
+                <a:pPr algn="ctr"/>
+                <a:r>
+                  <a:rPr lang="ja-JP" altLang="en-US" sz="1400">
+                    <a:latin typeface="Hiragino Sans W4" panose="020B0400000000000000" pitchFamily="34" charset="-128"/>
+                    <a:ea typeface="Hiragino Sans W4" panose="020B0400000000000000" pitchFamily="34" charset="-128"/>
+                  </a:rPr>
+                  <a:t>問題</a:t>
+                </a:r>
+                <a14:m>
+                  <m:oMath xmlns:m="http://schemas.openxmlformats.org/officeDocument/2006/math">
+                    <m:r>
+                      <a:rPr lang="en-US" altLang="ja-JP" sz="1400" b="0" i="1" smtClean="0">
+                        <a:latin typeface="Cambria Math" panose="02040503050406030204" pitchFamily="18" charset="0"/>
+                        <a:ea typeface="Hiragino Kaku Gothic Pro W3" panose="020B0300000000000000" pitchFamily="34" charset="-128"/>
+                      </a:rPr>
+                      <m:t>𝛼</m:t>
+                    </m:r>
+                  </m:oMath>
+                </a14:m>
+                <a:r>
+                  <a:rPr lang="ja-JP" altLang="en-US" sz="1400">
+                    <a:latin typeface="Hiragino Sans W4" panose="020B0400000000000000" pitchFamily="34" charset="-128"/>
+                    <a:ea typeface="Hiragino Sans W4" panose="020B0400000000000000" pitchFamily="34" charset="-128"/>
+                  </a:rPr>
+                  <a:t>に対する</a:t>
+                </a:r>
+                <a:endParaRPr lang="en-US" altLang="ja-JP" sz="1400" dirty="0">
+                  <a:latin typeface="Hiragino Sans W4" panose="020B0400000000000000" pitchFamily="34" charset="-128"/>
+                  <a:ea typeface="Hiragino Sans W4" panose="020B0400000000000000" pitchFamily="34" charset="-128"/>
+                </a:endParaRPr>
+              </a:p>
+              <a:p>
+                <a:pPr algn="ctr"/>
+                <a:r>
+                  <a:rPr kumimoji="1" lang="ja-JP" altLang="en-US" sz="1400">
+                    <a:latin typeface="Hiragino Sans W4" panose="020B0400000000000000" pitchFamily="34" charset="-128"/>
+                    <a:ea typeface="Hiragino Sans W4" panose="020B0400000000000000" pitchFamily="34" charset="-128"/>
+                  </a:rPr>
+                  <a:t>テストケースの出力</a:t>
+                </a:r>
+              </a:p>
+            </p:txBody>
+          </p:sp>
+        </mc:Choice>
+        <mc:Fallback>
+          <p:sp>
+            <p:nvSpPr>
+              <p:cNvPr id="584" name="テキスト ボックス 583">
+                <a:extLst>
+                  <a:ext uri="{FF2B5EF4-FFF2-40B4-BE49-F238E27FC236}">
+                    <a16:creationId xmlns:a16="http://schemas.microsoft.com/office/drawing/2014/main" id="{5C5B9764-BA25-24FB-892E-F1D927B3C2C9}"/>
+                  </a:ext>
+                </a:extLst>
+              </p:cNvPr>
+              <p:cNvSpPr txBox="1">
+                <a:spLocks noRot="1" noChangeAspect="1" noMove="1" noResize="1" noEditPoints="1" noAdjustHandles="1" noChangeArrowheads="1" noChangeShapeType="1" noTextEdit="1"/>
+              </p:cNvSpPr>
+              <p:nvPr/>
+            </p:nvSpPr>
+            <p:spPr>
+              <a:xfrm>
+                <a:off x="108492" y="5957836"/>
+                <a:ext cx="1797095" cy="523220"/>
+              </a:xfrm>
+              <a:prstGeom prst="rect">
+                <a:avLst/>
+              </a:prstGeom>
+              <a:blipFill>
+                <a:blip r:embed="rId14"/>
+                <a:stretch>
+                  <a:fillRect l="-699" r="-699" b="-9302"/>
+                </a:stretch>
+              </a:blipFill>
+            </p:spPr>
+            <p:txBody>
+              <a:bodyPr/>
+              <a:lstStyle/>
+              <a:p>
+                <a:r>
+                  <a:rPr lang="ja-AU" altLang="en-US">
+                    <a:noFill/>
+                  </a:rPr>
+                  <a:t> </a:t>
+                </a:r>
+              </a:p>
+            </p:txBody>
+          </p:sp>
+        </mc:Fallback>
+      </mc:AlternateContent>
+      <p:sp>
+        <p:nvSpPr>
+          <p:cNvPr id="585" name="テキスト ボックス 584">
+            <a:extLst>
+              <a:ext uri="{FF2B5EF4-FFF2-40B4-BE49-F238E27FC236}">
+                <a16:creationId xmlns:a16="http://schemas.microsoft.com/office/drawing/2014/main" id="{F98966AC-9EE8-4FD7-833A-C4B2EA588A18}"/>
+              </a:ext>
+            </a:extLst>
+          </p:cNvPr>
+          <p:cNvSpPr txBox="1"/>
+          <p:nvPr/>
+        </p:nvSpPr>
+        <p:spPr>
+          <a:xfrm>
+            <a:off x="2057314" y="6148154"/>
+            <a:ext cx="1160959" cy="307777"/>
+          </a:xfrm>
+          <a:prstGeom prst="rect">
+            <a:avLst/>
+          </a:prstGeom>
+          <a:noFill/>
+          <a:ln w="19050">
+            <a:solidFill>
+              <a:schemeClr val="tx1"/>
+            </a:solidFill>
+          </a:ln>
+        </p:spPr>
+        <p:txBody>
+          <a:bodyPr wrap="square" rtlCol="0" anchor="ctr">
+            <a:spAutoFit/>
+          </a:bodyPr>
+          <a:lstStyle/>
+          <a:p>
+            <a:pPr algn="ctr"/>
+            <a:r>
+              <a:rPr kumimoji="1" lang="ja-JP" altLang="en-US" sz="1400">
+                <a:latin typeface="Hiragino Sans W4" panose="020B0400000000000000" pitchFamily="34" charset="-128"/>
+                <a:ea typeface="Hiragino Sans W4" panose="020B0400000000000000" pitchFamily="34" charset="-128"/>
+              </a:rPr>
+              <a:t>比較＆評価</a:t>
+            </a:r>
+          </a:p>
+        </p:txBody>
+      </p:sp>
+      <p:cxnSp>
+        <p:nvCxnSpPr>
+          <p:cNvPr id="586" name="直線矢印コネクタ 585">
+            <a:extLst>
+              <a:ext uri="{FF2B5EF4-FFF2-40B4-BE49-F238E27FC236}">
+                <a16:creationId xmlns:a16="http://schemas.microsoft.com/office/drawing/2014/main" id="{B02C1738-77DB-9F1D-460C-C06CC123E6E7}"/>
+              </a:ext>
+            </a:extLst>
+          </p:cNvPr>
+          <p:cNvCxnSpPr>
+            <a:cxnSpLocks/>
+          </p:cNvCxnSpPr>
+          <p:nvPr/>
+        </p:nvCxnSpPr>
+        <p:spPr>
+          <a:xfrm>
+            <a:off x="1663277" y="4094513"/>
+            <a:ext cx="1389460" cy="0"/>
+          </a:xfrm>
+          <a:prstGeom prst="straightConnector1">
+            <a:avLst/>
+          </a:prstGeom>
+          <a:ln w="19050">
+            <a:solidFill>
+              <a:schemeClr val="tx1"/>
+            </a:solidFill>
+            <a:tailEnd type="triangle"/>
+          </a:ln>
+        </p:spPr>
+        <p:style>
+          <a:lnRef idx="1">
+            <a:schemeClr val="accent1"/>
+          </a:lnRef>
+          <a:fillRef idx="0">
+            <a:schemeClr val="accent1"/>
+          </a:fillRef>
+          <a:effectRef idx="0">
+            <a:schemeClr val="accent1"/>
+          </a:effectRef>
+          <a:fontRef idx="minor">
+            <a:schemeClr val="tx1"/>
+          </a:fontRef>
+        </p:style>
+      </p:cxnSp>
+      <p:cxnSp>
+        <p:nvCxnSpPr>
+          <p:cNvPr id="587" name="直線矢印コネクタ 586">
+            <a:extLst>
+              <a:ext uri="{FF2B5EF4-FFF2-40B4-BE49-F238E27FC236}">
+                <a16:creationId xmlns:a16="http://schemas.microsoft.com/office/drawing/2014/main" id="{F1639C5F-79DF-8B97-324F-C14487E20E82}"/>
+              </a:ext>
+            </a:extLst>
+          </p:cNvPr>
+          <p:cNvCxnSpPr>
+            <a:cxnSpLocks/>
+          </p:cNvCxnSpPr>
+          <p:nvPr/>
+        </p:nvCxnSpPr>
+        <p:spPr>
+          <a:xfrm>
+            <a:off x="4133945" y="4911237"/>
+            <a:ext cx="0" cy="370343"/>
+          </a:xfrm>
+          <a:prstGeom prst="straightConnector1">
+            <a:avLst/>
+          </a:prstGeom>
+          <a:ln w="19050">
+            <a:solidFill>
+              <a:schemeClr val="tx1"/>
+            </a:solidFill>
+            <a:tailEnd type="triangle"/>
+          </a:ln>
+        </p:spPr>
+        <p:style>
+          <a:lnRef idx="1">
+            <a:schemeClr val="accent1"/>
+          </a:lnRef>
+          <a:fillRef idx="0">
+            <a:schemeClr val="accent1"/>
+          </a:fillRef>
+          <a:effectRef idx="0">
+            <a:schemeClr val="accent1"/>
+          </a:effectRef>
+          <a:fontRef idx="minor">
+            <a:schemeClr val="tx1"/>
+          </a:fontRef>
+        </p:style>
+      </p:cxnSp>
+      <p:cxnSp>
+        <p:nvCxnSpPr>
+          <p:cNvPr id="588" name="直線矢印コネクタ 587">
+            <a:extLst>
+              <a:ext uri="{FF2B5EF4-FFF2-40B4-BE49-F238E27FC236}">
+                <a16:creationId xmlns:a16="http://schemas.microsoft.com/office/drawing/2014/main" id="{D52D88BF-D8C1-0D15-95F7-49E5048EB1F0}"/>
+              </a:ext>
+            </a:extLst>
+          </p:cNvPr>
+          <p:cNvCxnSpPr>
+            <a:cxnSpLocks/>
+          </p:cNvCxnSpPr>
+          <p:nvPr/>
+        </p:nvCxnSpPr>
+        <p:spPr>
+          <a:xfrm>
+            <a:off x="1691658" y="5712966"/>
+            <a:ext cx="1361079" cy="0"/>
+          </a:xfrm>
+          <a:prstGeom prst="straightConnector1">
+            <a:avLst/>
+          </a:prstGeom>
+          <a:ln w="19050">
+            <a:solidFill>
+              <a:schemeClr val="tx1"/>
+            </a:solidFill>
+            <a:tailEnd type="none"/>
+          </a:ln>
+        </p:spPr>
+        <p:style>
+          <a:lnRef idx="1">
+            <a:schemeClr val="accent1"/>
+          </a:lnRef>
+          <a:fillRef idx="0">
+            <a:schemeClr val="accent1"/>
+          </a:fillRef>
+          <a:effectRef idx="0">
+            <a:schemeClr val="accent1"/>
+          </a:effectRef>
+          <a:fontRef idx="minor">
+            <a:schemeClr val="tx1"/>
+          </a:fontRef>
+        </p:style>
+      </p:cxnSp>
+      <p:cxnSp>
+        <p:nvCxnSpPr>
+          <p:cNvPr id="589" name="直線矢印コネクタ 588">
+            <a:extLst>
+              <a:ext uri="{FF2B5EF4-FFF2-40B4-BE49-F238E27FC236}">
+                <a16:creationId xmlns:a16="http://schemas.microsoft.com/office/drawing/2014/main" id="{FDB43159-42A1-7227-EA7D-CDDEBE12CC51}"/>
+              </a:ext>
+            </a:extLst>
+          </p:cNvPr>
+          <p:cNvCxnSpPr>
+            <a:cxnSpLocks/>
+          </p:cNvCxnSpPr>
+          <p:nvPr/>
+        </p:nvCxnSpPr>
+        <p:spPr>
+          <a:xfrm>
+            <a:off x="2628936" y="5702259"/>
+            <a:ext cx="0" cy="370343"/>
+          </a:xfrm>
+          <a:prstGeom prst="straightConnector1">
+            <a:avLst/>
+          </a:prstGeom>
+          <a:ln w="19050">
+            <a:solidFill>
+              <a:schemeClr val="tx1"/>
+            </a:solidFill>
+            <a:tailEnd type="triangle"/>
+          </a:ln>
+        </p:spPr>
+        <p:style>
+          <a:lnRef idx="1">
+            <a:schemeClr val="accent1"/>
+          </a:lnRef>
+          <a:fillRef idx="0">
+            <a:schemeClr val="accent1"/>
+          </a:fillRef>
+          <a:effectRef idx="0">
+            <a:schemeClr val="accent1"/>
+          </a:effectRef>
+          <a:fontRef idx="minor">
+            <a:schemeClr val="tx1"/>
+          </a:fontRef>
+        </p:style>
+      </p:cxnSp>
     </p:spTree>
     <p:extLst>
       <p:ext uri="{BB962C8B-B14F-4D97-AF65-F5344CB8AC3E}">
